--- a/Documentation/Prezentare_Senciuc_Kristine.pptx
+++ b/Documentation/Prezentare_Senciuc_Kristine.pptx
@@ -9479,10 +9479,10 @@
       </p:pic>
       <p:pic>
         <p:nvPicPr>
-          <p:cNvPr id="5" name="Picture 4">
-            <a:extLst>
-              <a:ext uri="{FF2B5EF4-FFF2-40B4-BE49-F238E27FC236}">
-                <a16:creationId xmlns:a16="http://schemas.microsoft.com/office/drawing/2014/main" id="{9740DE1B-ABB7-A2C5-B7A4-552EAD44F6F8}"/>
+          <p:cNvPr id="6" name="Picture 5">
+            <a:extLst>
+              <a:ext uri="{FF2B5EF4-FFF2-40B4-BE49-F238E27FC236}">
+                <a16:creationId xmlns:a16="http://schemas.microsoft.com/office/drawing/2014/main" id="{8E7A38B6-45B0-AF7F-9700-43435D778257}"/>
               </a:ext>
             </a:extLst>
           </p:cNvPr>
@@ -9491,27 +9491,20 @@
           </p:cNvPicPr>
           <p:nvPr/>
         </p:nvPicPr>
-        <p:blipFill rotWithShape="1">
+        <p:blipFill>
           <a:blip r:embed="rId4"/>
-          <a:srcRect r="8097"/>
-          <a:stretch/>
+          <a:stretch>
+            <a:fillRect/>
+          </a:stretch>
         </p:blipFill>
-        <p:spPr bwMode="auto">
-          <a:xfrm>
-            <a:off x="5580636" y="1683229"/>
-            <a:ext cx="6461812" cy="3150108"/>
-          </a:xfrm>
-          <a:prstGeom prst="rect">
-            <a:avLst/>
-          </a:prstGeom>
-          <a:ln>
-            <a:noFill/>
-          </a:ln>
-          <a:extLst>
-            <a:ext uri="{53640926-AAD7-44D8-BBD7-CCE9431645EC}">
-              <a14:shadowObscured xmlns:a14="http://schemas.microsoft.com/office/drawing/2010/main"/>
-            </a:ext>
-          </a:extLst>
+        <p:spPr>
+          <a:xfrm>
+            <a:off x="5687567" y="1685768"/>
+            <a:ext cx="6508065" cy="3486463"/>
+          </a:xfrm>
+          <a:prstGeom prst="rect">
+            <a:avLst/>
+          </a:prstGeom>
         </p:spPr>
       </p:pic>
     </p:spTree>

--- a/Documentation/Prezentare_Senciuc_Kristine.pptx
+++ b/Documentation/Prezentare_Senciuc_Kristine.pptx
@@ -11,11 +11,14 @@
     <p:sldId id="259" r:id="rId5"/>
     <p:sldId id="260" r:id="rId6"/>
     <p:sldId id="261" r:id="rId7"/>
-    <p:sldId id="262" r:id="rId8"/>
-    <p:sldId id="263" r:id="rId9"/>
-    <p:sldId id="264" r:id="rId10"/>
-    <p:sldId id="265" r:id="rId11"/>
-    <p:sldId id="266" r:id="rId12"/>
+    <p:sldId id="267" r:id="rId8"/>
+    <p:sldId id="268" r:id="rId9"/>
+    <p:sldId id="269" r:id="rId10"/>
+    <p:sldId id="262" r:id="rId11"/>
+    <p:sldId id="263" r:id="rId12"/>
+    <p:sldId id="264" r:id="rId13"/>
+    <p:sldId id="265" r:id="rId14"/>
+    <p:sldId id="266" r:id="rId15"/>
   </p:sldIdLst>
   <p:sldSz cx="12192000" cy="6858000"/>
   <p:notesSz cx="6858000" cy="9144000"/>
@@ -3033,53 +3036,6 @@
               <a:t>‹#›</a:t>
             </a:fld>
             <a:endParaRPr lang="ro-RO"/>
-          </a:p>
-        </p:txBody>
-      </p:sp>
-      <p:sp>
-        <p:nvSpPr>
-          <p:cNvPr id="8" name="TextBox 7">
-            <a:extLst>
-              <a:ext uri="{FF2B5EF4-FFF2-40B4-BE49-F238E27FC236}">
-                <a16:creationId xmlns:a16="http://schemas.microsoft.com/office/drawing/2014/main" id="{3698A0BD-8472-FFBE-27A6-D9BE17D41BFD}"/>
-              </a:ext>
-            </a:extLst>
-          </p:cNvPr>
-          <p:cNvSpPr txBox="1"/>
-          <p:nvPr userDrawn="1">
-            <p:extLst>
-              <p:ext uri="{1162E1C5-73C7-4A58-AE30-91384D911F3F}">
-                <p184:classification xmlns:p184="http://schemas.microsoft.com/office/powerpoint/2018/4/main" val="ftr"/>
-              </p:ext>
-            </p:extLst>
-          </p:nvPr>
-        </p:nvSpPr>
-        <p:spPr>
-          <a:xfrm>
-            <a:off x="5925312" y="6736080"/>
-            <a:ext cx="369888" cy="121920"/>
-          </a:xfrm>
-          <a:prstGeom prst="rect">
-            <a:avLst/>
-          </a:prstGeom>
-        </p:spPr>
-        <p:txBody>
-          <a:bodyPr horzOverflow="overflow" lIns="0" tIns="0" rIns="0" bIns="0">
-            <a:spAutoFit/>
-          </a:bodyPr>
-          <a:lstStyle/>
-          <a:p>
-            <a:pPr algn="l"/>
-            <a:r>
-              <a:rPr lang="en-US" sz="800">
-                <a:solidFill>
-                  <a:srgbClr val="000000"/>
-                </a:solidFill>
-                <a:latin typeface="Arial" panose="020B0604020202020204" pitchFamily="34" charset="0"/>
-                <a:cs typeface="Arial" panose="020B0604020202020204" pitchFamily="34" charset="0"/>
-              </a:rPr>
-              <a:t>Internal</a:t>
-            </a:r>
           </a:p>
         </p:txBody>
       </p:sp>
@@ -4633,8 +4589,8 @@
         </p:nvSpPr>
         <p:spPr>
           <a:xfrm>
-            <a:off x="2395728" y="163110"/>
-            <a:ext cx="8951976" cy="638568"/>
+            <a:off x="2816352" y="112462"/>
+            <a:ext cx="3427656" cy="638568"/>
           </a:xfrm>
           <a:prstGeom prst="rect">
             <a:avLst/>
@@ -4688,8 +4644,22 @@
                 </a:solidFill>
                 <a:latin typeface="Calibri" panose="020F0502020204030204"/>
               </a:rPr>
-              <a:t>DIRECȚII DE CONTINUARE A DEZVOLTĂRII</a:t>
-            </a:r>
+              <a:t>IMPLEMENTARE</a:t>
+            </a:r>
+            <a:endParaRPr kumimoji="0" lang="en-US" sz="3600" b="1" i="0" u="none" strike="noStrike" kern="1200" cap="none" spc="-50" normalizeH="0" baseline="0" noProof="0" dirty="0">
+              <a:ln>
+                <a:noFill/>
+              </a:ln>
+              <a:solidFill>
+                <a:srgbClr val="303192"/>
+              </a:solidFill>
+              <a:effectLst/>
+              <a:uLnTx/>
+              <a:uFillTx/>
+              <a:latin typeface="Calibri" panose="020F0502020204030204"/>
+              <a:ea typeface="+mj-ea"/>
+              <a:cs typeface="+mj-cs"/>
+            </a:endParaRPr>
           </a:p>
         </p:txBody>
       </p:sp>
@@ -4859,10 +4829,10 @@
       </p:sp>
       <p:pic>
         <p:nvPicPr>
-          <p:cNvPr id="5" name="Picture 4" descr="A picture containing circle, colorfulness, screenshot, rectangle&#10;&#10;Description automatically generated">
-            <a:extLst>
-              <a:ext uri="{FF2B5EF4-FFF2-40B4-BE49-F238E27FC236}">
-                <a16:creationId xmlns:a16="http://schemas.microsoft.com/office/drawing/2014/main" id="{F5A6C8E8-48E4-A224-3259-A0B27ED7501E}"/>
+          <p:cNvPr id="3" name="Picture 2" descr="A picture containing circle, colorfulness, screenshot, rectangle&#10;&#10;Description automatically generated">
+            <a:extLst>
+              <a:ext uri="{FF2B5EF4-FFF2-40B4-BE49-F238E27FC236}">
+                <a16:creationId xmlns:a16="http://schemas.microsoft.com/office/drawing/2014/main" id="{223F422F-A381-09DE-2789-5922AEBA51BF}"/>
               </a:ext>
             </a:extLst>
           </p:cNvPr>
@@ -4885,7 +4855,7 @@
         </p:blipFill>
         <p:spPr>
           <a:xfrm>
-            <a:off x="2238518" y="2392219"/>
+            <a:off x="230181" y="1172201"/>
             <a:ext cx="1325575" cy="1325575"/>
           </a:xfrm>
           <a:prstGeom prst="rect">
@@ -4893,12 +4863,769 @@
           </a:prstGeom>
         </p:spPr>
       </p:pic>
-      <p:sp>
-        <p:nvSpPr>
-          <p:cNvPr id="6" name="Rectangle 5">
-            <a:extLst>
-              <a:ext uri="{FF2B5EF4-FFF2-40B4-BE49-F238E27FC236}">
-                <a16:creationId xmlns:a16="http://schemas.microsoft.com/office/drawing/2014/main" id="{71756234-0EE7-13FF-3B19-BB5AF242FFC6}"/>
+      <p:pic>
+        <p:nvPicPr>
+          <p:cNvPr id="5" name="Picture 4" descr="A picture containing circle, screenshot, design&#10;&#10;Description automatically generated">
+            <a:extLst>
+              <a:ext uri="{FF2B5EF4-FFF2-40B4-BE49-F238E27FC236}">
+                <a16:creationId xmlns:a16="http://schemas.microsoft.com/office/drawing/2014/main" id="{83B52733-6821-5E7E-19E9-17A84310FE89}"/>
+              </a:ext>
+            </a:extLst>
+          </p:cNvPr>
+          <p:cNvPicPr>
+            <a:picLocks noChangeAspect="1"/>
+          </p:cNvPicPr>
+          <p:nvPr/>
+        </p:nvPicPr>
+        <p:blipFill>
+          <a:blip r:embed="rId4">
+            <a:extLst>
+              <a:ext uri="{28A0092B-C50C-407E-A947-70E740481C1C}">
+                <a14:useLocalDpi xmlns:a14="http://schemas.microsoft.com/office/drawing/2010/main" val="0"/>
+              </a:ext>
+            </a:extLst>
+          </a:blip>
+          <a:stretch>
+            <a:fillRect/>
+          </a:stretch>
+        </p:blipFill>
+        <p:spPr>
+          <a:xfrm>
+            <a:off x="10501630" y="1099488"/>
+            <a:ext cx="1460189" cy="1460189"/>
+          </a:xfrm>
+          <a:prstGeom prst="rect">
+            <a:avLst/>
+          </a:prstGeom>
+        </p:spPr>
+      </p:pic>
+      <p:sp>
+        <p:nvSpPr>
+          <p:cNvPr id="6" name="TextBox 5">
+            <a:extLst>
+              <a:ext uri="{FF2B5EF4-FFF2-40B4-BE49-F238E27FC236}">
+                <a16:creationId xmlns:a16="http://schemas.microsoft.com/office/drawing/2014/main" id="{5145BB29-BF5F-DC47-ABF2-53E7166F5E93}"/>
+              </a:ext>
+            </a:extLst>
+          </p:cNvPr>
+          <p:cNvSpPr txBox="1"/>
+          <p:nvPr/>
+        </p:nvSpPr>
+        <p:spPr>
+          <a:xfrm>
+            <a:off x="1426629" y="1629528"/>
+            <a:ext cx="2779445" cy="400110"/>
+          </a:xfrm>
+          <a:prstGeom prst="rect">
+            <a:avLst/>
+          </a:prstGeom>
+          <a:noFill/>
+        </p:spPr>
+        <p:txBody>
+          <a:bodyPr wrap="square" rtlCol="0">
+            <a:spAutoFit/>
+          </a:bodyPr>
+          <a:lstStyle/>
+          <a:p>
+            <a:pPr algn="ctr"/>
+            <a:r>
+              <a:rPr lang="ro-RO" sz="2000" dirty="0"/>
+              <a:t>APLICAȚIILE MOBILE</a:t>
+            </a:r>
+          </a:p>
+        </p:txBody>
+      </p:sp>
+      <p:sp>
+        <p:nvSpPr>
+          <p:cNvPr id="7" name="TextBox 6">
+            <a:extLst>
+              <a:ext uri="{FF2B5EF4-FFF2-40B4-BE49-F238E27FC236}">
+                <a16:creationId xmlns:a16="http://schemas.microsoft.com/office/drawing/2014/main" id="{28268FA4-745C-4406-6BBE-91627D6FD235}"/>
+              </a:ext>
+            </a:extLst>
+          </p:cNvPr>
+          <p:cNvSpPr txBox="1"/>
+          <p:nvPr/>
+        </p:nvSpPr>
+        <p:spPr>
+          <a:xfrm>
+            <a:off x="7985926" y="1629528"/>
+            <a:ext cx="2779445" cy="400110"/>
+          </a:xfrm>
+          <a:prstGeom prst="rect">
+            <a:avLst/>
+          </a:prstGeom>
+          <a:noFill/>
+        </p:spPr>
+        <p:txBody>
+          <a:bodyPr wrap="square" rtlCol="0">
+            <a:spAutoFit/>
+          </a:bodyPr>
+          <a:lstStyle/>
+          <a:p>
+            <a:pPr algn="ctr"/>
+            <a:r>
+              <a:rPr lang="ro-RO" sz="2000" dirty="0"/>
+              <a:t>APLICAȚIA ARDUINO</a:t>
+            </a:r>
+          </a:p>
+        </p:txBody>
+      </p:sp>
+      <p:pic>
+        <p:nvPicPr>
+          <p:cNvPr id="8" name="Graphic 7" descr="Processor with solid fill">
+            <a:extLst>
+              <a:ext uri="{FF2B5EF4-FFF2-40B4-BE49-F238E27FC236}">
+                <a16:creationId xmlns:a16="http://schemas.microsoft.com/office/drawing/2014/main" id="{9B489B42-C400-951F-A198-B3F606F8AC3B}"/>
+              </a:ext>
+            </a:extLst>
+          </p:cNvPr>
+          <p:cNvPicPr>
+            <a:picLocks noChangeAspect="1"/>
+          </p:cNvPicPr>
+          <p:nvPr/>
+        </p:nvPicPr>
+        <p:blipFill>
+          <a:blip r:embed="rId5">
+            <a:extLst>
+              <a:ext uri="{28A0092B-C50C-407E-A947-70E740481C1C}">
+                <a14:useLocalDpi xmlns:a14="http://schemas.microsoft.com/office/drawing/2010/main" val="0"/>
+              </a:ext>
+              <a:ext uri="{96DAC541-7B7A-43D3-8B79-37D633B846F1}">
+                <asvg:svgBlip xmlns:asvg="http://schemas.microsoft.com/office/drawing/2016/SVG/main" r:embed="rId6"/>
+              </a:ext>
+            </a:extLst>
+          </a:blip>
+          <a:stretch>
+            <a:fillRect/>
+          </a:stretch>
+        </p:blipFill>
+        <p:spPr>
+          <a:xfrm>
+            <a:off x="6761920" y="2867127"/>
+            <a:ext cx="985892" cy="958404"/>
+          </a:xfrm>
+          <a:prstGeom prst="rect">
+            <a:avLst/>
+          </a:prstGeom>
+        </p:spPr>
+      </p:pic>
+      <p:pic>
+        <p:nvPicPr>
+          <p:cNvPr id="9" name="Graphic 8" descr="Internet Of Things outline">
+            <a:extLst>
+              <a:ext uri="{FF2B5EF4-FFF2-40B4-BE49-F238E27FC236}">
+                <a16:creationId xmlns:a16="http://schemas.microsoft.com/office/drawing/2014/main" id="{45B65D8B-78B7-4DCD-7578-05A99074AD7B}"/>
+              </a:ext>
+            </a:extLst>
+          </p:cNvPr>
+          <p:cNvPicPr>
+            <a:picLocks noChangeAspect="1"/>
+          </p:cNvPicPr>
+          <p:nvPr/>
+        </p:nvPicPr>
+        <p:blipFill>
+          <a:blip r:embed="rId7">
+            <a:extLst>
+              <a:ext uri="{28A0092B-C50C-407E-A947-70E740481C1C}">
+                <a14:useLocalDpi xmlns:a14="http://schemas.microsoft.com/office/drawing/2010/main" val="0"/>
+              </a:ext>
+              <a:ext uri="{96DAC541-7B7A-43D3-8B79-37D633B846F1}">
+                <asvg:svgBlip xmlns:asvg="http://schemas.microsoft.com/office/drawing/2016/SVG/main" r:embed="rId8"/>
+              </a:ext>
+            </a:extLst>
+          </a:blip>
+          <a:stretch>
+            <a:fillRect/>
+          </a:stretch>
+        </p:blipFill>
+        <p:spPr>
+          <a:xfrm>
+            <a:off x="6761920" y="4447939"/>
+            <a:ext cx="985892" cy="958404"/>
+          </a:xfrm>
+          <a:prstGeom prst="rect">
+            <a:avLst/>
+          </a:prstGeom>
+        </p:spPr>
+      </p:pic>
+      <p:sp>
+        <p:nvSpPr>
+          <p:cNvPr id="10" name="TextBox 9">
+            <a:extLst>
+              <a:ext uri="{FF2B5EF4-FFF2-40B4-BE49-F238E27FC236}">
+                <a16:creationId xmlns:a16="http://schemas.microsoft.com/office/drawing/2014/main" id="{FB187EB0-E1EE-454D-F6EE-E45C8BFEF6B9}"/>
+              </a:ext>
+            </a:extLst>
+          </p:cNvPr>
+          <p:cNvSpPr txBox="1"/>
+          <p:nvPr/>
+        </p:nvSpPr>
+        <p:spPr>
+          <a:xfrm>
+            <a:off x="7527819" y="2689017"/>
+            <a:ext cx="3320460" cy="1200329"/>
+          </a:xfrm>
+          <a:prstGeom prst="rect">
+            <a:avLst/>
+          </a:prstGeom>
+          <a:noFill/>
+        </p:spPr>
+        <p:txBody>
+          <a:bodyPr wrap="square" rtlCol="0">
+            <a:spAutoFit/>
+          </a:bodyPr>
+          <a:lstStyle/>
+          <a:p>
+            <a:pPr marL="533400" indent="0">
+              <a:spcBef>
+                <a:spcPts val="0"/>
+              </a:spcBef>
+              <a:spcAft>
+                <a:spcPts val="0"/>
+              </a:spcAft>
+              <a:buNone/>
+            </a:pPr>
+            <a:r>
+              <a:rPr lang="ro-RO" b="1" dirty="0"/>
+              <a:t>Implemetarea hardware</a:t>
+            </a:r>
+            <a:endParaRPr lang="en-US" b="1" dirty="0"/>
+          </a:p>
+          <a:p>
+            <a:pPr marL="533400" lvl="0" indent="0">
+              <a:spcBef>
+                <a:spcPts val="0"/>
+              </a:spcBef>
+              <a:spcAft>
+                <a:spcPts val="0"/>
+              </a:spcAft>
+              <a:buNone/>
+            </a:pPr>
+            <a:r>
+              <a:rPr lang="ro-RO" sz="1800" dirty="0">
+                <a:latin typeface="+mj-lt"/>
+              </a:rPr>
+              <a:t>Adăugarea plăcii Arduino Mega și a componentelor necesare</a:t>
+            </a:r>
+            <a:endParaRPr lang="en-US" sz="1800" dirty="0">
+              <a:latin typeface="+mj-lt"/>
+            </a:endParaRPr>
+          </a:p>
+        </p:txBody>
+      </p:sp>
+      <p:sp>
+        <p:nvSpPr>
+          <p:cNvPr id="11" name="TextBox 10">
+            <a:extLst>
+              <a:ext uri="{FF2B5EF4-FFF2-40B4-BE49-F238E27FC236}">
+                <a16:creationId xmlns:a16="http://schemas.microsoft.com/office/drawing/2014/main" id="{AAE400F3-0134-B517-3A43-07CAED773245}"/>
+              </a:ext>
+            </a:extLst>
+          </p:cNvPr>
+          <p:cNvSpPr txBox="1"/>
+          <p:nvPr/>
+        </p:nvSpPr>
+        <p:spPr>
+          <a:xfrm>
+            <a:off x="7527819" y="4187410"/>
+            <a:ext cx="3602279" cy="1477328"/>
+          </a:xfrm>
+          <a:prstGeom prst="rect">
+            <a:avLst/>
+          </a:prstGeom>
+          <a:noFill/>
+        </p:spPr>
+        <p:txBody>
+          <a:bodyPr wrap="square" rtlCol="0">
+            <a:spAutoFit/>
+          </a:bodyPr>
+          <a:lstStyle/>
+          <a:p>
+            <a:pPr marL="533400" indent="0">
+              <a:spcBef>
+                <a:spcPts val="0"/>
+              </a:spcBef>
+              <a:spcAft>
+                <a:spcPts val="0"/>
+              </a:spcAft>
+              <a:buNone/>
+            </a:pPr>
+            <a:r>
+              <a:rPr lang="ro-RO" b="1" dirty="0"/>
+              <a:t>Implementarea software</a:t>
+            </a:r>
+            <a:endParaRPr lang="en-US" b="1" dirty="0"/>
+          </a:p>
+          <a:p>
+            <a:pPr marL="533400" indent="0">
+              <a:spcBef>
+                <a:spcPts val="0"/>
+              </a:spcBef>
+              <a:spcAft>
+                <a:spcPts val="0"/>
+              </a:spcAft>
+              <a:buNone/>
+            </a:pPr>
+            <a:r>
+              <a:rPr lang="ro-RO" sz="1800" dirty="0">
+                <a:latin typeface="+mj-lt"/>
+              </a:rPr>
+              <a:t>Conectarea bluetooth</a:t>
+            </a:r>
+            <a:endParaRPr lang="en-US" sz="1800" dirty="0">
+              <a:latin typeface="+mj-lt"/>
+            </a:endParaRPr>
+          </a:p>
+          <a:p>
+            <a:pPr marL="533400" indent="0">
+              <a:spcBef>
+                <a:spcPts val="0"/>
+              </a:spcBef>
+              <a:spcAft>
+                <a:spcPts val="0"/>
+              </a:spcAft>
+              <a:buNone/>
+            </a:pPr>
+            <a:r>
+              <a:rPr lang="ro-RO" sz="1800" dirty="0">
+                <a:latin typeface="+mj-lt"/>
+              </a:rPr>
+              <a:t>Primirea datelor de la aplicația mobile și</a:t>
+            </a:r>
+          </a:p>
+          <a:p>
+            <a:pPr marL="533400" indent="0">
+              <a:spcBef>
+                <a:spcPts val="0"/>
+              </a:spcBef>
+              <a:spcAft>
+                <a:spcPts val="0"/>
+              </a:spcAft>
+              <a:buNone/>
+            </a:pPr>
+            <a:r>
+              <a:rPr lang="ro-RO" dirty="0">
+                <a:latin typeface="+mj-lt"/>
+              </a:rPr>
+              <a:t>deschiderea/închiderea mașinii</a:t>
+            </a:r>
+            <a:endParaRPr lang="ro-RO" sz="1800" dirty="0">
+              <a:latin typeface="+mj-lt"/>
+            </a:endParaRPr>
+          </a:p>
+        </p:txBody>
+      </p:sp>
+      <p:pic>
+        <p:nvPicPr>
+          <p:cNvPr id="13" name="Graphic 12" descr="Inventory outline">
+            <a:extLst>
+              <a:ext uri="{FF2B5EF4-FFF2-40B4-BE49-F238E27FC236}">
+                <a16:creationId xmlns:a16="http://schemas.microsoft.com/office/drawing/2014/main" id="{63E14587-EDFF-1684-E9B9-549F26D8FD30}"/>
+              </a:ext>
+            </a:extLst>
+          </p:cNvPr>
+          <p:cNvPicPr>
+            <a:picLocks noChangeAspect="1"/>
+          </p:cNvPicPr>
+          <p:nvPr/>
+        </p:nvPicPr>
+        <p:blipFill>
+          <a:blip r:embed="rId9">
+            <a:extLst>
+              <a:ext uri="{28A0092B-C50C-407E-A947-70E740481C1C}">
+                <a14:useLocalDpi xmlns:a14="http://schemas.microsoft.com/office/drawing/2010/main" val="0"/>
+              </a:ext>
+              <a:ext uri="{96DAC541-7B7A-43D3-8B79-37D633B846F1}">
+                <asvg:svgBlip xmlns:asvg="http://schemas.microsoft.com/office/drawing/2016/SVG/main" r:embed="rId10"/>
+              </a:ext>
+            </a:extLst>
+          </a:blip>
+          <a:stretch>
+            <a:fillRect/>
+          </a:stretch>
+        </p:blipFill>
+        <p:spPr>
+          <a:xfrm>
+            <a:off x="4206075" y="2867127"/>
+            <a:ext cx="985891" cy="958404"/>
+          </a:xfrm>
+          <a:prstGeom prst="rect">
+            <a:avLst/>
+          </a:prstGeom>
+        </p:spPr>
+      </p:pic>
+      <p:sp>
+        <p:nvSpPr>
+          <p:cNvPr id="14" name="TextBox 13">
+            <a:extLst>
+              <a:ext uri="{FF2B5EF4-FFF2-40B4-BE49-F238E27FC236}">
+                <a16:creationId xmlns:a16="http://schemas.microsoft.com/office/drawing/2014/main" id="{21E99C9C-F453-C01F-4044-CD95364461FD}"/>
+              </a:ext>
+            </a:extLst>
+          </p:cNvPr>
+          <p:cNvSpPr txBox="1"/>
+          <p:nvPr/>
+        </p:nvSpPr>
+        <p:spPr>
+          <a:xfrm>
+            <a:off x="641813" y="2743062"/>
+            <a:ext cx="3282696" cy="1477328"/>
+          </a:xfrm>
+          <a:prstGeom prst="rect">
+            <a:avLst/>
+          </a:prstGeom>
+          <a:noFill/>
+        </p:spPr>
+        <p:txBody>
+          <a:bodyPr wrap="square" rtlCol="0">
+            <a:spAutoFit/>
+          </a:bodyPr>
+          <a:lstStyle/>
+          <a:p>
+            <a:pPr marL="0" indent="0" algn="r">
+              <a:spcBef>
+                <a:spcPts val="0"/>
+              </a:spcBef>
+              <a:spcAft>
+                <a:spcPts val="0"/>
+              </a:spcAft>
+              <a:buNone/>
+            </a:pPr>
+            <a:r>
+              <a:rPr lang="ro-RO" b="1" dirty="0"/>
+              <a:t>Implementarea componentelor</a:t>
+            </a:r>
+            <a:endParaRPr lang="en-US" b="1" dirty="0"/>
+          </a:p>
+          <a:p>
+            <a:pPr marL="0" lvl="0" indent="0" algn="r">
+              <a:spcBef>
+                <a:spcPts val="0"/>
+              </a:spcBef>
+              <a:spcAft>
+                <a:spcPts val="0"/>
+              </a:spcAft>
+              <a:buNone/>
+            </a:pPr>
+            <a:r>
+              <a:rPr lang="ro-RO" sz="1800" dirty="0">
+                <a:latin typeface="+mj-lt"/>
+              </a:rPr>
+              <a:t>Cre</a:t>
+            </a:r>
+            <a:r>
+              <a:rPr lang="en-US" sz="1800" dirty="0">
+                <a:latin typeface="+mj-lt"/>
+              </a:rPr>
+              <a:t>a</a:t>
+            </a:r>
+            <a:r>
+              <a:rPr lang="ro-RO" sz="1800" dirty="0">
+                <a:latin typeface="+mj-lt"/>
+              </a:rPr>
+              <a:t>rea fiecărei componente (activity) specifice</a:t>
+            </a:r>
+          </a:p>
+          <a:p>
+            <a:pPr marL="0" lvl="0" indent="0" algn="r">
+              <a:spcBef>
+                <a:spcPts val="0"/>
+              </a:spcBef>
+              <a:spcAft>
+                <a:spcPts val="0"/>
+              </a:spcAft>
+              <a:buNone/>
+            </a:pPr>
+            <a:r>
+              <a:rPr lang="ro-RO" sz="1800" dirty="0">
+                <a:latin typeface="+mj-lt"/>
+              </a:rPr>
+              <a:t>Implementarea funcționalitățiilor </a:t>
+            </a:r>
+            <a:endParaRPr lang="en-US" sz="1800" dirty="0">
+              <a:latin typeface="+mj-lt"/>
+            </a:endParaRPr>
+          </a:p>
+          <a:p>
+            <a:pPr algn="r"/>
+            <a:endParaRPr lang="ro-RO" dirty="0"/>
+          </a:p>
+        </p:txBody>
+      </p:sp>
+      <p:pic>
+        <p:nvPicPr>
+          <p:cNvPr id="15" name="Graphic 14" descr="Ui Ux outline">
+            <a:extLst>
+              <a:ext uri="{FF2B5EF4-FFF2-40B4-BE49-F238E27FC236}">
+                <a16:creationId xmlns:a16="http://schemas.microsoft.com/office/drawing/2014/main" id="{24689041-4D77-BAFE-5479-A0C555ACF45C}"/>
+              </a:ext>
+            </a:extLst>
+          </p:cNvPr>
+          <p:cNvPicPr>
+            <a:picLocks noChangeAspect="1"/>
+          </p:cNvPicPr>
+          <p:nvPr/>
+        </p:nvPicPr>
+        <p:blipFill>
+          <a:blip r:embed="rId11">
+            <a:extLst>
+              <a:ext uri="{28A0092B-C50C-407E-A947-70E740481C1C}">
+                <a14:useLocalDpi xmlns:a14="http://schemas.microsoft.com/office/drawing/2010/main" val="0"/>
+              </a:ext>
+              <a:ext uri="{96DAC541-7B7A-43D3-8B79-37D633B846F1}">
+                <asvg:svgBlip xmlns:asvg="http://schemas.microsoft.com/office/drawing/2016/SVG/main" r:embed="rId12"/>
+              </a:ext>
+            </a:extLst>
+          </a:blip>
+          <a:stretch>
+            <a:fillRect/>
+          </a:stretch>
+        </p:blipFill>
+        <p:spPr>
+          <a:xfrm>
+            <a:off x="4206074" y="4447939"/>
+            <a:ext cx="985892" cy="958404"/>
+          </a:xfrm>
+          <a:prstGeom prst="rect">
+            <a:avLst/>
+          </a:prstGeom>
+        </p:spPr>
+      </p:pic>
+      <p:sp>
+        <p:nvSpPr>
+          <p:cNvPr id="16" name="TextBox 15">
+            <a:extLst>
+              <a:ext uri="{FF2B5EF4-FFF2-40B4-BE49-F238E27FC236}">
+                <a16:creationId xmlns:a16="http://schemas.microsoft.com/office/drawing/2014/main" id="{27C3F430-40C7-EFF3-78AD-EC119A563AD9}"/>
+              </a:ext>
+            </a:extLst>
+          </p:cNvPr>
+          <p:cNvSpPr txBox="1"/>
+          <p:nvPr/>
+        </p:nvSpPr>
+        <p:spPr>
+          <a:xfrm>
+            <a:off x="823788" y="4447939"/>
+            <a:ext cx="3073292" cy="1477328"/>
+          </a:xfrm>
+          <a:prstGeom prst="rect">
+            <a:avLst/>
+          </a:prstGeom>
+          <a:noFill/>
+        </p:spPr>
+        <p:txBody>
+          <a:bodyPr wrap="square" rtlCol="0">
+            <a:spAutoFit/>
+          </a:bodyPr>
+          <a:lstStyle/>
+          <a:p>
+            <a:pPr marL="0" indent="0" algn="r">
+              <a:spcBef>
+                <a:spcPts val="0"/>
+              </a:spcBef>
+              <a:spcAft>
+                <a:spcPts val="0"/>
+              </a:spcAft>
+              <a:buNone/>
+            </a:pPr>
+            <a:r>
+              <a:rPr lang="ro-RO" b="1" dirty="0"/>
+              <a:t>Implementarea designului</a:t>
+            </a:r>
+            <a:endParaRPr lang="en-US" b="1" dirty="0"/>
+          </a:p>
+          <a:p>
+            <a:pPr marL="0" indent="0" algn="r">
+              <a:spcBef>
+                <a:spcPts val="0"/>
+              </a:spcBef>
+              <a:spcAft>
+                <a:spcPts val="0"/>
+              </a:spcAft>
+              <a:buNone/>
+            </a:pPr>
+            <a:r>
+              <a:rPr lang="ro-RO" sz="1800" dirty="0">
+                <a:latin typeface="+mj-lt"/>
+              </a:rPr>
+              <a:t>Adăugarea stilului pentru fiecare componentă utilizând fișierele XML</a:t>
+            </a:r>
+            <a:endParaRPr lang="en-US" sz="1800" dirty="0">
+              <a:latin typeface="+mj-lt"/>
+            </a:endParaRPr>
+          </a:p>
+          <a:p>
+            <a:pPr algn="r"/>
+            <a:endParaRPr lang="ro-RO" dirty="0"/>
+          </a:p>
+        </p:txBody>
+      </p:sp>
+    </p:spTree>
+    <p:extLst>
+      <p:ext uri="{BB962C8B-B14F-4D97-AF65-F5344CB8AC3E}">
+        <p14:creationId xmlns:p14="http://schemas.microsoft.com/office/powerpoint/2010/main" val="2105983728"/>
+      </p:ext>
+    </p:extLst>
+  </p:cSld>
+  <p:clrMapOvr>
+    <a:masterClrMapping/>
+  </p:clrMapOvr>
+</p:sld>
+</file>
+
+<file path=ppt/slides/slide11.xml><?xml version="1.0" encoding="utf-8"?>
+<p:sld xmlns:a="http://schemas.openxmlformats.org/drawingml/2006/main" xmlns:r="http://schemas.openxmlformats.org/officeDocument/2006/relationships" xmlns:p="http://schemas.openxmlformats.org/presentationml/2006/main">
+  <p:cSld>
+    <p:spTree>
+      <p:nvGrpSpPr>
+        <p:cNvPr id="1" name=""/>
+        <p:cNvGrpSpPr/>
+        <p:nvPr/>
+      </p:nvGrpSpPr>
+      <p:grpSpPr>
+        <a:xfrm>
+          <a:off x="0" y="0"/>
+          <a:ext cx="0" cy="0"/>
+          <a:chOff x="0" y="0"/>
+          <a:chExt cx="0" cy="0"/>
+        </a:xfrm>
+      </p:grpSpPr>
+      <p:pic>
+        <p:nvPicPr>
+          <p:cNvPr id="4" name="Picture 3">
+            <a:extLst>
+              <a:ext uri="{FF2B5EF4-FFF2-40B4-BE49-F238E27FC236}">
+                <a16:creationId xmlns:a16="http://schemas.microsoft.com/office/drawing/2014/main" id="{F5067A44-10AA-4A5D-B879-C1AB478D55E0}"/>
+              </a:ext>
+            </a:extLst>
+          </p:cNvPr>
+          <p:cNvPicPr>
+            <a:picLocks noChangeAspect="1"/>
+          </p:cNvPicPr>
+          <p:nvPr/>
+        </p:nvPicPr>
+        <p:blipFill rotWithShape="1">
+          <a:blip r:embed="rId2">
+            <a:extLst>
+              <a:ext uri="{28A0092B-C50C-407E-A947-70E740481C1C}">
+                <a14:useLocalDpi xmlns:a14="http://schemas.microsoft.com/office/drawing/2010/main" val="0"/>
+              </a:ext>
+            </a:extLst>
+          </a:blip>
+          <a:srcRect r="4469"/>
+          <a:stretch/>
+        </p:blipFill>
+        <p:spPr>
+          <a:xfrm>
+            <a:off x="194577" y="15"/>
+            <a:ext cx="2722359" cy="1027905"/>
+          </a:xfrm>
+          <a:prstGeom prst="rect">
+            <a:avLst/>
+          </a:prstGeom>
+          <a:noFill/>
+        </p:spPr>
+      </p:pic>
+      <p:sp>
+        <p:nvSpPr>
+          <p:cNvPr id="12" name="Title 2">
+            <a:extLst>
+              <a:ext uri="{FF2B5EF4-FFF2-40B4-BE49-F238E27FC236}">
+                <a16:creationId xmlns:a16="http://schemas.microsoft.com/office/drawing/2014/main" id="{D63B059A-B609-6ECD-31EE-C43A05689B24}"/>
+              </a:ext>
+              <a:ext uri="{C183D7F6-B498-43B3-948B-1728B52AA6E4}">
+                <adec:decorative xmlns:adec="http://schemas.microsoft.com/office/drawing/2017/decorative" val="0"/>
+              </a:ext>
+            </a:extLst>
+          </p:cNvPr>
+          <p:cNvSpPr txBox="1">
+            <a:spLocks/>
+          </p:cNvSpPr>
+          <p:nvPr/>
+        </p:nvSpPr>
+        <p:spPr>
+          <a:xfrm>
+            <a:off x="2121408" y="132576"/>
+            <a:ext cx="3427656" cy="638568"/>
+          </a:xfrm>
+          <a:prstGeom prst="rect">
+            <a:avLst/>
+          </a:prstGeom>
+        </p:spPr>
+        <p:txBody>
+          <a:bodyPr vert="horz" lIns="91440" tIns="45720" rIns="91440" bIns="45720" rtlCol="0" anchor="b">
+            <a:noAutofit/>
+          </a:bodyPr>
+          <a:lstStyle>
+            <a:lvl1pPr algn="l" defTabSz="914400" rtl="0" eaLnBrk="1" latinLnBrk="0" hangingPunct="1">
+              <a:lnSpc>
+                <a:spcPct val="90000"/>
+              </a:lnSpc>
+              <a:spcBef>
+                <a:spcPct val="0"/>
+              </a:spcBef>
+              <a:buNone/>
+              <a:defRPr sz="6000" b="1" kern="1200" spc="-50" baseline="0">
+                <a:solidFill>
+                  <a:schemeClr val="accent1"/>
+                </a:solidFill>
+                <a:latin typeface="+mn-lt"/>
+                <a:ea typeface="+mj-ea"/>
+                <a:cs typeface="+mj-cs"/>
+              </a:defRPr>
+            </a:lvl1pPr>
+          </a:lstStyle>
+          <a:p>
+            <a:pPr marL="0" marR="0" lvl="0" indent="0" algn="ctr" defTabSz="914400" rtl="0" eaLnBrk="1" fontAlgn="auto" latinLnBrk="0" hangingPunct="1">
+              <a:lnSpc>
+                <a:spcPct val="90000"/>
+              </a:lnSpc>
+              <a:spcBef>
+                <a:spcPct val="0"/>
+              </a:spcBef>
+              <a:spcAft>
+                <a:spcPts val="0"/>
+              </a:spcAft>
+              <a:buClrTx/>
+              <a:buSzTx/>
+              <a:buFontTx/>
+              <a:buNone/>
+              <a:tabLst/>
+              <a:defRPr/>
+            </a:pPr>
+            <a:r>
+              <a:rPr lang="ro-RO" sz="3600" dirty="0">
+                <a:solidFill>
+                  <a:srgbClr val="303192"/>
+                </a:solidFill>
+                <a:latin typeface="Calibri" panose="020F0502020204030204"/>
+              </a:rPr>
+              <a:t>TESTARE</a:t>
+            </a:r>
+            <a:endParaRPr kumimoji="0" lang="en-US" sz="3600" b="1" i="0" u="none" strike="noStrike" kern="1200" cap="none" spc="-50" normalizeH="0" baseline="0" noProof="0" dirty="0">
+              <a:ln>
+                <a:noFill/>
+              </a:ln>
+              <a:solidFill>
+                <a:srgbClr val="303192"/>
+              </a:solidFill>
+              <a:effectLst/>
+              <a:uLnTx/>
+              <a:uFillTx/>
+              <a:latin typeface="Calibri" panose="020F0502020204030204"/>
+              <a:ea typeface="+mj-ea"/>
+              <a:cs typeface="+mj-cs"/>
+            </a:endParaRPr>
+          </a:p>
+        </p:txBody>
+      </p:sp>
+      <p:sp>
+        <p:nvSpPr>
+          <p:cNvPr id="17" name="Rectangle 16">
+            <a:extLst>
+              <a:ext uri="{FF2B5EF4-FFF2-40B4-BE49-F238E27FC236}">
+                <a16:creationId xmlns:a16="http://schemas.microsoft.com/office/drawing/2014/main" id="{47E5BFE0-F228-0FE7-C3D4-7D5F94B7019C}"/>
               </a:ext>
             </a:extLst>
           </p:cNvPr>
@@ -4907,21 +5634,35 @@
         </p:nvSpPr>
         <p:spPr>
           <a:xfrm>
-            <a:off x="109081" y="3985441"/>
-            <a:ext cx="5879628" cy="1581912"/>
-          </a:xfrm>
-          <a:prstGeom prst="rect">
-            <a:avLst/>
-          </a:prstGeom>
-          <a:solidFill>
-            <a:srgbClr val="00CC99">
-              <a:alpha val="6000"/>
-            </a:srgbClr>
-          </a:solidFill>
+            <a:off x="2722360" y="801678"/>
+            <a:ext cx="9469640" cy="226242"/>
+          </a:xfrm>
+          <a:prstGeom prst="rect">
+            <a:avLst/>
+          </a:prstGeom>
+          <a:gradFill flip="none" rotWithShape="1">
+            <a:gsLst>
+              <a:gs pos="0">
+                <a:srgbClr val="303192"/>
+              </a:gs>
+              <a:gs pos="50000">
+                <a:schemeClr val="accent1">
+                  <a:tint val="44500"/>
+                  <a:satMod val="160000"/>
+                </a:schemeClr>
+              </a:gs>
+              <a:gs pos="100000">
+                <a:schemeClr val="accent1">
+                  <a:tint val="23500"/>
+                  <a:satMod val="160000"/>
+                </a:schemeClr>
+              </a:gs>
+            </a:gsLst>
+            <a:lin ang="0" scaled="1"/>
+            <a:tileRect/>
+          </a:gradFill>
           <a:ln>
-            <a:solidFill>
-              <a:srgbClr val="00CC99"/>
-            </a:solidFill>
+            <a:noFill/>
           </a:ln>
         </p:spPr>
         <p:style>
@@ -4942,120 +5683,128 @@
         </p:style>
         <p:txBody>
           <a:bodyPr rtlCol="0" anchor="ctr"/>
-          <a:lstStyle/>
+          <a:lstStyle>
+            <a:defPPr>
+              <a:defRPr lang="en-US"/>
+            </a:defPPr>
+            <a:lvl1pPr marL="0" algn="l" defTabSz="914400" rtl="0" eaLnBrk="1" latinLnBrk="0" hangingPunct="1">
+              <a:defRPr sz="1800" kern="1200">
+                <a:solidFill>
+                  <a:schemeClr val="lt1"/>
+                </a:solidFill>
+                <a:latin typeface="+mn-lt"/>
+                <a:ea typeface="+mn-ea"/>
+                <a:cs typeface="+mn-cs"/>
+              </a:defRPr>
+            </a:lvl1pPr>
+            <a:lvl2pPr marL="457200" algn="l" defTabSz="914400" rtl="0" eaLnBrk="1" latinLnBrk="0" hangingPunct="1">
+              <a:defRPr sz="1800" kern="1200">
+                <a:solidFill>
+                  <a:schemeClr val="lt1"/>
+                </a:solidFill>
+                <a:latin typeface="+mn-lt"/>
+                <a:ea typeface="+mn-ea"/>
+                <a:cs typeface="+mn-cs"/>
+              </a:defRPr>
+            </a:lvl2pPr>
+            <a:lvl3pPr marL="914400" algn="l" defTabSz="914400" rtl="0" eaLnBrk="1" latinLnBrk="0" hangingPunct="1">
+              <a:defRPr sz="1800" kern="1200">
+                <a:solidFill>
+                  <a:schemeClr val="lt1"/>
+                </a:solidFill>
+                <a:latin typeface="+mn-lt"/>
+                <a:ea typeface="+mn-ea"/>
+                <a:cs typeface="+mn-cs"/>
+              </a:defRPr>
+            </a:lvl3pPr>
+            <a:lvl4pPr marL="1371600" algn="l" defTabSz="914400" rtl="0" eaLnBrk="1" latinLnBrk="0" hangingPunct="1">
+              <a:defRPr sz="1800" kern="1200">
+                <a:solidFill>
+                  <a:schemeClr val="lt1"/>
+                </a:solidFill>
+                <a:latin typeface="+mn-lt"/>
+                <a:ea typeface="+mn-ea"/>
+                <a:cs typeface="+mn-cs"/>
+              </a:defRPr>
+            </a:lvl4pPr>
+            <a:lvl5pPr marL="1828800" algn="l" defTabSz="914400" rtl="0" eaLnBrk="1" latinLnBrk="0" hangingPunct="1">
+              <a:defRPr sz="1800" kern="1200">
+                <a:solidFill>
+                  <a:schemeClr val="lt1"/>
+                </a:solidFill>
+                <a:latin typeface="+mn-lt"/>
+                <a:ea typeface="+mn-ea"/>
+                <a:cs typeface="+mn-cs"/>
+              </a:defRPr>
+            </a:lvl5pPr>
+            <a:lvl6pPr marL="2286000" algn="l" defTabSz="914400" rtl="0" eaLnBrk="1" latinLnBrk="0" hangingPunct="1">
+              <a:defRPr sz="1800" kern="1200">
+                <a:solidFill>
+                  <a:schemeClr val="lt1"/>
+                </a:solidFill>
+                <a:latin typeface="+mn-lt"/>
+                <a:ea typeface="+mn-ea"/>
+                <a:cs typeface="+mn-cs"/>
+              </a:defRPr>
+            </a:lvl6pPr>
+            <a:lvl7pPr marL="2743200" algn="l" defTabSz="914400" rtl="0" eaLnBrk="1" latinLnBrk="0" hangingPunct="1">
+              <a:defRPr sz="1800" kern="1200">
+                <a:solidFill>
+                  <a:schemeClr val="lt1"/>
+                </a:solidFill>
+                <a:latin typeface="+mn-lt"/>
+                <a:ea typeface="+mn-ea"/>
+                <a:cs typeface="+mn-cs"/>
+              </a:defRPr>
+            </a:lvl7pPr>
+            <a:lvl8pPr marL="3200400" algn="l" defTabSz="914400" rtl="0" eaLnBrk="1" latinLnBrk="0" hangingPunct="1">
+              <a:defRPr sz="1800" kern="1200">
+                <a:solidFill>
+                  <a:schemeClr val="lt1"/>
+                </a:solidFill>
+                <a:latin typeface="+mn-lt"/>
+                <a:ea typeface="+mn-ea"/>
+                <a:cs typeface="+mn-cs"/>
+              </a:defRPr>
+            </a:lvl8pPr>
+            <a:lvl9pPr marL="3657600" algn="l" defTabSz="914400" rtl="0" eaLnBrk="1" latinLnBrk="0" hangingPunct="1">
+              <a:defRPr sz="1800" kern="1200">
+                <a:solidFill>
+                  <a:schemeClr val="lt1"/>
+                </a:solidFill>
+                <a:latin typeface="+mn-lt"/>
+                <a:ea typeface="+mn-ea"/>
+                <a:cs typeface="+mn-cs"/>
+              </a:defRPr>
+            </a:lvl9pPr>
+          </a:lstStyle>
           <a:p>
             <a:pPr algn="ctr"/>
-            <a:endParaRPr lang="ro-RO" dirty="0"/>
-          </a:p>
-        </p:txBody>
-      </p:sp>
-      <p:sp>
-        <p:nvSpPr>
-          <p:cNvPr id="7" name="TextBox 6">
-            <a:extLst>
-              <a:ext uri="{FF2B5EF4-FFF2-40B4-BE49-F238E27FC236}">
-                <a16:creationId xmlns:a16="http://schemas.microsoft.com/office/drawing/2014/main" id="{3E2F1EB3-7016-0A59-2F5B-A3160DD856F1}"/>
-              </a:ext>
-            </a:extLst>
-          </p:cNvPr>
-          <p:cNvSpPr txBox="1"/>
-          <p:nvPr/>
-        </p:nvSpPr>
-        <p:spPr>
-          <a:xfrm>
-            <a:off x="109081" y="4453231"/>
-            <a:ext cx="5922264" cy="923330"/>
+            <a:endParaRPr lang="ro-RO"/>
+          </a:p>
+        </p:txBody>
+      </p:sp>
+      <p:sp>
+        <p:nvSpPr>
+          <p:cNvPr id="27" name="Rectangle 26">
+            <a:extLst>
+              <a:ext uri="{FF2B5EF4-FFF2-40B4-BE49-F238E27FC236}">
+                <a16:creationId xmlns:a16="http://schemas.microsoft.com/office/drawing/2014/main" id="{FE8A1A6A-29BA-8DF7-C591-8E57790EB5D5}"/>
+              </a:ext>
+            </a:extLst>
+          </p:cNvPr>
+          <p:cNvSpPr/>
+          <p:nvPr/>
+        </p:nvSpPr>
+        <p:spPr>
+          <a:xfrm>
+            <a:off x="9509760" y="3026663"/>
+            <a:ext cx="2048256" cy="1618488"/>
           </a:xfrm>
           <a:prstGeom prst="rect">
             <a:avLst/>
           </a:prstGeom>
           <a:noFill/>
-        </p:spPr>
-        <p:txBody>
-          <a:bodyPr wrap="square" rtlCol="0">
-            <a:spAutoFit/>
-          </a:bodyPr>
-          <a:lstStyle/>
-          <a:p>
-            <a:r>
-              <a:rPr lang="ro-RO" dirty="0"/>
-              <a:t>INTERACȚIUNE SMART CU APLICAȚIA PENTRU CLIENȚI</a:t>
-            </a:r>
-          </a:p>
-          <a:p>
-            <a:r>
-              <a:rPr lang="ro-RO" dirty="0"/>
-              <a:t>NOI FUNCȚIONALITĂȚI DE GESTIUNE PENTRU ADMINISTRATORI</a:t>
-            </a:r>
-          </a:p>
-        </p:txBody>
-      </p:sp>
-      <p:pic>
-        <p:nvPicPr>
-          <p:cNvPr id="3" name="Picture 2" descr="A picture containing circle, clipart, graphics, screenshot&#10;&#10;Description automatically generated">
-            <a:extLst>
-              <a:ext uri="{FF2B5EF4-FFF2-40B4-BE49-F238E27FC236}">
-                <a16:creationId xmlns:a16="http://schemas.microsoft.com/office/drawing/2014/main" id="{151319B0-7531-7401-C36B-1FE5A2386E19}"/>
-              </a:ext>
-            </a:extLst>
-          </p:cNvPr>
-          <p:cNvPicPr>
-            <a:picLocks noChangeAspect="1"/>
-          </p:cNvPicPr>
-          <p:nvPr/>
-        </p:nvPicPr>
-        <p:blipFill>
-          <a:blip r:embed="rId4">
-            <a:extLst>
-              <a:ext uri="{28A0092B-C50C-407E-A947-70E740481C1C}">
-                <a14:useLocalDpi xmlns:a14="http://schemas.microsoft.com/office/drawing/2010/main" val="0"/>
-              </a:ext>
-            </a:extLst>
-          </a:blip>
-          <a:stretch>
-            <a:fillRect/>
-          </a:stretch>
-        </p:blipFill>
-        <p:spPr>
-          <a:xfrm>
-            <a:off x="194577" y="3390717"/>
-            <a:ext cx="967683" cy="967683"/>
-          </a:xfrm>
-          <a:prstGeom prst="rect">
-            <a:avLst/>
-          </a:prstGeom>
-        </p:spPr>
-      </p:pic>
-      <p:sp>
-        <p:nvSpPr>
-          <p:cNvPr id="8" name="Rectangle 7">
-            <a:extLst>
-              <a:ext uri="{FF2B5EF4-FFF2-40B4-BE49-F238E27FC236}">
-                <a16:creationId xmlns:a16="http://schemas.microsoft.com/office/drawing/2014/main" id="{44426356-1BBA-3C7A-CFE4-9C322446922D}"/>
-              </a:ext>
-            </a:extLst>
-          </p:cNvPr>
-          <p:cNvSpPr/>
-          <p:nvPr/>
-        </p:nvSpPr>
-        <p:spPr>
-          <a:xfrm>
-            <a:off x="6216073" y="3985441"/>
-            <a:ext cx="5879628" cy="1581912"/>
-          </a:xfrm>
-          <a:prstGeom prst="rect">
-            <a:avLst/>
-          </a:prstGeom>
-          <a:solidFill>
-            <a:srgbClr val="303192">
-              <a:alpha val="6000"/>
-            </a:srgbClr>
-          </a:solidFill>
-          <a:ln>
-            <a:solidFill>
-              <a:srgbClr val="303192"/>
-            </a:solidFill>
-          </a:ln>
         </p:spPr>
         <p:style>
           <a:lnRef idx="2">
@@ -5078,6 +5827,1974 @@
           <a:lstStyle/>
           <a:p>
             <a:pPr algn="ctr"/>
+            <a:endParaRPr lang="ro-RO"/>
+          </a:p>
+        </p:txBody>
+      </p:sp>
+      <p:sp>
+        <p:nvSpPr>
+          <p:cNvPr id="28" name="Rectangle 27">
+            <a:extLst>
+              <a:ext uri="{FF2B5EF4-FFF2-40B4-BE49-F238E27FC236}">
+                <a16:creationId xmlns:a16="http://schemas.microsoft.com/office/drawing/2014/main" id="{0FF3AD6A-119F-929B-FE2F-E92F628066C5}"/>
+              </a:ext>
+            </a:extLst>
+          </p:cNvPr>
+          <p:cNvSpPr/>
+          <p:nvPr/>
+        </p:nvSpPr>
+        <p:spPr>
+          <a:xfrm>
+            <a:off x="6629400" y="3026663"/>
+            <a:ext cx="2048256" cy="1618488"/>
+          </a:xfrm>
+          <a:prstGeom prst="rect">
+            <a:avLst/>
+          </a:prstGeom>
+          <a:noFill/>
+        </p:spPr>
+        <p:style>
+          <a:lnRef idx="2">
+            <a:schemeClr val="accent1">
+              <a:shade val="50000"/>
+            </a:schemeClr>
+          </a:lnRef>
+          <a:fillRef idx="1">
+            <a:schemeClr val="accent1"/>
+          </a:fillRef>
+          <a:effectRef idx="0">
+            <a:schemeClr val="accent1"/>
+          </a:effectRef>
+          <a:fontRef idx="minor">
+            <a:schemeClr val="lt1"/>
+          </a:fontRef>
+        </p:style>
+        <p:txBody>
+          <a:bodyPr rtlCol="0" anchor="ctr"/>
+          <a:lstStyle/>
+          <a:p>
+            <a:pPr algn="ctr"/>
+            <a:endParaRPr lang="ro-RO"/>
+          </a:p>
+        </p:txBody>
+      </p:sp>
+      <p:sp>
+        <p:nvSpPr>
+          <p:cNvPr id="29" name="Rectangle 28">
+            <a:extLst>
+              <a:ext uri="{FF2B5EF4-FFF2-40B4-BE49-F238E27FC236}">
+                <a16:creationId xmlns:a16="http://schemas.microsoft.com/office/drawing/2014/main" id="{8AAB8193-6251-C127-7A62-B8B600585143}"/>
+              </a:ext>
+            </a:extLst>
+          </p:cNvPr>
+          <p:cNvSpPr/>
+          <p:nvPr/>
+        </p:nvSpPr>
+        <p:spPr>
+          <a:xfrm>
+            <a:off x="3749040" y="3026664"/>
+            <a:ext cx="2048256" cy="1618488"/>
+          </a:xfrm>
+          <a:prstGeom prst="rect">
+            <a:avLst/>
+          </a:prstGeom>
+          <a:noFill/>
+        </p:spPr>
+        <p:style>
+          <a:lnRef idx="2">
+            <a:schemeClr val="accent1">
+              <a:shade val="50000"/>
+            </a:schemeClr>
+          </a:lnRef>
+          <a:fillRef idx="1">
+            <a:schemeClr val="accent1"/>
+          </a:fillRef>
+          <a:effectRef idx="0">
+            <a:schemeClr val="accent1"/>
+          </a:effectRef>
+          <a:fontRef idx="minor">
+            <a:schemeClr val="lt1"/>
+          </a:fontRef>
+        </p:style>
+        <p:txBody>
+          <a:bodyPr rtlCol="0" anchor="ctr"/>
+          <a:lstStyle/>
+          <a:p>
+            <a:pPr algn="ctr"/>
+            <a:endParaRPr lang="ro-RO"/>
+          </a:p>
+        </p:txBody>
+      </p:sp>
+      <p:sp>
+        <p:nvSpPr>
+          <p:cNvPr id="30" name="Rectangle 29">
+            <a:extLst>
+              <a:ext uri="{FF2B5EF4-FFF2-40B4-BE49-F238E27FC236}">
+                <a16:creationId xmlns:a16="http://schemas.microsoft.com/office/drawing/2014/main" id="{1347BB63-AE45-F1F6-7D72-3ACE8385F50C}"/>
+              </a:ext>
+            </a:extLst>
+          </p:cNvPr>
+          <p:cNvSpPr/>
+          <p:nvPr/>
+        </p:nvSpPr>
+        <p:spPr>
+          <a:xfrm>
+            <a:off x="868680" y="3026664"/>
+            <a:ext cx="2048256" cy="1618488"/>
+          </a:xfrm>
+          <a:prstGeom prst="rect">
+            <a:avLst/>
+          </a:prstGeom>
+          <a:noFill/>
+          <a:ln w="9525" cap="flat" cmpd="sng" algn="ctr">
+            <a:solidFill>
+              <a:schemeClr val="accent1"/>
+            </a:solidFill>
+            <a:prstDash val="solid"/>
+            <a:round/>
+            <a:headEnd type="none" w="med" len="med"/>
+            <a:tailEnd type="none" w="med" len="med"/>
+          </a:ln>
+        </p:spPr>
+        <p:style>
+          <a:lnRef idx="0">
+            <a:scrgbClr r="0" g="0" b="0"/>
+          </a:lnRef>
+          <a:fillRef idx="0">
+            <a:scrgbClr r="0" g="0" b="0"/>
+          </a:fillRef>
+          <a:effectRef idx="0">
+            <a:scrgbClr r="0" g="0" b="0"/>
+          </a:effectRef>
+          <a:fontRef idx="minor">
+            <a:schemeClr val="accent1"/>
+          </a:fontRef>
+        </p:style>
+        <p:txBody>
+          <a:bodyPr rtlCol="0" anchor="ctr"/>
+          <a:lstStyle/>
+          <a:p>
+            <a:pPr algn="ctr"/>
+            <a:endParaRPr lang="ro-RO"/>
+          </a:p>
+        </p:txBody>
+      </p:sp>
+      <p:sp>
+        <p:nvSpPr>
+          <p:cNvPr id="31" name="TextBox 30">
+            <a:extLst>
+              <a:ext uri="{FF2B5EF4-FFF2-40B4-BE49-F238E27FC236}">
+                <a16:creationId xmlns:a16="http://schemas.microsoft.com/office/drawing/2014/main" id="{DA92CE30-FDD6-637F-1355-2C16AD03231F}"/>
+              </a:ext>
+            </a:extLst>
+          </p:cNvPr>
+          <p:cNvSpPr txBox="1"/>
+          <p:nvPr/>
+        </p:nvSpPr>
+        <p:spPr>
+          <a:xfrm>
+            <a:off x="868680" y="3651242"/>
+            <a:ext cx="2014013" cy="369332"/>
+          </a:xfrm>
+          <a:prstGeom prst="rect">
+            <a:avLst/>
+          </a:prstGeom>
+          <a:noFill/>
+        </p:spPr>
+        <p:txBody>
+          <a:bodyPr wrap="none" rtlCol="0">
+            <a:spAutoFit/>
+          </a:bodyPr>
+          <a:lstStyle/>
+          <a:p>
+            <a:r>
+              <a:rPr lang="ro-RO" dirty="0"/>
+              <a:t>TESTARE MANUALĂ</a:t>
+            </a:r>
+          </a:p>
+        </p:txBody>
+      </p:sp>
+      <p:sp>
+        <p:nvSpPr>
+          <p:cNvPr id="32" name="TextBox 31">
+            <a:extLst>
+              <a:ext uri="{FF2B5EF4-FFF2-40B4-BE49-F238E27FC236}">
+                <a16:creationId xmlns:a16="http://schemas.microsoft.com/office/drawing/2014/main" id="{FD525672-4168-F0C6-FBDF-6BFF80897042}"/>
+              </a:ext>
+            </a:extLst>
+          </p:cNvPr>
+          <p:cNvSpPr txBox="1"/>
+          <p:nvPr/>
+        </p:nvSpPr>
+        <p:spPr>
+          <a:xfrm>
+            <a:off x="3769604" y="3512742"/>
+            <a:ext cx="2037609" cy="646331"/>
+          </a:xfrm>
+          <a:prstGeom prst="rect">
+            <a:avLst/>
+          </a:prstGeom>
+          <a:noFill/>
+        </p:spPr>
+        <p:txBody>
+          <a:bodyPr wrap="none" rtlCol="0">
+            <a:spAutoFit/>
+          </a:bodyPr>
+          <a:lstStyle/>
+          <a:p>
+            <a:pPr algn="ctr"/>
+            <a:r>
+              <a:rPr lang="ro-RO" dirty="0"/>
+              <a:t>TESTARE FOLOSIND </a:t>
+            </a:r>
+          </a:p>
+          <a:p>
+            <a:pPr algn="ctr"/>
+            <a:r>
+              <a:rPr lang="ro-RO" dirty="0"/>
+              <a:t>EMULATORUL</a:t>
+            </a:r>
+          </a:p>
+        </p:txBody>
+      </p:sp>
+      <p:sp>
+        <p:nvSpPr>
+          <p:cNvPr id="33" name="TextBox 32">
+            <a:extLst>
+              <a:ext uri="{FF2B5EF4-FFF2-40B4-BE49-F238E27FC236}">
+                <a16:creationId xmlns:a16="http://schemas.microsoft.com/office/drawing/2014/main" id="{D3D9E498-B6A3-438F-DA1C-DDB0FB2E629D}"/>
+              </a:ext>
+            </a:extLst>
+          </p:cNvPr>
+          <p:cNvSpPr txBox="1"/>
+          <p:nvPr/>
+        </p:nvSpPr>
+        <p:spPr>
+          <a:xfrm>
+            <a:off x="6629400" y="3512742"/>
+            <a:ext cx="2037609" cy="646331"/>
+          </a:xfrm>
+          <a:prstGeom prst="rect">
+            <a:avLst/>
+          </a:prstGeom>
+          <a:noFill/>
+        </p:spPr>
+        <p:txBody>
+          <a:bodyPr wrap="none" rtlCol="0">
+            <a:spAutoFit/>
+          </a:bodyPr>
+          <a:lstStyle/>
+          <a:p>
+            <a:pPr algn="ctr"/>
+            <a:r>
+              <a:rPr lang="ro-RO" dirty="0"/>
+              <a:t>TESTARE FOLOSIND </a:t>
+            </a:r>
+          </a:p>
+          <a:p>
+            <a:pPr algn="ctr"/>
+            <a:r>
+              <a:rPr lang="ro-RO" dirty="0"/>
+              <a:t>TELEFONUL</a:t>
+            </a:r>
+          </a:p>
+        </p:txBody>
+      </p:sp>
+      <p:sp>
+        <p:nvSpPr>
+          <p:cNvPr id="34" name="TextBox 33">
+            <a:extLst>
+              <a:ext uri="{FF2B5EF4-FFF2-40B4-BE49-F238E27FC236}">
+                <a16:creationId xmlns:a16="http://schemas.microsoft.com/office/drawing/2014/main" id="{9784848E-AAA7-62BC-4B6A-A5843795C413}"/>
+              </a:ext>
+            </a:extLst>
+          </p:cNvPr>
+          <p:cNvSpPr txBox="1"/>
+          <p:nvPr/>
+        </p:nvSpPr>
+        <p:spPr>
+          <a:xfrm>
+            <a:off x="9616168" y="3651242"/>
+            <a:ext cx="1835439" cy="369332"/>
+          </a:xfrm>
+          <a:prstGeom prst="rect">
+            <a:avLst/>
+          </a:prstGeom>
+          <a:noFill/>
+        </p:spPr>
+        <p:txBody>
+          <a:bodyPr wrap="none" rtlCol="0">
+            <a:spAutoFit/>
+          </a:bodyPr>
+          <a:lstStyle/>
+          <a:p>
+            <a:pPr algn="ctr"/>
+            <a:r>
+              <a:rPr lang="ro-RO" dirty="0"/>
+              <a:t>TESTAREA FINALĂ</a:t>
+            </a:r>
+          </a:p>
+        </p:txBody>
+      </p:sp>
+      <p:sp>
+        <p:nvSpPr>
+          <p:cNvPr id="35" name="Rectangle 34">
+            <a:extLst>
+              <a:ext uri="{FF2B5EF4-FFF2-40B4-BE49-F238E27FC236}">
+                <a16:creationId xmlns:a16="http://schemas.microsoft.com/office/drawing/2014/main" id="{37A9B289-C58A-770C-92D2-6D98CB9B28CD}"/>
+              </a:ext>
+            </a:extLst>
+          </p:cNvPr>
+          <p:cNvSpPr/>
+          <p:nvPr/>
+        </p:nvSpPr>
+        <p:spPr>
+          <a:xfrm>
+            <a:off x="521201" y="4042191"/>
+            <a:ext cx="1034555" cy="1027905"/>
+          </a:xfrm>
+          <a:prstGeom prst="rect">
+            <a:avLst/>
+          </a:prstGeom>
+          <a:blipFill>
+            <a:blip r:embed="rId3" cstate="print">
+              <a:extLst>
+                <a:ext uri="{28A0092B-C50C-407E-A947-70E740481C1C}">
+                  <a14:useLocalDpi xmlns:a14="http://schemas.microsoft.com/office/drawing/2010/main" val="0"/>
+                </a:ext>
+              </a:extLst>
+            </a:blip>
+            <a:srcRect/>
+            <a:stretch>
+              <a:fillRect/>
+            </a:stretch>
+          </a:blipFill>
+          <a:ln>
+            <a:noFill/>
+          </a:ln>
+        </p:spPr>
+        <p:style>
+          <a:lnRef idx="2">
+            <a:scrgbClr r="0" g="0" b="0"/>
+          </a:lnRef>
+          <a:fillRef idx="1">
+            <a:scrgbClr r="0" g="0" b="0"/>
+          </a:fillRef>
+          <a:effectRef idx="0">
+            <a:schemeClr val="bg1">
+              <a:hueOff val="0"/>
+              <a:satOff val="0"/>
+              <a:lumOff val="0"/>
+              <a:alphaOff val="0"/>
+            </a:schemeClr>
+          </a:effectRef>
+          <a:fontRef idx="minor">
+            <a:schemeClr val="dk1">
+              <a:hueOff val="0"/>
+              <a:satOff val="0"/>
+              <a:lumOff val="0"/>
+              <a:alphaOff val="0"/>
+            </a:schemeClr>
+          </a:fontRef>
+        </p:style>
+      </p:sp>
+      <p:sp>
+        <p:nvSpPr>
+          <p:cNvPr id="36" name="Rectangle 35">
+            <a:extLst>
+              <a:ext uri="{FF2B5EF4-FFF2-40B4-BE49-F238E27FC236}">
+                <a16:creationId xmlns:a16="http://schemas.microsoft.com/office/drawing/2014/main" id="{20B337F2-3FD6-AB6E-9A05-FB197D11D65A}"/>
+              </a:ext>
+            </a:extLst>
+          </p:cNvPr>
+          <p:cNvSpPr/>
+          <p:nvPr/>
+        </p:nvSpPr>
+        <p:spPr>
+          <a:xfrm>
+            <a:off x="3389369" y="4042191"/>
+            <a:ext cx="1034555" cy="1027905"/>
+          </a:xfrm>
+          <a:prstGeom prst="rect">
+            <a:avLst/>
+          </a:prstGeom>
+          <a:blipFill>
+            <a:blip r:embed="rId3" cstate="print">
+              <a:extLst>
+                <a:ext uri="{28A0092B-C50C-407E-A947-70E740481C1C}">
+                  <a14:useLocalDpi xmlns:a14="http://schemas.microsoft.com/office/drawing/2010/main" val="0"/>
+                </a:ext>
+              </a:extLst>
+            </a:blip>
+            <a:srcRect/>
+            <a:stretch>
+              <a:fillRect/>
+            </a:stretch>
+          </a:blipFill>
+          <a:ln>
+            <a:noFill/>
+          </a:ln>
+        </p:spPr>
+        <p:style>
+          <a:lnRef idx="2">
+            <a:scrgbClr r="0" g="0" b="0"/>
+          </a:lnRef>
+          <a:fillRef idx="1">
+            <a:scrgbClr r="0" g="0" b="0"/>
+          </a:fillRef>
+          <a:effectRef idx="0">
+            <a:schemeClr val="bg1">
+              <a:hueOff val="0"/>
+              <a:satOff val="0"/>
+              <a:lumOff val="0"/>
+              <a:alphaOff val="0"/>
+            </a:schemeClr>
+          </a:effectRef>
+          <a:fontRef idx="minor">
+            <a:schemeClr val="dk1">
+              <a:hueOff val="0"/>
+              <a:satOff val="0"/>
+              <a:lumOff val="0"/>
+              <a:alphaOff val="0"/>
+            </a:schemeClr>
+          </a:fontRef>
+        </p:style>
+      </p:sp>
+      <p:sp>
+        <p:nvSpPr>
+          <p:cNvPr id="37" name="Rectangle 36">
+            <a:extLst>
+              <a:ext uri="{FF2B5EF4-FFF2-40B4-BE49-F238E27FC236}">
+                <a16:creationId xmlns:a16="http://schemas.microsoft.com/office/drawing/2014/main" id="{A4D2AFAD-314F-E908-617E-7590F0BF61FF}"/>
+              </a:ext>
+            </a:extLst>
+          </p:cNvPr>
+          <p:cNvSpPr/>
+          <p:nvPr/>
+        </p:nvSpPr>
+        <p:spPr>
+          <a:xfrm>
+            <a:off x="6257537" y="4042191"/>
+            <a:ext cx="1034555" cy="1027905"/>
+          </a:xfrm>
+          <a:prstGeom prst="rect">
+            <a:avLst/>
+          </a:prstGeom>
+          <a:blipFill>
+            <a:blip r:embed="rId3" cstate="print">
+              <a:extLst>
+                <a:ext uri="{28A0092B-C50C-407E-A947-70E740481C1C}">
+                  <a14:useLocalDpi xmlns:a14="http://schemas.microsoft.com/office/drawing/2010/main" val="0"/>
+                </a:ext>
+              </a:extLst>
+            </a:blip>
+            <a:srcRect/>
+            <a:stretch>
+              <a:fillRect/>
+            </a:stretch>
+          </a:blipFill>
+          <a:ln>
+            <a:noFill/>
+          </a:ln>
+        </p:spPr>
+        <p:style>
+          <a:lnRef idx="2">
+            <a:scrgbClr r="0" g="0" b="0"/>
+          </a:lnRef>
+          <a:fillRef idx="1">
+            <a:scrgbClr r="0" g="0" b="0"/>
+          </a:fillRef>
+          <a:effectRef idx="0">
+            <a:schemeClr val="bg1">
+              <a:hueOff val="0"/>
+              <a:satOff val="0"/>
+              <a:lumOff val="0"/>
+              <a:alphaOff val="0"/>
+            </a:schemeClr>
+          </a:effectRef>
+          <a:fontRef idx="minor">
+            <a:schemeClr val="dk1">
+              <a:hueOff val="0"/>
+              <a:satOff val="0"/>
+              <a:lumOff val="0"/>
+              <a:alphaOff val="0"/>
+            </a:schemeClr>
+          </a:fontRef>
+        </p:style>
+      </p:sp>
+      <p:sp>
+        <p:nvSpPr>
+          <p:cNvPr id="38" name="Rectangle 37">
+            <a:extLst>
+              <a:ext uri="{FF2B5EF4-FFF2-40B4-BE49-F238E27FC236}">
+                <a16:creationId xmlns:a16="http://schemas.microsoft.com/office/drawing/2014/main" id="{FD01E092-BC43-D634-33B9-DF801EE00B9F}"/>
+              </a:ext>
+            </a:extLst>
+          </p:cNvPr>
+          <p:cNvSpPr/>
+          <p:nvPr/>
+        </p:nvSpPr>
+        <p:spPr>
+          <a:xfrm>
+            <a:off x="9125705" y="4297651"/>
+            <a:ext cx="829804" cy="695000"/>
+          </a:xfrm>
+          <a:prstGeom prst="rect">
+            <a:avLst/>
+          </a:prstGeom>
+          <a:blipFill rotWithShape="1">
+            <a:blip r:embed="rId4" cstate="print">
+              <a:extLst>
+                <a:ext uri="{28A0092B-C50C-407E-A947-70E740481C1C}">
+                  <a14:useLocalDpi xmlns:a14="http://schemas.microsoft.com/office/drawing/2010/main" val="0"/>
+                </a:ext>
+              </a:extLst>
+            </a:blip>
+            <a:srcRect/>
+            <a:stretch>
+              <a:fillRect/>
+            </a:stretch>
+          </a:blipFill>
+          <a:ln>
+            <a:noFill/>
+          </a:ln>
+        </p:spPr>
+        <p:style>
+          <a:lnRef idx="2">
+            <a:scrgbClr r="0" g="0" b="0"/>
+          </a:lnRef>
+          <a:fillRef idx="1">
+            <a:scrgbClr r="0" g="0" b="0"/>
+          </a:fillRef>
+          <a:effectRef idx="0">
+            <a:schemeClr val="bg1">
+              <a:hueOff val="0"/>
+              <a:satOff val="0"/>
+              <a:lumOff val="0"/>
+              <a:alphaOff val="0"/>
+            </a:schemeClr>
+          </a:effectRef>
+          <a:fontRef idx="minor">
+            <a:schemeClr val="dk1">
+              <a:hueOff val="0"/>
+              <a:satOff val="0"/>
+              <a:lumOff val="0"/>
+              <a:alphaOff val="0"/>
+            </a:schemeClr>
+          </a:fontRef>
+        </p:style>
+      </p:sp>
+    </p:spTree>
+    <p:extLst>
+      <p:ext uri="{BB962C8B-B14F-4D97-AF65-F5344CB8AC3E}">
+        <p14:creationId xmlns:p14="http://schemas.microsoft.com/office/powerpoint/2010/main" val="3560993071"/>
+      </p:ext>
+    </p:extLst>
+  </p:cSld>
+  <p:clrMapOvr>
+    <a:masterClrMapping/>
+  </p:clrMapOvr>
+</p:sld>
+</file>
+
+<file path=ppt/slides/slide12.xml><?xml version="1.0" encoding="utf-8"?>
+<p:sld xmlns:a="http://schemas.openxmlformats.org/drawingml/2006/main" xmlns:r="http://schemas.openxmlformats.org/officeDocument/2006/relationships" xmlns:p="http://schemas.openxmlformats.org/presentationml/2006/main">
+  <p:cSld>
+    <p:spTree>
+      <p:nvGrpSpPr>
+        <p:cNvPr id="1" name=""/>
+        <p:cNvGrpSpPr/>
+        <p:nvPr/>
+      </p:nvGrpSpPr>
+      <p:grpSpPr>
+        <a:xfrm>
+          <a:off x="0" y="0"/>
+          <a:ext cx="0" cy="0"/>
+          <a:chOff x="0" y="0"/>
+          <a:chExt cx="0" cy="0"/>
+        </a:xfrm>
+      </p:grpSpPr>
+      <p:pic>
+        <p:nvPicPr>
+          <p:cNvPr id="4" name="Picture 3">
+            <a:extLst>
+              <a:ext uri="{FF2B5EF4-FFF2-40B4-BE49-F238E27FC236}">
+                <a16:creationId xmlns:a16="http://schemas.microsoft.com/office/drawing/2014/main" id="{F5067A44-10AA-4A5D-B879-C1AB478D55E0}"/>
+              </a:ext>
+            </a:extLst>
+          </p:cNvPr>
+          <p:cNvPicPr>
+            <a:picLocks noChangeAspect="1"/>
+          </p:cNvPicPr>
+          <p:nvPr/>
+        </p:nvPicPr>
+        <p:blipFill rotWithShape="1">
+          <a:blip r:embed="rId2">
+            <a:extLst>
+              <a:ext uri="{28A0092B-C50C-407E-A947-70E740481C1C}">
+                <a14:useLocalDpi xmlns:a14="http://schemas.microsoft.com/office/drawing/2010/main" val="0"/>
+              </a:ext>
+            </a:extLst>
+          </a:blip>
+          <a:srcRect r="4469"/>
+          <a:stretch/>
+        </p:blipFill>
+        <p:spPr>
+          <a:xfrm>
+            <a:off x="194577" y="15"/>
+            <a:ext cx="2722359" cy="1027905"/>
+          </a:xfrm>
+          <a:prstGeom prst="rect">
+            <a:avLst/>
+          </a:prstGeom>
+          <a:noFill/>
+        </p:spPr>
+      </p:pic>
+      <p:sp>
+        <p:nvSpPr>
+          <p:cNvPr id="12" name="Title 2">
+            <a:extLst>
+              <a:ext uri="{FF2B5EF4-FFF2-40B4-BE49-F238E27FC236}">
+                <a16:creationId xmlns:a16="http://schemas.microsoft.com/office/drawing/2014/main" id="{D63B059A-B609-6ECD-31EE-C43A05689B24}"/>
+              </a:ext>
+              <a:ext uri="{C183D7F6-B498-43B3-948B-1728B52AA6E4}">
+                <adec:decorative xmlns:adec="http://schemas.microsoft.com/office/drawing/2017/decorative" val="0"/>
+              </a:ext>
+            </a:extLst>
+          </p:cNvPr>
+          <p:cNvSpPr txBox="1">
+            <a:spLocks/>
+          </p:cNvSpPr>
+          <p:nvPr/>
+        </p:nvSpPr>
+        <p:spPr>
+          <a:xfrm>
+            <a:off x="2412984" y="163110"/>
+            <a:ext cx="3427656" cy="638568"/>
+          </a:xfrm>
+          <a:prstGeom prst="rect">
+            <a:avLst/>
+          </a:prstGeom>
+        </p:spPr>
+        <p:txBody>
+          <a:bodyPr vert="horz" lIns="91440" tIns="45720" rIns="91440" bIns="45720" rtlCol="0" anchor="b">
+            <a:noAutofit/>
+          </a:bodyPr>
+          <a:lstStyle>
+            <a:lvl1pPr algn="l" defTabSz="914400" rtl="0" eaLnBrk="1" latinLnBrk="0" hangingPunct="1">
+              <a:lnSpc>
+                <a:spcPct val="90000"/>
+              </a:lnSpc>
+              <a:spcBef>
+                <a:spcPct val="0"/>
+              </a:spcBef>
+              <a:buNone/>
+              <a:defRPr sz="6000" b="1" kern="1200" spc="-50" baseline="0">
+                <a:solidFill>
+                  <a:schemeClr val="accent1"/>
+                </a:solidFill>
+                <a:latin typeface="+mn-lt"/>
+                <a:ea typeface="+mj-ea"/>
+                <a:cs typeface="+mj-cs"/>
+              </a:defRPr>
+            </a:lvl1pPr>
+          </a:lstStyle>
+          <a:p>
+            <a:pPr marL="0" marR="0" lvl="0" indent="0" algn="ctr" defTabSz="914400" rtl="0" eaLnBrk="1" fontAlgn="auto" latinLnBrk="0" hangingPunct="1">
+              <a:lnSpc>
+                <a:spcPct val="90000"/>
+              </a:lnSpc>
+              <a:spcBef>
+                <a:spcPct val="0"/>
+              </a:spcBef>
+              <a:spcAft>
+                <a:spcPts val="0"/>
+              </a:spcAft>
+              <a:buClrTx/>
+              <a:buSzTx/>
+              <a:buFontTx/>
+              <a:buNone/>
+              <a:tabLst/>
+              <a:defRPr/>
+            </a:pPr>
+            <a:r>
+              <a:rPr lang="ro-RO" sz="3600" dirty="0">
+                <a:solidFill>
+                  <a:srgbClr val="303192"/>
+                </a:solidFill>
+                <a:latin typeface="Calibri" panose="020F0502020204030204"/>
+              </a:rPr>
+              <a:t>CONCLUZII</a:t>
+            </a:r>
+            <a:endParaRPr kumimoji="0" lang="en-US" sz="3600" b="1" i="0" u="none" strike="noStrike" kern="1200" cap="none" spc="-50" normalizeH="0" baseline="0" noProof="0" dirty="0">
+              <a:ln>
+                <a:noFill/>
+              </a:ln>
+              <a:solidFill>
+                <a:srgbClr val="303192"/>
+              </a:solidFill>
+              <a:effectLst/>
+              <a:uLnTx/>
+              <a:uFillTx/>
+              <a:latin typeface="Calibri" panose="020F0502020204030204"/>
+              <a:ea typeface="+mj-ea"/>
+              <a:cs typeface="+mj-cs"/>
+            </a:endParaRPr>
+          </a:p>
+        </p:txBody>
+      </p:sp>
+      <p:sp>
+        <p:nvSpPr>
+          <p:cNvPr id="17" name="Rectangle 16">
+            <a:extLst>
+              <a:ext uri="{FF2B5EF4-FFF2-40B4-BE49-F238E27FC236}">
+                <a16:creationId xmlns:a16="http://schemas.microsoft.com/office/drawing/2014/main" id="{47E5BFE0-F228-0FE7-C3D4-7D5F94B7019C}"/>
+              </a:ext>
+            </a:extLst>
+          </p:cNvPr>
+          <p:cNvSpPr/>
+          <p:nvPr/>
+        </p:nvSpPr>
+        <p:spPr>
+          <a:xfrm>
+            <a:off x="2722360" y="801678"/>
+            <a:ext cx="9469640" cy="226242"/>
+          </a:xfrm>
+          <a:prstGeom prst="rect">
+            <a:avLst/>
+          </a:prstGeom>
+          <a:gradFill flip="none" rotWithShape="1">
+            <a:gsLst>
+              <a:gs pos="0">
+                <a:srgbClr val="303192"/>
+              </a:gs>
+              <a:gs pos="50000">
+                <a:schemeClr val="accent1">
+                  <a:tint val="44500"/>
+                  <a:satMod val="160000"/>
+                </a:schemeClr>
+              </a:gs>
+              <a:gs pos="100000">
+                <a:schemeClr val="accent1">
+                  <a:tint val="23500"/>
+                  <a:satMod val="160000"/>
+                </a:schemeClr>
+              </a:gs>
+            </a:gsLst>
+            <a:lin ang="0" scaled="1"/>
+            <a:tileRect/>
+          </a:gradFill>
+          <a:ln>
+            <a:noFill/>
+          </a:ln>
+        </p:spPr>
+        <p:style>
+          <a:lnRef idx="2">
+            <a:schemeClr val="accent1">
+              <a:shade val="50000"/>
+            </a:schemeClr>
+          </a:lnRef>
+          <a:fillRef idx="1">
+            <a:schemeClr val="accent1"/>
+          </a:fillRef>
+          <a:effectRef idx="0">
+            <a:schemeClr val="accent1"/>
+          </a:effectRef>
+          <a:fontRef idx="minor">
+            <a:schemeClr val="lt1"/>
+          </a:fontRef>
+        </p:style>
+        <p:txBody>
+          <a:bodyPr rtlCol="0" anchor="ctr"/>
+          <a:lstStyle>
+            <a:defPPr>
+              <a:defRPr lang="en-US"/>
+            </a:defPPr>
+            <a:lvl1pPr marL="0" algn="l" defTabSz="914400" rtl="0" eaLnBrk="1" latinLnBrk="0" hangingPunct="1">
+              <a:defRPr sz="1800" kern="1200">
+                <a:solidFill>
+                  <a:schemeClr val="lt1"/>
+                </a:solidFill>
+                <a:latin typeface="+mn-lt"/>
+                <a:ea typeface="+mn-ea"/>
+                <a:cs typeface="+mn-cs"/>
+              </a:defRPr>
+            </a:lvl1pPr>
+            <a:lvl2pPr marL="457200" algn="l" defTabSz="914400" rtl="0" eaLnBrk="1" latinLnBrk="0" hangingPunct="1">
+              <a:defRPr sz="1800" kern="1200">
+                <a:solidFill>
+                  <a:schemeClr val="lt1"/>
+                </a:solidFill>
+                <a:latin typeface="+mn-lt"/>
+                <a:ea typeface="+mn-ea"/>
+                <a:cs typeface="+mn-cs"/>
+              </a:defRPr>
+            </a:lvl2pPr>
+            <a:lvl3pPr marL="914400" algn="l" defTabSz="914400" rtl="0" eaLnBrk="1" latinLnBrk="0" hangingPunct="1">
+              <a:defRPr sz="1800" kern="1200">
+                <a:solidFill>
+                  <a:schemeClr val="lt1"/>
+                </a:solidFill>
+                <a:latin typeface="+mn-lt"/>
+                <a:ea typeface="+mn-ea"/>
+                <a:cs typeface="+mn-cs"/>
+              </a:defRPr>
+            </a:lvl3pPr>
+            <a:lvl4pPr marL="1371600" algn="l" defTabSz="914400" rtl="0" eaLnBrk="1" latinLnBrk="0" hangingPunct="1">
+              <a:defRPr sz="1800" kern="1200">
+                <a:solidFill>
+                  <a:schemeClr val="lt1"/>
+                </a:solidFill>
+                <a:latin typeface="+mn-lt"/>
+                <a:ea typeface="+mn-ea"/>
+                <a:cs typeface="+mn-cs"/>
+              </a:defRPr>
+            </a:lvl4pPr>
+            <a:lvl5pPr marL="1828800" algn="l" defTabSz="914400" rtl="0" eaLnBrk="1" latinLnBrk="0" hangingPunct="1">
+              <a:defRPr sz="1800" kern="1200">
+                <a:solidFill>
+                  <a:schemeClr val="lt1"/>
+                </a:solidFill>
+                <a:latin typeface="+mn-lt"/>
+                <a:ea typeface="+mn-ea"/>
+                <a:cs typeface="+mn-cs"/>
+              </a:defRPr>
+            </a:lvl5pPr>
+            <a:lvl6pPr marL="2286000" algn="l" defTabSz="914400" rtl="0" eaLnBrk="1" latinLnBrk="0" hangingPunct="1">
+              <a:defRPr sz="1800" kern="1200">
+                <a:solidFill>
+                  <a:schemeClr val="lt1"/>
+                </a:solidFill>
+                <a:latin typeface="+mn-lt"/>
+                <a:ea typeface="+mn-ea"/>
+                <a:cs typeface="+mn-cs"/>
+              </a:defRPr>
+            </a:lvl6pPr>
+            <a:lvl7pPr marL="2743200" algn="l" defTabSz="914400" rtl="0" eaLnBrk="1" latinLnBrk="0" hangingPunct="1">
+              <a:defRPr sz="1800" kern="1200">
+                <a:solidFill>
+                  <a:schemeClr val="lt1"/>
+                </a:solidFill>
+                <a:latin typeface="+mn-lt"/>
+                <a:ea typeface="+mn-ea"/>
+                <a:cs typeface="+mn-cs"/>
+              </a:defRPr>
+            </a:lvl7pPr>
+            <a:lvl8pPr marL="3200400" algn="l" defTabSz="914400" rtl="0" eaLnBrk="1" latinLnBrk="0" hangingPunct="1">
+              <a:defRPr sz="1800" kern="1200">
+                <a:solidFill>
+                  <a:schemeClr val="lt1"/>
+                </a:solidFill>
+                <a:latin typeface="+mn-lt"/>
+                <a:ea typeface="+mn-ea"/>
+                <a:cs typeface="+mn-cs"/>
+              </a:defRPr>
+            </a:lvl8pPr>
+            <a:lvl9pPr marL="3657600" algn="l" defTabSz="914400" rtl="0" eaLnBrk="1" latinLnBrk="0" hangingPunct="1">
+              <a:defRPr sz="1800" kern="1200">
+                <a:solidFill>
+                  <a:schemeClr val="lt1"/>
+                </a:solidFill>
+                <a:latin typeface="+mn-lt"/>
+                <a:ea typeface="+mn-ea"/>
+                <a:cs typeface="+mn-cs"/>
+              </a:defRPr>
+            </a:lvl9pPr>
+          </a:lstStyle>
+          <a:p>
+            <a:pPr algn="ctr"/>
+            <a:endParaRPr lang="ro-RO"/>
+          </a:p>
+        </p:txBody>
+      </p:sp>
+      <p:sp>
+        <p:nvSpPr>
+          <p:cNvPr id="2" name="Content Placeholder 7">
+            <a:extLst>
+              <a:ext uri="{FF2B5EF4-FFF2-40B4-BE49-F238E27FC236}">
+                <a16:creationId xmlns:a16="http://schemas.microsoft.com/office/drawing/2014/main" id="{41D1C6F6-2B4E-A491-3BC6-D2845D754881}"/>
+              </a:ext>
+            </a:extLst>
+          </p:cNvPr>
+          <p:cNvSpPr>
+            <a:spLocks noGrp="1"/>
+          </p:cNvSpPr>
+          <p:nvPr>
+            <p:ph idx="1"/>
+          </p:nvPr>
+        </p:nvSpPr>
+        <p:spPr>
+          <a:xfrm>
+            <a:off x="4147199" y="1500923"/>
+            <a:ext cx="4012207" cy="454920"/>
+          </a:xfrm>
+        </p:spPr>
+        <p:txBody>
+          <a:bodyPr>
+            <a:normAutofit fontScale="92500"/>
+          </a:bodyPr>
+          <a:lstStyle/>
+          <a:p>
+            <a:pPr marL="0" indent="0">
+              <a:buNone/>
+            </a:pPr>
+            <a:r>
+              <a:rPr lang="ro-RO" sz="2000" b="1" dirty="0"/>
+              <a:t>OBIECTIVELE INIȚIALE AU FOST ATINSE</a:t>
+            </a:r>
+          </a:p>
+        </p:txBody>
+      </p:sp>
+      <p:sp>
+        <p:nvSpPr>
+          <p:cNvPr id="7" name="TextBox 6">
+            <a:extLst>
+              <a:ext uri="{FF2B5EF4-FFF2-40B4-BE49-F238E27FC236}">
+                <a16:creationId xmlns:a16="http://schemas.microsoft.com/office/drawing/2014/main" id="{CCE8BAFC-ED4E-5DEF-E029-B9DE6BA66C96}"/>
+              </a:ext>
+            </a:extLst>
+          </p:cNvPr>
+          <p:cNvSpPr txBox="1"/>
+          <p:nvPr/>
+        </p:nvSpPr>
+        <p:spPr>
+          <a:xfrm>
+            <a:off x="3842234" y="2805337"/>
+            <a:ext cx="4888454" cy="369332"/>
+          </a:xfrm>
+          <a:prstGeom prst="rect">
+            <a:avLst/>
+          </a:prstGeom>
+          <a:noFill/>
+        </p:spPr>
+        <p:txBody>
+          <a:bodyPr wrap="none" rtlCol="0">
+            <a:spAutoFit/>
+          </a:bodyPr>
+          <a:lstStyle/>
+          <a:p>
+            <a:r>
+              <a:rPr lang="ro-RO" dirty="0"/>
+              <a:t>Aplicația pentru administratori gestionează clienții</a:t>
+            </a:r>
+          </a:p>
+        </p:txBody>
+      </p:sp>
+      <p:sp>
+        <p:nvSpPr>
+          <p:cNvPr id="8" name="TextBox 7">
+            <a:extLst>
+              <a:ext uri="{FF2B5EF4-FFF2-40B4-BE49-F238E27FC236}">
+                <a16:creationId xmlns:a16="http://schemas.microsoft.com/office/drawing/2014/main" id="{1E7D8DF4-D251-6133-6EC2-3413E803D634}"/>
+              </a:ext>
+            </a:extLst>
+          </p:cNvPr>
+          <p:cNvSpPr txBox="1"/>
+          <p:nvPr/>
+        </p:nvSpPr>
+        <p:spPr>
+          <a:xfrm>
+            <a:off x="2916936" y="3653705"/>
+            <a:ext cx="5570949" cy="923330"/>
+          </a:xfrm>
+          <a:prstGeom prst="rect">
+            <a:avLst/>
+          </a:prstGeom>
+          <a:noFill/>
+        </p:spPr>
+        <p:txBody>
+          <a:bodyPr wrap="none" rtlCol="0">
+            <a:spAutoFit/>
+          </a:bodyPr>
+          <a:lstStyle/>
+          <a:p>
+            <a:pPr algn="r"/>
+            <a:r>
+              <a:rPr lang="ro-RO" dirty="0"/>
+              <a:t>Aplicația pentru clienți se poate conecta prin intermediul </a:t>
+            </a:r>
+          </a:p>
+          <a:p>
+            <a:pPr algn="r"/>
+            <a:r>
+              <a:rPr lang="ro-RO" dirty="0"/>
+              <a:t>bluetooth cu mașina și poate comanda închiderea sau </a:t>
+            </a:r>
+          </a:p>
+          <a:p>
+            <a:pPr algn="r"/>
+            <a:r>
+              <a:rPr lang="ro-RO" dirty="0"/>
+              <a:t>deschiderea mașinii </a:t>
+            </a:r>
+            <a:endParaRPr lang="en-US" dirty="0"/>
+          </a:p>
+        </p:txBody>
+      </p:sp>
+      <p:sp>
+        <p:nvSpPr>
+          <p:cNvPr id="9" name="TextBox 8">
+            <a:extLst>
+              <a:ext uri="{FF2B5EF4-FFF2-40B4-BE49-F238E27FC236}">
+                <a16:creationId xmlns:a16="http://schemas.microsoft.com/office/drawing/2014/main" id="{17281622-5E6B-436C-2065-4B9692C9BB39}"/>
+              </a:ext>
+            </a:extLst>
+          </p:cNvPr>
+          <p:cNvSpPr txBox="1"/>
+          <p:nvPr/>
+        </p:nvSpPr>
+        <p:spPr>
+          <a:xfrm>
+            <a:off x="3986784" y="5740748"/>
+            <a:ext cx="5449120" cy="923330"/>
+          </a:xfrm>
+          <a:prstGeom prst="rect">
+            <a:avLst/>
+          </a:prstGeom>
+          <a:noFill/>
+        </p:spPr>
+        <p:txBody>
+          <a:bodyPr wrap="none" rtlCol="0">
+            <a:spAutoFit/>
+          </a:bodyPr>
+          <a:lstStyle/>
+          <a:p>
+            <a:r>
+              <a:rPr lang="ro-RO" dirty="0"/>
+              <a:t>Montaj hardware care simulează mânerul mașinii poate </a:t>
+            </a:r>
+          </a:p>
+          <a:p>
+            <a:r>
+              <a:rPr lang="ro-RO" dirty="0"/>
+              <a:t>primi comenzi prin intermediul bluetooth de la client</a:t>
+            </a:r>
+            <a:endParaRPr lang="en-US" dirty="0"/>
+          </a:p>
+          <a:p>
+            <a:endParaRPr lang="ro-RO" dirty="0"/>
+          </a:p>
+        </p:txBody>
+      </p:sp>
+      <p:pic>
+        <p:nvPicPr>
+          <p:cNvPr id="11" name="Picture 10">
+            <a:extLst>
+              <a:ext uri="{FF2B5EF4-FFF2-40B4-BE49-F238E27FC236}">
+                <a16:creationId xmlns:a16="http://schemas.microsoft.com/office/drawing/2014/main" id="{1F7F422C-55D7-2C77-BAFF-7925438FACE5}"/>
+              </a:ext>
+            </a:extLst>
+          </p:cNvPr>
+          <p:cNvPicPr>
+            <a:picLocks noChangeAspect="1"/>
+          </p:cNvPicPr>
+          <p:nvPr/>
+        </p:nvPicPr>
+        <p:blipFill>
+          <a:blip r:embed="rId3"/>
+          <a:stretch>
+            <a:fillRect/>
+          </a:stretch>
+        </p:blipFill>
+        <p:spPr>
+          <a:xfrm rot="1661510">
+            <a:off x="920272" y="1678315"/>
+            <a:ext cx="3100225" cy="1221673"/>
+          </a:xfrm>
+          <a:prstGeom prst="rect">
+            <a:avLst/>
+          </a:prstGeom>
+        </p:spPr>
+      </p:pic>
+      <p:pic>
+        <p:nvPicPr>
+          <p:cNvPr id="14" name="Picture 13">
+            <a:extLst>
+              <a:ext uri="{FF2B5EF4-FFF2-40B4-BE49-F238E27FC236}">
+                <a16:creationId xmlns:a16="http://schemas.microsoft.com/office/drawing/2014/main" id="{CD38C056-98D0-26B2-37F5-D385D608A56F}"/>
+              </a:ext>
+            </a:extLst>
+          </p:cNvPr>
+          <p:cNvPicPr>
+            <a:picLocks noChangeAspect="1"/>
+          </p:cNvPicPr>
+          <p:nvPr/>
+        </p:nvPicPr>
+        <p:blipFill>
+          <a:blip r:embed="rId4"/>
+          <a:stretch>
+            <a:fillRect/>
+          </a:stretch>
+        </p:blipFill>
+        <p:spPr>
+          <a:xfrm rot="1524057">
+            <a:off x="8342217" y="3734258"/>
+            <a:ext cx="3312858" cy="1231007"/>
+          </a:xfrm>
+          <a:prstGeom prst="rect">
+            <a:avLst/>
+          </a:prstGeom>
+        </p:spPr>
+      </p:pic>
+      <p:pic>
+        <p:nvPicPr>
+          <p:cNvPr id="16" name="Picture 15">
+            <a:extLst>
+              <a:ext uri="{FF2B5EF4-FFF2-40B4-BE49-F238E27FC236}">
+                <a16:creationId xmlns:a16="http://schemas.microsoft.com/office/drawing/2014/main" id="{663BD801-CF2F-DB15-0646-2B2A5AEC8B2E}"/>
+              </a:ext>
+            </a:extLst>
+          </p:cNvPr>
+          <p:cNvPicPr>
+            <a:picLocks noChangeAspect="1"/>
+          </p:cNvPicPr>
+          <p:nvPr/>
+        </p:nvPicPr>
+        <p:blipFill>
+          <a:blip r:embed="rId5"/>
+          <a:stretch>
+            <a:fillRect/>
+          </a:stretch>
+        </p:blipFill>
+        <p:spPr>
+          <a:xfrm rot="20395434">
+            <a:off x="1074185" y="5065599"/>
+            <a:ext cx="3059203" cy="1201387"/>
+          </a:xfrm>
+          <a:prstGeom prst="rect">
+            <a:avLst/>
+          </a:prstGeom>
+        </p:spPr>
+      </p:pic>
+      <p:pic>
+        <p:nvPicPr>
+          <p:cNvPr id="18" name="Picture 17" descr="Icon&#10;&#10;Description automatically generated with medium confidence">
+            <a:extLst>
+              <a:ext uri="{FF2B5EF4-FFF2-40B4-BE49-F238E27FC236}">
+                <a16:creationId xmlns:a16="http://schemas.microsoft.com/office/drawing/2014/main" id="{1EADB797-E0D5-9852-00C7-18E4E6FB2783}"/>
+              </a:ext>
+            </a:extLst>
+          </p:cNvPr>
+          <p:cNvPicPr>
+            <a:picLocks noChangeAspect="1"/>
+          </p:cNvPicPr>
+          <p:nvPr/>
+        </p:nvPicPr>
+        <p:blipFill>
+          <a:blip r:embed="rId6" cstate="print">
+            <a:alphaModFix amt="50000"/>
+            <a:extLst>
+              <a:ext uri="{28A0092B-C50C-407E-A947-70E740481C1C}">
+                <a14:useLocalDpi xmlns:a14="http://schemas.microsoft.com/office/drawing/2010/main" val="0"/>
+              </a:ext>
+            </a:extLst>
+          </a:blip>
+          <a:stretch>
+            <a:fillRect/>
+          </a:stretch>
+        </p:blipFill>
+        <p:spPr>
+          <a:xfrm>
+            <a:off x="9442407" y="3796272"/>
+            <a:ext cx="1091935" cy="1106978"/>
+          </a:xfrm>
+          <a:prstGeom prst="rect">
+            <a:avLst/>
+          </a:prstGeom>
+        </p:spPr>
+      </p:pic>
+      <p:pic>
+        <p:nvPicPr>
+          <p:cNvPr id="19" name="Picture 18" descr="Icon&#10;&#10;Description automatically generated with medium confidence">
+            <a:extLst>
+              <a:ext uri="{FF2B5EF4-FFF2-40B4-BE49-F238E27FC236}">
+                <a16:creationId xmlns:a16="http://schemas.microsoft.com/office/drawing/2014/main" id="{307A6EC2-EA9B-DE49-80D6-986196CD92E4}"/>
+              </a:ext>
+            </a:extLst>
+          </p:cNvPr>
+          <p:cNvPicPr>
+            <a:picLocks noChangeAspect="1"/>
+          </p:cNvPicPr>
+          <p:nvPr/>
+        </p:nvPicPr>
+        <p:blipFill>
+          <a:blip r:embed="rId6" cstate="print">
+            <a:alphaModFix amt="50000"/>
+            <a:extLst>
+              <a:ext uri="{28A0092B-C50C-407E-A947-70E740481C1C}">
+                <a14:useLocalDpi xmlns:a14="http://schemas.microsoft.com/office/drawing/2010/main" val="0"/>
+              </a:ext>
+            </a:extLst>
+          </a:blip>
+          <a:stretch>
+            <a:fillRect/>
+          </a:stretch>
+        </p:blipFill>
+        <p:spPr>
+          <a:xfrm>
+            <a:off x="1867016" y="1727006"/>
+            <a:ext cx="1091935" cy="1106978"/>
+          </a:xfrm>
+          <a:prstGeom prst="rect">
+            <a:avLst/>
+          </a:prstGeom>
+        </p:spPr>
+      </p:pic>
+      <p:pic>
+        <p:nvPicPr>
+          <p:cNvPr id="20" name="Picture 19" descr="Icon&#10;&#10;Description automatically generated with medium confidence">
+            <a:extLst>
+              <a:ext uri="{FF2B5EF4-FFF2-40B4-BE49-F238E27FC236}">
+                <a16:creationId xmlns:a16="http://schemas.microsoft.com/office/drawing/2014/main" id="{62F68FFC-03E3-C49A-9B5A-FF195C0BEED2}"/>
+              </a:ext>
+            </a:extLst>
+          </p:cNvPr>
+          <p:cNvPicPr>
+            <a:picLocks noChangeAspect="1"/>
+          </p:cNvPicPr>
+          <p:nvPr/>
+        </p:nvPicPr>
+        <p:blipFill>
+          <a:blip r:embed="rId6" cstate="print">
+            <a:alphaModFix amt="50000"/>
+            <a:extLst>
+              <a:ext uri="{28A0092B-C50C-407E-A947-70E740481C1C}">
+                <a14:useLocalDpi xmlns:a14="http://schemas.microsoft.com/office/drawing/2010/main" val="0"/>
+              </a:ext>
+            </a:extLst>
+          </a:blip>
+          <a:stretch>
+            <a:fillRect/>
+          </a:stretch>
+        </p:blipFill>
+        <p:spPr>
+          <a:xfrm>
+            <a:off x="2057818" y="5095435"/>
+            <a:ext cx="1091935" cy="1106978"/>
+          </a:xfrm>
+          <a:prstGeom prst="rect">
+            <a:avLst/>
+          </a:prstGeom>
+        </p:spPr>
+      </p:pic>
+      <p:sp>
+        <p:nvSpPr>
+          <p:cNvPr id="21" name="Rectangle 20">
+            <a:extLst>
+              <a:ext uri="{FF2B5EF4-FFF2-40B4-BE49-F238E27FC236}">
+                <a16:creationId xmlns:a16="http://schemas.microsoft.com/office/drawing/2014/main" id="{632B5547-23B3-2847-45ED-987AF9A6F904}"/>
+              </a:ext>
+            </a:extLst>
+          </p:cNvPr>
+          <p:cNvSpPr/>
+          <p:nvPr/>
+        </p:nvSpPr>
+        <p:spPr>
+          <a:xfrm>
+            <a:off x="3959114" y="1483191"/>
+            <a:ext cx="4446911" cy="369332"/>
+          </a:xfrm>
+          <a:prstGeom prst="rect">
+            <a:avLst/>
+          </a:prstGeom>
+          <a:noFill/>
+        </p:spPr>
+        <p:style>
+          <a:lnRef idx="2">
+            <a:schemeClr val="accent1">
+              <a:shade val="50000"/>
+            </a:schemeClr>
+          </a:lnRef>
+          <a:fillRef idx="1">
+            <a:schemeClr val="accent1"/>
+          </a:fillRef>
+          <a:effectRef idx="0">
+            <a:schemeClr val="accent1"/>
+          </a:effectRef>
+          <a:fontRef idx="minor">
+            <a:schemeClr val="lt1"/>
+          </a:fontRef>
+        </p:style>
+        <p:txBody>
+          <a:bodyPr rtlCol="0" anchor="ctr"/>
+          <a:lstStyle/>
+          <a:p>
+            <a:pPr algn="ctr"/>
+            <a:endParaRPr lang="ro-RO"/>
+          </a:p>
+        </p:txBody>
+      </p:sp>
+      <p:sp>
+        <p:nvSpPr>
+          <p:cNvPr id="22" name="Rectangle 21">
+            <a:extLst>
+              <a:ext uri="{FF2B5EF4-FFF2-40B4-BE49-F238E27FC236}">
+                <a16:creationId xmlns:a16="http://schemas.microsoft.com/office/drawing/2014/main" id="{31102CA5-61B7-0014-9621-07BF9E8B9587}"/>
+              </a:ext>
+            </a:extLst>
+          </p:cNvPr>
+          <p:cNvSpPr/>
+          <p:nvPr/>
+        </p:nvSpPr>
+        <p:spPr>
+          <a:xfrm>
+            <a:off x="3842234" y="2816716"/>
+            <a:ext cx="4798846" cy="369332"/>
+          </a:xfrm>
+          <a:prstGeom prst="rect">
+            <a:avLst/>
+          </a:prstGeom>
+          <a:noFill/>
+        </p:spPr>
+        <p:style>
+          <a:lnRef idx="2">
+            <a:schemeClr val="accent1">
+              <a:shade val="50000"/>
+            </a:schemeClr>
+          </a:lnRef>
+          <a:fillRef idx="1">
+            <a:schemeClr val="accent1"/>
+          </a:fillRef>
+          <a:effectRef idx="0">
+            <a:schemeClr val="accent1"/>
+          </a:effectRef>
+          <a:fontRef idx="minor">
+            <a:schemeClr val="lt1"/>
+          </a:fontRef>
+        </p:style>
+        <p:txBody>
+          <a:bodyPr rtlCol="0" anchor="ctr"/>
+          <a:lstStyle/>
+          <a:p>
+            <a:pPr algn="ctr"/>
+            <a:endParaRPr lang="ro-RO"/>
+          </a:p>
+        </p:txBody>
+      </p:sp>
+      <p:sp>
+        <p:nvSpPr>
+          <p:cNvPr id="23" name="Rectangle 22">
+            <a:extLst>
+              <a:ext uri="{FF2B5EF4-FFF2-40B4-BE49-F238E27FC236}">
+                <a16:creationId xmlns:a16="http://schemas.microsoft.com/office/drawing/2014/main" id="{1D17268E-E217-36D7-CB87-353B349EC139}"/>
+              </a:ext>
+            </a:extLst>
+          </p:cNvPr>
+          <p:cNvSpPr/>
+          <p:nvPr/>
+        </p:nvSpPr>
+        <p:spPr>
+          <a:xfrm>
+            <a:off x="2901695" y="3680716"/>
+            <a:ext cx="5601429" cy="869307"/>
+          </a:xfrm>
+          <a:prstGeom prst="rect">
+            <a:avLst/>
+          </a:prstGeom>
+          <a:noFill/>
+        </p:spPr>
+        <p:style>
+          <a:lnRef idx="2">
+            <a:schemeClr val="accent1">
+              <a:shade val="50000"/>
+            </a:schemeClr>
+          </a:lnRef>
+          <a:fillRef idx="1">
+            <a:schemeClr val="accent1"/>
+          </a:fillRef>
+          <a:effectRef idx="0">
+            <a:schemeClr val="accent1"/>
+          </a:effectRef>
+          <a:fontRef idx="minor">
+            <a:schemeClr val="lt1"/>
+          </a:fontRef>
+        </p:style>
+        <p:txBody>
+          <a:bodyPr rtlCol="0" anchor="ctr"/>
+          <a:lstStyle/>
+          <a:p>
+            <a:pPr algn="ctr"/>
+            <a:endParaRPr lang="ro-RO"/>
+          </a:p>
+        </p:txBody>
+      </p:sp>
+      <p:sp>
+        <p:nvSpPr>
+          <p:cNvPr id="25" name="Rectangle 24">
+            <a:extLst>
+              <a:ext uri="{FF2B5EF4-FFF2-40B4-BE49-F238E27FC236}">
+                <a16:creationId xmlns:a16="http://schemas.microsoft.com/office/drawing/2014/main" id="{7C339D7D-9197-3AE1-F9EF-4F5FC920A04C}"/>
+              </a:ext>
+            </a:extLst>
+          </p:cNvPr>
+          <p:cNvSpPr/>
+          <p:nvPr/>
+        </p:nvSpPr>
+        <p:spPr>
+          <a:xfrm>
+            <a:off x="3986784" y="5742206"/>
+            <a:ext cx="5601429" cy="702949"/>
+          </a:xfrm>
+          <a:prstGeom prst="rect">
+            <a:avLst/>
+          </a:prstGeom>
+          <a:noFill/>
+        </p:spPr>
+        <p:style>
+          <a:lnRef idx="2">
+            <a:schemeClr val="accent1">
+              <a:shade val="50000"/>
+            </a:schemeClr>
+          </a:lnRef>
+          <a:fillRef idx="1">
+            <a:schemeClr val="accent1"/>
+          </a:fillRef>
+          <a:effectRef idx="0">
+            <a:schemeClr val="accent1"/>
+          </a:effectRef>
+          <a:fontRef idx="minor">
+            <a:schemeClr val="lt1"/>
+          </a:fontRef>
+        </p:style>
+        <p:txBody>
+          <a:bodyPr rtlCol="0" anchor="ctr"/>
+          <a:lstStyle/>
+          <a:p>
+            <a:pPr algn="ctr"/>
+            <a:endParaRPr lang="ro-RO"/>
+          </a:p>
+        </p:txBody>
+      </p:sp>
+    </p:spTree>
+    <p:extLst>
+      <p:ext uri="{BB962C8B-B14F-4D97-AF65-F5344CB8AC3E}">
+        <p14:creationId xmlns:p14="http://schemas.microsoft.com/office/powerpoint/2010/main" val="2910119998"/>
+      </p:ext>
+    </p:extLst>
+  </p:cSld>
+  <p:clrMapOvr>
+    <a:masterClrMapping/>
+  </p:clrMapOvr>
+</p:sld>
+</file>
+
+<file path=ppt/slides/slide13.xml><?xml version="1.0" encoding="utf-8"?>
+<p:sld xmlns:a="http://schemas.openxmlformats.org/drawingml/2006/main" xmlns:r="http://schemas.openxmlformats.org/officeDocument/2006/relationships" xmlns:p="http://schemas.openxmlformats.org/presentationml/2006/main">
+  <p:cSld>
+    <p:spTree>
+      <p:nvGrpSpPr>
+        <p:cNvPr id="1" name=""/>
+        <p:cNvGrpSpPr/>
+        <p:nvPr/>
+      </p:nvGrpSpPr>
+      <p:grpSpPr>
+        <a:xfrm>
+          <a:off x="0" y="0"/>
+          <a:ext cx="0" cy="0"/>
+          <a:chOff x="0" y="0"/>
+          <a:chExt cx="0" cy="0"/>
+        </a:xfrm>
+      </p:grpSpPr>
+      <p:pic>
+        <p:nvPicPr>
+          <p:cNvPr id="4" name="Picture 3">
+            <a:extLst>
+              <a:ext uri="{FF2B5EF4-FFF2-40B4-BE49-F238E27FC236}">
+                <a16:creationId xmlns:a16="http://schemas.microsoft.com/office/drawing/2014/main" id="{F5067A44-10AA-4A5D-B879-C1AB478D55E0}"/>
+              </a:ext>
+            </a:extLst>
+          </p:cNvPr>
+          <p:cNvPicPr>
+            <a:picLocks noChangeAspect="1"/>
+          </p:cNvPicPr>
+          <p:nvPr/>
+        </p:nvPicPr>
+        <p:blipFill rotWithShape="1">
+          <a:blip r:embed="rId2">
+            <a:extLst>
+              <a:ext uri="{28A0092B-C50C-407E-A947-70E740481C1C}">
+                <a14:useLocalDpi xmlns:a14="http://schemas.microsoft.com/office/drawing/2010/main" val="0"/>
+              </a:ext>
+            </a:extLst>
+          </a:blip>
+          <a:srcRect r="4469"/>
+          <a:stretch/>
+        </p:blipFill>
+        <p:spPr>
+          <a:xfrm>
+            <a:off x="194577" y="15"/>
+            <a:ext cx="2722359" cy="1027905"/>
+          </a:xfrm>
+          <a:prstGeom prst="rect">
+            <a:avLst/>
+          </a:prstGeom>
+          <a:noFill/>
+        </p:spPr>
+      </p:pic>
+      <p:sp>
+        <p:nvSpPr>
+          <p:cNvPr id="12" name="Title 2">
+            <a:extLst>
+              <a:ext uri="{FF2B5EF4-FFF2-40B4-BE49-F238E27FC236}">
+                <a16:creationId xmlns:a16="http://schemas.microsoft.com/office/drawing/2014/main" id="{D63B059A-B609-6ECD-31EE-C43A05689B24}"/>
+              </a:ext>
+              <a:ext uri="{C183D7F6-B498-43B3-948B-1728B52AA6E4}">
+                <adec:decorative xmlns:adec="http://schemas.microsoft.com/office/drawing/2017/decorative" val="0"/>
+              </a:ext>
+            </a:extLst>
+          </p:cNvPr>
+          <p:cNvSpPr txBox="1">
+            <a:spLocks/>
+          </p:cNvSpPr>
+          <p:nvPr/>
+        </p:nvSpPr>
+        <p:spPr>
+          <a:xfrm>
+            <a:off x="2395728" y="163110"/>
+            <a:ext cx="8951976" cy="638568"/>
+          </a:xfrm>
+          <a:prstGeom prst="rect">
+            <a:avLst/>
+          </a:prstGeom>
+        </p:spPr>
+        <p:txBody>
+          <a:bodyPr vert="horz" lIns="91440" tIns="45720" rIns="91440" bIns="45720" rtlCol="0" anchor="b">
+            <a:noAutofit/>
+          </a:bodyPr>
+          <a:lstStyle>
+            <a:lvl1pPr algn="l" defTabSz="914400" rtl="0" eaLnBrk="1" latinLnBrk="0" hangingPunct="1">
+              <a:lnSpc>
+                <a:spcPct val="90000"/>
+              </a:lnSpc>
+              <a:spcBef>
+                <a:spcPct val="0"/>
+              </a:spcBef>
+              <a:buNone/>
+              <a:defRPr sz="6000" b="1" kern="1200" spc="-50" baseline="0">
+                <a:solidFill>
+                  <a:schemeClr val="accent1"/>
+                </a:solidFill>
+                <a:latin typeface="+mn-lt"/>
+                <a:ea typeface="+mj-ea"/>
+                <a:cs typeface="+mj-cs"/>
+              </a:defRPr>
+            </a:lvl1pPr>
+          </a:lstStyle>
+          <a:p>
+            <a:pPr marL="0" marR="0" lvl="0" indent="0" algn="ctr" defTabSz="914400" rtl="0" eaLnBrk="1" fontAlgn="auto" latinLnBrk="0" hangingPunct="1">
+              <a:lnSpc>
+                <a:spcPct val="90000"/>
+              </a:lnSpc>
+              <a:spcBef>
+                <a:spcPct val="0"/>
+              </a:spcBef>
+              <a:spcAft>
+                <a:spcPts val="0"/>
+              </a:spcAft>
+              <a:buClrTx/>
+              <a:buSzTx/>
+              <a:buFontTx/>
+              <a:buNone/>
+              <a:tabLst/>
+              <a:defRPr/>
+            </a:pPr>
+            <a:r>
+              <a:rPr lang="ro-RO" sz="3600" dirty="0">
+                <a:solidFill>
+                  <a:srgbClr val="303192"/>
+                </a:solidFill>
+                <a:latin typeface="Calibri" panose="020F0502020204030204"/>
+              </a:rPr>
+              <a:t>DIRECȚII DE CONTINUARE A DEZVOLTĂRII</a:t>
+            </a:r>
+          </a:p>
+        </p:txBody>
+      </p:sp>
+      <p:sp>
+        <p:nvSpPr>
+          <p:cNvPr id="17" name="Rectangle 16">
+            <a:extLst>
+              <a:ext uri="{FF2B5EF4-FFF2-40B4-BE49-F238E27FC236}">
+                <a16:creationId xmlns:a16="http://schemas.microsoft.com/office/drawing/2014/main" id="{47E5BFE0-F228-0FE7-C3D4-7D5F94B7019C}"/>
+              </a:ext>
+            </a:extLst>
+          </p:cNvPr>
+          <p:cNvSpPr/>
+          <p:nvPr/>
+        </p:nvSpPr>
+        <p:spPr>
+          <a:xfrm>
+            <a:off x="2722360" y="801678"/>
+            <a:ext cx="9469640" cy="226242"/>
+          </a:xfrm>
+          <a:prstGeom prst="rect">
+            <a:avLst/>
+          </a:prstGeom>
+          <a:gradFill flip="none" rotWithShape="1">
+            <a:gsLst>
+              <a:gs pos="0">
+                <a:srgbClr val="303192"/>
+              </a:gs>
+              <a:gs pos="50000">
+                <a:schemeClr val="accent1">
+                  <a:tint val="44500"/>
+                  <a:satMod val="160000"/>
+                </a:schemeClr>
+              </a:gs>
+              <a:gs pos="100000">
+                <a:schemeClr val="accent1">
+                  <a:tint val="23500"/>
+                  <a:satMod val="160000"/>
+                </a:schemeClr>
+              </a:gs>
+            </a:gsLst>
+            <a:lin ang="0" scaled="1"/>
+            <a:tileRect/>
+          </a:gradFill>
+          <a:ln>
+            <a:noFill/>
+          </a:ln>
+        </p:spPr>
+        <p:style>
+          <a:lnRef idx="2">
+            <a:schemeClr val="accent1">
+              <a:shade val="50000"/>
+            </a:schemeClr>
+          </a:lnRef>
+          <a:fillRef idx="1">
+            <a:schemeClr val="accent1"/>
+          </a:fillRef>
+          <a:effectRef idx="0">
+            <a:schemeClr val="accent1"/>
+          </a:effectRef>
+          <a:fontRef idx="minor">
+            <a:schemeClr val="lt1"/>
+          </a:fontRef>
+        </p:style>
+        <p:txBody>
+          <a:bodyPr rtlCol="0" anchor="ctr"/>
+          <a:lstStyle>
+            <a:defPPr>
+              <a:defRPr lang="en-US"/>
+            </a:defPPr>
+            <a:lvl1pPr marL="0" algn="l" defTabSz="914400" rtl="0" eaLnBrk="1" latinLnBrk="0" hangingPunct="1">
+              <a:defRPr sz="1800" kern="1200">
+                <a:solidFill>
+                  <a:schemeClr val="lt1"/>
+                </a:solidFill>
+                <a:latin typeface="+mn-lt"/>
+                <a:ea typeface="+mn-ea"/>
+                <a:cs typeface="+mn-cs"/>
+              </a:defRPr>
+            </a:lvl1pPr>
+            <a:lvl2pPr marL="457200" algn="l" defTabSz="914400" rtl="0" eaLnBrk="1" latinLnBrk="0" hangingPunct="1">
+              <a:defRPr sz="1800" kern="1200">
+                <a:solidFill>
+                  <a:schemeClr val="lt1"/>
+                </a:solidFill>
+                <a:latin typeface="+mn-lt"/>
+                <a:ea typeface="+mn-ea"/>
+                <a:cs typeface="+mn-cs"/>
+              </a:defRPr>
+            </a:lvl2pPr>
+            <a:lvl3pPr marL="914400" algn="l" defTabSz="914400" rtl="0" eaLnBrk="1" latinLnBrk="0" hangingPunct="1">
+              <a:defRPr sz="1800" kern="1200">
+                <a:solidFill>
+                  <a:schemeClr val="lt1"/>
+                </a:solidFill>
+                <a:latin typeface="+mn-lt"/>
+                <a:ea typeface="+mn-ea"/>
+                <a:cs typeface="+mn-cs"/>
+              </a:defRPr>
+            </a:lvl3pPr>
+            <a:lvl4pPr marL="1371600" algn="l" defTabSz="914400" rtl="0" eaLnBrk="1" latinLnBrk="0" hangingPunct="1">
+              <a:defRPr sz="1800" kern="1200">
+                <a:solidFill>
+                  <a:schemeClr val="lt1"/>
+                </a:solidFill>
+                <a:latin typeface="+mn-lt"/>
+                <a:ea typeface="+mn-ea"/>
+                <a:cs typeface="+mn-cs"/>
+              </a:defRPr>
+            </a:lvl4pPr>
+            <a:lvl5pPr marL="1828800" algn="l" defTabSz="914400" rtl="0" eaLnBrk="1" latinLnBrk="0" hangingPunct="1">
+              <a:defRPr sz="1800" kern="1200">
+                <a:solidFill>
+                  <a:schemeClr val="lt1"/>
+                </a:solidFill>
+                <a:latin typeface="+mn-lt"/>
+                <a:ea typeface="+mn-ea"/>
+                <a:cs typeface="+mn-cs"/>
+              </a:defRPr>
+            </a:lvl5pPr>
+            <a:lvl6pPr marL="2286000" algn="l" defTabSz="914400" rtl="0" eaLnBrk="1" latinLnBrk="0" hangingPunct="1">
+              <a:defRPr sz="1800" kern="1200">
+                <a:solidFill>
+                  <a:schemeClr val="lt1"/>
+                </a:solidFill>
+                <a:latin typeface="+mn-lt"/>
+                <a:ea typeface="+mn-ea"/>
+                <a:cs typeface="+mn-cs"/>
+              </a:defRPr>
+            </a:lvl6pPr>
+            <a:lvl7pPr marL="2743200" algn="l" defTabSz="914400" rtl="0" eaLnBrk="1" latinLnBrk="0" hangingPunct="1">
+              <a:defRPr sz="1800" kern="1200">
+                <a:solidFill>
+                  <a:schemeClr val="lt1"/>
+                </a:solidFill>
+                <a:latin typeface="+mn-lt"/>
+                <a:ea typeface="+mn-ea"/>
+                <a:cs typeface="+mn-cs"/>
+              </a:defRPr>
+            </a:lvl7pPr>
+            <a:lvl8pPr marL="3200400" algn="l" defTabSz="914400" rtl="0" eaLnBrk="1" latinLnBrk="0" hangingPunct="1">
+              <a:defRPr sz="1800" kern="1200">
+                <a:solidFill>
+                  <a:schemeClr val="lt1"/>
+                </a:solidFill>
+                <a:latin typeface="+mn-lt"/>
+                <a:ea typeface="+mn-ea"/>
+                <a:cs typeface="+mn-cs"/>
+              </a:defRPr>
+            </a:lvl8pPr>
+            <a:lvl9pPr marL="3657600" algn="l" defTabSz="914400" rtl="0" eaLnBrk="1" latinLnBrk="0" hangingPunct="1">
+              <a:defRPr sz="1800" kern="1200">
+                <a:solidFill>
+                  <a:schemeClr val="lt1"/>
+                </a:solidFill>
+                <a:latin typeface="+mn-lt"/>
+                <a:ea typeface="+mn-ea"/>
+                <a:cs typeface="+mn-cs"/>
+              </a:defRPr>
+            </a:lvl9pPr>
+          </a:lstStyle>
+          <a:p>
+            <a:pPr algn="ctr"/>
+            <a:endParaRPr lang="ro-RO"/>
+          </a:p>
+        </p:txBody>
+      </p:sp>
+      <p:pic>
+        <p:nvPicPr>
+          <p:cNvPr id="5" name="Picture 4" descr="A picture containing circle, colorfulness, screenshot, rectangle&#10;&#10;Description automatically generated">
+            <a:extLst>
+              <a:ext uri="{FF2B5EF4-FFF2-40B4-BE49-F238E27FC236}">
+                <a16:creationId xmlns:a16="http://schemas.microsoft.com/office/drawing/2014/main" id="{F5A6C8E8-48E4-A224-3259-A0B27ED7501E}"/>
+              </a:ext>
+            </a:extLst>
+          </p:cNvPr>
+          <p:cNvPicPr>
+            <a:picLocks noChangeAspect="1"/>
+          </p:cNvPicPr>
+          <p:nvPr/>
+        </p:nvPicPr>
+        <p:blipFill>
+          <a:blip r:embed="rId3">
+            <a:extLst>
+              <a:ext uri="{28A0092B-C50C-407E-A947-70E740481C1C}">
+                <a14:useLocalDpi xmlns:a14="http://schemas.microsoft.com/office/drawing/2010/main" val="0"/>
+              </a:ext>
+            </a:extLst>
+          </a:blip>
+          <a:stretch>
+            <a:fillRect/>
+          </a:stretch>
+        </p:blipFill>
+        <p:spPr>
+          <a:xfrm>
+            <a:off x="2238518" y="2392219"/>
+            <a:ext cx="1325575" cy="1325575"/>
+          </a:xfrm>
+          <a:prstGeom prst="rect">
+            <a:avLst/>
+          </a:prstGeom>
+        </p:spPr>
+      </p:pic>
+      <p:sp>
+        <p:nvSpPr>
+          <p:cNvPr id="6" name="Rectangle 5">
+            <a:extLst>
+              <a:ext uri="{FF2B5EF4-FFF2-40B4-BE49-F238E27FC236}">
+                <a16:creationId xmlns:a16="http://schemas.microsoft.com/office/drawing/2014/main" id="{71756234-0EE7-13FF-3B19-BB5AF242FFC6}"/>
+              </a:ext>
+            </a:extLst>
+          </p:cNvPr>
+          <p:cNvSpPr/>
+          <p:nvPr/>
+        </p:nvSpPr>
+        <p:spPr>
+          <a:xfrm>
+            <a:off x="109081" y="3985441"/>
+            <a:ext cx="5879628" cy="1581912"/>
+          </a:xfrm>
+          <a:prstGeom prst="rect">
+            <a:avLst/>
+          </a:prstGeom>
+          <a:solidFill>
+            <a:srgbClr val="00CC99">
+              <a:alpha val="6000"/>
+            </a:srgbClr>
+          </a:solidFill>
+          <a:ln>
+            <a:solidFill>
+              <a:srgbClr val="00CC99"/>
+            </a:solidFill>
+          </a:ln>
+        </p:spPr>
+        <p:style>
+          <a:lnRef idx="2">
+            <a:schemeClr val="accent1">
+              <a:shade val="50000"/>
+            </a:schemeClr>
+          </a:lnRef>
+          <a:fillRef idx="1">
+            <a:schemeClr val="accent1"/>
+          </a:fillRef>
+          <a:effectRef idx="0">
+            <a:schemeClr val="accent1"/>
+          </a:effectRef>
+          <a:fontRef idx="minor">
+            <a:schemeClr val="lt1"/>
+          </a:fontRef>
+        </p:style>
+        <p:txBody>
+          <a:bodyPr rtlCol="0" anchor="ctr"/>
+          <a:lstStyle/>
+          <a:p>
+            <a:pPr algn="ctr"/>
+            <a:endParaRPr lang="ro-RO" dirty="0"/>
+          </a:p>
+        </p:txBody>
+      </p:sp>
+      <p:sp>
+        <p:nvSpPr>
+          <p:cNvPr id="7" name="TextBox 6">
+            <a:extLst>
+              <a:ext uri="{FF2B5EF4-FFF2-40B4-BE49-F238E27FC236}">
+                <a16:creationId xmlns:a16="http://schemas.microsoft.com/office/drawing/2014/main" id="{3E2F1EB3-7016-0A59-2F5B-A3160DD856F1}"/>
+              </a:ext>
+            </a:extLst>
+          </p:cNvPr>
+          <p:cNvSpPr txBox="1"/>
+          <p:nvPr/>
+        </p:nvSpPr>
+        <p:spPr>
+          <a:xfrm>
+            <a:off x="109081" y="4453231"/>
+            <a:ext cx="5922264" cy="923330"/>
+          </a:xfrm>
+          <a:prstGeom prst="rect">
+            <a:avLst/>
+          </a:prstGeom>
+          <a:noFill/>
+        </p:spPr>
+        <p:txBody>
+          <a:bodyPr wrap="square" rtlCol="0">
+            <a:spAutoFit/>
+          </a:bodyPr>
+          <a:lstStyle/>
+          <a:p>
+            <a:r>
+              <a:rPr lang="ro-RO" dirty="0"/>
+              <a:t>INTERACȚIUNE SMART CU APLICAȚIA PENTRU CLIENȚI</a:t>
+            </a:r>
+          </a:p>
+          <a:p>
+            <a:r>
+              <a:rPr lang="ro-RO" dirty="0"/>
+              <a:t>NOI FUNCȚIONALITĂȚI DE GESTIUNE PENTRU ADMINISTRATORI</a:t>
+            </a:r>
+          </a:p>
+        </p:txBody>
+      </p:sp>
+      <p:pic>
+        <p:nvPicPr>
+          <p:cNvPr id="3" name="Picture 2" descr="A picture containing circle, clipart, graphics, screenshot&#10;&#10;Description automatically generated">
+            <a:extLst>
+              <a:ext uri="{FF2B5EF4-FFF2-40B4-BE49-F238E27FC236}">
+                <a16:creationId xmlns:a16="http://schemas.microsoft.com/office/drawing/2014/main" id="{151319B0-7531-7401-C36B-1FE5A2386E19}"/>
+              </a:ext>
+            </a:extLst>
+          </p:cNvPr>
+          <p:cNvPicPr>
+            <a:picLocks noChangeAspect="1"/>
+          </p:cNvPicPr>
+          <p:nvPr/>
+        </p:nvPicPr>
+        <p:blipFill>
+          <a:blip r:embed="rId4">
+            <a:extLst>
+              <a:ext uri="{28A0092B-C50C-407E-A947-70E740481C1C}">
+                <a14:useLocalDpi xmlns:a14="http://schemas.microsoft.com/office/drawing/2010/main" val="0"/>
+              </a:ext>
+            </a:extLst>
+          </a:blip>
+          <a:stretch>
+            <a:fillRect/>
+          </a:stretch>
+        </p:blipFill>
+        <p:spPr>
+          <a:xfrm>
+            <a:off x="194577" y="3390717"/>
+            <a:ext cx="967683" cy="967683"/>
+          </a:xfrm>
+          <a:prstGeom prst="rect">
+            <a:avLst/>
+          </a:prstGeom>
+        </p:spPr>
+      </p:pic>
+      <p:sp>
+        <p:nvSpPr>
+          <p:cNvPr id="8" name="Rectangle 7">
+            <a:extLst>
+              <a:ext uri="{FF2B5EF4-FFF2-40B4-BE49-F238E27FC236}">
+                <a16:creationId xmlns:a16="http://schemas.microsoft.com/office/drawing/2014/main" id="{44426356-1BBA-3C7A-CFE4-9C322446922D}"/>
+              </a:ext>
+            </a:extLst>
+          </p:cNvPr>
+          <p:cNvSpPr/>
+          <p:nvPr/>
+        </p:nvSpPr>
+        <p:spPr>
+          <a:xfrm>
+            <a:off x="6216073" y="3985441"/>
+            <a:ext cx="5879628" cy="1581912"/>
+          </a:xfrm>
+          <a:prstGeom prst="rect">
+            <a:avLst/>
+          </a:prstGeom>
+          <a:solidFill>
+            <a:srgbClr val="303192">
+              <a:alpha val="6000"/>
+            </a:srgbClr>
+          </a:solidFill>
+          <a:ln>
+            <a:solidFill>
+              <a:srgbClr val="303192"/>
+            </a:solidFill>
+          </a:ln>
+        </p:spPr>
+        <p:style>
+          <a:lnRef idx="2">
+            <a:schemeClr val="accent1">
+              <a:shade val="50000"/>
+            </a:schemeClr>
+          </a:lnRef>
+          <a:fillRef idx="1">
+            <a:schemeClr val="accent1"/>
+          </a:fillRef>
+          <a:effectRef idx="0">
+            <a:schemeClr val="accent1"/>
+          </a:effectRef>
+          <a:fontRef idx="minor">
+            <a:schemeClr val="lt1"/>
+          </a:fontRef>
+        </p:style>
+        <p:txBody>
+          <a:bodyPr rtlCol="0" anchor="ctr"/>
+          <a:lstStyle/>
+          <a:p>
+            <a:pPr algn="ctr"/>
             <a:endParaRPr lang="ro-RO" dirty="0"/>
           </a:p>
         </p:txBody>
@@ -5282,7 +7999,7 @@
 </p:sld>
 </file>
 
-<file path=ppt/slides/slide11.xml><?xml version="1.0" encoding="utf-8"?>
+<file path=ppt/slides/slide14.xml><?xml version="1.0" encoding="utf-8"?>
 <p:sld xmlns:a="http://schemas.openxmlformats.org/drawingml/2006/main" xmlns:r="http://schemas.openxmlformats.org/officeDocument/2006/relationships" xmlns:p="http://schemas.openxmlformats.org/presentationml/2006/main">
   <p:cSld>
     <p:spTree>
@@ -9215,8 +11932,8 @@
         </p:nvSpPr>
         <p:spPr>
           <a:xfrm>
-            <a:off x="2532888" y="99648"/>
-            <a:ext cx="3427656" cy="638568"/>
+            <a:off x="2652158" y="163095"/>
+            <a:ext cx="9437104" cy="638568"/>
           </a:xfrm>
           <a:prstGeom prst="rect">
             <a:avLst/>
@@ -9280,6 +11997,37 @@
               </a:rPr>
               <a:t>PROIECTARE</a:t>
             </a:r>
+            <a:r>
+              <a:rPr kumimoji="0" lang="ro-RO" sz="3600" b="1" i="0" u="none" strike="noStrike" kern="1200" cap="none" spc="-50" normalizeH="0" baseline="0" noProof="0" dirty="0">
+                <a:ln>
+                  <a:noFill/>
+                </a:ln>
+                <a:solidFill>
+                  <a:srgbClr val="303192"/>
+                </a:solidFill>
+                <a:effectLst/>
+                <a:uLnTx/>
+                <a:uFillTx/>
+                <a:latin typeface="Calibri" panose="020F0502020204030204"/>
+                <a:ea typeface="+mj-ea"/>
+                <a:cs typeface="+mj-cs"/>
+              </a:rPr>
+              <a:t>A APLICAȚIEI ADMINISTRATORULUI</a:t>
+            </a:r>
+            <a:endParaRPr kumimoji="0" lang="en-US" sz="3600" b="1" i="0" u="none" strike="noStrike" kern="1200" cap="none" spc="-50" normalizeH="0" baseline="0" noProof="0" dirty="0">
+              <a:ln>
+                <a:noFill/>
+              </a:ln>
+              <a:solidFill>
+                <a:srgbClr val="303192"/>
+              </a:solidFill>
+              <a:effectLst/>
+              <a:uLnTx/>
+              <a:uFillTx/>
+              <a:latin typeface="Calibri" panose="020F0502020204030204"/>
+              <a:ea typeface="+mj-ea"/>
+              <a:cs typeface="+mj-cs"/>
+            </a:endParaRPr>
           </a:p>
         </p:txBody>
       </p:sp>
@@ -9469,38 +12217,8 @@
         </p:blipFill>
         <p:spPr>
           <a:xfrm>
-            <a:off x="0" y="2024662"/>
-            <a:ext cx="5687567" cy="2808675"/>
-          </a:xfrm>
-          <a:prstGeom prst="rect">
-            <a:avLst/>
-          </a:prstGeom>
-        </p:spPr>
-      </p:pic>
-      <p:pic>
-        <p:nvPicPr>
-          <p:cNvPr id="6" name="Picture 5">
-            <a:extLst>
-              <a:ext uri="{FF2B5EF4-FFF2-40B4-BE49-F238E27FC236}">
-                <a16:creationId xmlns:a16="http://schemas.microsoft.com/office/drawing/2014/main" id="{8E7A38B6-45B0-AF7F-9700-43435D778257}"/>
-              </a:ext>
-            </a:extLst>
-          </p:cNvPr>
-          <p:cNvPicPr>
-            <a:picLocks noChangeAspect="1"/>
-          </p:cNvPicPr>
-          <p:nvPr/>
-        </p:nvPicPr>
-        <p:blipFill>
-          <a:blip r:embed="rId4"/>
-          <a:stretch>
-            <a:fillRect/>
-          </a:stretch>
-        </p:blipFill>
-        <p:spPr>
-          <a:xfrm>
-            <a:off x="5687567" y="1685768"/>
-            <a:ext cx="6508065" cy="3486463"/>
+            <a:off x="874643" y="1915331"/>
+            <a:ext cx="9469640" cy="4676365"/>
           </a:xfrm>
           <a:prstGeom prst="rect">
             <a:avLst/>
@@ -9564,7 +12282,7 @@
         </p:blipFill>
         <p:spPr>
           <a:xfrm>
-            <a:off x="194577" y="15"/>
+            <a:off x="222008" y="0"/>
             <a:ext cx="2722359" cy="1027905"/>
           </a:xfrm>
           <a:prstGeom prst="rect">
@@ -9592,8 +12310,8 @@
         </p:nvSpPr>
         <p:spPr>
           <a:xfrm>
-            <a:off x="2816352" y="112462"/>
-            <a:ext cx="3427656" cy="638568"/>
+            <a:off x="2532887" y="99648"/>
+            <a:ext cx="7853503" cy="638568"/>
           </a:xfrm>
           <a:prstGeom prst="rect">
             <a:avLst/>
@@ -9641,13 +12359,38 @@
               <a:defRPr/>
             </a:pPr>
             <a:r>
-              <a:rPr lang="ro-RO" sz="3600" dirty="0">
+              <a:rPr kumimoji="0" lang="en-US" sz="3600" b="1" i="0" u="none" strike="noStrike" kern="1200" cap="none" spc="-50" normalizeH="0" baseline="0" noProof="0" dirty="0">
+                <a:ln>
+                  <a:noFill/>
+                </a:ln>
                 <a:solidFill>
                   <a:srgbClr val="303192"/>
                 </a:solidFill>
+                <a:effectLst/>
+                <a:uLnTx/>
+                <a:uFillTx/>
                 <a:latin typeface="Calibri" panose="020F0502020204030204"/>
+                <a:ea typeface="+mj-ea"/>
+                <a:cs typeface="+mj-cs"/>
               </a:rPr>
-              <a:t>IMPLEMENTARE</a:t>
+              <a:t>PROIECTARE</a:t>
+            </a:r>
+            <a:r>
+              <a:rPr kumimoji="0" lang="ro-RO" sz="3600" b="1" i="0" u="none" strike="noStrike" kern="1200" cap="none" spc="-50" normalizeH="0" baseline="0" noProof="0" dirty="0">
+                <a:ln>
+                  <a:noFill/>
+                </a:ln>
+                <a:solidFill>
+                  <a:srgbClr val="303192"/>
+                </a:solidFill>
+                <a:effectLst/>
+                <a:uLnTx/>
+                <a:uFillTx/>
+                <a:latin typeface="Calibri" panose="020F0502020204030204"/>
+                <a:ea typeface="+mj-ea"/>
+                <a:cs typeface="+mj-cs"/>
+              </a:rPr>
+              <a:t>A APLICAȚIEI CLIENTULUI</a:t>
             </a:r>
             <a:endParaRPr kumimoji="0" lang="en-US" sz="3600" b="1" i="0" u="none" strike="noStrike" kern="1200" cap="none" spc="-50" normalizeH="0" baseline="0" noProof="0" dirty="0">
               <a:ln>
@@ -9680,7 +12423,7 @@
         </p:nvSpPr>
         <p:spPr>
           <a:xfrm>
-            <a:off x="2722360" y="801678"/>
+            <a:off x="2722360" y="801663"/>
             <a:ext cx="9469640" cy="226242"/>
           </a:xfrm>
           <a:prstGeom prst="rect">
@@ -9832,10 +12575,10 @@
       </p:sp>
       <p:pic>
         <p:nvPicPr>
-          <p:cNvPr id="3" name="Picture 2" descr="A picture containing circle, colorfulness, screenshot, rectangle&#10;&#10;Description automatically generated">
-            <a:extLst>
-              <a:ext uri="{FF2B5EF4-FFF2-40B4-BE49-F238E27FC236}">
-                <a16:creationId xmlns:a16="http://schemas.microsoft.com/office/drawing/2014/main" id="{223F422F-A381-09DE-2789-5922AEBA51BF}"/>
+          <p:cNvPr id="5" name="Picture 4" descr="A picture containing text, child art, drawing, aqua&#10;&#10;Description automatically generated">
+            <a:extLst>
+              <a:ext uri="{FF2B5EF4-FFF2-40B4-BE49-F238E27FC236}">
+                <a16:creationId xmlns:a16="http://schemas.microsoft.com/office/drawing/2014/main" id="{0883EE5D-8A46-7AC4-4507-83344F54EB6E}"/>
               </a:ext>
             </a:extLst>
           </p:cNvPr>
@@ -9858,616 +12601,18 @@
         </p:blipFill>
         <p:spPr>
           <a:xfrm>
-            <a:off x="230181" y="1172201"/>
-            <a:ext cx="1325575" cy="1325575"/>
+            <a:off x="1234017" y="1127553"/>
+            <a:ext cx="10170742" cy="5448611"/>
           </a:xfrm>
           <a:prstGeom prst="rect">
             <a:avLst/>
           </a:prstGeom>
         </p:spPr>
       </p:pic>
-      <p:pic>
-        <p:nvPicPr>
-          <p:cNvPr id="5" name="Picture 4" descr="A picture containing circle, screenshot, design&#10;&#10;Description automatically generated">
-            <a:extLst>
-              <a:ext uri="{FF2B5EF4-FFF2-40B4-BE49-F238E27FC236}">
-                <a16:creationId xmlns:a16="http://schemas.microsoft.com/office/drawing/2014/main" id="{83B52733-6821-5E7E-19E9-17A84310FE89}"/>
-              </a:ext>
-            </a:extLst>
-          </p:cNvPr>
-          <p:cNvPicPr>
-            <a:picLocks noChangeAspect="1"/>
-          </p:cNvPicPr>
-          <p:nvPr/>
-        </p:nvPicPr>
-        <p:blipFill>
-          <a:blip r:embed="rId4">
-            <a:extLst>
-              <a:ext uri="{28A0092B-C50C-407E-A947-70E740481C1C}">
-                <a14:useLocalDpi xmlns:a14="http://schemas.microsoft.com/office/drawing/2010/main" val="0"/>
-              </a:ext>
-            </a:extLst>
-          </a:blip>
-          <a:stretch>
-            <a:fillRect/>
-          </a:stretch>
-        </p:blipFill>
-        <p:spPr>
-          <a:xfrm>
-            <a:off x="10501630" y="1099488"/>
-            <a:ext cx="1460189" cy="1460189"/>
-          </a:xfrm>
-          <a:prstGeom prst="rect">
-            <a:avLst/>
-          </a:prstGeom>
-        </p:spPr>
-      </p:pic>
-      <p:sp>
-        <p:nvSpPr>
-          <p:cNvPr id="6" name="TextBox 5">
-            <a:extLst>
-              <a:ext uri="{FF2B5EF4-FFF2-40B4-BE49-F238E27FC236}">
-                <a16:creationId xmlns:a16="http://schemas.microsoft.com/office/drawing/2014/main" id="{5145BB29-BF5F-DC47-ABF2-53E7166F5E93}"/>
-              </a:ext>
-            </a:extLst>
-          </p:cNvPr>
-          <p:cNvSpPr txBox="1"/>
-          <p:nvPr/>
-        </p:nvSpPr>
-        <p:spPr>
-          <a:xfrm>
-            <a:off x="1426629" y="1629528"/>
-            <a:ext cx="2779445" cy="400110"/>
-          </a:xfrm>
-          <a:prstGeom prst="rect">
-            <a:avLst/>
-          </a:prstGeom>
-          <a:noFill/>
-        </p:spPr>
-        <p:txBody>
-          <a:bodyPr wrap="square" rtlCol="0">
-            <a:spAutoFit/>
-          </a:bodyPr>
-          <a:lstStyle/>
-          <a:p>
-            <a:pPr algn="ctr"/>
-            <a:r>
-              <a:rPr lang="ro-RO" sz="2000" dirty="0"/>
-              <a:t>APLICAȚIILE MOBILE</a:t>
-            </a:r>
-          </a:p>
-        </p:txBody>
-      </p:sp>
-      <p:sp>
-        <p:nvSpPr>
-          <p:cNvPr id="7" name="TextBox 6">
-            <a:extLst>
-              <a:ext uri="{FF2B5EF4-FFF2-40B4-BE49-F238E27FC236}">
-                <a16:creationId xmlns:a16="http://schemas.microsoft.com/office/drawing/2014/main" id="{28268FA4-745C-4406-6BBE-91627D6FD235}"/>
-              </a:ext>
-            </a:extLst>
-          </p:cNvPr>
-          <p:cNvSpPr txBox="1"/>
-          <p:nvPr/>
-        </p:nvSpPr>
-        <p:spPr>
-          <a:xfrm>
-            <a:off x="7985926" y="1629528"/>
-            <a:ext cx="2779445" cy="400110"/>
-          </a:xfrm>
-          <a:prstGeom prst="rect">
-            <a:avLst/>
-          </a:prstGeom>
-          <a:noFill/>
-        </p:spPr>
-        <p:txBody>
-          <a:bodyPr wrap="square" rtlCol="0">
-            <a:spAutoFit/>
-          </a:bodyPr>
-          <a:lstStyle/>
-          <a:p>
-            <a:pPr algn="ctr"/>
-            <a:r>
-              <a:rPr lang="ro-RO" sz="2000" dirty="0"/>
-              <a:t>APLICAȚIA ARDUINO</a:t>
-            </a:r>
-          </a:p>
-        </p:txBody>
-      </p:sp>
-      <p:pic>
-        <p:nvPicPr>
-          <p:cNvPr id="8" name="Graphic 7" descr="Processor with solid fill">
-            <a:extLst>
-              <a:ext uri="{FF2B5EF4-FFF2-40B4-BE49-F238E27FC236}">
-                <a16:creationId xmlns:a16="http://schemas.microsoft.com/office/drawing/2014/main" id="{9B489B42-C400-951F-A198-B3F606F8AC3B}"/>
-              </a:ext>
-            </a:extLst>
-          </p:cNvPr>
-          <p:cNvPicPr>
-            <a:picLocks noChangeAspect="1"/>
-          </p:cNvPicPr>
-          <p:nvPr/>
-        </p:nvPicPr>
-        <p:blipFill>
-          <a:blip r:embed="rId5">
-            <a:extLst>
-              <a:ext uri="{28A0092B-C50C-407E-A947-70E740481C1C}">
-                <a14:useLocalDpi xmlns:a14="http://schemas.microsoft.com/office/drawing/2010/main" val="0"/>
-              </a:ext>
-              <a:ext uri="{96DAC541-7B7A-43D3-8B79-37D633B846F1}">
-                <asvg:svgBlip xmlns:asvg="http://schemas.microsoft.com/office/drawing/2016/SVG/main" r:embed="rId6"/>
-              </a:ext>
-            </a:extLst>
-          </a:blip>
-          <a:stretch>
-            <a:fillRect/>
-          </a:stretch>
-        </p:blipFill>
-        <p:spPr>
-          <a:xfrm>
-            <a:off x="6761920" y="2867127"/>
-            <a:ext cx="985892" cy="958404"/>
-          </a:xfrm>
-          <a:prstGeom prst="rect">
-            <a:avLst/>
-          </a:prstGeom>
-        </p:spPr>
-      </p:pic>
-      <p:pic>
-        <p:nvPicPr>
-          <p:cNvPr id="9" name="Graphic 8" descr="Internet Of Things outline">
-            <a:extLst>
-              <a:ext uri="{FF2B5EF4-FFF2-40B4-BE49-F238E27FC236}">
-                <a16:creationId xmlns:a16="http://schemas.microsoft.com/office/drawing/2014/main" id="{45B65D8B-78B7-4DCD-7578-05A99074AD7B}"/>
-              </a:ext>
-            </a:extLst>
-          </p:cNvPr>
-          <p:cNvPicPr>
-            <a:picLocks noChangeAspect="1"/>
-          </p:cNvPicPr>
-          <p:nvPr/>
-        </p:nvPicPr>
-        <p:blipFill>
-          <a:blip r:embed="rId7">
-            <a:extLst>
-              <a:ext uri="{28A0092B-C50C-407E-A947-70E740481C1C}">
-                <a14:useLocalDpi xmlns:a14="http://schemas.microsoft.com/office/drawing/2010/main" val="0"/>
-              </a:ext>
-              <a:ext uri="{96DAC541-7B7A-43D3-8B79-37D633B846F1}">
-                <asvg:svgBlip xmlns:asvg="http://schemas.microsoft.com/office/drawing/2016/SVG/main" r:embed="rId8"/>
-              </a:ext>
-            </a:extLst>
-          </a:blip>
-          <a:stretch>
-            <a:fillRect/>
-          </a:stretch>
-        </p:blipFill>
-        <p:spPr>
-          <a:xfrm>
-            <a:off x="6761920" y="4447939"/>
-            <a:ext cx="985892" cy="958404"/>
-          </a:xfrm>
-          <a:prstGeom prst="rect">
-            <a:avLst/>
-          </a:prstGeom>
-        </p:spPr>
-      </p:pic>
-      <p:sp>
-        <p:nvSpPr>
-          <p:cNvPr id="10" name="TextBox 9">
-            <a:extLst>
-              <a:ext uri="{FF2B5EF4-FFF2-40B4-BE49-F238E27FC236}">
-                <a16:creationId xmlns:a16="http://schemas.microsoft.com/office/drawing/2014/main" id="{FB187EB0-E1EE-454D-F6EE-E45C8BFEF6B9}"/>
-              </a:ext>
-            </a:extLst>
-          </p:cNvPr>
-          <p:cNvSpPr txBox="1"/>
-          <p:nvPr/>
-        </p:nvSpPr>
-        <p:spPr>
-          <a:xfrm>
-            <a:off x="7527819" y="2689017"/>
-            <a:ext cx="3320460" cy="1200329"/>
-          </a:xfrm>
-          <a:prstGeom prst="rect">
-            <a:avLst/>
-          </a:prstGeom>
-          <a:noFill/>
-        </p:spPr>
-        <p:txBody>
-          <a:bodyPr wrap="square" rtlCol="0">
-            <a:spAutoFit/>
-          </a:bodyPr>
-          <a:lstStyle/>
-          <a:p>
-            <a:pPr marL="533400" indent="0">
-              <a:spcBef>
-                <a:spcPts val="0"/>
-              </a:spcBef>
-              <a:spcAft>
-                <a:spcPts val="0"/>
-              </a:spcAft>
-              <a:buNone/>
-            </a:pPr>
-            <a:r>
-              <a:rPr lang="ro-RO" b="1" dirty="0"/>
-              <a:t>Implemetarea hardware</a:t>
-            </a:r>
-            <a:endParaRPr lang="en-US" b="1" dirty="0"/>
-          </a:p>
-          <a:p>
-            <a:pPr marL="533400" lvl="0" indent="0">
-              <a:spcBef>
-                <a:spcPts val="0"/>
-              </a:spcBef>
-              <a:spcAft>
-                <a:spcPts val="0"/>
-              </a:spcAft>
-              <a:buNone/>
-            </a:pPr>
-            <a:r>
-              <a:rPr lang="ro-RO" sz="1800" dirty="0">
-                <a:latin typeface="+mj-lt"/>
-              </a:rPr>
-              <a:t>Adăugarea plăcii Arduino Mega și a componentelor necesare</a:t>
-            </a:r>
-            <a:endParaRPr lang="en-US" sz="1800" dirty="0">
-              <a:latin typeface="+mj-lt"/>
-            </a:endParaRPr>
-          </a:p>
-        </p:txBody>
-      </p:sp>
-      <p:sp>
-        <p:nvSpPr>
-          <p:cNvPr id="11" name="TextBox 10">
-            <a:extLst>
-              <a:ext uri="{FF2B5EF4-FFF2-40B4-BE49-F238E27FC236}">
-                <a16:creationId xmlns:a16="http://schemas.microsoft.com/office/drawing/2014/main" id="{AAE400F3-0134-B517-3A43-07CAED773245}"/>
-              </a:ext>
-            </a:extLst>
-          </p:cNvPr>
-          <p:cNvSpPr txBox="1"/>
-          <p:nvPr/>
-        </p:nvSpPr>
-        <p:spPr>
-          <a:xfrm>
-            <a:off x="7527819" y="4187410"/>
-            <a:ext cx="3602279" cy="1477328"/>
-          </a:xfrm>
-          <a:prstGeom prst="rect">
-            <a:avLst/>
-          </a:prstGeom>
-          <a:noFill/>
-        </p:spPr>
-        <p:txBody>
-          <a:bodyPr wrap="square" rtlCol="0">
-            <a:spAutoFit/>
-          </a:bodyPr>
-          <a:lstStyle/>
-          <a:p>
-            <a:pPr marL="533400" indent="0">
-              <a:spcBef>
-                <a:spcPts val="0"/>
-              </a:spcBef>
-              <a:spcAft>
-                <a:spcPts val="0"/>
-              </a:spcAft>
-              <a:buNone/>
-            </a:pPr>
-            <a:r>
-              <a:rPr lang="ro-RO" b="1" dirty="0"/>
-              <a:t>Implementarea software</a:t>
-            </a:r>
-            <a:endParaRPr lang="en-US" b="1" dirty="0"/>
-          </a:p>
-          <a:p>
-            <a:pPr marL="533400" indent="0">
-              <a:spcBef>
-                <a:spcPts val="0"/>
-              </a:spcBef>
-              <a:spcAft>
-                <a:spcPts val="0"/>
-              </a:spcAft>
-              <a:buNone/>
-            </a:pPr>
-            <a:r>
-              <a:rPr lang="ro-RO" sz="1800" dirty="0">
-                <a:latin typeface="+mj-lt"/>
-              </a:rPr>
-              <a:t>Conectarea bluetooth</a:t>
-            </a:r>
-            <a:endParaRPr lang="en-US" sz="1800" dirty="0">
-              <a:latin typeface="+mj-lt"/>
-            </a:endParaRPr>
-          </a:p>
-          <a:p>
-            <a:pPr marL="533400" indent="0">
-              <a:spcBef>
-                <a:spcPts val="0"/>
-              </a:spcBef>
-              <a:spcAft>
-                <a:spcPts val="0"/>
-              </a:spcAft>
-              <a:buNone/>
-            </a:pPr>
-            <a:r>
-              <a:rPr lang="ro-RO" sz="1800" dirty="0">
-                <a:latin typeface="+mj-lt"/>
-              </a:rPr>
-              <a:t>Primirea datelor de la aplicația mobile și</a:t>
-            </a:r>
-          </a:p>
-          <a:p>
-            <a:pPr marL="533400" indent="0">
-              <a:spcBef>
-                <a:spcPts val="0"/>
-              </a:spcBef>
-              <a:spcAft>
-                <a:spcPts val="0"/>
-              </a:spcAft>
-              <a:buNone/>
-            </a:pPr>
-            <a:r>
-              <a:rPr lang="ro-RO" dirty="0">
-                <a:latin typeface="+mj-lt"/>
-              </a:rPr>
-              <a:t>deschiderea/închiderea mașinii</a:t>
-            </a:r>
-            <a:endParaRPr lang="ro-RO" sz="1800" dirty="0">
-              <a:latin typeface="+mj-lt"/>
-            </a:endParaRPr>
-          </a:p>
-        </p:txBody>
-      </p:sp>
-      <p:pic>
-        <p:nvPicPr>
-          <p:cNvPr id="13" name="Graphic 12" descr="Inventory outline">
-            <a:extLst>
-              <a:ext uri="{FF2B5EF4-FFF2-40B4-BE49-F238E27FC236}">
-                <a16:creationId xmlns:a16="http://schemas.microsoft.com/office/drawing/2014/main" id="{63E14587-EDFF-1684-E9B9-549F26D8FD30}"/>
-              </a:ext>
-            </a:extLst>
-          </p:cNvPr>
-          <p:cNvPicPr>
-            <a:picLocks noChangeAspect="1"/>
-          </p:cNvPicPr>
-          <p:nvPr/>
-        </p:nvPicPr>
-        <p:blipFill>
-          <a:blip r:embed="rId9">
-            <a:extLst>
-              <a:ext uri="{28A0092B-C50C-407E-A947-70E740481C1C}">
-                <a14:useLocalDpi xmlns:a14="http://schemas.microsoft.com/office/drawing/2010/main" val="0"/>
-              </a:ext>
-              <a:ext uri="{96DAC541-7B7A-43D3-8B79-37D633B846F1}">
-                <asvg:svgBlip xmlns:asvg="http://schemas.microsoft.com/office/drawing/2016/SVG/main" r:embed="rId10"/>
-              </a:ext>
-            </a:extLst>
-          </a:blip>
-          <a:stretch>
-            <a:fillRect/>
-          </a:stretch>
-        </p:blipFill>
-        <p:spPr>
-          <a:xfrm>
-            <a:off x="4206075" y="2867127"/>
-            <a:ext cx="985891" cy="958404"/>
-          </a:xfrm>
-          <a:prstGeom prst="rect">
-            <a:avLst/>
-          </a:prstGeom>
-        </p:spPr>
-      </p:pic>
-      <p:sp>
-        <p:nvSpPr>
-          <p:cNvPr id="14" name="TextBox 13">
-            <a:extLst>
-              <a:ext uri="{FF2B5EF4-FFF2-40B4-BE49-F238E27FC236}">
-                <a16:creationId xmlns:a16="http://schemas.microsoft.com/office/drawing/2014/main" id="{21E99C9C-F453-C01F-4044-CD95364461FD}"/>
-              </a:ext>
-            </a:extLst>
-          </p:cNvPr>
-          <p:cNvSpPr txBox="1"/>
-          <p:nvPr/>
-        </p:nvSpPr>
-        <p:spPr>
-          <a:xfrm>
-            <a:off x="641813" y="2743062"/>
-            <a:ext cx="3282696" cy="1477328"/>
-          </a:xfrm>
-          <a:prstGeom prst="rect">
-            <a:avLst/>
-          </a:prstGeom>
-          <a:noFill/>
-        </p:spPr>
-        <p:txBody>
-          <a:bodyPr wrap="square" rtlCol="0">
-            <a:spAutoFit/>
-          </a:bodyPr>
-          <a:lstStyle/>
-          <a:p>
-            <a:pPr marL="0" indent="0" algn="r">
-              <a:spcBef>
-                <a:spcPts val="0"/>
-              </a:spcBef>
-              <a:spcAft>
-                <a:spcPts val="0"/>
-              </a:spcAft>
-              <a:buNone/>
-            </a:pPr>
-            <a:r>
-              <a:rPr lang="ro-RO" b="1" dirty="0"/>
-              <a:t>Implementarea componentelor</a:t>
-            </a:r>
-            <a:endParaRPr lang="en-US" b="1" dirty="0"/>
-          </a:p>
-          <a:p>
-            <a:pPr marL="0" lvl="0" indent="0" algn="r">
-              <a:spcBef>
-                <a:spcPts val="0"/>
-              </a:spcBef>
-              <a:spcAft>
-                <a:spcPts val="0"/>
-              </a:spcAft>
-              <a:buNone/>
-            </a:pPr>
-            <a:r>
-              <a:rPr lang="ro-RO" sz="1800" dirty="0">
-                <a:latin typeface="+mj-lt"/>
-              </a:rPr>
-              <a:t>Cre</a:t>
-            </a:r>
-            <a:r>
-              <a:rPr lang="en-US" sz="1800" dirty="0">
-                <a:latin typeface="+mj-lt"/>
-              </a:rPr>
-              <a:t>a</a:t>
-            </a:r>
-            <a:r>
-              <a:rPr lang="ro-RO" sz="1800" dirty="0">
-                <a:latin typeface="+mj-lt"/>
-              </a:rPr>
-              <a:t>rea fiecărei componente (activity) specifice</a:t>
-            </a:r>
-          </a:p>
-          <a:p>
-            <a:pPr marL="0" lvl="0" indent="0" algn="r">
-              <a:spcBef>
-                <a:spcPts val="0"/>
-              </a:spcBef>
-              <a:spcAft>
-                <a:spcPts val="0"/>
-              </a:spcAft>
-              <a:buNone/>
-            </a:pPr>
-            <a:r>
-              <a:rPr lang="ro-RO" sz="1800" dirty="0">
-                <a:latin typeface="+mj-lt"/>
-              </a:rPr>
-              <a:t>Implementarea funcționalitățiilor </a:t>
-            </a:r>
-            <a:endParaRPr lang="en-US" sz="1800" dirty="0">
-              <a:latin typeface="+mj-lt"/>
-            </a:endParaRPr>
-          </a:p>
-          <a:p>
-            <a:pPr algn="r"/>
-            <a:endParaRPr lang="ro-RO" dirty="0"/>
-          </a:p>
-        </p:txBody>
-      </p:sp>
-      <p:pic>
-        <p:nvPicPr>
-          <p:cNvPr id="15" name="Graphic 14" descr="Ui Ux outline">
-            <a:extLst>
-              <a:ext uri="{FF2B5EF4-FFF2-40B4-BE49-F238E27FC236}">
-                <a16:creationId xmlns:a16="http://schemas.microsoft.com/office/drawing/2014/main" id="{24689041-4D77-BAFE-5479-A0C555ACF45C}"/>
-              </a:ext>
-            </a:extLst>
-          </p:cNvPr>
-          <p:cNvPicPr>
-            <a:picLocks noChangeAspect="1"/>
-          </p:cNvPicPr>
-          <p:nvPr/>
-        </p:nvPicPr>
-        <p:blipFill>
-          <a:blip r:embed="rId11">
-            <a:extLst>
-              <a:ext uri="{28A0092B-C50C-407E-A947-70E740481C1C}">
-                <a14:useLocalDpi xmlns:a14="http://schemas.microsoft.com/office/drawing/2010/main" val="0"/>
-              </a:ext>
-              <a:ext uri="{96DAC541-7B7A-43D3-8B79-37D633B846F1}">
-                <asvg:svgBlip xmlns:asvg="http://schemas.microsoft.com/office/drawing/2016/SVG/main" r:embed="rId12"/>
-              </a:ext>
-            </a:extLst>
-          </a:blip>
-          <a:stretch>
-            <a:fillRect/>
-          </a:stretch>
-        </p:blipFill>
-        <p:spPr>
-          <a:xfrm>
-            <a:off x="4206074" y="4447939"/>
-            <a:ext cx="985892" cy="958404"/>
-          </a:xfrm>
-          <a:prstGeom prst="rect">
-            <a:avLst/>
-          </a:prstGeom>
-        </p:spPr>
-      </p:pic>
-      <p:sp>
-        <p:nvSpPr>
-          <p:cNvPr id="16" name="TextBox 15">
-            <a:extLst>
-              <a:ext uri="{FF2B5EF4-FFF2-40B4-BE49-F238E27FC236}">
-                <a16:creationId xmlns:a16="http://schemas.microsoft.com/office/drawing/2014/main" id="{27C3F430-40C7-EFF3-78AD-EC119A563AD9}"/>
-              </a:ext>
-            </a:extLst>
-          </p:cNvPr>
-          <p:cNvSpPr txBox="1"/>
-          <p:nvPr/>
-        </p:nvSpPr>
-        <p:spPr>
-          <a:xfrm>
-            <a:off x="823788" y="4447939"/>
-            <a:ext cx="3073292" cy="1477328"/>
-          </a:xfrm>
-          <a:prstGeom prst="rect">
-            <a:avLst/>
-          </a:prstGeom>
-          <a:noFill/>
-        </p:spPr>
-        <p:txBody>
-          <a:bodyPr wrap="square" rtlCol="0">
-            <a:spAutoFit/>
-          </a:bodyPr>
-          <a:lstStyle/>
-          <a:p>
-            <a:pPr marL="0" indent="0" algn="r">
-              <a:spcBef>
-                <a:spcPts val="0"/>
-              </a:spcBef>
-              <a:spcAft>
-                <a:spcPts val="0"/>
-              </a:spcAft>
-              <a:buNone/>
-            </a:pPr>
-            <a:r>
-              <a:rPr lang="ro-RO" b="1" dirty="0"/>
-              <a:t>Implementarea designului</a:t>
-            </a:r>
-            <a:endParaRPr lang="en-US" b="1" dirty="0"/>
-          </a:p>
-          <a:p>
-            <a:pPr marL="0" indent="0" algn="r">
-              <a:spcBef>
-                <a:spcPts val="0"/>
-              </a:spcBef>
-              <a:spcAft>
-                <a:spcPts val="0"/>
-              </a:spcAft>
-              <a:buNone/>
-            </a:pPr>
-            <a:r>
-              <a:rPr lang="ro-RO" sz="1800" dirty="0">
-                <a:latin typeface="+mj-lt"/>
-              </a:rPr>
-              <a:t>Adăugarea stilului pentru fiecare componentă utilizând fișierele XML</a:t>
-            </a:r>
-            <a:endParaRPr lang="en-US" sz="1800" dirty="0">
-              <a:latin typeface="+mj-lt"/>
-            </a:endParaRPr>
-          </a:p>
-          <a:p>
-            <a:pPr algn="r"/>
-            <a:endParaRPr lang="ro-RO" dirty="0"/>
-          </a:p>
-        </p:txBody>
-      </p:sp>
     </p:spTree>
     <p:extLst>
       <p:ext uri="{BB962C8B-B14F-4D97-AF65-F5344CB8AC3E}">
-        <p14:creationId xmlns:p14="http://schemas.microsoft.com/office/powerpoint/2010/main" val="2105983728"/>
+        <p14:creationId xmlns:p14="http://schemas.microsoft.com/office/powerpoint/2010/main" val="3564347897"/>
       </p:ext>
     </p:extLst>
   </p:cSld>
@@ -10521,7 +12666,7 @@
         </p:blipFill>
         <p:spPr>
           <a:xfrm>
-            <a:off x="194577" y="15"/>
+            <a:off x="222008" y="0"/>
             <a:ext cx="2722359" cy="1027905"/>
           </a:xfrm>
           <a:prstGeom prst="rect">
@@ -10549,8 +12694,8 @@
         </p:nvSpPr>
         <p:spPr>
           <a:xfrm>
-            <a:off x="2121408" y="132576"/>
-            <a:ext cx="3427656" cy="638568"/>
+            <a:off x="2532888" y="99648"/>
+            <a:ext cx="7455938" cy="638568"/>
           </a:xfrm>
           <a:prstGeom prst="rect">
             <a:avLst/>
@@ -10598,13 +12743,38 @@
               <a:defRPr/>
             </a:pPr>
             <a:r>
-              <a:rPr lang="ro-RO" sz="3600" dirty="0">
+              <a:rPr kumimoji="0" lang="en-US" sz="3600" b="1" i="0" u="none" strike="noStrike" kern="1200" cap="none" spc="-50" normalizeH="0" baseline="0" noProof="0" dirty="0">
+                <a:ln>
+                  <a:noFill/>
+                </a:ln>
                 <a:solidFill>
                   <a:srgbClr val="303192"/>
                 </a:solidFill>
+                <a:effectLst/>
+                <a:uLnTx/>
+                <a:uFillTx/>
                 <a:latin typeface="Calibri" panose="020F0502020204030204"/>
+                <a:ea typeface="+mj-ea"/>
+                <a:cs typeface="+mj-cs"/>
               </a:rPr>
-              <a:t>TESTARE</a:t>
+              <a:t>PROIECTARE</a:t>
+            </a:r>
+            <a:r>
+              <a:rPr kumimoji="0" lang="ro-RO" sz="3600" b="1" i="0" u="none" strike="noStrike" kern="1200" cap="none" spc="-50" normalizeH="0" baseline="0" noProof="0" dirty="0">
+                <a:ln>
+                  <a:noFill/>
+                </a:ln>
+                <a:solidFill>
+                  <a:srgbClr val="303192"/>
+                </a:solidFill>
+                <a:effectLst/>
+                <a:uLnTx/>
+                <a:uFillTx/>
+                <a:latin typeface="Calibri" panose="020F0502020204030204"/>
+                <a:ea typeface="+mj-ea"/>
+                <a:cs typeface="+mj-cs"/>
+              </a:rPr>
+              <a:t>A APLICAȚIEI ARDUINO</a:t>
             </a:r>
             <a:endParaRPr kumimoji="0" lang="en-US" sz="3600" b="1" i="0" u="none" strike="noStrike" kern="1200" cap="none" spc="-50" normalizeH="0" baseline="0" noProof="0" dirty="0">
               <a:ln>
@@ -10637,7 +12807,7 @@
         </p:nvSpPr>
         <p:spPr>
           <a:xfrm>
-            <a:off x="2722360" y="801678"/>
+            <a:off x="2722360" y="801663"/>
             <a:ext cx="9469640" cy="226242"/>
           </a:xfrm>
           <a:prstGeom prst="rect">
@@ -10787,610 +12957,45 @@
           </a:p>
         </p:txBody>
       </p:sp>
-      <p:sp>
-        <p:nvSpPr>
-          <p:cNvPr id="27" name="Rectangle 26">
-            <a:extLst>
-              <a:ext uri="{FF2B5EF4-FFF2-40B4-BE49-F238E27FC236}">
-                <a16:creationId xmlns:a16="http://schemas.microsoft.com/office/drawing/2014/main" id="{FE8A1A6A-29BA-8DF7-C591-8E57790EB5D5}"/>
-              </a:ext>
-            </a:extLst>
-          </p:cNvPr>
-          <p:cNvSpPr/>
-          <p:nvPr/>
-        </p:nvSpPr>
-        <p:spPr>
-          <a:xfrm>
-            <a:off x="9509760" y="3026663"/>
-            <a:ext cx="2048256" cy="1618488"/>
-          </a:xfrm>
-          <a:prstGeom prst="rect">
-            <a:avLst/>
-          </a:prstGeom>
-          <a:noFill/>
-        </p:spPr>
-        <p:style>
-          <a:lnRef idx="2">
-            <a:schemeClr val="accent1">
-              <a:shade val="50000"/>
-            </a:schemeClr>
-          </a:lnRef>
-          <a:fillRef idx="1">
-            <a:schemeClr val="accent1"/>
-          </a:fillRef>
-          <a:effectRef idx="0">
-            <a:schemeClr val="accent1"/>
-          </a:effectRef>
-          <a:fontRef idx="minor">
-            <a:schemeClr val="lt1"/>
-          </a:fontRef>
-        </p:style>
-        <p:txBody>
-          <a:bodyPr rtlCol="0" anchor="ctr"/>
-          <a:lstStyle/>
-          <a:p>
-            <a:pPr algn="ctr"/>
-            <a:endParaRPr lang="ro-RO"/>
-          </a:p>
-        </p:txBody>
-      </p:sp>
-      <p:sp>
-        <p:nvSpPr>
-          <p:cNvPr id="28" name="Rectangle 27">
-            <a:extLst>
-              <a:ext uri="{FF2B5EF4-FFF2-40B4-BE49-F238E27FC236}">
-                <a16:creationId xmlns:a16="http://schemas.microsoft.com/office/drawing/2014/main" id="{0FF3AD6A-119F-929B-FE2F-E92F628066C5}"/>
-              </a:ext>
-            </a:extLst>
-          </p:cNvPr>
-          <p:cNvSpPr/>
-          <p:nvPr/>
-        </p:nvSpPr>
-        <p:spPr>
-          <a:xfrm>
-            <a:off x="6629400" y="3026663"/>
-            <a:ext cx="2048256" cy="1618488"/>
-          </a:xfrm>
-          <a:prstGeom prst="rect">
-            <a:avLst/>
-          </a:prstGeom>
-          <a:noFill/>
-        </p:spPr>
-        <p:style>
-          <a:lnRef idx="2">
-            <a:schemeClr val="accent1">
-              <a:shade val="50000"/>
-            </a:schemeClr>
-          </a:lnRef>
-          <a:fillRef idx="1">
-            <a:schemeClr val="accent1"/>
-          </a:fillRef>
-          <a:effectRef idx="0">
-            <a:schemeClr val="accent1"/>
-          </a:effectRef>
-          <a:fontRef idx="minor">
-            <a:schemeClr val="lt1"/>
-          </a:fontRef>
-        </p:style>
-        <p:txBody>
-          <a:bodyPr rtlCol="0" anchor="ctr"/>
-          <a:lstStyle/>
-          <a:p>
-            <a:pPr algn="ctr"/>
-            <a:endParaRPr lang="ro-RO"/>
-          </a:p>
-        </p:txBody>
-      </p:sp>
-      <p:sp>
-        <p:nvSpPr>
-          <p:cNvPr id="29" name="Rectangle 28">
-            <a:extLst>
-              <a:ext uri="{FF2B5EF4-FFF2-40B4-BE49-F238E27FC236}">
-                <a16:creationId xmlns:a16="http://schemas.microsoft.com/office/drawing/2014/main" id="{8AAB8193-6251-C127-7A62-B8B600585143}"/>
-              </a:ext>
-            </a:extLst>
-          </p:cNvPr>
-          <p:cNvSpPr/>
-          <p:nvPr/>
-        </p:nvSpPr>
-        <p:spPr>
-          <a:xfrm>
-            <a:off x="3749040" y="3026664"/>
-            <a:ext cx="2048256" cy="1618488"/>
-          </a:xfrm>
-          <a:prstGeom prst="rect">
-            <a:avLst/>
-          </a:prstGeom>
-          <a:noFill/>
-        </p:spPr>
-        <p:style>
-          <a:lnRef idx="2">
-            <a:schemeClr val="accent1">
-              <a:shade val="50000"/>
-            </a:schemeClr>
-          </a:lnRef>
-          <a:fillRef idx="1">
-            <a:schemeClr val="accent1"/>
-          </a:fillRef>
-          <a:effectRef idx="0">
-            <a:schemeClr val="accent1"/>
-          </a:effectRef>
-          <a:fontRef idx="minor">
-            <a:schemeClr val="lt1"/>
-          </a:fontRef>
-        </p:style>
-        <p:txBody>
-          <a:bodyPr rtlCol="0" anchor="ctr"/>
-          <a:lstStyle/>
-          <a:p>
-            <a:pPr algn="ctr"/>
-            <a:endParaRPr lang="ro-RO"/>
-          </a:p>
-        </p:txBody>
-      </p:sp>
-      <p:sp>
-        <p:nvSpPr>
-          <p:cNvPr id="30" name="Rectangle 29">
-            <a:extLst>
-              <a:ext uri="{FF2B5EF4-FFF2-40B4-BE49-F238E27FC236}">
-                <a16:creationId xmlns:a16="http://schemas.microsoft.com/office/drawing/2014/main" id="{1347BB63-AE45-F1F6-7D72-3ACE8385F50C}"/>
-              </a:ext>
-            </a:extLst>
-          </p:cNvPr>
-          <p:cNvSpPr/>
-          <p:nvPr/>
-        </p:nvSpPr>
-        <p:spPr>
-          <a:xfrm>
-            <a:off x="868680" y="3026664"/>
-            <a:ext cx="2048256" cy="1618488"/>
-          </a:xfrm>
-          <a:prstGeom prst="rect">
-            <a:avLst/>
-          </a:prstGeom>
-          <a:noFill/>
-          <a:ln w="9525" cap="flat" cmpd="sng" algn="ctr">
-            <a:solidFill>
-              <a:schemeClr val="accent1"/>
-            </a:solidFill>
-            <a:prstDash val="solid"/>
-            <a:round/>
-            <a:headEnd type="none" w="med" len="med"/>
-            <a:tailEnd type="none" w="med" len="med"/>
-          </a:ln>
-        </p:spPr>
-        <p:style>
-          <a:lnRef idx="0">
-            <a:scrgbClr r="0" g="0" b="0"/>
-          </a:lnRef>
-          <a:fillRef idx="0">
-            <a:scrgbClr r="0" g="0" b="0"/>
-          </a:fillRef>
-          <a:effectRef idx="0">
-            <a:scrgbClr r="0" g="0" b="0"/>
-          </a:effectRef>
-          <a:fontRef idx="minor">
-            <a:schemeClr val="accent1"/>
-          </a:fontRef>
-        </p:style>
-        <p:txBody>
-          <a:bodyPr rtlCol="0" anchor="ctr"/>
-          <a:lstStyle/>
-          <a:p>
-            <a:pPr algn="ctr"/>
-            <a:endParaRPr lang="ro-RO"/>
-          </a:p>
-        </p:txBody>
-      </p:sp>
-      <p:sp>
-        <p:nvSpPr>
-          <p:cNvPr id="31" name="TextBox 30">
-            <a:extLst>
-              <a:ext uri="{FF2B5EF4-FFF2-40B4-BE49-F238E27FC236}">
-                <a16:creationId xmlns:a16="http://schemas.microsoft.com/office/drawing/2014/main" id="{DA92CE30-FDD6-637F-1355-2C16AD03231F}"/>
-              </a:ext>
-            </a:extLst>
-          </p:cNvPr>
-          <p:cNvSpPr txBox="1"/>
-          <p:nvPr/>
-        </p:nvSpPr>
-        <p:spPr>
-          <a:xfrm>
-            <a:off x="868680" y="3651242"/>
-            <a:ext cx="2014013" cy="369332"/>
-          </a:xfrm>
-          <a:prstGeom prst="rect">
-            <a:avLst/>
-          </a:prstGeom>
-          <a:noFill/>
-        </p:spPr>
-        <p:txBody>
-          <a:bodyPr wrap="none" rtlCol="0">
-            <a:spAutoFit/>
-          </a:bodyPr>
-          <a:lstStyle/>
-          <a:p>
-            <a:r>
-              <a:rPr lang="ro-RO" dirty="0"/>
-              <a:t>TESTARE MANUALĂ</a:t>
-            </a:r>
-          </a:p>
-        </p:txBody>
-      </p:sp>
-      <p:sp>
-        <p:nvSpPr>
-          <p:cNvPr id="32" name="TextBox 31">
-            <a:extLst>
-              <a:ext uri="{FF2B5EF4-FFF2-40B4-BE49-F238E27FC236}">
-                <a16:creationId xmlns:a16="http://schemas.microsoft.com/office/drawing/2014/main" id="{FD525672-4168-F0C6-FBDF-6BFF80897042}"/>
-              </a:ext>
-            </a:extLst>
-          </p:cNvPr>
-          <p:cNvSpPr txBox="1"/>
-          <p:nvPr/>
-        </p:nvSpPr>
-        <p:spPr>
-          <a:xfrm>
-            <a:off x="3769604" y="3512742"/>
-            <a:ext cx="2037609" cy="646331"/>
-          </a:xfrm>
-          <a:prstGeom prst="rect">
-            <a:avLst/>
-          </a:prstGeom>
-          <a:noFill/>
-        </p:spPr>
-        <p:txBody>
-          <a:bodyPr wrap="none" rtlCol="0">
-            <a:spAutoFit/>
-          </a:bodyPr>
-          <a:lstStyle/>
-          <a:p>
-            <a:pPr algn="ctr"/>
-            <a:r>
-              <a:rPr lang="ro-RO" dirty="0"/>
-              <a:t>TESTARE FOLOSIND </a:t>
-            </a:r>
-          </a:p>
-          <a:p>
-            <a:pPr algn="ctr"/>
-            <a:r>
-              <a:rPr lang="ro-RO" dirty="0"/>
-              <a:t>EMULATORUL</a:t>
-            </a:r>
-          </a:p>
-        </p:txBody>
-      </p:sp>
-      <p:sp>
-        <p:nvSpPr>
-          <p:cNvPr id="33" name="TextBox 32">
-            <a:extLst>
-              <a:ext uri="{FF2B5EF4-FFF2-40B4-BE49-F238E27FC236}">
-                <a16:creationId xmlns:a16="http://schemas.microsoft.com/office/drawing/2014/main" id="{D3D9E498-B6A3-438F-DA1C-DDB0FB2E629D}"/>
-              </a:ext>
-            </a:extLst>
-          </p:cNvPr>
-          <p:cNvSpPr txBox="1"/>
-          <p:nvPr/>
-        </p:nvSpPr>
-        <p:spPr>
-          <a:xfrm>
-            <a:off x="6629400" y="3512742"/>
-            <a:ext cx="2037609" cy="646331"/>
-          </a:xfrm>
-          <a:prstGeom prst="rect">
-            <a:avLst/>
-          </a:prstGeom>
-          <a:noFill/>
-        </p:spPr>
-        <p:txBody>
-          <a:bodyPr wrap="none" rtlCol="0">
-            <a:spAutoFit/>
-          </a:bodyPr>
-          <a:lstStyle/>
-          <a:p>
-            <a:pPr algn="ctr"/>
-            <a:r>
-              <a:rPr lang="ro-RO" dirty="0"/>
-              <a:t>TESTARE FOLOSIND </a:t>
-            </a:r>
-          </a:p>
-          <a:p>
-            <a:pPr algn="ctr"/>
-            <a:r>
-              <a:rPr lang="ro-RO" dirty="0"/>
-              <a:t>TELEFONUL</a:t>
-            </a:r>
-          </a:p>
-        </p:txBody>
-      </p:sp>
-      <p:sp>
-        <p:nvSpPr>
-          <p:cNvPr id="34" name="TextBox 33">
-            <a:extLst>
-              <a:ext uri="{FF2B5EF4-FFF2-40B4-BE49-F238E27FC236}">
-                <a16:creationId xmlns:a16="http://schemas.microsoft.com/office/drawing/2014/main" id="{9784848E-AAA7-62BC-4B6A-A5843795C413}"/>
-              </a:ext>
-            </a:extLst>
-          </p:cNvPr>
-          <p:cNvSpPr txBox="1"/>
-          <p:nvPr/>
-        </p:nvSpPr>
-        <p:spPr>
-          <a:xfrm>
-            <a:off x="9616168" y="3651242"/>
-            <a:ext cx="1835439" cy="369332"/>
-          </a:xfrm>
-          <a:prstGeom prst="rect">
-            <a:avLst/>
-          </a:prstGeom>
-          <a:noFill/>
-        </p:spPr>
-        <p:txBody>
-          <a:bodyPr wrap="none" rtlCol="0">
-            <a:spAutoFit/>
-          </a:bodyPr>
-          <a:lstStyle/>
-          <a:p>
-            <a:pPr algn="ctr"/>
-            <a:r>
-              <a:rPr lang="ro-RO" dirty="0"/>
-              <a:t>TESTAREA FINALĂ</a:t>
-            </a:r>
-          </a:p>
-        </p:txBody>
-      </p:sp>
-      <p:sp>
-        <p:nvSpPr>
-          <p:cNvPr id="35" name="Rectangle 34">
-            <a:extLst>
-              <a:ext uri="{FF2B5EF4-FFF2-40B4-BE49-F238E27FC236}">
-                <a16:creationId xmlns:a16="http://schemas.microsoft.com/office/drawing/2014/main" id="{37A9B289-C58A-770C-92D2-6D98CB9B28CD}"/>
-              </a:ext>
-            </a:extLst>
-          </p:cNvPr>
-          <p:cNvSpPr/>
-          <p:nvPr/>
-        </p:nvSpPr>
-        <p:spPr>
-          <a:xfrm>
-            <a:off x="521201" y="4042191"/>
-            <a:ext cx="1034555" cy="1027905"/>
-          </a:xfrm>
-          <a:prstGeom prst="rect">
-            <a:avLst/>
-          </a:prstGeom>
-          <a:blipFill>
-            <a:blip r:embed="rId3" cstate="print">
-              <a:extLst>
-                <a:ext uri="{28A0092B-C50C-407E-A947-70E740481C1C}">
-                  <a14:useLocalDpi xmlns:a14="http://schemas.microsoft.com/office/drawing/2010/main" val="0"/>
-                </a:ext>
-              </a:extLst>
-            </a:blip>
-            <a:srcRect/>
-            <a:stretch>
-              <a:fillRect/>
-            </a:stretch>
-          </a:blipFill>
-          <a:ln>
-            <a:noFill/>
-          </a:ln>
-        </p:spPr>
-        <p:style>
-          <a:lnRef idx="2">
-            <a:scrgbClr r="0" g="0" b="0"/>
-          </a:lnRef>
-          <a:fillRef idx="1">
-            <a:scrgbClr r="0" g="0" b="0"/>
-          </a:fillRef>
-          <a:effectRef idx="0">
-            <a:schemeClr val="bg1">
-              <a:hueOff val="0"/>
-              <a:satOff val="0"/>
-              <a:lumOff val="0"/>
-              <a:alphaOff val="0"/>
-            </a:schemeClr>
-          </a:effectRef>
-          <a:fontRef idx="minor">
-            <a:schemeClr val="dk1">
-              <a:hueOff val="0"/>
-              <a:satOff val="0"/>
-              <a:lumOff val="0"/>
-              <a:alphaOff val="0"/>
-            </a:schemeClr>
-          </a:fontRef>
-        </p:style>
-      </p:sp>
-      <p:sp>
-        <p:nvSpPr>
-          <p:cNvPr id="36" name="Rectangle 35">
-            <a:extLst>
-              <a:ext uri="{FF2B5EF4-FFF2-40B4-BE49-F238E27FC236}">
-                <a16:creationId xmlns:a16="http://schemas.microsoft.com/office/drawing/2014/main" id="{20B337F2-3FD6-AB6E-9A05-FB197D11D65A}"/>
-              </a:ext>
-            </a:extLst>
-          </p:cNvPr>
-          <p:cNvSpPr/>
-          <p:nvPr/>
-        </p:nvSpPr>
-        <p:spPr>
-          <a:xfrm>
-            <a:off x="3389369" y="4042191"/>
-            <a:ext cx="1034555" cy="1027905"/>
-          </a:xfrm>
-          <a:prstGeom prst="rect">
-            <a:avLst/>
-          </a:prstGeom>
-          <a:blipFill>
-            <a:blip r:embed="rId3" cstate="print">
-              <a:extLst>
-                <a:ext uri="{28A0092B-C50C-407E-A947-70E740481C1C}">
-                  <a14:useLocalDpi xmlns:a14="http://schemas.microsoft.com/office/drawing/2010/main" val="0"/>
-                </a:ext>
-              </a:extLst>
-            </a:blip>
-            <a:srcRect/>
-            <a:stretch>
-              <a:fillRect/>
-            </a:stretch>
-          </a:blipFill>
-          <a:ln>
-            <a:noFill/>
-          </a:ln>
-        </p:spPr>
-        <p:style>
-          <a:lnRef idx="2">
-            <a:scrgbClr r="0" g="0" b="0"/>
-          </a:lnRef>
-          <a:fillRef idx="1">
-            <a:scrgbClr r="0" g="0" b="0"/>
-          </a:fillRef>
-          <a:effectRef idx="0">
-            <a:schemeClr val="bg1">
-              <a:hueOff val="0"/>
-              <a:satOff val="0"/>
-              <a:lumOff val="0"/>
-              <a:alphaOff val="0"/>
-            </a:schemeClr>
-          </a:effectRef>
-          <a:fontRef idx="minor">
-            <a:schemeClr val="dk1">
-              <a:hueOff val="0"/>
-              <a:satOff val="0"/>
-              <a:lumOff val="0"/>
-              <a:alphaOff val="0"/>
-            </a:schemeClr>
-          </a:fontRef>
-        </p:style>
-      </p:sp>
-      <p:sp>
-        <p:nvSpPr>
-          <p:cNvPr id="37" name="Rectangle 36">
-            <a:extLst>
-              <a:ext uri="{FF2B5EF4-FFF2-40B4-BE49-F238E27FC236}">
-                <a16:creationId xmlns:a16="http://schemas.microsoft.com/office/drawing/2014/main" id="{A4D2AFAD-314F-E908-617E-7590F0BF61FF}"/>
-              </a:ext>
-            </a:extLst>
-          </p:cNvPr>
-          <p:cNvSpPr/>
-          <p:nvPr/>
-        </p:nvSpPr>
-        <p:spPr>
-          <a:xfrm>
-            <a:off x="6257537" y="4042191"/>
-            <a:ext cx="1034555" cy="1027905"/>
-          </a:xfrm>
-          <a:prstGeom prst="rect">
-            <a:avLst/>
-          </a:prstGeom>
-          <a:blipFill>
-            <a:blip r:embed="rId3" cstate="print">
-              <a:extLst>
-                <a:ext uri="{28A0092B-C50C-407E-A947-70E740481C1C}">
-                  <a14:useLocalDpi xmlns:a14="http://schemas.microsoft.com/office/drawing/2010/main" val="0"/>
-                </a:ext>
-              </a:extLst>
-            </a:blip>
-            <a:srcRect/>
-            <a:stretch>
-              <a:fillRect/>
-            </a:stretch>
-          </a:blipFill>
-          <a:ln>
-            <a:noFill/>
-          </a:ln>
-        </p:spPr>
-        <p:style>
-          <a:lnRef idx="2">
-            <a:scrgbClr r="0" g="0" b="0"/>
-          </a:lnRef>
-          <a:fillRef idx="1">
-            <a:scrgbClr r="0" g="0" b="0"/>
-          </a:fillRef>
-          <a:effectRef idx="0">
-            <a:schemeClr val="bg1">
-              <a:hueOff val="0"/>
-              <a:satOff val="0"/>
-              <a:lumOff val="0"/>
-              <a:alphaOff val="0"/>
-            </a:schemeClr>
-          </a:effectRef>
-          <a:fontRef idx="minor">
-            <a:schemeClr val="dk1">
-              <a:hueOff val="0"/>
-              <a:satOff val="0"/>
-              <a:lumOff val="0"/>
-              <a:alphaOff val="0"/>
-            </a:schemeClr>
-          </a:fontRef>
-        </p:style>
-      </p:sp>
-      <p:sp>
-        <p:nvSpPr>
-          <p:cNvPr id="38" name="Rectangle 37">
-            <a:extLst>
-              <a:ext uri="{FF2B5EF4-FFF2-40B4-BE49-F238E27FC236}">
-                <a16:creationId xmlns:a16="http://schemas.microsoft.com/office/drawing/2014/main" id="{FD01E092-BC43-D634-33B9-DF801EE00B9F}"/>
-              </a:ext>
-            </a:extLst>
-          </p:cNvPr>
-          <p:cNvSpPr/>
-          <p:nvPr/>
-        </p:nvSpPr>
-        <p:spPr>
-          <a:xfrm>
-            <a:off x="9125705" y="4297651"/>
-            <a:ext cx="829804" cy="695000"/>
-          </a:xfrm>
-          <a:prstGeom prst="rect">
-            <a:avLst/>
-          </a:prstGeom>
-          <a:blipFill rotWithShape="1">
-            <a:blip r:embed="rId4" cstate="print">
-              <a:extLst>
-                <a:ext uri="{28A0092B-C50C-407E-A947-70E740481C1C}">
-                  <a14:useLocalDpi xmlns:a14="http://schemas.microsoft.com/office/drawing/2010/main" val="0"/>
-                </a:ext>
-              </a:extLst>
-            </a:blip>
-            <a:srcRect/>
-            <a:stretch>
-              <a:fillRect/>
-            </a:stretch>
-          </a:blipFill>
-          <a:ln>
-            <a:noFill/>
-          </a:ln>
-        </p:spPr>
-        <p:style>
-          <a:lnRef idx="2">
-            <a:scrgbClr r="0" g="0" b="0"/>
-          </a:lnRef>
-          <a:fillRef idx="1">
-            <a:scrgbClr r="0" g="0" b="0"/>
-          </a:fillRef>
-          <a:effectRef idx="0">
-            <a:schemeClr val="bg1">
-              <a:hueOff val="0"/>
-              <a:satOff val="0"/>
-              <a:lumOff val="0"/>
-              <a:alphaOff val="0"/>
-            </a:schemeClr>
-          </a:effectRef>
-          <a:fontRef idx="minor">
-            <a:schemeClr val="dk1">
-              <a:hueOff val="0"/>
-              <a:satOff val="0"/>
-              <a:lumOff val="0"/>
-              <a:alphaOff val="0"/>
-            </a:schemeClr>
-          </a:fontRef>
-        </p:style>
-      </p:sp>
+      <p:pic>
+        <p:nvPicPr>
+          <p:cNvPr id="3" name="Picture 2" descr="A picture containing text, screenshot, diagram, font&#10;&#10;Description automatically generated">
+            <a:extLst>
+              <a:ext uri="{FF2B5EF4-FFF2-40B4-BE49-F238E27FC236}">
+                <a16:creationId xmlns:a16="http://schemas.microsoft.com/office/drawing/2014/main" id="{EA11671D-1A0A-C610-0FCF-7BA91A94FE43}"/>
+              </a:ext>
+            </a:extLst>
+          </p:cNvPr>
+          <p:cNvPicPr>
+            <a:picLocks noChangeAspect="1"/>
+          </p:cNvPicPr>
+          <p:nvPr/>
+        </p:nvPicPr>
+        <p:blipFill rotWithShape="1">
+          <a:blip r:embed="rId3">
+            <a:extLst>
+              <a:ext uri="{28A0092B-C50C-407E-A947-70E740481C1C}">
+                <a14:useLocalDpi xmlns:a14="http://schemas.microsoft.com/office/drawing/2010/main" val="0"/>
+              </a:ext>
+            </a:extLst>
+          </a:blip>
+          <a:srcRect b="50000"/>
+          <a:stretch/>
+        </p:blipFill>
+        <p:spPr>
+          <a:xfrm>
+            <a:off x="2496796" y="1383996"/>
+            <a:ext cx="9695204" cy="4509910"/>
+          </a:xfrm>
+          <a:prstGeom prst="rect">
+            <a:avLst/>
+          </a:prstGeom>
+        </p:spPr>
+      </p:pic>
     </p:spTree>
     <p:extLst>
       <p:ext uri="{BB962C8B-B14F-4D97-AF65-F5344CB8AC3E}">
-        <p14:creationId xmlns:p14="http://schemas.microsoft.com/office/powerpoint/2010/main" val="3560993071"/>
+        <p14:creationId xmlns:p14="http://schemas.microsoft.com/office/powerpoint/2010/main" val="1703271853"/>
       </p:ext>
     </p:extLst>
   </p:cSld>
@@ -11444,7 +13049,7 @@
         </p:blipFill>
         <p:spPr>
           <a:xfrm>
-            <a:off x="194577" y="15"/>
+            <a:off x="222008" y="0"/>
             <a:ext cx="2722359" cy="1027905"/>
           </a:xfrm>
           <a:prstGeom prst="rect">
@@ -11472,8 +13077,8 @@
         </p:nvSpPr>
         <p:spPr>
           <a:xfrm>
-            <a:off x="2412984" y="163110"/>
-            <a:ext cx="3427656" cy="638568"/>
+            <a:off x="2532887" y="99648"/>
+            <a:ext cx="7445999" cy="638568"/>
           </a:xfrm>
           <a:prstGeom prst="rect">
             <a:avLst/>
@@ -11521,13 +13126,38 @@
               <a:defRPr/>
             </a:pPr>
             <a:r>
-              <a:rPr lang="ro-RO" sz="3600" dirty="0">
+              <a:rPr kumimoji="0" lang="en-US" sz="3600" b="1" i="0" u="none" strike="noStrike" kern="1200" cap="none" spc="-50" normalizeH="0" baseline="0" noProof="0" dirty="0">
+                <a:ln>
+                  <a:noFill/>
+                </a:ln>
                 <a:solidFill>
                   <a:srgbClr val="303192"/>
                 </a:solidFill>
+                <a:effectLst/>
+                <a:uLnTx/>
+                <a:uFillTx/>
                 <a:latin typeface="Calibri" panose="020F0502020204030204"/>
+                <a:ea typeface="+mj-ea"/>
+                <a:cs typeface="+mj-cs"/>
               </a:rPr>
-              <a:t>CONCLUZII</a:t>
+              <a:t>PROIECTARE</a:t>
+            </a:r>
+            <a:r>
+              <a:rPr kumimoji="0" lang="ro-RO" sz="3600" b="1" i="0" u="none" strike="noStrike" kern="1200" cap="none" spc="-50" normalizeH="0" baseline="0" noProof="0" dirty="0">
+                <a:ln>
+                  <a:noFill/>
+                </a:ln>
+                <a:solidFill>
+                  <a:srgbClr val="303192"/>
+                </a:solidFill>
+                <a:effectLst/>
+                <a:uLnTx/>
+                <a:uFillTx/>
+                <a:latin typeface="Calibri" panose="020F0502020204030204"/>
+                <a:ea typeface="+mj-ea"/>
+                <a:cs typeface="+mj-cs"/>
+              </a:rPr>
+              <a:t>A APLICAȚIEI ARDUINO</a:t>
             </a:r>
             <a:endParaRPr kumimoji="0" lang="en-US" sz="3600" b="1" i="0" u="none" strike="noStrike" kern="1200" cap="none" spc="-50" normalizeH="0" baseline="0" noProof="0" dirty="0">
               <a:ln>
@@ -11560,7 +13190,7 @@
         </p:nvSpPr>
         <p:spPr>
           <a:xfrm>
-            <a:off x="2722360" y="801678"/>
+            <a:off x="2722360" y="801663"/>
             <a:ext cx="9469640" cy="226242"/>
           </a:xfrm>
           <a:prstGeom prst="rect">
@@ -11710,181 +13340,12 @@
           </a:p>
         </p:txBody>
       </p:sp>
-      <p:sp>
-        <p:nvSpPr>
-          <p:cNvPr id="2" name="Content Placeholder 7">
-            <a:extLst>
-              <a:ext uri="{FF2B5EF4-FFF2-40B4-BE49-F238E27FC236}">
-                <a16:creationId xmlns:a16="http://schemas.microsoft.com/office/drawing/2014/main" id="{41D1C6F6-2B4E-A491-3BC6-D2845D754881}"/>
-              </a:ext>
-            </a:extLst>
-          </p:cNvPr>
-          <p:cNvSpPr>
-            <a:spLocks noGrp="1"/>
-          </p:cNvSpPr>
-          <p:nvPr>
-            <p:ph idx="1"/>
-          </p:nvPr>
-        </p:nvSpPr>
-        <p:spPr>
-          <a:xfrm>
-            <a:off x="4147199" y="1500923"/>
-            <a:ext cx="4012207" cy="454920"/>
-          </a:xfrm>
-        </p:spPr>
-        <p:txBody>
-          <a:bodyPr>
-            <a:normAutofit fontScale="92500"/>
-          </a:bodyPr>
-          <a:lstStyle/>
-          <a:p>
-            <a:pPr marL="0" indent="0">
-              <a:buNone/>
-            </a:pPr>
-            <a:r>
-              <a:rPr lang="ro-RO" sz="2000" b="1" dirty="0"/>
-              <a:t>OBIECTIVELE INIȚIALE AU FOST ATINSE</a:t>
-            </a:r>
-          </a:p>
-        </p:txBody>
-      </p:sp>
-      <p:sp>
-        <p:nvSpPr>
-          <p:cNvPr id="7" name="TextBox 6">
-            <a:extLst>
-              <a:ext uri="{FF2B5EF4-FFF2-40B4-BE49-F238E27FC236}">
-                <a16:creationId xmlns:a16="http://schemas.microsoft.com/office/drawing/2014/main" id="{CCE8BAFC-ED4E-5DEF-E029-B9DE6BA66C96}"/>
-              </a:ext>
-            </a:extLst>
-          </p:cNvPr>
-          <p:cNvSpPr txBox="1"/>
-          <p:nvPr/>
-        </p:nvSpPr>
-        <p:spPr>
-          <a:xfrm>
-            <a:off x="3842234" y="2805337"/>
-            <a:ext cx="4888454" cy="369332"/>
-          </a:xfrm>
-          <a:prstGeom prst="rect">
-            <a:avLst/>
-          </a:prstGeom>
-          <a:noFill/>
-        </p:spPr>
-        <p:txBody>
-          <a:bodyPr wrap="none" rtlCol="0">
-            <a:spAutoFit/>
-          </a:bodyPr>
-          <a:lstStyle/>
-          <a:p>
-            <a:r>
-              <a:rPr lang="ro-RO" dirty="0"/>
-              <a:t>Aplicația pentru administratori gestionează clienții</a:t>
-            </a:r>
-          </a:p>
-        </p:txBody>
-      </p:sp>
-      <p:sp>
-        <p:nvSpPr>
-          <p:cNvPr id="8" name="TextBox 7">
-            <a:extLst>
-              <a:ext uri="{FF2B5EF4-FFF2-40B4-BE49-F238E27FC236}">
-                <a16:creationId xmlns:a16="http://schemas.microsoft.com/office/drawing/2014/main" id="{1E7D8DF4-D251-6133-6EC2-3413E803D634}"/>
-              </a:ext>
-            </a:extLst>
-          </p:cNvPr>
-          <p:cNvSpPr txBox="1"/>
-          <p:nvPr/>
-        </p:nvSpPr>
-        <p:spPr>
-          <a:xfrm>
-            <a:off x="2916936" y="3653705"/>
-            <a:ext cx="5570949" cy="923330"/>
-          </a:xfrm>
-          <a:prstGeom prst="rect">
-            <a:avLst/>
-          </a:prstGeom>
-          <a:noFill/>
-        </p:spPr>
-        <p:txBody>
-          <a:bodyPr wrap="none" rtlCol="0">
-            <a:spAutoFit/>
-          </a:bodyPr>
-          <a:lstStyle/>
-          <a:p>
-            <a:pPr algn="r"/>
-            <a:r>
-              <a:rPr lang="ro-RO" dirty="0"/>
-              <a:t>Aplicația pentru clienți se poate conecta prin intermediul </a:t>
-            </a:r>
-          </a:p>
-          <a:p>
-            <a:pPr algn="r"/>
-            <a:r>
-              <a:rPr lang="ro-RO" dirty="0"/>
-              <a:t>bluetooth cu mașina și poate comanda închiderea sau </a:t>
-            </a:r>
-          </a:p>
-          <a:p>
-            <a:pPr algn="r"/>
-            <a:r>
-              <a:rPr lang="ro-RO" dirty="0"/>
-              <a:t>deschiderea mașinii </a:t>
-            </a:r>
-            <a:endParaRPr lang="en-US" dirty="0"/>
-          </a:p>
-        </p:txBody>
-      </p:sp>
-      <p:sp>
-        <p:nvSpPr>
-          <p:cNvPr id="9" name="TextBox 8">
-            <a:extLst>
-              <a:ext uri="{FF2B5EF4-FFF2-40B4-BE49-F238E27FC236}">
-                <a16:creationId xmlns:a16="http://schemas.microsoft.com/office/drawing/2014/main" id="{17281622-5E6B-436C-2065-4B9692C9BB39}"/>
-              </a:ext>
-            </a:extLst>
-          </p:cNvPr>
-          <p:cNvSpPr txBox="1"/>
-          <p:nvPr/>
-        </p:nvSpPr>
-        <p:spPr>
-          <a:xfrm>
-            <a:off x="3986784" y="5740748"/>
-            <a:ext cx="5449120" cy="923330"/>
-          </a:xfrm>
-          <a:prstGeom prst="rect">
-            <a:avLst/>
-          </a:prstGeom>
-          <a:noFill/>
-        </p:spPr>
-        <p:txBody>
-          <a:bodyPr wrap="none" rtlCol="0">
-            <a:spAutoFit/>
-          </a:bodyPr>
-          <a:lstStyle/>
-          <a:p>
-            <a:r>
-              <a:rPr lang="ro-RO" dirty="0"/>
-              <a:t>Montaj hardware care simulează mânerul mașinii poate </a:t>
-            </a:r>
-          </a:p>
-          <a:p>
-            <a:r>
-              <a:rPr lang="ro-RO" dirty="0"/>
-              <a:t>primi comenzi prin intermediul bluetooth de la client</a:t>
-            </a:r>
-            <a:endParaRPr lang="en-US" dirty="0"/>
-          </a:p>
-          <a:p>
-            <a:endParaRPr lang="ro-RO" dirty="0"/>
-          </a:p>
-        </p:txBody>
-      </p:sp>
       <p:pic>
         <p:nvPicPr>
-          <p:cNvPr id="11" name="Picture 10">
-            <a:extLst>
-              <a:ext uri="{FF2B5EF4-FFF2-40B4-BE49-F238E27FC236}">
-                <a16:creationId xmlns:a16="http://schemas.microsoft.com/office/drawing/2014/main" id="{1F7F422C-55D7-2C77-BAFF-7925438FACE5}"/>
+          <p:cNvPr id="5" name="Picture 4" descr="A picture containing text, screenshot, diagram, font&#10;&#10;Description automatically generated">
+            <a:extLst>
+              <a:ext uri="{FF2B5EF4-FFF2-40B4-BE49-F238E27FC236}">
+                <a16:creationId xmlns:a16="http://schemas.microsoft.com/office/drawing/2014/main" id="{D1C57E82-7781-9879-EDC2-80EA426C2E19}"/>
               </a:ext>
             </a:extLst>
           </p:cNvPr>
@@ -11893,385 +13354,31 @@
           </p:cNvPicPr>
           <p:nvPr/>
         </p:nvPicPr>
-        <p:blipFill>
-          <a:blip r:embed="rId3"/>
-          <a:stretch>
-            <a:fillRect/>
-          </a:stretch>
-        </p:blipFill>
-        <p:spPr>
-          <a:xfrm rot="1661510">
-            <a:off x="920272" y="1678315"/>
-            <a:ext cx="3100225" cy="1221673"/>
-          </a:xfrm>
-          <a:prstGeom prst="rect">
-            <a:avLst/>
-          </a:prstGeom>
-        </p:spPr>
-      </p:pic>
-      <p:pic>
-        <p:nvPicPr>
-          <p:cNvPr id="14" name="Picture 13">
-            <a:extLst>
-              <a:ext uri="{FF2B5EF4-FFF2-40B4-BE49-F238E27FC236}">
-                <a16:creationId xmlns:a16="http://schemas.microsoft.com/office/drawing/2014/main" id="{CD38C056-98D0-26B2-37F5-D385D608A56F}"/>
-              </a:ext>
-            </a:extLst>
-          </p:cNvPr>
-          <p:cNvPicPr>
-            <a:picLocks noChangeAspect="1"/>
-          </p:cNvPicPr>
-          <p:nvPr/>
-        </p:nvPicPr>
-        <p:blipFill>
-          <a:blip r:embed="rId4"/>
-          <a:stretch>
-            <a:fillRect/>
-          </a:stretch>
-        </p:blipFill>
-        <p:spPr>
-          <a:xfrm rot="1524057">
-            <a:off x="8342217" y="3734258"/>
-            <a:ext cx="3312858" cy="1231007"/>
-          </a:xfrm>
-          <a:prstGeom prst="rect">
-            <a:avLst/>
-          </a:prstGeom>
-        </p:spPr>
-      </p:pic>
-      <p:pic>
-        <p:nvPicPr>
-          <p:cNvPr id="16" name="Picture 15">
-            <a:extLst>
-              <a:ext uri="{FF2B5EF4-FFF2-40B4-BE49-F238E27FC236}">
-                <a16:creationId xmlns:a16="http://schemas.microsoft.com/office/drawing/2014/main" id="{663BD801-CF2F-DB15-0646-2B2A5AEC8B2E}"/>
-              </a:ext>
-            </a:extLst>
-          </p:cNvPr>
-          <p:cNvPicPr>
-            <a:picLocks noChangeAspect="1"/>
-          </p:cNvPicPr>
-          <p:nvPr/>
-        </p:nvPicPr>
-        <p:blipFill>
-          <a:blip r:embed="rId5"/>
-          <a:stretch>
-            <a:fillRect/>
-          </a:stretch>
-        </p:blipFill>
-        <p:spPr>
-          <a:xfrm rot="20395434">
-            <a:off x="1074185" y="5065599"/>
-            <a:ext cx="3059203" cy="1201387"/>
-          </a:xfrm>
-          <a:prstGeom prst="rect">
-            <a:avLst/>
-          </a:prstGeom>
-        </p:spPr>
-      </p:pic>
-      <p:pic>
-        <p:nvPicPr>
-          <p:cNvPr id="18" name="Picture 17" descr="Icon&#10;&#10;Description automatically generated with medium confidence">
-            <a:extLst>
-              <a:ext uri="{FF2B5EF4-FFF2-40B4-BE49-F238E27FC236}">
-                <a16:creationId xmlns:a16="http://schemas.microsoft.com/office/drawing/2014/main" id="{1EADB797-E0D5-9852-00C7-18E4E6FB2783}"/>
-              </a:ext>
-            </a:extLst>
-          </p:cNvPr>
-          <p:cNvPicPr>
-            <a:picLocks noChangeAspect="1"/>
-          </p:cNvPicPr>
-          <p:nvPr/>
-        </p:nvPicPr>
-        <p:blipFill>
-          <a:blip r:embed="rId6" cstate="print">
-            <a:alphaModFix amt="50000"/>
+        <p:blipFill rotWithShape="1">
+          <a:blip r:embed="rId3">
             <a:extLst>
               <a:ext uri="{28A0092B-C50C-407E-A947-70E740481C1C}">
                 <a14:useLocalDpi xmlns:a14="http://schemas.microsoft.com/office/drawing/2010/main" val="0"/>
               </a:ext>
             </a:extLst>
           </a:blip>
-          <a:stretch>
-            <a:fillRect/>
-          </a:stretch>
+          <a:srcRect t="50000"/>
+          <a:stretch/>
         </p:blipFill>
         <p:spPr>
           <a:xfrm>
-            <a:off x="9442407" y="3796272"/>
-            <a:ext cx="1091935" cy="1106978"/>
+            <a:off x="1897101" y="1582932"/>
+            <a:ext cx="9917212" cy="4613181"/>
           </a:xfrm>
           <a:prstGeom prst="rect">
             <a:avLst/>
           </a:prstGeom>
         </p:spPr>
       </p:pic>
-      <p:pic>
-        <p:nvPicPr>
-          <p:cNvPr id="19" name="Picture 18" descr="Icon&#10;&#10;Description automatically generated with medium confidence">
-            <a:extLst>
-              <a:ext uri="{FF2B5EF4-FFF2-40B4-BE49-F238E27FC236}">
-                <a16:creationId xmlns:a16="http://schemas.microsoft.com/office/drawing/2014/main" id="{307A6EC2-EA9B-DE49-80D6-986196CD92E4}"/>
-              </a:ext>
-            </a:extLst>
-          </p:cNvPr>
-          <p:cNvPicPr>
-            <a:picLocks noChangeAspect="1"/>
-          </p:cNvPicPr>
-          <p:nvPr/>
-        </p:nvPicPr>
-        <p:blipFill>
-          <a:blip r:embed="rId6" cstate="print">
-            <a:alphaModFix amt="50000"/>
-            <a:extLst>
-              <a:ext uri="{28A0092B-C50C-407E-A947-70E740481C1C}">
-                <a14:useLocalDpi xmlns:a14="http://schemas.microsoft.com/office/drawing/2010/main" val="0"/>
-              </a:ext>
-            </a:extLst>
-          </a:blip>
-          <a:stretch>
-            <a:fillRect/>
-          </a:stretch>
-        </p:blipFill>
-        <p:spPr>
-          <a:xfrm>
-            <a:off x="1867016" y="1727006"/>
-            <a:ext cx="1091935" cy="1106978"/>
-          </a:xfrm>
-          <a:prstGeom prst="rect">
-            <a:avLst/>
-          </a:prstGeom>
-        </p:spPr>
-      </p:pic>
-      <p:pic>
-        <p:nvPicPr>
-          <p:cNvPr id="20" name="Picture 19" descr="Icon&#10;&#10;Description automatically generated with medium confidence">
-            <a:extLst>
-              <a:ext uri="{FF2B5EF4-FFF2-40B4-BE49-F238E27FC236}">
-                <a16:creationId xmlns:a16="http://schemas.microsoft.com/office/drawing/2014/main" id="{62F68FFC-03E3-C49A-9B5A-FF195C0BEED2}"/>
-              </a:ext>
-            </a:extLst>
-          </p:cNvPr>
-          <p:cNvPicPr>
-            <a:picLocks noChangeAspect="1"/>
-          </p:cNvPicPr>
-          <p:nvPr/>
-        </p:nvPicPr>
-        <p:blipFill>
-          <a:blip r:embed="rId6" cstate="print">
-            <a:alphaModFix amt="50000"/>
-            <a:extLst>
-              <a:ext uri="{28A0092B-C50C-407E-A947-70E740481C1C}">
-                <a14:useLocalDpi xmlns:a14="http://schemas.microsoft.com/office/drawing/2010/main" val="0"/>
-              </a:ext>
-            </a:extLst>
-          </a:blip>
-          <a:stretch>
-            <a:fillRect/>
-          </a:stretch>
-        </p:blipFill>
-        <p:spPr>
-          <a:xfrm>
-            <a:off x="2057818" y="5095435"/>
-            <a:ext cx="1091935" cy="1106978"/>
-          </a:xfrm>
-          <a:prstGeom prst="rect">
-            <a:avLst/>
-          </a:prstGeom>
-        </p:spPr>
-      </p:pic>
-      <p:sp>
-        <p:nvSpPr>
-          <p:cNvPr id="21" name="Rectangle 20">
-            <a:extLst>
-              <a:ext uri="{FF2B5EF4-FFF2-40B4-BE49-F238E27FC236}">
-                <a16:creationId xmlns:a16="http://schemas.microsoft.com/office/drawing/2014/main" id="{632B5547-23B3-2847-45ED-987AF9A6F904}"/>
-              </a:ext>
-            </a:extLst>
-          </p:cNvPr>
-          <p:cNvSpPr/>
-          <p:nvPr/>
-        </p:nvSpPr>
-        <p:spPr>
-          <a:xfrm>
-            <a:off x="3959114" y="1483191"/>
-            <a:ext cx="4446911" cy="369332"/>
-          </a:xfrm>
-          <a:prstGeom prst="rect">
-            <a:avLst/>
-          </a:prstGeom>
-          <a:noFill/>
-        </p:spPr>
-        <p:style>
-          <a:lnRef idx="2">
-            <a:schemeClr val="accent1">
-              <a:shade val="50000"/>
-            </a:schemeClr>
-          </a:lnRef>
-          <a:fillRef idx="1">
-            <a:schemeClr val="accent1"/>
-          </a:fillRef>
-          <a:effectRef idx="0">
-            <a:schemeClr val="accent1"/>
-          </a:effectRef>
-          <a:fontRef idx="minor">
-            <a:schemeClr val="lt1"/>
-          </a:fontRef>
-        </p:style>
-        <p:txBody>
-          <a:bodyPr rtlCol="0" anchor="ctr"/>
-          <a:lstStyle/>
-          <a:p>
-            <a:pPr algn="ctr"/>
-            <a:endParaRPr lang="ro-RO"/>
-          </a:p>
-        </p:txBody>
-      </p:sp>
-      <p:sp>
-        <p:nvSpPr>
-          <p:cNvPr id="22" name="Rectangle 21">
-            <a:extLst>
-              <a:ext uri="{FF2B5EF4-FFF2-40B4-BE49-F238E27FC236}">
-                <a16:creationId xmlns:a16="http://schemas.microsoft.com/office/drawing/2014/main" id="{31102CA5-61B7-0014-9621-07BF9E8B9587}"/>
-              </a:ext>
-            </a:extLst>
-          </p:cNvPr>
-          <p:cNvSpPr/>
-          <p:nvPr/>
-        </p:nvSpPr>
-        <p:spPr>
-          <a:xfrm>
-            <a:off x="3842234" y="2816716"/>
-            <a:ext cx="4798846" cy="369332"/>
-          </a:xfrm>
-          <a:prstGeom prst="rect">
-            <a:avLst/>
-          </a:prstGeom>
-          <a:noFill/>
-        </p:spPr>
-        <p:style>
-          <a:lnRef idx="2">
-            <a:schemeClr val="accent1">
-              <a:shade val="50000"/>
-            </a:schemeClr>
-          </a:lnRef>
-          <a:fillRef idx="1">
-            <a:schemeClr val="accent1"/>
-          </a:fillRef>
-          <a:effectRef idx="0">
-            <a:schemeClr val="accent1"/>
-          </a:effectRef>
-          <a:fontRef idx="minor">
-            <a:schemeClr val="lt1"/>
-          </a:fontRef>
-        </p:style>
-        <p:txBody>
-          <a:bodyPr rtlCol="0" anchor="ctr"/>
-          <a:lstStyle/>
-          <a:p>
-            <a:pPr algn="ctr"/>
-            <a:endParaRPr lang="ro-RO"/>
-          </a:p>
-        </p:txBody>
-      </p:sp>
-      <p:sp>
-        <p:nvSpPr>
-          <p:cNvPr id="23" name="Rectangle 22">
-            <a:extLst>
-              <a:ext uri="{FF2B5EF4-FFF2-40B4-BE49-F238E27FC236}">
-                <a16:creationId xmlns:a16="http://schemas.microsoft.com/office/drawing/2014/main" id="{1D17268E-E217-36D7-CB87-353B349EC139}"/>
-              </a:ext>
-            </a:extLst>
-          </p:cNvPr>
-          <p:cNvSpPr/>
-          <p:nvPr/>
-        </p:nvSpPr>
-        <p:spPr>
-          <a:xfrm>
-            <a:off x="2901695" y="3680716"/>
-            <a:ext cx="5601429" cy="869307"/>
-          </a:xfrm>
-          <a:prstGeom prst="rect">
-            <a:avLst/>
-          </a:prstGeom>
-          <a:noFill/>
-        </p:spPr>
-        <p:style>
-          <a:lnRef idx="2">
-            <a:schemeClr val="accent1">
-              <a:shade val="50000"/>
-            </a:schemeClr>
-          </a:lnRef>
-          <a:fillRef idx="1">
-            <a:schemeClr val="accent1"/>
-          </a:fillRef>
-          <a:effectRef idx="0">
-            <a:schemeClr val="accent1"/>
-          </a:effectRef>
-          <a:fontRef idx="minor">
-            <a:schemeClr val="lt1"/>
-          </a:fontRef>
-        </p:style>
-        <p:txBody>
-          <a:bodyPr rtlCol="0" anchor="ctr"/>
-          <a:lstStyle/>
-          <a:p>
-            <a:pPr algn="ctr"/>
-            <a:endParaRPr lang="ro-RO"/>
-          </a:p>
-        </p:txBody>
-      </p:sp>
-      <p:sp>
-        <p:nvSpPr>
-          <p:cNvPr id="25" name="Rectangle 24">
-            <a:extLst>
-              <a:ext uri="{FF2B5EF4-FFF2-40B4-BE49-F238E27FC236}">
-                <a16:creationId xmlns:a16="http://schemas.microsoft.com/office/drawing/2014/main" id="{7C339D7D-9197-3AE1-F9EF-4F5FC920A04C}"/>
-              </a:ext>
-            </a:extLst>
-          </p:cNvPr>
-          <p:cNvSpPr/>
-          <p:nvPr/>
-        </p:nvSpPr>
-        <p:spPr>
-          <a:xfrm>
-            <a:off x="3986784" y="5742206"/>
-            <a:ext cx="5601429" cy="702949"/>
-          </a:xfrm>
-          <a:prstGeom prst="rect">
-            <a:avLst/>
-          </a:prstGeom>
-          <a:noFill/>
-        </p:spPr>
-        <p:style>
-          <a:lnRef idx="2">
-            <a:schemeClr val="accent1">
-              <a:shade val="50000"/>
-            </a:schemeClr>
-          </a:lnRef>
-          <a:fillRef idx="1">
-            <a:schemeClr val="accent1"/>
-          </a:fillRef>
-          <a:effectRef idx="0">
-            <a:schemeClr val="accent1"/>
-          </a:effectRef>
-          <a:fontRef idx="minor">
-            <a:schemeClr val="lt1"/>
-          </a:fontRef>
-        </p:style>
-        <p:txBody>
-          <a:bodyPr rtlCol="0" anchor="ctr"/>
-          <a:lstStyle/>
-          <a:p>
-            <a:pPr algn="ctr"/>
-            <a:endParaRPr lang="ro-RO"/>
-          </a:p>
-        </p:txBody>
-      </p:sp>
     </p:spTree>
     <p:extLst>
       <p:ext uri="{BB962C8B-B14F-4D97-AF65-F5344CB8AC3E}">
-        <p14:creationId xmlns:p14="http://schemas.microsoft.com/office/powerpoint/2010/main" val="2910119998"/>
+        <p14:creationId xmlns:p14="http://schemas.microsoft.com/office/powerpoint/2010/main" val="2217804113"/>
       </p:ext>
     </p:extLst>
   </p:cSld>
@@ -12578,6 +13685,6 @@
 
 <file path=docMetadata/LabelInfo.xml><?xml version="1.0" encoding="utf-8"?>
 <clbl:labelList xmlns:clbl="http://schemas.microsoft.com/office/2020/mipLabelMetadata">
-  <clbl:label id="{6006a9c5-d130-408c-bc8e-3b5ecdb17aa0}" enabled="1" method="Standard" siteId="{8d4b558f-7b2e-40ba-ad1f-e04d79e6265a}" contentBits="2" removed="0"/>
+  <clbl:label id="{8d4b558f-7b2e-40ba-ad1f-e04d79e6265a}" enabled="0" method="" siteId="{8d4b558f-7b2e-40ba-ad1f-e04d79e6265a}" removed="1"/>
 </clbl:labelList>
 </file>
--- a/Documentation/Prezentare_Senciuc_Kristine.pptx
+++ b/Documentation/Prezentare_Senciuc_Kristine.pptx
@@ -4,6 +4,9 @@
   <p:sldMasterIdLst>
     <p:sldMasterId id="2147483648" r:id="rId1"/>
   </p:sldMasterIdLst>
+  <p:notesMasterIdLst>
+    <p:notesMasterId r:id="rId15"/>
+  </p:notesMasterIdLst>
   <p:sldIdLst>
     <p:sldId id="256" r:id="rId2"/>
     <p:sldId id="257" r:id="rId3"/>
@@ -13,12 +16,11 @@
     <p:sldId id="261" r:id="rId7"/>
     <p:sldId id="267" r:id="rId8"/>
     <p:sldId id="268" r:id="rId9"/>
-    <p:sldId id="269" r:id="rId10"/>
-    <p:sldId id="262" r:id="rId11"/>
-    <p:sldId id="263" r:id="rId12"/>
-    <p:sldId id="264" r:id="rId13"/>
-    <p:sldId id="265" r:id="rId14"/>
-    <p:sldId id="266" r:id="rId15"/>
+    <p:sldId id="262" r:id="rId10"/>
+    <p:sldId id="263" r:id="rId11"/>
+    <p:sldId id="264" r:id="rId12"/>
+    <p:sldId id="265" r:id="rId13"/>
+    <p:sldId id="266" r:id="rId14"/>
   </p:sldIdLst>
   <p:sldSz cx="12192000" cy="6858000"/>
   <p:notesSz cx="6858000" cy="9144000"/>
@@ -119,10 +121,2282 @@
   </p:defaultTextStyle>
   <p:extLst>
     <p:ext uri="{EFAFB233-063F-42B5-8137-9DF3F51BA10A}">
-      <p15:sldGuideLst xmlns:p15="http://schemas.microsoft.com/office/powerpoint/2012/main"/>
+      <p15:sldGuideLst xmlns:p15="http://schemas.microsoft.com/office/powerpoint/2012/main">
+        <p15:guide id="1" orient="horz" pos="1944" userDrawn="1">
+          <p15:clr>
+            <a:srgbClr val="A4A3A4"/>
+          </p15:clr>
+        </p15:guide>
+        <p15:guide id="2" pos="3840" userDrawn="1">
+          <p15:clr>
+            <a:srgbClr val="A4A3A4"/>
+          </p15:clr>
+        </p15:guide>
+      </p15:sldGuideLst>
+    </p:ext>
+    <p:ext uri="{2D200454-40CA-4A62-9FC3-DE9A4176ACB9}">
+      <p15:notesGuideLst xmlns:p15="http://schemas.microsoft.com/office/powerpoint/2012/main"/>
     </p:ext>
   </p:extLst>
 </p:presentation>
+</file>
+
+<file path=ppt/revisionInfo.xml><?xml version="1.0" encoding="utf-8"?>
+<p1510:revInfo xmlns:a="http://schemas.openxmlformats.org/drawingml/2006/main" xmlns:r="http://schemas.openxmlformats.org/officeDocument/2006/relationships" xmlns:p1510="http://schemas.microsoft.com/office/powerpoint/2015/10/main">
+  <p1510:revLst>
+    <p1510:client id="{D5901F00-C4EE-4FAB-A536-C5273BA0C068}" v="1" dt="2023-06-12T12:49:26.975"/>
+  </p1510:revLst>
+</p1510:revInfo>
+</file>
+
+<file path=ppt/notesMasters/notesMaster1.xml><?xml version="1.0" encoding="utf-8"?>
+<p:notesMaster xmlns:a="http://schemas.openxmlformats.org/drawingml/2006/main" xmlns:r="http://schemas.openxmlformats.org/officeDocument/2006/relationships" xmlns:p="http://schemas.openxmlformats.org/presentationml/2006/main">
+  <p:cSld>
+    <p:bg>
+      <p:bgRef idx="1001">
+        <a:schemeClr val="bg1"/>
+      </p:bgRef>
+    </p:bg>
+    <p:spTree>
+      <p:nvGrpSpPr>
+        <p:cNvPr id="1" name=""/>
+        <p:cNvGrpSpPr/>
+        <p:nvPr/>
+      </p:nvGrpSpPr>
+      <p:grpSpPr>
+        <a:xfrm>
+          <a:off x="0" y="0"/>
+          <a:ext cx="0" cy="0"/>
+          <a:chOff x="0" y="0"/>
+          <a:chExt cx="0" cy="0"/>
+        </a:xfrm>
+      </p:grpSpPr>
+      <p:sp>
+        <p:nvSpPr>
+          <p:cNvPr id="2" name="Header Placeholder 1"/>
+          <p:cNvSpPr>
+            <a:spLocks noGrp="1"/>
+          </p:cNvSpPr>
+          <p:nvPr>
+            <p:ph type="hdr" sz="quarter"/>
+          </p:nvPr>
+        </p:nvSpPr>
+        <p:spPr>
+          <a:xfrm>
+            <a:off x="0" y="0"/>
+            <a:ext cx="2971800" cy="458788"/>
+          </a:xfrm>
+          <a:prstGeom prst="rect">
+            <a:avLst/>
+          </a:prstGeom>
+        </p:spPr>
+        <p:txBody>
+          <a:bodyPr vert="horz" lIns="91440" tIns="45720" rIns="91440" bIns="45720" rtlCol="0"/>
+          <a:lstStyle>
+            <a:lvl1pPr algn="l">
+              <a:defRPr sz="1200"/>
+            </a:lvl1pPr>
+          </a:lstStyle>
+          <a:p>
+            <a:endParaRPr lang="en-US"/>
+          </a:p>
+        </p:txBody>
+      </p:sp>
+      <p:sp>
+        <p:nvSpPr>
+          <p:cNvPr id="3" name="Date Placeholder 2"/>
+          <p:cNvSpPr>
+            <a:spLocks noGrp="1"/>
+          </p:cNvSpPr>
+          <p:nvPr>
+            <p:ph type="dt" idx="1"/>
+          </p:nvPr>
+        </p:nvSpPr>
+        <p:spPr>
+          <a:xfrm>
+            <a:off x="3884613" y="0"/>
+            <a:ext cx="2971800" cy="458788"/>
+          </a:xfrm>
+          <a:prstGeom prst="rect">
+            <a:avLst/>
+          </a:prstGeom>
+        </p:spPr>
+        <p:txBody>
+          <a:bodyPr vert="horz" lIns="91440" tIns="45720" rIns="91440" bIns="45720" rtlCol="0"/>
+          <a:lstStyle>
+            <a:lvl1pPr algn="r">
+              <a:defRPr sz="1200"/>
+            </a:lvl1pPr>
+          </a:lstStyle>
+          <a:p>
+            <a:fld id="{75BCB558-25AA-4E89-84CC-E25BF9F40668}" type="datetimeFigureOut">
+              <a:rPr lang="en-US" smtClean="0"/>
+              <a:t>6/12/2023</a:t>
+            </a:fld>
+            <a:endParaRPr lang="en-US"/>
+          </a:p>
+        </p:txBody>
+      </p:sp>
+      <p:sp>
+        <p:nvSpPr>
+          <p:cNvPr id="4" name="Slide Image Placeholder 3"/>
+          <p:cNvSpPr>
+            <a:spLocks noGrp="1" noRot="1" noChangeAspect="1"/>
+          </p:cNvSpPr>
+          <p:nvPr>
+            <p:ph type="sldImg" idx="2"/>
+          </p:nvPr>
+        </p:nvSpPr>
+        <p:spPr>
+          <a:xfrm>
+            <a:off x="685800" y="1143000"/>
+            <a:ext cx="5486400" cy="3086100"/>
+          </a:xfrm>
+          <a:prstGeom prst="rect">
+            <a:avLst/>
+          </a:prstGeom>
+          <a:noFill/>
+          <a:ln w="12700">
+            <a:solidFill>
+              <a:prstClr val="black"/>
+            </a:solidFill>
+          </a:ln>
+        </p:spPr>
+        <p:txBody>
+          <a:bodyPr vert="horz" lIns="91440" tIns="45720" rIns="91440" bIns="45720" rtlCol="0" anchor="ctr"/>
+          <a:lstStyle/>
+          <a:p>
+            <a:endParaRPr lang="en-US"/>
+          </a:p>
+        </p:txBody>
+      </p:sp>
+      <p:sp>
+        <p:nvSpPr>
+          <p:cNvPr id="5" name="Notes Placeholder 4"/>
+          <p:cNvSpPr>
+            <a:spLocks noGrp="1"/>
+          </p:cNvSpPr>
+          <p:nvPr>
+            <p:ph type="body" sz="quarter" idx="3"/>
+          </p:nvPr>
+        </p:nvSpPr>
+        <p:spPr>
+          <a:xfrm>
+            <a:off x="685800" y="4400550"/>
+            <a:ext cx="5486400" cy="3600450"/>
+          </a:xfrm>
+          <a:prstGeom prst="rect">
+            <a:avLst/>
+          </a:prstGeom>
+        </p:spPr>
+        <p:txBody>
+          <a:bodyPr vert="horz" lIns="91440" tIns="45720" rIns="91440" bIns="45720" rtlCol="0"/>
+          <a:lstStyle/>
+          <a:p>
+            <a:pPr lvl="0"/>
+            <a:r>
+              <a:rPr lang="en-US"/>
+              <a:t>Click to edit Master text styles</a:t>
+            </a:r>
+          </a:p>
+          <a:p>
+            <a:pPr lvl="1"/>
+            <a:r>
+              <a:rPr lang="en-US"/>
+              <a:t>Second level</a:t>
+            </a:r>
+          </a:p>
+          <a:p>
+            <a:pPr lvl="2"/>
+            <a:r>
+              <a:rPr lang="en-US"/>
+              <a:t>Third level</a:t>
+            </a:r>
+          </a:p>
+          <a:p>
+            <a:pPr lvl="3"/>
+            <a:r>
+              <a:rPr lang="en-US"/>
+              <a:t>Fourth level</a:t>
+            </a:r>
+          </a:p>
+          <a:p>
+            <a:pPr lvl="4"/>
+            <a:r>
+              <a:rPr lang="en-US"/>
+              <a:t>Fifth level</a:t>
+            </a:r>
+          </a:p>
+        </p:txBody>
+      </p:sp>
+      <p:sp>
+        <p:nvSpPr>
+          <p:cNvPr id="6" name="Footer Placeholder 5"/>
+          <p:cNvSpPr>
+            <a:spLocks noGrp="1"/>
+          </p:cNvSpPr>
+          <p:nvPr>
+            <p:ph type="ftr" sz="quarter" idx="4"/>
+          </p:nvPr>
+        </p:nvSpPr>
+        <p:spPr>
+          <a:xfrm>
+            <a:off x="0" y="8685213"/>
+            <a:ext cx="2971800" cy="458787"/>
+          </a:xfrm>
+          <a:prstGeom prst="rect">
+            <a:avLst/>
+          </a:prstGeom>
+        </p:spPr>
+        <p:txBody>
+          <a:bodyPr vert="horz" lIns="91440" tIns="45720" rIns="91440" bIns="45720" rtlCol="0" anchor="b"/>
+          <a:lstStyle>
+            <a:lvl1pPr algn="l">
+              <a:defRPr sz="1200"/>
+            </a:lvl1pPr>
+          </a:lstStyle>
+          <a:p>
+            <a:endParaRPr lang="en-US"/>
+          </a:p>
+        </p:txBody>
+      </p:sp>
+      <p:sp>
+        <p:nvSpPr>
+          <p:cNvPr id="7" name="Slide Number Placeholder 6"/>
+          <p:cNvSpPr>
+            <a:spLocks noGrp="1"/>
+          </p:cNvSpPr>
+          <p:nvPr>
+            <p:ph type="sldNum" sz="quarter" idx="5"/>
+          </p:nvPr>
+        </p:nvSpPr>
+        <p:spPr>
+          <a:xfrm>
+            <a:off x="3884613" y="8685213"/>
+            <a:ext cx="2971800" cy="458787"/>
+          </a:xfrm>
+          <a:prstGeom prst="rect">
+            <a:avLst/>
+          </a:prstGeom>
+        </p:spPr>
+        <p:txBody>
+          <a:bodyPr vert="horz" lIns="91440" tIns="45720" rIns="91440" bIns="45720" rtlCol="0" anchor="b"/>
+          <a:lstStyle>
+            <a:lvl1pPr algn="r">
+              <a:defRPr sz="1200"/>
+            </a:lvl1pPr>
+          </a:lstStyle>
+          <a:p>
+            <a:fld id="{6840A304-C2DC-4AD8-AE81-3D9119FFB40C}" type="slidenum">
+              <a:rPr lang="en-US" smtClean="0"/>
+              <a:t>‹#›</a:t>
+            </a:fld>
+            <a:endParaRPr lang="en-US"/>
+          </a:p>
+        </p:txBody>
+      </p:sp>
+    </p:spTree>
+    <p:extLst>
+      <p:ext uri="{BB962C8B-B14F-4D97-AF65-F5344CB8AC3E}">
+        <p14:creationId xmlns:p14="http://schemas.microsoft.com/office/powerpoint/2010/main" val="1651541027"/>
+      </p:ext>
+    </p:extLst>
+  </p:cSld>
+  <p:clrMap bg1="lt1" tx1="dk1" bg2="lt2" tx2="dk2" accent1="accent1" accent2="accent2" accent3="accent3" accent4="accent4" accent5="accent5" accent6="accent6" hlink="hlink" folHlink="folHlink"/>
+  <p:notesStyle>
+    <a:lvl1pPr marL="0" algn="l" defTabSz="914400" rtl="0" eaLnBrk="1" latinLnBrk="0" hangingPunct="1">
+      <a:defRPr sz="1200" kern="1200">
+        <a:solidFill>
+          <a:schemeClr val="tx1"/>
+        </a:solidFill>
+        <a:latin typeface="+mn-lt"/>
+        <a:ea typeface="+mn-ea"/>
+        <a:cs typeface="+mn-cs"/>
+      </a:defRPr>
+    </a:lvl1pPr>
+    <a:lvl2pPr marL="457200" algn="l" defTabSz="914400" rtl="0" eaLnBrk="1" latinLnBrk="0" hangingPunct="1">
+      <a:defRPr sz="1200" kern="1200">
+        <a:solidFill>
+          <a:schemeClr val="tx1"/>
+        </a:solidFill>
+        <a:latin typeface="+mn-lt"/>
+        <a:ea typeface="+mn-ea"/>
+        <a:cs typeface="+mn-cs"/>
+      </a:defRPr>
+    </a:lvl2pPr>
+    <a:lvl3pPr marL="914400" algn="l" defTabSz="914400" rtl="0" eaLnBrk="1" latinLnBrk="0" hangingPunct="1">
+      <a:defRPr sz="1200" kern="1200">
+        <a:solidFill>
+          <a:schemeClr val="tx1"/>
+        </a:solidFill>
+        <a:latin typeface="+mn-lt"/>
+        <a:ea typeface="+mn-ea"/>
+        <a:cs typeface="+mn-cs"/>
+      </a:defRPr>
+    </a:lvl3pPr>
+    <a:lvl4pPr marL="1371600" algn="l" defTabSz="914400" rtl="0" eaLnBrk="1" latinLnBrk="0" hangingPunct="1">
+      <a:defRPr sz="1200" kern="1200">
+        <a:solidFill>
+          <a:schemeClr val="tx1"/>
+        </a:solidFill>
+        <a:latin typeface="+mn-lt"/>
+        <a:ea typeface="+mn-ea"/>
+        <a:cs typeface="+mn-cs"/>
+      </a:defRPr>
+    </a:lvl4pPr>
+    <a:lvl5pPr marL="1828800" algn="l" defTabSz="914400" rtl="0" eaLnBrk="1" latinLnBrk="0" hangingPunct="1">
+      <a:defRPr sz="1200" kern="1200">
+        <a:solidFill>
+          <a:schemeClr val="tx1"/>
+        </a:solidFill>
+        <a:latin typeface="+mn-lt"/>
+        <a:ea typeface="+mn-ea"/>
+        <a:cs typeface="+mn-cs"/>
+      </a:defRPr>
+    </a:lvl5pPr>
+    <a:lvl6pPr marL="2286000" algn="l" defTabSz="914400" rtl="0" eaLnBrk="1" latinLnBrk="0" hangingPunct="1">
+      <a:defRPr sz="1200" kern="1200">
+        <a:solidFill>
+          <a:schemeClr val="tx1"/>
+        </a:solidFill>
+        <a:latin typeface="+mn-lt"/>
+        <a:ea typeface="+mn-ea"/>
+        <a:cs typeface="+mn-cs"/>
+      </a:defRPr>
+    </a:lvl6pPr>
+    <a:lvl7pPr marL="2743200" algn="l" defTabSz="914400" rtl="0" eaLnBrk="1" latinLnBrk="0" hangingPunct="1">
+      <a:defRPr sz="1200" kern="1200">
+        <a:solidFill>
+          <a:schemeClr val="tx1"/>
+        </a:solidFill>
+        <a:latin typeface="+mn-lt"/>
+        <a:ea typeface="+mn-ea"/>
+        <a:cs typeface="+mn-cs"/>
+      </a:defRPr>
+    </a:lvl7pPr>
+    <a:lvl8pPr marL="3200400" algn="l" defTabSz="914400" rtl="0" eaLnBrk="1" latinLnBrk="0" hangingPunct="1">
+      <a:defRPr sz="1200" kern="1200">
+        <a:solidFill>
+          <a:schemeClr val="tx1"/>
+        </a:solidFill>
+        <a:latin typeface="+mn-lt"/>
+        <a:ea typeface="+mn-ea"/>
+        <a:cs typeface="+mn-cs"/>
+      </a:defRPr>
+    </a:lvl8pPr>
+    <a:lvl9pPr marL="3657600" algn="l" defTabSz="914400" rtl="0" eaLnBrk="1" latinLnBrk="0" hangingPunct="1">
+      <a:defRPr sz="1200" kern="1200">
+        <a:solidFill>
+          <a:schemeClr val="tx1"/>
+        </a:solidFill>
+        <a:latin typeface="+mn-lt"/>
+        <a:ea typeface="+mn-ea"/>
+        <a:cs typeface="+mn-cs"/>
+      </a:defRPr>
+    </a:lvl9pPr>
+  </p:notesStyle>
+</p:notesMaster>
+</file>
+
+<file path=ppt/notesSlides/notesSlide1.xml><?xml version="1.0" encoding="utf-8"?>
+<p:notes xmlns:a="http://schemas.openxmlformats.org/drawingml/2006/main" xmlns:r="http://schemas.openxmlformats.org/officeDocument/2006/relationships" xmlns:p="http://schemas.openxmlformats.org/presentationml/2006/main">
+  <p:cSld>
+    <p:spTree>
+      <p:nvGrpSpPr>
+        <p:cNvPr id="1" name=""/>
+        <p:cNvGrpSpPr/>
+        <p:nvPr/>
+      </p:nvGrpSpPr>
+      <p:grpSpPr>
+        <a:xfrm>
+          <a:off x="0" y="0"/>
+          <a:ext cx="0" cy="0"/>
+          <a:chOff x="0" y="0"/>
+          <a:chExt cx="0" cy="0"/>
+        </a:xfrm>
+      </p:grpSpPr>
+      <p:sp>
+        <p:nvSpPr>
+          <p:cNvPr id="2" name="Slide Image Placeholder 1"/>
+          <p:cNvSpPr>
+            <a:spLocks noGrp="1" noRot="1" noChangeAspect="1"/>
+          </p:cNvSpPr>
+          <p:nvPr>
+            <p:ph type="sldImg"/>
+          </p:nvPr>
+        </p:nvSpPr>
+        <p:spPr/>
+      </p:sp>
+      <p:sp>
+        <p:nvSpPr>
+          <p:cNvPr id="3" name="Notes Placeholder 2"/>
+          <p:cNvSpPr>
+            <a:spLocks noGrp="1"/>
+          </p:cNvSpPr>
+          <p:nvPr>
+            <p:ph type="body" idx="1"/>
+          </p:nvPr>
+        </p:nvSpPr>
+        <p:spPr/>
+        <p:txBody>
+          <a:bodyPr/>
+          <a:lstStyle/>
+          <a:p>
+            <a:endParaRPr lang="en-US"/>
+          </a:p>
+        </p:txBody>
+      </p:sp>
+      <p:sp>
+        <p:nvSpPr>
+          <p:cNvPr id="4" name="Slide Number Placeholder 3"/>
+          <p:cNvSpPr>
+            <a:spLocks noGrp="1"/>
+          </p:cNvSpPr>
+          <p:nvPr>
+            <p:ph type="sldNum" sz="quarter" idx="5"/>
+          </p:nvPr>
+        </p:nvSpPr>
+        <p:spPr/>
+        <p:txBody>
+          <a:bodyPr/>
+          <a:lstStyle/>
+          <a:p>
+            <a:fld id="{6840A304-C2DC-4AD8-AE81-3D9119FFB40C}" type="slidenum">
+              <a:rPr lang="en-US" smtClean="0"/>
+              <a:t>1</a:t>
+            </a:fld>
+            <a:endParaRPr lang="en-US"/>
+          </a:p>
+        </p:txBody>
+      </p:sp>
+    </p:spTree>
+    <p:extLst>
+      <p:ext uri="{BB962C8B-B14F-4D97-AF65-F5344CB8AC3E}">
+        <p14:creationId xmlns:p14="http://schemas.microsoft.com/office/powerpoint/2010/main" val="2024718679"/>
+      </p:ext>
+    </p:extLst>
+  </p:cSld>
+  <p:clrMapOvr>
+    <a:masterClrMapping/>
+  </p:clrMapOvr>
+</p:notes>
+</file>
+
+<file path=ppt/notesSlides/notesSlide10.xml><?xml version="1.0" encoding="utf-8"?>
+<p:notes xmlns:a="http://schemas.openxmlformats.org/drawingml/2006/main" xmlns:r="http://schemas.openxmlformats.org/officeDocument/2006/relationships" xmlns:p="http://schemas.openxmlformats.org/presentationml/2006/main">
+  <p:cSld>
+    <p:spTree>
+      <p:nvGrpSpPr>
+        <p:cNvPr id="1" name=""/>
+        <p:cNvGrpSpPr/>
+        <p:nvPr/>
+      </p:nvGrpSpPr>
+      <p:grpSpPr>
+        <a:xfrm>
+          <a:off x="0" y="0"/>
+          <a:ext cx="0" cy="0"/>
+          <a:chOff x="0" y="0"/>
+          <a:chExt cx="0" cy="0"/>
+        </a:xfrm>
+      </p:grpSpPr>
+      <p:sp>
+        <p:nvSpPr>
+          <p:cNvPr id="2" name="Slide Image Placeholder 1"/>
+          <p:cNvSpPr>
+            <a:spLocks noGrp="1" noRot="1" noChangeAspect="1"/>
+          </p:cNvSpPr>
+          <p:nvPr>
+            <p:ph type="sldImg"/>
+          </p:nvPr>
+        </p:nvSpPr>
+        <p:spPr/>
+      </p:sp>
+      <p:sp>
+        <p:nvSpPr>
+          <p:cNvPr id="3" name="Notes Placeholder 2"/>
+          <p:cNvSpPr>
+            <a:spLocks noGrp="1"/>
+          </p:cNvSpPr>
+          <p:nvPr>
+            <p:ph type="body" idx="1"/>
+          </p:nvPr>
+        </p:nvSpPr>
+        <p:spPr/>
+        <p:txBody>
+          <a:bodyPr/>
+          <a:lstStyle/>
+          <a:p>
+            <a:pPr>
+              <a:lnSpc>
+                <a:spcPct val="107000"/>
+              </a:lnSpc>
+              <a:spcAft>
+                <a:spcPts val="800"/>
+              </a:spcAft>
+            </a:pPr>
+            <a:r>
+              <a:rPr lang="ro-RO" sz="1800" dirty="0">
+                <a:effectLst/>
+                <a:latin typeface="Arial" panose="020B0604020202020204" pitchFamily="34" charset="0"/>
+                <a:ea typeface="Calibri" panose="020F0502020204030204" pitchFamily="34" charset="0"/>
+                <a:cs typeface="Times New Roman" panose="02020603050405020304" pitchFamily="18" charset="0"/>
+              </a:rPr>
+              <a:t>Testarea aplicației a fost făcută manual, folosind atât un telefon fizic pentru aplicația cliențiilor, dar și un emulator integrat în Android Studio pentru aplicația administratorului când nu există nevoia de conexiune bluetooth.</a:t>
+            </a:r>
+            <a:endParaRPr lang="en-US" sz="1800" dirty="0">
+              <a:effectLst/>
+              <a:latin typeface="Calibri" panose="020F0502020204030204" pitchFamily="34" charset="0"/>
+              <a:ea typeface="Calibri" panose="020F0502020204030204" pitchFamily="34" charset="0"/>
+              <a:cs typeface="Times New Roman" panose="02020603050405020304" pitchFamily="18" charset="0"/>
+            </a:endParaRPr>
+          </a:p>
+          <a:p>
+            <a:pPr>
+              <a:lnSpc>
+                <a:spcPct val="107000"/>
+              </a:lnSpc>
+              <a:spcAft>
+                <a:spcPts val="800"/>
+              </a:spcAft>
+            </a:pPr>
+            <a:r>
+              <a:rPr lang="ro-RO" sz="1800" dirty="0">
+                <a:effectLst/>
+                <a:latin typeface="Arial" panose="020B0604020202020204" pitchFamily="34" charset="0"/>
+                <a:ea typeface="Calibri" panose="020F0502020204030204" pitchFamily="34" charset="0"/>
+                <a:cs typeface="Times New Roman" panose="02020603050405020304" pitchFamily="18" charset="0"/>
+              </a:rPr>
+              <a:t>Aceste testări au fost făcute într-un mod agile testând și integrând fiecare funcționalitate în parte. În final am testat întregul sistem și toate conexiunile din acesta.</a:t>
+            </a:r>
+            <a:endParaRPr lang="en-US" sz="1800" dirty="0">
+              <a:effectLst/>
+              <a:latin typeface="Calibri" panose="020F0502020204030204" pitchFamily="34" charset="0"/>
+              <a:ea typeface="Calibri" panose="020F0502020204030204" pitchFamily="34" charset="0"/>
+              <a:cs typeface="Times New Roman" panose="02020603050405020304" pitchFamily="18" charset="0"/>
+            </a:endParaRPr>
+          </a:p>
+          <a:p>
+            <a:endParaRPr lang="en-US" dirty="0"/>
+          </a:p>
+        </p:txBody>
+      </p:sp>
+      <p:sp>
+        <p:nvSpPr>
+          <p:cNvPr id="4" name="Slide Number Placeholder 3"/>
+          <p:cNvSpPr>
+            <a:spLocks noGrp="1"/>
+          </p:cNvSpPr>
+          <p:nvPr>
+            <p:ph type="sldNum" sz="quarter" idx="5"/>
+          </p:nvPr>
+        </p:nvSpPr>
+        <p:spPr/>
+        <p:txBody>
+          <a:bodyPr/>
+          <a:lstStyle/>
+          <a:p>
+            <a:fld id="{6840A304-C2DC-4AD8-AE81-3D9119FFB40C}" type="slidenum">
+              <a:rPr lang="en-US" smtClean="0"/>
+              <a:t>10</a:t>
+            </a:fld>
+            <a:endParaRPr lang="en-US"/>
+          </a:p>
+        </p:txBody>
+      </p:sp>
+    </p:spTree>
+    <p:extLst>
+      <p:ext uri="{BB962C8B-B14F-4D97-AF65-F5344CB8AC3E}">
+        <p14:creationId xmlns:p14="http://schemas.microsoft.com/office/powerpoint/2010/main" val="2159533992"/>
+      </p:ext>
+    </p:extLst>
+  </p:cSld>
+  <p:clrMapOvr>
+    <a:masterClrMapping/>
+  </p:clrMapOvr>
+</p:notes>
+</file>
+
+<file path=ppt/notesSlides/notesSlide11.xml><?xml version="1.0" encoding="utf-8"?>
+<p:notes xmlns:a="http://schemas.openxmlformats.org/drawingml/2006/main" xmlns:r="http://schemas.openxmlformats.org/officeDocument/2006/relationships" xmlns:p="http://schemas.openxmlformats.org/presentationml/2006/main">
+  <p:cSld>
+    <p:spTree>
+      <p:nvGrpSpPr>
+        <p:cNvPr id="1" name=""/>
+        <p:cNvGrpSpPr/>
+        <p:nvPr/>
+      </p:nvGrpSpPr>
+      <p:grpSpPr>
+        <a:xfrm>
+          <a:off x="0" y="0"/>
+          <a:ext cx="0" cy="0"/>
+          <a:chOff x="0" y="0"/>
+          <a:chExt cx="0" cy="0"/>
+        </a:xfrm>
+      </p:grpSpPr>
+      <p:sp>
+        <p:nvSpPr>
+          <p:cNvPr id="2" name="Slide Image Placeholder 1"/>
+          <p:cNvSpPr>
+            <a:spLocks noGrp="1" noRot="1" noChangeAspect="1"/>
+          </p:cNvSpPr>
+          <p:nvPr>
+            <p:ph type="sldImg"/>
+          </p:nvPr>
+        </p:nvSpPr>
+        <p:spPr/>
+      </p:sp>
+      <p:sp>
+        <p:nvSpPr>
+          <p:cNvPr id="3" name="Notes Placeholder 2"/>
+          <p:cNvSpPr>
+            <a:spLocks noGrp="1"/>
+          </p:cNvSpPr>
+          <p:nvPr>
+            <p:ph type="body" idx="1"/>
+          </p:nvPr>
+        </p:nvSpPr>
+        <p:spPr/>
+        <p:txBody>
+          <a:bodyPr/>
+          <a:lstStyle/>
+          <a:p>
+            <a:pPr>
+              <a:lnSpc>
+                <a:spcPct val="107000"/>
+              </a:lnSpc>
+              <a:spcAft>
+                <a:spcPts val="800"/>
+              </a:spcAft>
+            </a:pPr>
+            <a:r>
+              <a:rPr lang="ro-RO" sz="1800" dirty="0">
+                <a:effectLst/>
+                <a:latin typeface="Arial" panose="020B0604020202020204" pitchFamily="34" charset="0"/>
+                <a:ea typeface="Calibri" panose="020F0502020204030204" pitchFamily="34" charset="0"/>
+                <a:cs typeface="Times New Roman" panose="02020603050405020304" pitchFamily="18" charset="0"/>
+              </a:rPr>
+              <a:t>În concluzie toate obiectivele inițiale au fost atinse. </a:t>
+            </a:r>
+            <a:endParaRPr lang="en-US" sz="1800" dirty="0">
+              <a:effectLst/>
+              <a:latin typeface="Calibri" panose="020F0502020204030204" pitchFamily="34" charset="0"/>
+              <a:ea typeface="Calibri" panose="020F0502020204030204" pitchFamily="34" charset="0"/>
+              <a:cs typeface="Times New Roman" panose="02020603050405020304" pitchFamily="18" charset="0"/>
+            </a:endParaRPr>
+          </a:p>
+          <a:p>
+            <a:pPr>
+              <a:lnSpc>
+                <a:spcPct val="107000"/>
+              </a:lnSpc>
+              <a:spcAft>
+                <a:spcPts val="800"/>
+              </a:spcAft>
+            </a:pPr>
+            <a:r>
+              <a:rPr lang="ro-RO" sz="1800" dirty="0">
+                <a:effectLst/>
+                <a:latin typeface="Arial" panose="020B0604020202020204" pitchFamily="34" charset="0"/>
+                <a:ea typeface="Calibri" panose="020F0502020204030204" pitchFamily="34" charset="0"/>
+                <a:cs typeface="Times New Roman" panose="02020603050405020304" pitchFamily="18" charset="0"/>
+              </a:rPr>
+              <a:t>Au fost dezvoltate două aplicații Android: prima pentru administratori pentru a putea gestiona clienții și a doua destinată cliențiilor pentru a se putea conecta la mașină și a putea controla închidere și deschiderea mașinii folosind telefonul.</a:t>
+            </a:r>
+            <a:endParaRPr lang="en-US" sz="1800" dirty="0">
+              <a:effectLst/>
+              <a:latin typeface="Calibri" panose="020F0502020204030204" pitchFamily="34" charset="0"/>
+              <a:ea typeface="Calibri" panose="020F0502020204030204" pitchFamily="34" charset="0"/>
+              <a:cs typeface="Times New Roman" panose="02020603050405020304" pitchFamily="18" charset="0"/>
+            </a:endParaRPr>
+          </a:p>
+          <a:p>
+            <a:pPr>
+              <a:lnSpc>
+                <a:spcPct val="107000"/>
+              </a:lnSpc>
+              <a:spcAft>
+                <a:spcPts val="800"/>
+              </a:spcAft>
+            </a:pPr>
+            <a:r>
+              <a:rPr lang="ro-RO" sz="1800" dirty="0">
+                <a:effectLst/>
+                <a:latin typeface="Arial" panose="020B0604020202020204" pitchFamily="34" charset="0"/>
+                <a:ea typeface="Calibri" panose="020F0502020204030204" pitchFamily="34" charset="0"/>
+                <a:cs typeface="Times New Roman" panose="02020603050405020304" pitchFamily="18" charset="0"/>
+              </a:rPr>
+              <a:t>Pe partea de aplicația Arduino a fost realizat montajul hardware și a fost dezolvată aplicația care permite conectarea mașinii cu telefonul mobil și comunicarea dintre acestea.</a:t>
+            </a:r>
+            <a:endParaRPr lang="en-US" sz="1800" dirty="0">
+              <a:effectLst/>
+              <a:latin typeface="Calibri" panose="020F0502020204030204" pitchFamily="34" charset="0"/>
+              <a:ea typeface="Calibri" panose="020F0502020204030204" pitchFamily="34" charset="0"/>
+              <a:cs typeface="Times New Roman" panose="02020603050405020304" pitchFamily="18" charset="0"/>
+            </a:endParaRPr>
+          </a:p>
+          <a:p>
+            <a:endParaRPr lang="en-US" dirty="0"/>
+          </a:p>
+        </p:txBody>
+      </p:sp>
+      <p:sp>
+        <p:nvSpPr>
+          <p:cNvPr id="4" name="Slide Number Placeholder 3"/>
+          <p:cNvSpPr>
+            <a:spLocks noGrp="1"/>
+          </p:cNvSpPr>
+          <p:nvPr>
+            <p:ph type="sldNum" sz="quarter" idx="5"/>
+          </p:nvPr>
+        </p:nvSpPr>
+        <p:spPr/>
+        <p:txBody>
+          <a:bodyPr/>
+          <a:lstStyle/>
+          <a:p>
+            <a:fld id="{6840A304-C2DC-4AD8-AE81-3D9119FFB40C}" type="slidenum">
+              <a:rPr lang="en-US" smtClean="0"/>
+              <a:t>11</a:t>
+            </a:fld>
+            <a:endParaRPr lang="en-US"/>
+          </a:p>
+        </p:txBody>
+      </p:sp>
+    </p:spTree>
+    <p:extLst>
+      <p:ext uri="{BB962C8B-B14F-4D97-AF65-F5344CB8AC3E}">
+        <p14:creationId xmlns:p14="http://schemas.microsoft.com/office/powerpoint/2010/main" val="1827358206"/>
+      </p:ext>
+    </p:extLst>
+  </p:cSld>
+  <p:clrMapOvr>
+    <a:masterClrMapping/>
+  </p:clrMapOvr>
+</p:notes>
+</file>
+
+<file path=ppt/notesSlides/notesSlide12.xml><?xml version="1.0" encoding="utf-8"?>
+<p:notes xmlns:a="http://schemas.openxmlformats.org/drawingml/2006/main" xmlns:r="http://schemas.openxmlformats.org/officeDocument/2006/relationships" xmlns:p="http://schemas.openxmlformats.org/presentationml/2006/main">
+  <p:cSld>
+    <p:spTree>
+      <p:nvGrpSpPr>
+        <p:cNvPr id="1" name=""/>
+        <p:cNvGrpSpPr/>
+        <p:nvPr/>
+      </p:nvGrpSpPr>
+      <p:grpSpPr>
+        <a:xfrm>
+          <a:off x="0" y="0"/>
+          <a:ext cx="0" cy="0"/>
+          <a:chOff x="0" y="0"/>
+          <a:chExt cx="0" cy="0"/>
+        </a:xfrm>
+      </p:grpSpPr>
+      <p:sp>
+        <p:nvSpPr>
+          <p:cNvPr id="2" name="Slide Image Placeholder 1"/>
+          <p:cNvSpPr>
+            <a:spLocks noGrp="1" noRot="1" noChangeAspect="1"/>
+          </p:cNvSpPr>
+          <p:nvPr>
+            <p:ph type="sldImg"/>
+          </p:nvPr>
+        </p:nvSpPr>
+        <p:spPr/>
+      </p:sp>
+      <p:sp>
+        <p:nvSpPr>
+          <p:cNvPr id="3" name="Notes Placeholder 2"/>
+          <p:cNvSpPr>
+            <a:spLocks noGrp="1"/>
+          </p:cNvSpPr>
+          <p:nvPr>
+            <p:ph type="body" idx="1"/>
+          </p:nvPr>
+        </p:nvSpPr>
+        <p:spPr/>
+        <p:txBody>
+          <a:bodyPr/>
+          <a:lstStyle/>
+          <a:p>
+            <a:pPr>
+              <a:lnSpc>
+                <a:spcPct val="107000"/>
+              </a:lnSpc>
+              <a:spcAft>
+                <a:spcPts val="800"/>
+              </a:spcAft>
+            </a:pPr>
+            <a:r>
+              <a:rPr lang="ro-RO" sz="1800" dirty="0">
+                <a:effectLst/>
+                <a:latin typeface="Arial" panose="020B0604020202020204" pitchFamily="34" charset="0"/>
+                <a:ea typeface="Calibri" panose="020F0502020204030204" pitchFamily="34" charset="0"/>
+                <a:cs typeface="Times New Roman" panose="02020603050405020304" pitchFamily="18" charset="0"/>
+              </a:rPr>
+              <a:t>Direcțiile de dezvoltare viitoare au fost împărțite pe partea de aplicație mobile și pe partea de aplicație Arduino.</a:t>
+            </a:r>
+            <a:endParaRPr lang="en-US" sz="1800" dirty="0">
+              <a:effectLst/>
+              <a:latin typeface="Calibri" panose="020F0502020204030204" pitchFamily="34" charset="0"/>
+              <a:ea typeface="Calibri" panose="020F0502020204030204" pitchFamily="34" charset="0"/>
+              <a:cs typeface="Times New Roman" panose="02020603050405020304" pitchFamily="18" charset="0"/>
+            </a:endParaRPr>
+          </a:p>
+          <a:p>
+            <a:pPr>
+              <a:lnSpc>
+                <a:spcPct val="107000"/>
+              </a:lnSpc>
+              <a:spcAft>
+                <a:spcPts val="800"/>
+              </a:spcAft>
+            </a:pPr>
+            <a:r>
+              <a:rPr lang="ro-RO" sz="1800" dirty="0">
+                <a:effectLst/>
+                <a:latin typeface="Arial" panose="020B0604020202020204" pitchFamily="34" charset="0"/>
+                <a:ea typeface="Calibri" panose="020F0502020204030204" pitchFamily="34" charset="0"/>
+                <a:cs typeface="Times New Roman" panose="02020603050405020304" pitchFamily="18" charset="0"/>
+              </a:rPr>
+              <a:t>Din punctul de vedere al aplicației pentru administrator ar putea fi dezvoltate mai multe funcționalități pentru gestionarea clienților, de exemplu ștergerea unui client, iar pentru aplicația destinată cliențiilor ar putea fi crescută interacțiunea smart cu clientul, de exemplu autentificarea cu amprenta sau recunoașterea facială.</a:t>
+            </a:r>
+            <a:endParaRPr lang="en-US" sz="1800" dirty="0">
+              <a:effectLst/>
+              <a:latin typeface="Calibri" panose="020F0502020204030204" pitchFamily="34" charset="0"/>
+              <a:ea typeface="Calibri" panose="020F0502020204030204" pitchFamily="34" charset="0"/>
+              <a:cs typeface="Times New Roman" panose="02020603050405020304" pitchFamily="18" charset="0"/>
+            </a:endParaRPr>
+          </a:p>
+          <a:p>
+            <a:pPr>
+              <a:lnSpc>
+                <a:spcPct val="107000"/>
+              </a:lnSpc>
+              <a:spcAft>
+                <a:spcPts val="800"/>
+              </a:spcAft>
+            </a:pPr>
+            <a:r>
+              <a:rPr lang="ro-RO" sz="1800" dirty="0">
+                <a:effectLst/>
+                <a:latin typeface="Arial" panose="020B0604020202020204" pitchFamily="34" charset="0"/>
+                <a:ea typeface="Calibri" panose="020F0502020204030204" pitchFamily="34" charset="0"/>
+                <a:cs typeface="Times New Roman" panose="02020603050405020304" pitchFamily="18" charset="0"/>
+              </a:rPr>
+              <a:t>Pe partea de Arduino, modulul bluetooth ar putea fi înlocuit de un modul GSM de </a:t>
+            </a:r>
+            <a:r>
+              <a:rPr lang="en-US" sz="1800" dirty="0" err="1">
+                <a:effectLst/>
+                <a:latin typeface="Arial" panose="020B0604020202020204" pitchFamily="34" charset="0"/>
+                <a:ea typeface="Calibri" panose="020F0502020204030204" pitchFamily="34" charset="0"/>
+                <a:cs typeface="Times New Roman" panose="02020603050405020304" pitchFamily="18" charset="0"/>
+              </a:rPr>
+              <a:t>conexiunea</a:t>
+            </a:r>
+            <a:r>
+              <a:rPr lang="en-US" sz="1800" dirty="0">
+                <a:effectLst/>
+                <a:latin typeface="Arial" panose="020B0604020202020204" pitchFamily="34" charset="0"/>
+                <a:ea typeface="Calibri" panose="020F0502020204030204" pitchFamily="34" charset="0"/>
+                <a:cs typeface="Times New Roman" panose="02020603050405020304" pitchFamily="18" charset="0"/>
+              </a:rPr>
+              <a:t> 5G </a:t>
+            </a:r>
+            <a:r>
+              <a:rPr lang="en-US" sz="1800" dirty="0" err="1">
+                <a:effectLst/>
+                <a:latin typeface="Arial" panose="020B0604020202020204" pitchFamily="34" charset="0"/>
+                <a:ea typeface="Calibri" panose="020F0502020204030204" pitchFamily="34" charset="0"/>
+                <a:cs typeface="Times New Roman" panose="02020603050405020304" pitchFamily="18" charset="0"/>
+              </a:rPr>
+              <a:t>pentru</a:t>
+            </a:r>
+            <a:r>
+              <a:rPr lang="en-US" sz="1800" dirty="0">
+                <a:effectLst/>
+                <a:latin typeface="Arial" panose="020B0604020202020204" pitchFamily="34" charset="0"/>
+                <a:ea typeface="Calibri" panose="020F0502020204030204" pitchFamily="34" charset="0"/>
+                <a:cs typeface="Times New Roman" panose="02020603050405020304" pitchFamily="18" charset="0"/>
+              </a:rPr>
+              <a:t> a </a:t>
+            </a:r>
+            <a:r>
+              <a:rPr lang="en-US" sz="1800" dirty="0" err="1">
+                <a:effectLst/>
+                <a:latin typeface="Arial" panose="020B0604020202020204" pitchFamily="34" charset="0"/>
+                <a:ea typeface="Calibri" panose="020F0502020204030204" pitchFamily="34" charset="0"/>
+                <a:cs typeface="Times New Roman" panose="02020603050405020304" pitchFamily="18" charset="0"/>
+              </a:rPr>
+              <a:t>imbunatati</a:t>
+            </a:r>
+            <a:r>
+              <a:rPr lang="en-US" sz="1800" dirty="0">
+                <a:effectLst/>
+                <a:latin typeface="Arial" panose="020B0604020202020204" pitchFamily="34" charset="0"/>
+                <a:ea typeface="Calibri" panose="020F0502020204030204" pitchFamily="34" charset="0"/>
+                <a:cs typeface="Times New Roman" panose="02020603050405020304" pitchFamily="18" charset="0"/>
+              </a:rPr>
+              <a:t> </a:t>
+            </a:r>
+            <a:r>
+              <a:rPr lang="en-US" sz="1800" dirty="0" err="1">
+                <a:effectLst/>
+                <a:latin typeface="Arial" panose="020B0604020202020204" pitchFamily="34" charset="0"/>
+                <a:ea typeface="Calibri" panose="020F0502020204030204" pitchFamily="34" charset="0"/>
+                <a:cs typeface="Times New Roman" panose="02020603050405020304" pitchFamily="18" charset="0"/>
+              </a:rPr>
+              <a:t>viteza</a:t>
+            </a:r>
+            <a:r>
+              <a:rPr lang="en-US" sz="1800" dirty="0">
+                <a:effectLst/>
+                <a:latin typeface="Arial" panose="020B0604020202020204" pitchFamily="34" charset="0"/>
+                <a:ea typeface="Calibri" panose="020F0502020204030204" pitchFamily="34" charset="0"/>
+                <a:cs typeface="Times New Roman" panose="02020603050405020304" pitchFamily="18" charset="0"/>
+              </a:rPr>
+              <a:t> de transfer a </a:t>
+            </a:r>
+            <a:r>
+              <a:rPr lang="en-US" sz="1800" dirty="0" err="1">
+                <a:effectLst/>
+                <a:latin typeface="Arial" panose="020B0604020202020204" pitchFamily="34" charset="0"/>
+                <a:ea typeface="Calibri" panose="020F0502020204030204" pitchFamily="34" charset="0"/>
+                <a:cs typeface="Times New Roman" panose="02020603050405020304" pitchFamily="18" charset="0"/>
+              </a:rPr>
+              <a:t>datelor</a:t>
+            </a:r>
+            <a:r>
+              <a:rPr lang="en-US" sz="1800" dirty="0">
+                <a:effectLst/>
+                <a:latin typeface="Arial" panose="020B0604020202020204" pitchFamily="34" charset="0"/>
+                <a:ea typeface="Calibri" panose="020F0502020204030204" pitchFamily="34" charset="0"/>
+                <a:cs typeface="Times New Roman" panose="02020603050405020304" pitchFamily="18" charset="0"/>
+              </a:rPr>
+              <a:t> </a:t>
+            </a:r>
+            <a:r>
+              <a:rPr lang="ro-RO" sz="1800" dirty="0">
+                <a:effectLst/>
+                <a:latin typeface="Arial" panose="020B0604020202020204" pitchFamily="34" charset="0"/>
+                <a:ea typeface="Calibri" panose="020F0502020204030204" pitchFamily="34" charset="0"/>
+                <a:cs typeface="Times New Roman" panose="02020603050405020304" pitchFamily="18" charset="0"/>
+              </a:rPr>
+              <a:t>și ar trebui adăugate mai multe layere de securitate.</a:t>
+            </a:r>
+            <a:endParaRPr lang="en-US" sz="1800" dirty="0">
+              <a:effectLst/>
+              <a:latin typeface="Calibri" panose="020F0502020204030204" pitchFamily="34" charset="0"/>
+              <a:ea typeface="Calibri" panose="020F0502020204030204" pitchFamily="34" charset="0"/>
+              <a:cs typeface="Times New Roman" panose="02020603050405020304" pitchFamily="18" charset="0"/>
+            </a:endParaRPr>
+          </a:p>
+          <a:p>
+            <a:endParaRPr lang="en-US" dirty="0"/>
+          </a:p>
+        </p:txBody>
+      </p:sp>
+      <p:sp>
+        <p:nvSpPr>
+          <p:cNvPr id="4" name="Slide Number Placeholder 3"/>
+          <p:cNvSpPr>
+            <a:spLocks noGrp="1"/>
+          </p:cNvSpPr>
+          <p:nvPr>
+            <p:ph type="sldNum" sz="quarter" idx="5"/>
+          </p:nvPr>
+        </p:nvSpPr>
+        <p:spPr/>
+        <p:txBody>
+          <a:bodyPr/>
+          <a:lstStyle/>
+          <a:p>
+            <a:fld id="{6840A304-C2DC-4AD8-AE81-3D9119FFB40C}" type="slidenum">
+              <a:rPr lang="en-US" smtClean="0"/>
+              <a:t>12</a:t>
+            </a:fld>
+            <a:endParaRPr lang="en-US"/>
+          </a:p>
+        </p:txBody>
+      </p:sp>
+    </p:spTree>
+    <p:extLst>
+      <p:ext uri="{BB962C8B-B14F-4D97-AF65-F5344CB8AC3E}">
+        <p14:creationId xmlns:p14="http://schemas.microsoft.com/office/powerpoint/2010/main" val="3578888520"/>
+      </p:ext>
+    </p:extLst>
+  </p:cSld>
+  <p:clrMapOvr>
+    <a:masterClrMapping/>
+  </p:clrMapOvr>
+</p:notes>
+</file>
+
+<file path=ppt/notesSlides/notesSlide2.xml><?xml version="1.0" encoding="utf-8"?>
+<p:notes xmlns:a="http://schemas.openxmlformats.org/drawingml/2006/main" xmlns:r="http://schemas.openxmlformats.org/officeDocument/2006/relationships" xmlns:p="http://schemas.openxmlformats.org/presentationml/2006/main">
+  <p:cSld>
+    <p:spTree>
+      <p:nvGrpSpPr>
+        <p:cNvPr id="1" name=""/>
+        <p:cNvGrpSpPr/>
+        <p:nvPr/>
+      </p:nvGrpSpPr>
+      <p:grpSpPr>
+        <a:xfrm>
+          <a:off x="0" y="0"/>
+          <a:ext cx="0" cy="0"/>
+          <a:chOff x="0" y="0"/>
+          <a:chExt cx="0" cy="0"/>
+        </a:xfrm>
+      </p:grpSpPr>
+      <p:sp>
+        <p:nvSpPr>
+          <p:cNvPr id="2" name="Slide Image Placeholder 1"/>
+          <p:cNvSpPr>
+            <a:spLocks noGrp="1" noRot="1" noChangeAspect="1"/>
+          </p:cNvSpPr>
+          <p:nvPr>
+            <p:ph type="sldImg"/>
+          </p:nvPr>
+        </p:nvSpPr>
+        <p:spPr/>
+      </p:sp>
+      <p:sp>
+        <p:nvSpPr>
+          <p:cNvPr id="3" name="Notes Placeholder 2"/>
+          <p:cNvSpPr>
+            <a:spLocks noGrp="1"/>
+          </p:cNvSpPr>
+          <p:nvPr>
+            <p:ph type="body" idx="1"/>
+          </p:nvPr>
+        </p:nvSpPr>
+        <p:spPr/>
+        <p:txBody>
+          <a:bodyPr/>
+          <a:lstStyle/>
+          <a:p>
+            <a:pPr>
+              <a:lnSpc>
+                <a:spcPct val="107000"/>
+              </a:lnSpc>
+              <a:spcAft>
+                <a:spcPts val="800"/>
+              </a:spcAft>
+            </a:pPr>
+            <a:r>
+              <a:rPr lang="ro-RO" sz="1400" dirty="0">
+                <a:effectLst/>
+                <a:latin typeface="Arial" panose="020B0604020202020204" pitchFamily="34" charset="0"/>
+                <a:ea typeface="Calibri" panose="020F0502020204030204" pitchFamily="34" charset="0"/>
+                <a:cs typeface="Times New Roman" panose="02020603050405020304" pitchFamily="18" charset="0"/>
+              </a:rPr>
+              <a:t>Voi începe cu motivația alegerii temei. Pentru a alege această temă am luat în considerare 3 factori. </a:t>
+            </a:r>
+            <a:endParaRPr lang="en-US" sz="1400" dirty="0">
+              <a:effectLst/>
+              <a:latin typeface="Calibri" panose="020F0502020204030204" pitchFamily="34" charset="0"/>
+              <a:ea typeface="Calibri" panose="020F0502020204030204" pitchFamily="34" charset="0"/>
+              <a:cs typeface="Times New Roman" panose="02020603050405020304" pitchFamily="18" charset="0"/>
+            </a:endParaRPr>
+          </a:p>
+          <a:p>
+            <a:pPr>
+              <a:lnSpc>
+                <a:spcPct val="107000"/>
+              </a:lnSpc>
+              <a:spcAft>
+                <a:spcPts val="800"/>
+              </a:spcAft>
+            </a:pPr>
+            <a:r>
+              <a:rPr lang="ro-RO" sz="1400" b="1" dirty="0">
+                <a:solidFill>
+                  <a:srgbClr val="548235"/>
+                </a:solidFill>
+                <a:effectLst/>
+                <a:latin typeface="Arial" panose="020B0604020202020204" pitchFamily="34" charset="0"/>
+                <a:ea typeface="Calibri" panose="020F0502020204030204" pitchFamily="34" charset="0"/>
+                <a:cs typeface="Times New Roman" panose="02020603050405020304" pitchFamily="18" charset="0"/>
+              </a:rPr>
+              <a:t>Primul</a:t>
+            </a:r>
+            <a:r>
+              <a:rPr lang="ro-RO" sz="1400" dirty="0">
+                <a:effectLst/>
+                <a:latin typeface="Arial" panose="020B0604020202020204" pitchFamily="34" charset="0"/>
+                <a:ea typeface="Calibri" panose="020F0502020204030204" pitchFamily="34" charset="0"/>
+                <a:cs typeface="Times New Roman" panose="02020603050405020304" pitchFamily="18" charset="0"/>
+              </a:rPr>
+              <a:t> este dezvoltarea rapidă și continuă a tehnologiei care ne impactează pe toți atât din punct de vedere profesional, cât și personal, oamenii nemaifiind doar nevoiți să se adapteze la noile tehnologii ci devenind atrași de acestea.</a:t>
+            </a:r>
+            <a:endParaRPr lang="en-US" sz="1400" dirty="0">
+              <a:effectLst/>
+              <a:latin typeface="Calibri" panose="020F0502020204030204" pitchFamily="34" charset="0"/>
+              <a:ea typeface="Calibri" panose="020F0502020204030204" pitchFamily="34" charset="0"/>
+              <a:cs typeface="Times New Roman" panose="02020603050405020304" pitchFamily="18" charset="0"/>
+            </a:endParaRPr>
+          </a:p>
+          <a:p>
+            <a:pPr>
+              <a:lnSpc>
+                <a:spcPct val="107000"/>
+              </a:lnSpc>
+              <a:spcAft>
+                <a:spcPts val="800"/>
+              </a:spcAft>
+            </a:pPr>
+            <a:r>
+              <a:rPr lang="ro-RO" sz="1400" b="1" dirty="0">
+                <a:solidFill>
+                  <a:srgbClr val="548235"/>
+                </a:solidFill>
+                <a:effectLst/>
+                <a:latin typeface="Arial" panose="020B0604020202020204" pitchFamily="34" charset="0"/>
+                <a:ea typeface="Calibri" panose="020F0502020204030204" pitchFamily="34" charset="0"/>
+                <a:cs typeface="Times New Roman" panose="02020603050405020304" pitchFamily="18" charset="0"/>
+              </a:rPr>
+              <a:t>Al doilea</a:t>
+            </a:r>
+            <a:r>
+              <a:rPr lang="ro-RO" sz="1400" dirty="0">
+                <a:solidFill>
+                  <a:srgbClr val="548235"/>
+                </a:solidFill>
+                <a:effectLst/>
+                <a:latin typeface="Arial" panose="020B0604020202020204" pitchFamily="34" charset="0"/>
+                <a:ea typeface="Calibri" panose="020F0502020204030204" pitchFamily="34" charset="0"/>
+                <a:cs typeface="Times New Roman" panose="02020603050405020304" pitchFamily="18" charset="0"/>
+              </a:rPr>
+              <a:t> </a:t>
+            </a:r>
+            <a:r>
+              <a:rPr lang="ro-RO" sz="1400" dirty="0">
+                <a:effectLst/>
+                <a:latin typeface="Arial" panose="020B0604020202020204" pitchFamily="34" charset="0"/>
+                <a:ea typeface="Calibri" panose="020F0502020204030204" pitchFamily="34" charset="0"/>
+                <a:cs typeface="Times New Roman" panose="02020603050405020304" pitchFamily="18" charset="0"/>
+              </a:rPr>
+              <a:t>factor este nevoia oamenilor de a-și crea așa zisele „ecosisteme” digitale încercând să își controleze cât mai ușor toate dispozitivele ce le dețin, telefonul mobil fiind telecomanda pentru acest ecosistem.</a:t>
+            </a:r>
+            <a:endParaRPr lang="en-US" sz="1400" dirty="0">
+              <a:effectLst/>
+              <a:latin typeface="Calibri" panose="020F0502020204030204" pitchFamily="34" charset="0"/>
+              <a:ea typeface="Calibri" panose="020F0502020204030204" pitchFamily="34" charset="0"/>
+              <a:cs typeface="Times New Roman" panose="02020603050405020304" pitchFamily="18" charset="0"/>
+            </a:endParaRPr>
+          </a:p>
+          <a:p>
+            <a:pPr>
+              <a:lnSpc>
+                <a:spcPct val="107000"/>
+              </a:lnSpc>
+              <a:spcAft>
+                <a:spcPts val="800"/>
+              </a:spcAft>
+            </a:pPr>
+            <a:r>
+              <a:rPr lang="ro-RO" sz="1400" b="1" dirty="0">
+                <a:solidFill>
+                  <a:srgbClr val="548235"/>
+                </a:solidFill>
+                <a:effectLst/>
+                <a:latin typeface="Arial" panose="020B0604020202020204" pitchFamily="34" charset="0"/>
+                <a:ea typeface="Calibri" panose="020F0502020204030204" pitchFamily="34" charset="0"/>
+                <a:cs typeface="Times New Roman" panose="02020603050405020304" pitchFamily="18" charset="0"/>
+              </a:rPr>
+              <a:t>Ultimul</a:t>
+            </a:r>
+            <a:r>
+              <a:rPr lang="ro-RO" sz="1400" dirty="0">
+                <a:effectLst/>
+                <a:latin typeface="Arial" panose="020B0604020202020204" pitchFamily="34" charset="0"/>
+                <a:ea typeface="Calibri" panose="020F0502020204030204" pitchFamily="34" charset="0"/>
+                <a:cs typeface="Times New Roman" panose="02020603050405020304" pitchFamily="18" charset="0"/>
+              </a:rPr>
+              <a:t> factor este domeniul în care activez în prezent, domeniul automotive, unde împreună cu mentorul meu am reușit să găsesc ideea de lucrare care se pretează cel mai bine pe situația actuală, unde cheia devine o aplicație mobilă, interconectată prin bluetooth cu mașina oferind acces facil. Este o tehnologie nouă care se dezvoltă chiar în aceste momente de către colegii mei absolvenți și ei ai facultății noastre.</a:t>
+            </a:r>
+            <a:endParaRPr lang="en-US" sz="1400" dirty="0">
+              <a:effectLst/>
+              <a:latin typeface="Calibri" panose="020F0502020204030204" pitchFamily="34" charset="0"/>
+              <a:ea typeface="Calibri" panose="020F0502020204030204" pitchFamily="34" charset="0"/>
+              <a:cs typeface="Times New Roman" panose="02020603050405020304" pitchFamily="18" charset="0"/>
+            </a:endParaRPr>
+          </a:p>
+          <a:p>
+            <a:endParaRPr lang="en-US" sz="1050" dirty="0"/>
+          </a:p>
+        </p:txBody>
+      </p:sp>
+      <p:sp>
+        <p:nvSpPr>
+          <p:cNvPr id="4" name="Slide Number Placeholder 3"/>
+          <p:cNvSpPr>
+            <a:spLocks noGrp="1"/>
+          </p:cNvSpPr>
+          <p:nvPr>
+            <p:ph type="sldNum" sz="quarter" idx="5"/>
+          </p:nvPr>
+        </p:nvSpPr>
+        <p:spPr/>
+        <p:txBody>
+          <a:bodyPr/>
+          <a:lstStyle/>
+          <a:p>
+            <a:fld id="{6840A304-C2DC-4AD8-AE81-3D9119FFB40C}" type="slidenum">
+              <a:rPr lang="en-US" smtClean="0"/>
+              <a:t>2</a:t>
+            </a:fld>
+            <a:endParaRPr lang="en-US"/>
+          </a:p>
+        </p:txBody>
+      </p:sp>
+    </p:spTree>
+    <p:extLst>
+      <p:ext uri="{BB962C8B-B14F-4D97-AF65-F5344CB8AC3E}">
+        <p14:creationId xmlns:p14="http://schemas.microsoft.com/office/powerpoint/2010/main" val="4196241286"/>
+      </p:ext>
+    </p:extLst>
+  </p:cSld>
+  <p:clrMapOvr>
+    <a:masterClrMapping/>
+  </p:clrMapOvr>
+</p:notes>
+</file>
+
+<file path=ppt/notesSlides/notesSlide3.xml><?xml version="1.0" encoding="utf-8"?>
+<p:notes xmlns:a="http://schemas.openxmlformats.org/drawingml/2006/main" xmlns:r="http://schemas.openxmlformats.org/officeDocument/2006/relationships" xmlns:p="http://schemas.openxmlformats.org/presentationml/2006/main">
+  <p:cSld>
+    <p:spTree>
+      <p:nvGrpSpPr>
+        <p:cNvPr id="1" name=""/>
+        <p:cNvGrpSpPr/>
+        <p:nvPr/>
+      </p:nvGrpSpPr>
+      <p:grpSpPr>
+        <a:xfrm>
+          <a:off x="0" y="0"/>
+          <a:ext cx="0" cy="0"/>
+          <a:chOff x="0" y="0"/>
+          <a:chExt cx="0" cy="0"/>
+        </a:xfrm>
+      </p:grpSpPr>
+      <p:sp>
+        <p:nvSpPr>
+          <p:cNvPr id="2" name="Slide Image Placeholder 1"/>
+          <p:cNvSpPr>
+            <a:spLocks noGrp="1" noRot="1" noChangeAspect="1"/>
+          </p:cNvSpPr>
+          <p:nvPr>
+            <p:ph type="sldImg"/>
+          </p:nvPr>
+        </p:nvSpPr>
+        <p:spPr/>
+      </p:sp>
+      <p:sp>
+        <p:nvSpPr>
+          <p:cNvPr id="3" name="Notes Placeholder 2"/>
+          <p:cNvSpPr>
+            <a:spLocks noGrp="1"/>
+          </p:cNvSpPr>
+          <p:nvPr>
+            <p:ph type="body" idx="1"/>
+          </p:nvPr>
+        </p:nvSpPr>
+        <p:spPr/>
+        <p:txBody>
+          <a:bodyPr/>
+          <a:lstStyle/>
+          <a:p>
+            <a:pPr>
+              <a:lnSpc>
+                <a:spcPct val="107000"/>
+              </a:lnSpc>
+              <a:spcAft>
+                <a:spcPts val="800"/>
+              </a:spcAft>
+            </a:pPr>
+            <a:r>
+              <a:rPr lang="ro-RO" sz="1800" dirty="0">
+                <a:effectLst/>
+                <a:latin typeface="Arial" panose="020B0604020202020204" pitchFamily="34" charset="0"/>
+                <a:ea typeface="Calibri" panose="020F0502020204030204" pitchFamily="34" charset="0"/>
+                <a:cs typeface="Times New Roman" panose="02020603050405020304" pitchFamily="18" charset="0"/>
+              </a:rPr>
+              <a:t>Obiectivele lucrării au fost împărțite în două arii: cea pentru aplicațiile mobile și cea pentru aplicația Arduino.</a:t>
+            </a:r>
+            <a:endParaRPr lang="en-US" sz="1800" dirty="0">
+              <a:effectLst/>
+              <a:latin typeface="Calibri" panose="020F0502020204030204" pitchFamily="34" charset="0"/>
+              <a:ea typeface="Calibri" panose="020F0502020204030204" pitchFamily="34" charset="0"/>
+              <a:cs typeface="Times New Roman" panose="02020603050405020304" pitchFamily="18" charset="0"/>
+            </a:endParaRPr>
+          </a:p>
+          <a:p>
+            <a:pPr>
+              <a:lnSpc>
+                <a:spcPct val="107000"/>
+              </a:lnSpc>
+              <a:spcAft>
+                <a:spcPts val="800"/>
+              </a:spcAft>
+            </a:pPr>
+            <a:r>
+              <a:rPr lang="ro-RO" sz="1800" b="1" dirty="0">
+                <a:effectLst/>
+                <a:latin typeface="Arial" panose="020B0604020202020204" pitchFamily="34" charset="0"/>
+                <a:ea typeface="Calibri" panose="020F0502020204030204" pitchFamily="34" charset="0"/>
+                <a:cs typeface="Times New Roman" panose="02020603050405020304" pitchFamily="18" charset="0"/>
+              </a:rPr>
+              <a:t>În partea mobile </a:t>
+            </a:r>
+            <a:r>
+              <a:rPr lang="ro-RO" sz="1800" dirty="0">
+                <a:effectLst/>
+                <a:latin typeface="Arial" panose="020B0604020202020204" pitchFamily="34" charset="0"/>
+                <a:ea typeface="Calibri" panose="020F0502020204030204" pitchFamily="34" charset="0"/>
+                <a:cs typeface="Times New Roman" panose="02020603050405020304" pitchFamily="18" charset="0"/>
+              </a:rPr>
+              <a:t>există două aplicații Android: una destinată administratorului pentru a gestiona înscrierea cliențiilor în aplicație și una pentru clienți care va fi folosită direct de aceștia pentru a se putea conecta prin bluetooth la mașină și a putea gestiona închiderea și deschiderea mașinii din telefonul mobil.</a:t>
+            </a:r>
+            <a:endParaRPr lang="en-US" sz="1800" dirty="0">
+              <a:effectLst/>
+              <a:latin typeface="Calibri" panose="020F0502020204030204" pitchFamily="34" charset="0"/>
+              <a:ea typeface="Calibri" panose="020F0502020204030204" pitchFamily="34" charset="0"/>
+              <a:cs typeface="Times New Roman" panose="02020603050405020304" pitchFamily="18" charset="0"/>
+            </a:endParaRPr>
+          </a:p>
+          <a:p>
+            <a:pPr>
+              <a:lnSpc>
+                <a:spcPct val="107000"/>
+              </a:lnSpc>
+              <a:spcAft>
+                <a:spcPts val="800"/>
+              </a:spcAft>
+            </a:pPr>
+            <a:r>
+              <a:rPr lang="ro-RO" sz="1800" b="1" dirty="0">
+                <a:effectLst/>
+                <a:latin typeface="Arial" panose="020B0604020202020204" pitchFamily="34" charset="0"/>
+                <a:ea typeface="Calibri" panose="020F0502020204030204" pitchFamily="34" charset="0"/>
+                <a:cs typeface="Times New Roman" panose="02020603050405020304" pitchFamily="18" charset="0"/>
+              </a:rPr>
+              <a:t>În partea aplicației Arduino </a:t>
+            </a:r>
+            <a:r>
+              <a:rPr lang="ro-RO" sz="1800" dirty="0">
+                <a:effectLst/>
+                <a:latin typeface="Arial" panose="020B0604020202020204" pitchFamily="34" charset="0"/>
+                <a:ea typeface="Calibri" panose="020F0502020204030204" pitchFamily="34" charset="0"/>
+                <a:cs typeface="Times New Roman" panose="02020603050405020304" pitchFamily="18" charset="0"/>
+              </a:rPr>
+              <a:t>ca obiective au fost crearea unui montaj hardware care simulează prezența unei mașini și dezvoltarea unei aplicații care permite conectarea și comunicarea cu telefonul prin intermediul bluetooth-ului.</a:t>
+            </a:r>
+            <a:endParaRPr lang="en-US" sz="1800" dirty="0">
+              <a:effectLst/>
+              <a:latin typeface="Calibri" panose="020F0502020204030204" pitchFamily="34" charset="0"/>
+              <a:ea typeface="Calibri" panose="020F0502020204030204" pitchFamily="34" charset="0"/>
+              <a:cs typeface="Times New Roman" panose="02020603050405020304" pitchFamily="18" charset="0"/>
+            </a:endParaRPr>
+          </a:p>
+          <a:p>
+            <a:endParaRPr lang="en-US" dirty="0"/>
+          </a:p>
+        </p:txBody>
+      </p:sp>
+      <p:sp>
+        <p:nvSpPr>
+          <p:cNvPr id="4" name="Slide Number Placeholder 3"/>
+          <p:cNvSpPr>
+            <a:spLocks noGrp="1"/>
+          </p:cNvSpPr>
+          <p:nvPr>
+            <p:ph type="sldNum" sz="quarter" idx="5"/>
+          </p:nvPr>
+        </p:nvSpPr>
+        <p:spPr/>
+        <p:txBody>
+          <a:bodyPr/>
+          <a:lstStyle/>
+          <a:p>
+            <a:fld id="{6840A304-C2DC-4AD8-AE81-3D9119FFB40C}" type="slidenum">
+              <a:rPr lang="en-US" smtClean="0"/>
+              <a:t>3</a:t>
+            </a:fld>
+            <a:endParaRPr lang="en-US"/>
+          </a:p>
+        </p:txBody>
+      </p:sp>
+    </p:spTree>
+    <p:extLst>
+      <p:ext uri="{BB962C8B-B14F-4D97-AF65-F5344CB8AC3E}">
+        <p14:creationId xmlns:p14="http://schemas.microsoft.com/office/powerpoint/2010/main" val="1076092510"/>
+      </p:ext>
+    </p:extLst>
+  </p:cSld>
+  <p:clrMapOvr>
+    <a:masterClrMapping/>
+  </p:clrMapOvr>
+</p:notes>
+</file>
+
+<file path=ppt/notesSlides/notesSlide4.xml><?xml version="1.0" encoding="utf-8"?>
+<p:notes xmlns:a="http://schemas.openxmlformats.org/drawingml/2006/main" xmlns:r="http://schemas.openxmlformats.org/officeDocument/2006/relationships" xmlns:p="http://schemas.openxmlformats.org/presentationml/2006/main">
+  <p:cSld>
+    <p:spTree>
+      <p:nvGrpSpPr>
+        <p:cNvPr id="1" name=""/>
+        <p:cNvGrpSpPr/>
+        <p:nvPr/>
+      </p:nvGrpSpPr>
+      <p:grpSpPr>
+        <a:xfrm>
+          <a:off x="0" y="0"/>
+          <a:ext cx="0" cy="0"/>
+          <a:chOff x="0" y="0"/>
+          <a:chExt cx="0" cy="0"/>
+        </a:xfrm>
+      </p:grpSpPr>
+      <p:sp>
+        <p:nvSpPr>
+          <p:cNvPr id="2" name="Slide Image Placeholder 1"/>
+          <p:cNvSpPr>
+            <a:spLocks noGrp="1" noRot="1" noChangeAspect="1"/>
+          </p:cNvSpPr>
+          <p:nvPr>
+            <p:ph type="sldImg"/>
+          </p:nvPr>
+        </p:nvSpPr>
+        <p:spPr/>
+      </p:sp>
+      <p:sp>
+        <p:nvSpPr>
+          <p:cNvPr id="3" name="Notes Placeholder 2"/>
+          <p:cNvSpPr>
+            <a:spLocks noGrp="1"/>
+          </p:cNvSpPr>
+          <p:nvPr>
+            <p:ph type="body" idx="1"/>
+          </p:nvPr>
+        </p:nvSpPr>
+        <p:spPr/>
+        <p:txBody>
+          <a:bodyPr/>
+          <a:lstStyle/>
+          <a:p>
+            <a:pPr>
+              <a:lnSpc>
+                <a:spcPct val="107000"/>
+              </a:lnSpc>
+              <a:spcAft>
+                <a:spcPts val="800"/>
+              </a:spcAft>
+            </a:pPr>
+            <a:r>
+              <a:rPr lang="ro-RO" sz="1800" dirty="0">
+                <a:effectLst/>
+                <a:latin typeface="Arial" panose="020B0604020202020204" pitchFamily="34" charset="0"/>
+                <a:ea typeface="Calibri" panose="020F0502020204030204" pitchFamily="34" charset="0"/>
+                <a:cs typeface="Times New Roman" panose="02020603050405020304" pitchFamily="18" charset="0"/>
+              </a:rPr>
+              <a:t>Pentru aplicațiile mobile din acestă lucrare am ales ca sistem de operare Android, iar pentru dezvoltarea acestora s-a folosit limbajul de programare Java în IDE ul Android Studio.</a:t>
+            </a:r>
+            <a:endParaRPr lang="en-US" sz="1800" dirty="0">
+              <a:effectLst/>
+              <a:latin typeface="Calibri" panose="020F0502020204030204" pitchFamily="34" charset="0"/>
+              <a:ea typeface="Calibri" panose="020F0502020204030204" pitchFamily="34" charset="0"/>
+              <a:cs typeface="Times New Roman" panose="02020603050405020304" pitchFamily="18" charset="0"/>
+            </a:endParaRPr>
+          </a:p>
+          <a:p>
+            <a:pPr>
+              <a:lnSpc>
+                <a:spcPct val="107000"/>
+              </a:lnSpc>
+              <a:spcAft>
+                <a:spcPts val="800"/>
+              </a:spcAft>
+            </a:pPr>
+            <a:r>
+              <a:rPr lang="ro-RO" sz="1800" dirty="0">
+                <a:effectLst/>
+                <a:latin typeface="Arial" panose="020B0604020202020204" pitchFamily="34" charset="0"/>
+                <a:ea typeface="Calibri" panose="020F0502020204030204" pitchFamily="34" charset="0"/>
+                <a:cs typeface="Times New Roman" panose="02020603050405020304" pitchFamily="18" charset="0"/>
+              </a:rPr>
+              <a:t>Pentru baza de date pentru clienți și pentru autentificare s-a folosit Firebase.</a:t>
+            </a:r>
+            <a:endParaRPr lang="en-US" sz="1800" dirty="0">
+              <a:effectLst/>
+              <a:latin typeface="Calibri" panose="020F0502020204030204" pitchFamily="34" charset="0"/>
+              <a:ea typeface="Calibri" panose="020F0502020204030204" pitchFamily="34" charset="0"/>
+              <a:cs typeface="Times New Roman" panose="02020603050405020304" pitchFamily="18" charset="0"/>
+            </a:endParaRPr>
+          </a:p>
+          <a:p>
+            <a:pPr>
+              <a:lnSpc>
+                <a:spcPct val="107000"/>
+              </a:lnSpc>
+              <a:spcAft>
+                <a:spcPts val="800"/>
+              </a:spcAft>
+            </a:pPr>
+            <a:r>
+              <a:rPr lang="ro-RO" sz="1800" dirty="0">
+                <a:effectLst/>
+                <a:latin typeface="Arial" panose="020B0604020202020204" pitchFamily="34" charset="0"/>
+                <a:ea typeface="Calibri" panose="020F0502020204030204" pitchFamily="34" charset="0"/>
+                <a:cs typeface="Times New Roman" panose="02020603050405020304" pitchFamily="18" charset="0"/>
+              </a:rPr>
+              <a:t>Pentru aplicația Arduino s-a folosit IDE-ul specific și limbajul C, iar pentru montajul hardware au fost utilizate o placă de dezvoltare Arduino Mega, un modul bluetooth, un senzor tactil și un led. </a:t>
+            </a:r>
+            <a:endParaRPr lang="en-US" sz="1800" dirty="0">
+              <a:effectLst/>
+              <a:latin typeface="Calibri" panose="020F0502020204030204" pitchFamily="34" charset="0"/>
+              <a:ea typeface="Calibri" panose="020F0502020204030204" pitchFamily="34" charset="0"/>
+              <a:cs typeface="Times New Roman" panose="02020603050405020304" pitchFamily="18" charset="0"/>
+            </a:endParaRPr>
+          </a:p>
+          <a:p>
+            <a:endParaRPr lang="en-US" dirty="0"/>
+          </a:p>
+        </p:txBody>
+      </p:sp>
+      <p:sp>
+        <p:nvSpPr>
+          <p:cNvPr id="4" name="Slide Number Placeholder 3"/>
+          <p:cNvSpPr>
+            <a:spLocks noGrp="1"/>
+          </p:cNvSpPr>
+          <p:nvPr>
+            <p:ph type="sldNum" sz="quarter" idx="5"/>
+          </p:nvPr>
+        </p:nvSpPr>
+        <p:spPr/>
+        <p:txBody>
+          <a:bodyPr/>
+          <a:lstStyle/>
+          <a:p>
+            <a:fld id="{6840A304-C2DC-4AD8-AE81-3D9119FFB40C}" type="slidenum">
+              <a:rPr lang="en-US" smtClean="0"/>
+              <a:t>4</a:t>
+            </a:fld>
+            <a:endParaRPr lang="en-US"/>
+          </a:p>
+        </p:txBody>
+      </p:sp>
+    </p:spTree>
+    <p:extLst>
+      <p:ext uri="{BB962C8B-B14F-4D97-AF65-F5344CB8AC3E}">
+        <p14:creationId xmlns:p14="http://schemas.microsoft.com/office/powerpoint/2010/main" val="1267344745"/>
+      </p:ext>
+    </p:extLst>
+  </p:cSld>
+  <p:clrMapOvr>
+    <a:masterClrMapping/>
+  </p:clrMapOvr>
+</p:notes>
+</file>
+
+<file path=ppt/notesSlides/notesSlide5.xml><?xml version="1.0" encoding="utf-8"?>
+<p:notes xmlns:a="http://schemas.openxmlformats.org/drawingml/2006/main" xmlns:r="http://schemas.openxmlformats.org/officeDocument/2006/relationships" xmlns:p="http://schemas.openxmlformats.org/presentationml/2006/main">
+  <p:cSld>
+    <p:spTree>
+      <p:nvGrpSpPr>
+        <p:cNvPr id="1" name=""/>
+        <p:cNvGrpSpPr/>
+        <p:nvPr/>
+      </p:nvGrpSpPr>
+      <p:grpSpPr>
+        <a:xfrm>
+          <a:off x="0" y="0"/>
+          <a:ext cx="0" cy="0"/>
+          <a:chOff x="0" y="0"/>
+          <a:chExt cx="0" cy="0"/>
+        </a:xfrm>
+      </p:grpSpPr>
+      <p:sp>
+        <p:nvSpPr>
+          <p:cNvPr id="2" name="Slide Image Placeholder 1"/>
+          <p:cNvSpPr>
+            <a:spLocks noGrp="1" noRot="1" noChangeAspect="1"/>
+          </p:cNvSpPr>
+          <p:nvPr>
+            <p:ph type="sldImg"/>
+          </p:nvPr>
+        </p:nvSpPr>
+        <p:spPr/>
+      </p:sp>
+      <p:sp>
+        <p:nvSpPr>
+          <p:cNvPr id="3" name="Notes Placeholder 2"/>
+          <p:cNvSpPr>
+            <a:spLocks noGrp="1"/>
+          </p:cNvSpPr>
+          <p:nvPr>
+            <p:ph type="body" idx="1"/>
+          </p:nvPr>
+        </p:nvSpPr>
+        <p:spPr/>
+        <p:txBody>
+          <a:bodyPr/>
+          <a:lstStyle/>
+          <a:p>
+            <a:pPr marL="0" marR="0" lvl="0" indent="0" algn="l" defTabSz="914400" rtl="0" eaLnBrk="1" fontAlgn="auto" latinLnBrk="0" hangingPunct="1">
+              <a:lnSpc>
+                <a:spcPct val="100000"/>
+              </a:lnSpc>
+              <a:spcBef>
+                <a:spcPts val="0"/>
+              </a:spcBef>
+              <a:spcAft>
+                <a:spcPts val="0"/>
+              </a:spcAft>
+              <a:buClrTx/>
+              <a:buSzTx/>
+              <a:buFontTx/>
+              <a:buNone/>
+              <a:tabLst/>
+              <a:defRPr/>
+            </a:pPr>
+            <a:r>
+              <a:rPr lang="ro-RO" sz="1800" dirty="0">
+                <a:effectLst/>
+                <a:latin typeface="Arial" panose="020B0604020202020204" pitchFamily="34" charset="0"/>
+                <a:ea typeface="Calibri" panose="020F0502020204030204" pitchFamily="34" charset="0"/>
+                <a:cs typeface="Times New Roman" panose="02020603050405020304" pitchFamily="18" charset="0"/>
+              </a:rPr>
+              <a:t>În vederea proiectării lucrării de diplomă s-a dezvoltat o aplicație Android destinată administratorului, o aplicație Android destinată clienților și o aplicație Arduino ce simulează prezența unei mașini.</a:t>
+            </a:r>
+            <a:endParaRPr lang="en-US" sz="1800" dirty="0">
+              <a:effectLst/>
+              <a:latin typeface="Arial" panose="020B0604020202020204" pitchFamily="34" charset="0"/>
+              <a:ea typeface="Calibri" panose="020F0502020204030204" pitchFamily="34" charset="0"/>
+              <a:cs typeface="Times New Roman" panose="02020603050405020304" pitchFamily="18" charset="0"/>
+            </a:endParaRPr>
+          </a:p>
+          <a:p>
+            <a:pPr marL="0" marR="0" lvl="0" indent="0" algn="l" defTabSz="914400" rtl="0" eaLnBrk="1" fontAlgn="auto" latinLnBrk="0" hangingPunct="1">
+              <a:lnSpc>
+                <a:spcPct val="100000"/>
+              </a:lnSpc>
+              <a:spcBef>
+                <a:spcPts val="0"/>
+              </a:spcBef>
+              <a:spcAft>
+                <a:spcPts val="0"/>
+              </a:spcAft>
+              <a:buClrTx/>
+              <a:buSzTx/>
+              <a:buFontTx/>
+              <a:buNone/>
+              <a:tabLst/>
+              <a:defRPr/>
+            </a:pPr>
+            <a:r>
+              <a:rPr lang="ro-RO" sz="1800" dirty="0">
+                <a:effectLst/>
+                <a:latin typeface="Arial" panose="020B0604020202020204" pitchFamily="34" charset="0"/>
+                <a:ea typeface="Calibri" panose="020F0502020204030204" pitchFamily="34" charset="0"/>
+                <a:cs typeface="Times New Roman" panose="02020603050405020304" pitchFamily="18" charset="0"/>
+              </a:rPr>
+              <a:t>Aplicația administratoului gestionează clienții și le salvează datele prin intermediul Firebase. Pentru a se putea conecta la mașina dorită, clientul primește datele sale salvate de administrator, iar comunicarea dintre aplicația Android a clientului și aplicația Arduino se realizează prin intermediul unui protocol bazat pe bluetooth.</a:t>
+            </a:r>
+            <a:endParaRPr lang="en-US" sz="1800" dirty="0">
+              <a:effectLst/>
+              <a:latin typeface="Calibri" panose="020F0502020204030204" pitchFamily="34" charset="0"/>
+              <a:ea typeface="Calibri" panose="020F0502020204030204" pitchFamily="34" charset="0"/>
+              <a:cs typeface="Times New Roman" panose="02020603050405020304" pitchFamily="18" charset="0"/>
+            </a:endParaRPr>
+          </a:p>
+          <a:p>
+            <a:endParaRPr lang="en-US" dirty="0"/>
+          </a:p>
+        </p:txBody>
+      </p:sp>
+      <p:sp>
+        <p:nvSpPr>
+          <p:cNvPr id="4" name="Slide Number Placeholder 3"/>
+          <p:cNvSpPr>
+            <a:spLocks noGrp="1"/>
+          </p:cNvSpPr>
+          <p:nvPr>
+            <p:ph type="sldNum" sz="quarter" idx="5"/>
+          </p:nvPr>
+        </p:nvSpPr>
+        <p:spPr/>
+        <p:txBody>
+          <a:bodyPr/>
+          <a:lstStyle/>
+          <a:p>
+            <a:fld id="{6840A304-C2DC-4AD8-AE81-3D9119FFB40C}" type="slidenum">
+              <a:rPr lang="en-US" smtClean="0"/>
+              <a:t>5</a:t>
+            </a:fld>
+            <a:endParaRPr lang="en-US"/>
+          </a:p>
+        </p:txBody>
+      </p:sp>
+    </p:spTree>
+    <p:extLst>
+      <p:ext uri="{BB962C8B-B14F-4D97-AF65-F5344CB8AC3E}">
+        <p14:creationId xmlns:p14="http://schemas.microsoft.com/office/powerpoint/2010/main" val="2486169716"/>
+      </p:ext>
+    </p:extLst>
+  </p:cSld>
+  <p:clrMapOvr>
+    <a:masterClrMapping/>
+  </p:clrMapOvr>
+</p:notes>
+</file>
+
+<file path=ppt/notesSlides/notesSlide6.xml><?xml version="1.0" encoding="utf-8"?>
+<p:notes xmlns:a="http://schemas.openxmlformats.org/drawingml/2006/main" xmlns:r="http://schemas.openxmlformats.org/officeDocument/2006/relationships" xmlns:p="http://schemas.openxmlformats.org/presentationml/2006/main">
+  <p:cSld>
+    <p:spTree>
+      <p:nvGrpSpPr>
+        <p:cNvPr id="1" name=""/>
+        <p:cNvGrpSpPr/>
+        <p:nvPr/>
+      </p:nvGrpSpPr>
+      <p:grpSpPr>
+        <a:xfrm>
+          <a:off x="0" y="0"/>
+          <a:ext cx="0" cy="0"/>
+          <a:chOff x="0" y="0"/>
+          <a:chExt cx="0" cy="0"/>
+        </a:xfrm>
+      </p:grpSpPr>
+      <p:sp>
+        <p:nvSpPr>
+          <p:cNvPr id="2" name="Slide Image Placeholder 1"/>
+          <p:cNvSpPr>
+            <a:spLocks noGrp="1" noRot="1" noChangeAspect="1"/>
+          </p:cNvSpPr>
+          <p:nvPr>
+            <p:ph type="sldImg"/>
+          </p:nvPr>
+        </p:nvSpPr>
+        <p:spPr/>
+      </p:sp>
+      <p:sp>
+        <p:nvSpPr>
+          <p:cNvPr id="3" name="Notes Placeholder 2"/>
+          <p:cNvSpPr>
+            <a:spLocks noGrp="1"/>
+          </p:cNvSpPr>
+          <p:nvPr>
+            <p:ph type="body" idx="1"/>
+          </p:nvPr>
+        </p:nvSpPr>
+        <p:spPr/>
+        <p:txBody>
+          <a:bodyPr/>
+          <a:lstStyle/>
+          <a:p>
+            <a:r>
+              <a:rPr lang="ro-RO" sz="1800" dirty="0">
+                <a:effectLst/>
+                <a:latin typeface="Arial" panose="020B0604020202020204" pitchFamily="34" charset="0"/>
+                <a:ea typeface="Calibri" panose="020F0502020204030204" pitchFamily="34" charset="0"/>
+              </a:rPr>
+              <a:t>În cadrul aplicației destinată administratorului, acesta se poate autentifica, poate vizualiza datele clienților, să adauge noi clienți și să adauge noi adrese MAC care reprezintă posibilitatea ca clientul să se conecteze la o nouă mașină.</a:t>
+            </a:r>
+            <a:endParaRPr lang="en-US" dirty="0"/>
+          </a:p>
+        </p:txBody>
+      </p:sp>
+      <p:sp>
+        <p:nvSpPr>
+          <p:cNvPr id="4" name="Slide Number Placeholder 3"/>
+          <p:cNvSpPr>
+            <a:spLocks noGrp="1"/>
+          </p:cNvSpPr>
+          <p:nvPr>
+            <p:ph type="sldNum" sz="quarter" idx="5"/>
+          </p:nvPr>
+        </p:nvSpPr>
+        <p:spPr/>
+        <p:txBody>
+          <a:bodyPr/>
+          <a:lstStyle/>
+          <a:p>
+            <a:fld id="{6840A304-C2DC-4AD8-AE81-3D9119FFB40C}" type="slidenum">
+              <a:rPr lang="en-US" smtClean="0"/>
+              <a:t>6</a:t>
+            </a:fld>
+            <a:endParaRPr lang="en-US"/>
+          </a:p>
+        </p:txBody>
+      </p:sp>
+    </p:spTree>
+    <p:extLst>
+      <p:ext uri="{BB962C8B-B14F-4D97-AF65-F5344CB8AC3E}">
+        <p14:creationId xmlns:p14="http://schemas.microsoft.com/office/powerpoint/2010/main" val="3837675609"/>
+      </p:ext>
+    </p:extLst>
+  </p:cSld>
+  <p:clrMapOvr>
+    <a:masterClrMapping/>
+  </p:clrMapOvr>
+</p:notes>
+</file>
+
+<file path=ppt/notesSlides/notesSlide7.xml><?xml version="1.0" encoding="utf-8"?>
+<p:notes xmlns:a="http://schemas.openxmlformats.org/drawingml/2006/main" xmlns:r="http://schemas.openxmlformats.org/officeDocument/2006/relationships" xmlns:p="http://schemas.openxmlformats.org/presentationml/2006/main">
+  <p:cSld>
+    <p:spTree>
+      <p:nvGrpSpPr>
+        <p:cNvPr id="1" name=""/>
+        <p:cNvGrpSpPr/>
+        <p:nvPr/>
+      </p:nvGrpSpPr>
+      <p:grpSpPr>
+        <a:xfrm>
+          <a:off x="0" y="0"/>
+          <a:ext cx="0" cy="0"/>
+          <a:chOff x="0" y="0"/>
+          <a:chExt cx="0" cy="0"/>
+        </a:xfrm>
+      </p:grpSpPr>
+      <p:sp>
+        <p:nvSpPr>
+          <p:cNvPr id="2" name="Slide Image Placeholder 1"/>
+          <p:cNvSpPr>
+            <a:spLocks noGrp="1" noRot="1" noChangeAspect="1"/>
+          </p:cNvSpPr>
+          <p:nvPr>
+            <p:ph type="sldImg"/>
+          </p:nvPr>
+        </p:nvSpPr>
+        <p:spPr/>
+      </p:sp>
+      <p:sp>
+        <p:nvSpPr>
+          <p:cNvPr id="3" name="Notes Placeholder 2"/>
+          <p:cNvSpPr>
+            <a:spLocks noGrp="1"/>
+          </p:cNvSpPr>
+          <p:nvPr>
+            <p:ph type="body" idx="1"/>
+          </p:nvPr>
+        </p:nvSpPr>
+        <p:spPr/>
+        <p:txBody>
+          <a:bodyPr/>
+          <a:lstStyle/>
+          <a:p>
+            <a:pPr marL="0" marR="0" lvl="0" indent="0" algn="l" defTabSz="914400" rtl="0" eaLnBrk="1" fontAlgn="auto" latinLnBrk="0" hangingPunct="1">
+              <a:lnSpc>
+                <a:spcPct val="100000"/>
+              </a:lnSpc>
+              <a:spcBef>
+                <a:spcPts val="0"/>
+              </a:spcBef>
+              <a:spcAft>
+                <a:spcPts val="0"/>
+              </a:spcAft>
+              <a:buClrTx/>
+              <a:buSzTx/>
+              <a:buFontTx/>
+              <a:buNone/>
+              <a:tabLst/>
+              <a:defRPr/>
+            </a:pPr>
+            <a:r>
+              <a:rPr lang="ro-RO" sz="1800" dirty="0">
+                <a:effectLst/>
+                <a:latin typeface="Arial" panose="020B0604020202020204" pitchFamily="34" charset="0"/>
+                <a:ea typeface="Calibri" panose="020F0502020204030204" pitchFamily="34" charset="0"/>
+                <a:cs typeface="Times New Roman" panose="02020603050405020304" pitchFamily="18" charset="0"/>
+              </a:rPr>
+              <a:t>În cadrul aplicației clientului, acesta se autentifică cu datele primite de administrator, poate porni sau opri bluetoothul telefonului, poate căuta mașinile sale în apropiere, poate vizualiza atât starea de oprire sau pornire bluetoothului telefonului, cât și disponibilitatea telefonului de bluetooth. După căutarea mașinilor, clientul vede o listă cu acestea și se poate conecta după preferințe. După ce conectarea a fost făcută cu succes poate vedea starea în care se află mașina, deschisă sau închisă, poate deschide sau închide mașina și se poate deconecta de la mașină.</a:t>
+            </a:r>
+            <a:endParaRPr lang="en-US" sz="1800" dirty="0">
+              <a:effectLst/>
+              <a:latin typeface="Calibri" panose="020F0502020204030204" pitchFamily="34" charset="0"/>
+              <a:ea typeface="Calibri" panose="020F0502020204030204" pitchFamily="34" charset="0"/>
+              <a:cs typeface="Times New Roman" panose="02020603050405020304" pitchFamily="18" charset="0"/>
+            </a:endParaRPr>
+          </a:p>
+          <a:p>
+            <a:endParaRPr lang="en-US" dirty="0"/>
+          </a:p>
+        </p:txBody>
+      </p:sp>
+      <p:sp>
+        <p:nvSpPr>
+          <p:cNvPr id="4" name="Slide Number Placeholder 3"/>
+          <p:cNvSpPr>
+            <a:spLocks noGrp="1"/>
+          </p:cNvSpPr>
+          <p:nvPr>
+            <p:ph type="sldNum" sz="quarter" idx="5"/>
+          </p:nvPr>
+        </p:nvSpPr>
+        <p:spPr/>
+        <p:txBody>
+          <a:bodyPr/>
+          <a:lstStyle/>
+          <a:p>
+            <a:fld id="{6840A304-C2DC-4AD8-AE81-3D9119FFB40C}" type="slidenum">
+              <a:rPr lang="en-US" smtClean="0"/>
+              <a:t>7</a:t>
+            </a:fld>
+            <a:endParaRPr lang="en-US"/>
+          </a:p>
+        </p:txBody>
+      </p:sp>
+    </p:spTree>
+    <p:extLst>
+      <p:ext uri="{BB962C8B-B14F-4D97-AF65-F5344CB8AC3E}">
+        <p14:creationId xmlns:p14="http://schemas.microsoft.com/office/powerpoint/2010/main" val="2656832216"/>
+      </p:ext>
+    </p:extLst>
+  </p:cSld>
+  <p:clrMapOvr>
+    <a:masterClrMapping/>
+  </p:clrMapOvr>
+</p:notes>
+</file>
+
+<file path=ppt/notesSlides/notesSlide8.xml><?xml version="1.0" encoding="utf-8"?>
+<p:notes xmlns:a="http://schemas.openxmlformats.org/drawingml/2006/main" xmlns:r="http://schemas.openxmlformats.org/officeDocument/2006/relationships" xmlns:p="http://schemas.openxmlformats.org/presentationml/2006/main">
+  <p:cSld>
+    <p:spTree>
+      <p:nvGrpSpPr>
+        <p:cNvPr id="1" name=""/>
+        <p:cNvGrpSpPr/>
+        <p:nvPr/>
+      </p:nvGrpSpPr>
+      <p:grpSpPr>
+        <a:xfrm>
+          <a:off x="0" y="0"/>
+          <a:ext cx="0" cy="0"/>
+          <a:chOff x="0" y="0"/>
+          <a:chExt cx="0" cy="0"/>
+        </a:xfrm>
+      </p:grpSpPr>
+      <p:sp>
+        <p:nvSpPr>
+          <p:cNvPr id="2" name="Slide Image Placeholder 1"/>
+          <p:cNvSpPr>
+            <a:spLocks noGrp="1" noRot="1" noChangeAspect="1"/>
+          </p:cNvSpPr>
+          <p:nvPr>
+            <p:ph type="sldImg"/>
+          </p:nvPr>
+        </p:nvSpPr>
+        <p:spPr/>
+      </p:sp>
+      <p:sp>
+        <p:nvSpPr>
+          <p:cNvPr id="3" name="Notes Placeholder 2"/>
+          <p:cNvSpPr>
+            <a:spLocks noGrp="1"/>
+          </p:cNvSpPr>
+          <p:nvPr>
+            <p:ph type="body" idx="1"/>
+          </p:nvPr>
+        </p:nvSpPr>
+        <p:spPr/>
+        <p:txBody>
+          <a:bodyPr/>
+          <a:lstStyle/>
+          <a:p>
+            <a:pPr marL="0" marR="0" lvl="0" indent="0" algn="l" defTabSz="914400" rtl="0" eaLnBrk="1" fontAlgn="auto" latinLnBrk="0" hangingPunct="1">
+              <a:lnSpc>
+                <a:spcPct val="100000"/>
+              </a:lnSpc>
+              <a:spcBef>
+                <a:spcPts val="0"/>
+              </a:spcBef>
+              <a:spcAft>
+                <a:spcPts val="0"/>
+              </a:spcAft>
+              <a:buClrTx/>
+              <a:buSzTx/>
+              <a:buFontTx/>
+              <a:buNone/>
+              <a:tabLst/>
+              <a:defRPr/>
+            </a:pPr>
+            <a:r>
+              <a:rPr lang="ro-RO" sz="1800" dirty="0">
+                <a:effectLst/>
+                <a:latin typeface="Arial" panose="020B0604020202020204" pitchFamily="34" charset="0"/>
+                <a:ea typeface="Calibri" panose="020F0502020204030204" pitchFamily="34" charset="0"/>
+                <a:cs typeface="Times New Roman" panose="02020603050405020304" pitchFamily="18" charset="0"/>
+              </a:rPr>
+              <a:t>În prima parte a proiectării aplicației Arduino care simulează prezența unei mașini, s-a implementat funcționalitatea seznorului tactil. Dacă acesta este acționat și în funcție de starea ledului se va trimite către aplicația Android un mesaj de STATUS_LOCK sau un mesaj de STATUS_UNLOCK.</a:t>
+            </a:r>
+            <a:endParaRPr lang="en-US" sz="1800" dirty="0">
+              <a:effectLst/>
+              <a:latin typeface="Arial" panose="020B0604020202020204" pitchFamily="34" charset="0"/>
+              <a:ea typeface="Calibri" panose="020F0502020204030204" pitchFamily="34" charset="0"/>
+              <a:cs typeface="Times New Roman" panose="02020603050405020304" pitchFamily="18" charset="0"/>
+            </a:endParaRPr>
+          </a:p>
+          <a:p>
+            <a:pPr marL="0" marR="0" lvl="0" indent="0" algn="l" defTabSz="914400" rtl="0" eaLnBrk="1" fontAlgn="auto" latinLnBrk="0" hangingPunct="1">
+              <a:lnSpc>
+                <a:spcPct val="100000"/>
+              </a:lnSpc>
+              <a:spcBef>
+                <a:spcPts val="0"/>
+              </a:spcBef>
+              <a:spcAft>
+                <a:spcPts val="0"/>
+              </a:spcAft>
+              <a:buClrTx/>
+              <a:buSzTx/>
+              <a:buFontTx/>
+              <a:buNone/>
+              <a:tabLst/>
+              <a:defRPr/>
+            </a:pPr>
+            <a:r>
+              <a:rPr lang="ro-RO" sz="1800" dirty="0">
+                <a:effectLst/>
+                <a:latin typeface="Arial" panose="020B0604020202020204" pitchFamily="34" charset="0"/>
+                <a:ea typeface="Calibri" panose="020F0502020204030204" pitchFamily="34" charset="0"/>
+                <a:cs typeface="Times New Roman" panose="02020603050405020304" pitchFamily="18" charset="0"/>
+              </a:rPr>
+              <a:t>În a doua parte a proiectării se verifică căt timp aplicația Arduino primește mesaje de la aplicația Android prin bluetooth. În cazul în care există un mesaj acesta va fi tratat.</a:t>
+            </a:r>
+            <a:endParaRPr lang="en-US" sz="1800" dirty="0">
+              <a:effectLst/>
+              <a:latin typeface="Calibri" panose="020F0502020204030204" pitchFamily="34" charset="0"/>
+              <a:ea typeface="Calibri" panose="020F0502020204030204" pitchFamily="34" charset="0"/>
+              <a:cs typeface="Times New Roman" panose="02020603050405020304" pitchFamily="18" charset="0"/>
+            </a:endParaRPr>
+          </a:p>
+          <a:p>
+            <a:pPr marL="0" marR="0" lvl="0" indent="0" algn="l" defTabSz="914400" rtl="0" eaLnBrk="1" fontAlgn="auto" latinLnBrk="0" hangingPunct="1">
+              <a:lnSpc>
+                <a:spcPct val="100000"/>
+              </a:lnSpc>
+              <a:spcBef>
+                <a:spcPts val="0"/>
+              </a:spcBef>
+              <a:spcAft>
+                <a:spcPts val="0"/>
+              </a:spcAft>
+              <a:buClrTx/>
+              <a:buSzTx/>
+              <a:buFontTx/>
+              <a:buNone/>
+              <a:tabLst/>
+              <a:defRPr/>
+            </a:pPr>
+            <a:endParaRPr lang="en-US" sz="1800" dirty="0">
+              <a:effectLst/>
+              <a:latin typeface="Calibri" panose="020F0502020204030204" pitchFamily="34" charset="0"/>
+              <a:ea typeface="Calibri" panose="020F0502020204030204" pitchFamily="34" charset="0"/>
+              <a:cs typeface="Times New Roman" panose="02020603050405020304" pitchFamily="18" charset="0"/>
+            </a:endParaRPr>
+          </a:p>
+          <a:p>
+            <a:endParaRPr lang="en-US" dirty="0"/>
+          </a:p>
+        </p:txBody>
+      </p:sp>
+      <p:sp>
+        <p:nvSpPr>
+          <p:cNvPr id="4" name="Slide Number Placeholder 3"/>
+          <p:cNvSpPr>
+            <a:spLocks noGrp="1"/>
+          </p:cNvSpPr>
+          <p:nvPr>
+            <p:ph type="sldNum" sz="quarter" idx="5"/>
+          </p:nvPr>
+        </p:nvSpPr>
+        <p:spPr/>
+        <p:txBody>
+          <a:bodyPr/>
+          <a:lstStyle/>
+          <a:p>
+            <a:fld id="{6840A304-C2DC-4AD8-AE81-3D9119FFB40C}" type="slidenum">
+              <a:rPr lang="en-US" smtClean="0"/>
+              <a:t>8</a:t>
+            </a:fld>
+            <a:endParaRPr lang="en-US"/>
+          </a:p>
+        </p:txBody>
+      </p:sp>
+    </p:spTree>
+    <p:extLst>
+      <p:ext uri="{BB962C8B-B14F-4D97-AF65-F5344CB8AC3E}">
+        <p14:creationId xmlns:p14="http://schemas.microsoft.com/office/powerpoint/2010/main" val="2447205096"/>
+      </p:ext>
+    </p:extLst>
+  </p:cSld>
+  <p:clrMapOvr>
+    <a:masterClrMapping/>
+  </p:clrMapOvr>
+</p:notes>
+</file>
+
+<file path=ppt/notesSlides/notesSlide9.xml><?xml version="1.0" encoding="utf-8"?>
+<p:notes xmlns:a="http://schemas.openxmlformats.org/drawingml/2006/main" xmlns:r="http://schemas.openxmlformats.org/officeDocument/2006/relationships" xmlns:p="http://schemas.openxmlformats.org/presentationml/2006/main">
+  <p:cSld>
+    <p:spTree>
+      <p:nvGrpSpPr>
+        <p:cNvPr id="1" name=""/>
+        <p:cNvGrpSpPr/>
+        <p:nvPr/>
+      </p:nvGrpSpPr>
+      <p:grpSpPr>
+        <a:xfrm>
+          <a:off x="0" y="0"/>
+          <a:ext cx="0" cy="0"/>
+          <a:chOff x="0" y="0"/>
+          <a:chExt cx="0" cy="0"/>
+        </a:xfrm>
+      </p:grpSpPr>
+      <p:sp>
+        <p:nvSpPr>
+          <p:cNvPr id="2" name="Slide Image Placeholder 1"/>
+          <p:cNvSpPr>
+            <a:spLocks noGrp="1" noRot="1" noChangeAspect="1"/>
+          </p:cNvSpPr>
+          <p:nvPr>
+            <p:ph type="sldImg"/>
+          </p:nvPr>
+        </p:nvSpPr>
+        <p:spPr/>
+      </p:sp>
+      <p:sp>
+        <p:nvSpPr>
+          <p:cNvPr id="3" name="Notes Placeholder 2"/>
+          <p:cNvSpPr>
+            <a:spLocks noGrp="1"/>
+          </p:cNvSpPr>
+          <p:nvPr>
+            <p:ph type="body" idx="1"/>
+          </p:nvPr>
+        </p:nvSpPr>
+        <p:spPr/>
+        <p:txBody>
+          <a:bodyPr/>
+          <a:lstStyle/>
+          <a:p>
+            <a:pPr>
+              <a:lnSpc>
+                <a:spcPct val="107000"/>
+              </a:lnSpc>
+              <a:spcAft>
+                <a:spcPts val="800"/>
+              </a:spcAft>
+            </a:pPr>
+            <a:r>
+              <a:rPr lang="ro-RO" sz="1800" dirty="0">
+                <a:effectLst/>
+                <a:latin typeface="Arial" panose="020B0604020202020204" pitchFamily="34" charset="0"/>
+                <a:ea typeface="Calibri" panose="020F0502020204030204" pitchFamily="34" charset="0"/>
+                <a:cs typeface="Times New Roman" panose="02020603050405020304" pitchFamily="18" charset="0"/>
+              </a:rPr>
+              <a:t>În partea de implementare a aplicațiilor Android am creat cate o compentă de tip activity pentru fiecare fereastra cu care utilizatorul ia contact, iar în cadrul acestora am implementat funcționalitățiile gândite în faza de proiectare. O altă componentă implementată a fost cea de BroadcastReceiver pentru a putea primi și trata un eveniment, acela de a găsi dispozitive bluetooth în apropiere, ceea ce reprezintă o funcționalitate cheie în conectarea clientului la mașină.</a:t>
+            </a:r>
+            <a:endParaRPr lang="en-US" sz="1800" dirty="0">
+              <a:effectLst/>
+              <a:latin typeface="Calibri" panose="020F0502020204030204" pitchFamily="34" charset="0"/>
+              <a:ea typeface="Calibri" panose="020F0502020204030204" pitchFamily="34" charset="0"/>
+              <a:cs typeface="Times New Roman" panose="02020603050405020304" pitchFamily="18" charset="0"/>
+            </a:endParaRPr>
+          </a:p>
+          <a:p>
+            <a:pPr>
+              <a:lnSpc>
+                <a:spcPct val="107000"/>
+              </a:lnSpc>
+              <a:spcAft>
+                <a:spcPts val="800"/>
+              </a:spcAft>
+            </a:pPr>
+            <a:r>
+              <a:rPr lang="ro-RO" sz="1800" dirty="0">
+                <a:effectLst/>
+                <a:latin typeface="Arial" panose="020B0604020202020204" pitchFamily="34" charset="0"/>
+                <a:ea typeface="Calibri" panose="020F0502020204030204" pitchFamily="34" charset="0"/>
+                <a:cs typeface="Times New Roman" panose="02020603050405020304" pitchFamily="18" charset="0"/>
+              </a:rPr>
+              <a:t>Dupa implementarea funcționalităților a fost creat designul fiecarei componente utilizând fișiere xml speficice</a:t>
+            </a:r>
+            <a:endParaRPr lang="en-US" sz="1800" dirty="0">
+              <a:effectLst/>
+              <a:latin typeface="Calibri" panose="020F0502020204030204" pitchFamily="34" charset="0"/>
+              <a:ea typeface="Calibri" panose="020F0502020204030204" pitchFamily="34" charset="0"/>
+              <a:cs typeface="Times New Roman" panose="02020603050405020304" pitchFamily="18" charset="0"/>
+            </a:endParaRPr>
+          </a:p>
+          <a:p>
+            <a:pPr>
+              <a:lnSpc>
+                <a:spcPct val="107000"/>
+              </a:lnSpc>
+              <a:spcAft>
+                <a:spcPts val="800"/>
+              </a:spcAft>
+            </a:pPr>
+            <a:r>
+              <a:rPr lang="ro-RO" sz="1800" dirty="0">
+                <a:effectLst/>
+                <a:latin typeface="Arial" panose="020B0604020202020204" pitchFamily="34" charset="0"/>
+                <a:ea typeface="Calibri" panose="020F0502020204030204" pitchFamily="34" charset="0"/>
+                <a:cs typeface="Times New Roman" panose="02020603050405020304" pitchFamily="18" charset="0"/>
+              </a:rPr>
+              <a:t>Pe partea de aplicație Arduino a fost creat prima dată montajul hardware iar apoi a fost facuta implementarea software pentru a putea conecta teleffonul cu masina si pentru a putea primi si trimite date între cele doua aplicații.</a:t>
+            </a:r>
+            <a:endParaRPr lang="en-US" sz="1800" dirty="0">
+              <a:effectLst/>
+              <a:latin typeface="Calibri" panose="020F0502020204030204" pitchFamily="34" charset="0"/>
+              <a:ea typeface="Calibri" panose="020F0502020204030204" pitchFamily="34" charset="0"/>
+              <a:cs typeface="Times New Roman" panose="02020603050405020304" pitchFamily="18" charset="0"/>
+            </a:endParaRPr>
+          </a:p>
+          <a:p>
+            <a:endParaRPr lang="en-US" dirty="0"/>
+          </a:p>
+        </p:txBody>
+      </p:sp>
+      <p:sp>
+        <p:nvSpPr>
+          <p:cNvPr id="4" name="Slide Number Placeholder 3"/>
+          <p:cNvSpPr>
+            <a:spLocks noGrp="1"/>
+          </p:cNvSpPr>
+          <p:nvPr>
+            <p:ph type="sldNum" sz="quarter" idx="5"/>
+          </p:nvPr>
+        </p:nvSpPr>
+        <p:spPr/>
+        <p:txBody>
+          <a:bodyPr/>
+          <a:lstStyle/>
+          <a:p>
+            <a:fld id="{6840A304-C2DC-4AD8-AE81-3D9119FFB40C}" type="slidenum">
+              <a:rPr lang="en-US" smtClean="0"/>
+              <a:t>9</a:t>
+            </a:fld>
+            <a:endParaRPr lang="en-US"/>
+          </a:p>
+        </p:txBody>
+      </p:sp>
+    </p:spTree>
+    <p:extLst>
+      <p:ext uri="{BB962C8B-B14F-4D97-AF65-F5344CB8AC3E}">
+        <p14:creationId xmlns:p14="http://schemas.microsoft.com/office/powerpoint/2010/main" val="2856717389"/>
+      </p:ext>
+    </p:extLst>
+  </p:cSld>
+  <p:clrMapOvr>
+    <a:masterClrMapping/>
+  </p:clrMapOvr>
+</p:notes>
 </file>
 
 <file path=ppt/slideLayouts/slideLayout1.xml><?xml version="1.0" encoding="utf-8"?>
@@ -274,7 +2548,7 @@
           <a:p>
             <a:fld id="{33DEE708-5594-4FF7-B087-39172A70F381}" type="datetimeFigureOut">
               <a:rPr lang="ro-RO" smtClean="0"/>
-              <a:t>02.06.2023</a:t>
+              <a:t>12.06.2023</a:t>
             </a:fld>
             <a:endParaRPr lang="ro-RO"/>
           </a:p>
@@ -474,7 +2748,7 @@
           <a:p>
             <a:fld id="{33DEE708-5594-4FF7-B087-39172A70F381}" type="datetimeFigureOut">
               <a:rPr lang="ro-RO" smtClean="0"/>
-              <a:t>02.06.2023</a:t>
+              <a:t>12.06.2023</a:t>
             </a:fld>
             <a:endParaRPr lang="ro-RO"/>
           </a:p>
@@ -684,7 +2958,7 @@
           <a:p>
             <a:fld id="{33DEE708-5594-4FF7-B087-39172A70F381}" type="datetimeFigureOut">
               <a:rPr lang="ro-RO" smtClean="0"/>
-              <a:t>02.06.2023</a:t>
+              <a:t>12.06.2023</a:t>
             </a:fld>
             <a:endParaRPr lang="ro-RO"/>
           </a:p>
@@ -884,7 +3158,7 @@
           <a:p>
             <a:fld id="{33DEE708-5594-4FF7-B087-39172A70F381}" type="datetimeFigureOut">
               <a:rPr lang="ro-RO" smtClean="0"/>
-              <a:t>02.06.2023</a:t>
+              <a:t>12.06.2023</a:t>
             </a:fld>
             <a:endParaRPr lang="ro-RO"/>
           </a:p>
@@ -1160,7 +3434,7 @@
           <a:p>
             <a:fld id="{33DEE708-5594-4FF7-B087-39172A70F381}" type="datetimeFigureOut">
               <a:rPr lang="ro-RO" smtClean="0"/>
-              <a:t>02.06.2023</a:t>
+              <a:t>12.06.2023</a:t>
             </a:fld>
             <a:endParaRPr lang="ro-RO"/>
           </a:p>
@@ -1428,7 +3702,7 @@
           <a:p>
             <a:fld id="{33DEE708-5594-4FF7-B087-39172A70F381}" type="datetimeFigureOut">
               <a:rPr lang="ro-RO" smtClean="0"/>
-              <a:t>02.06.2023</a:t>
+              <a:t>12.06.2023</a:t>
             </a:fld>
             <a:endParaRPr lang="ro-RO"/>
           </a:p>
@@ -1843,7 +4117,7 @@
           <a:p>
             <a:fld id="{33DEE708-5594-4FF7-B087-39172A70F381}" type="datetimeFigureOut">
               <a:rPr lang="ro-RO" smtClean="0"/>
-              <a:t>02.06.2023</a:t>
+              <a:t>12.06.2023</a:t>
             </a:fld>
             <a:endParaRPr lang="ro-RO"/>
           </a:p>
@@ -1985,7 +4259,7 @@
           <a:p>
             <a:fld id="{33DEE708-5594-4FF7-B087-39172A70F381}" type="datetimeFigureOut">
               <a:rPr lang="ro-RO" smtClean="0"/>
-              <a:t>02.06.2023</a:t>
+              <a:t>12.06.2023</a:t>
             </a:fld>
             <a:endParaRPr lang="ro-RO"/>
           </a:p>
@@ -2098,7 +4372,7 @@
           <a:p>
             <a:fld id="{33DEE708-5594-4FF7-B087-39172A70F381}" type="datetimeFigureOut">
               <a:rPr lang="ro-RO" smtClean="0"/>
-              <a:t>02.06.2023</a:t>
+              <a:t>12.06.2023</a:t>
             </a:fld>
             <a:endParaRPr lang="ro-RO"/>
           </a:p>
@@ -2411,7 +4685,7 @@
           <a:p>
             <a:fld id="{33DEE708-5594-4FF7-B087-39172A70F381}" type="datetimeFigureOut">
               <a:rPr lang="ro-RO" smtClean="0"/>
-              <a:t>02.06.2023</a:t>
+              <a:t>12.06.2023</a:t>
             </a:fld>
             <a:endParaRPr lang="ro-RO"/>
           </a:p>
@@ -2700,7 +4974,7 @@
           <a:p>
             <a:fld id="{33DEE708-5594-4FF7-B087-39172A70F381}" type="datetimeFigureOut">
               <a:rPr lang="ro-RO" smtClean="0"/>
-              <a:t>02.06.2023</a:t>
+              <a:t>12.06.2023</a:t>
             </a:fld>
             <a:endParaRPr lang="ro-RO"/>
           </a:p>
@@ -2943,7 +5217,7 @@
           <a:p>
             <a:fld id="{33DEE708-5594-4FF7-B087-39172A70F381}" type="datetimeFigureOut">
               <a:rPr lang="ro-RO" smtClean="0"/>
-              <a:t>02.06.2023</a:t>
+              <a:t>12.06.2023</a:t>
             </a:fld>
             <a:endParaRPr lang="ro-RO"/>
           </a:p>
@@ -3420,7 +5694,7 @@
           <p:nvPr/>
         </p:nvPicPr>
         <p:blipFill rotWithShape="1">
-          <a:blip r:embed="rId2">
+          <a:blip r:embed="rId3">
             <a:extLst>
               <a:ext uri="{28A0092B-C50C-407E-A947-70E740481C1C}">
                 <a14:useLocalDpi xmlns:a14="http://schemas.microsoft.com/office/drawing/2010/main" val="0"/>
@@ -3853,7 +6127,7 @@
               </a:rPr>
             </a:br>
             <a:r>
-              <a:rPr kumimoji="0" lang="en-US" sz="5000" b="1" i="0" u="none" strike="noStrike" kern="1200" cap="none" spc="-50" normalizeH="0" baseline="0" noProof="0" dirty="0">
+              <a:rPr kumimoji="0" lang="en-US" sz="7200" b="1" i="0" u="none" strike="noStrike" kern="1200" cap="none" spc="-50" normalizeH="0" baseline="0" noProof="0" dirty="0">
                 <a:ln>
                   <a:noFill/>
                 </a:ln>
@@ -3867,7 +6141,24 @@
                 <a:ea typeface="+mj-ea"/>
                 <a:cs typeface="+mj-cs"/>
               </a:rPr>
-              <a:t>DIGITALKEY </a:t>
+              <a:t>DIGITAL</a:t>
+            </a:r>
+            <a:r>
+              <a:rPr kumimoji="0" lang="en-US" sz="5000" b="1" i="0" u="none" strike="noStrike" kern="1200" cap="none" spc="-50" normalizeH="0" baseline="0" noProof="0" dirty="0">
+                <a:ln>
+                  <a:noFill/>
+                </a:ln>
+                <a:solidFill>
+                  <a:srgbClr val="303192"/>
+                </a:solidFill>
+                <a:effectLst/>
+                <a:uLnTx/>
+                <a:uFillTx/>
+                <a:latin typeface="Calibri" panose="020F0502020204030204"/>
+                <a:ea typeface="+mj-ea"/>
+                <a:cs typeface="+mj-cs"/>
+              </a:rPr>
+              <a:t>KEY </a:t>
             </a:r>
           </a:p>
         </p:txBody>
@@ -4549,7 +6840,7 @@
           <p:nvPr/>
         </p:nvPicPr>
         <p:blipFill rotWithShape="1">
-          <a:blip r:embed="rId2">
+          <a:blip r:embed="rId3">
             <a:extLst>
               <a:ext uri="{28A0092B-C50C-407E-A947-70E740481C1C}">
                 <a14:useLocalDpi xmlns:a14="http://schemas.microsoft.com/office/drawing/2010/main" val="0"/>
@@ -4589,7 +6880,7 @@
         </p:nvSpPr>
         <p:spPr>
           <a:xfrm>
-            <a:off x="2816352" y="112462"/>
+            <a:off x="2121408" y="132576"/>
             <a:ext cx="3427656" cy="638568"/>
           </a:xfrm>
           <a:prstGeom prst="rect">
@@ -4644,7 +6935,7 @@
                 </a:solidFill>
                 <a:latin typeface="Calibri" panose="020F0502020204030204"/>
               </a:rPr>
-              <a:t>IMPLEMENTARE</a:t>
+              <a:t>TESTARE</a:t>
             </a:r>
             <a:endParaRPr kumimoji="0" lang="en-US" sz="3600" b="1" i="0" u="none" strike="noStrike" kern="1200" cap="none" spc="-50" normalizeH="0" baseline="0" noProof="0" dirty="0">
               <a:ln>
@@ -4827,84 +7118,358 @@
           </a:p>
         </p:txBody>
       </p:sp>
-      <p:pic>
-        <p:nvPicPr>
-          <p:cNvPr id="3" name="Picture 2" descr="A picture containing circle, colorfulness, screenshot, rectangle&#10;&#10;Description automatically generated">
-            <a:extLst>
-              <a:ext uri="{FF2B5EF4-FFF2-40B4-BE49-F238E27FC236}">
-                <a16:creationId xmlns:a16="http://schemas.microsoft.com/office/drawing/2014/main" id="{223F422F-A381-09DE-2789-5922AEBA51BF}"/>
-              </a:ext>
-            </a:extLst>
-          </p:cNvPr>
-          <p:cNvPicPr>
-            <a:picLocks noChangeAspect="1"/>
-          </p:cNvPicPr>
+      <p:grpSp>
+        <p:nvGrpSpPr>
+          <p:cNvPr id="5" name="Group 4">
+            <a:extLst>
+              <a:ext uri="{FF2B5EF4-FFF2-40B4-BE49-F238E27FC236}">
+                <a16:creationId xmlns:a16="http://schemas.microsoft.com/office/drawing/2014/main" id="{8008BC0D-C8C6-D5DE-D608-547591E3973F}"/>
+              </a:ext>
+            </a:extLst>
+          </p:cNvPr>
+          <p:cNvGrpSpPr/>
           <p:nvPr/>
-        </p:nvPicPr>
-        <p:blipFill>
-          <a:blip r:embed="rId3">
-            <a:extLst>
-              <a:ext uri="{28A0092B-C50C-407E-A947-70E740481C1C}">
-                <a14:useLocalDpi xmlns:a14="http://schemas.microsoft.com/office/drawing/2010/main" val="0"/>
-              </a:ext>
-            </a:extLst>
-          </a:blip>
-          <a:stretch>
-            <a:fillRect/>
-          </a:stretch>
-        </p:blipFill>
-        <p:spPr>
-          <a:xfrm>
-            <a:off x="230181" y="1172201"/>
-            <a:ext cx="1325575" cy="1325575"/>
-          </a:xfrm>
-          <a:prstGeom prst="rect">
-            <a:avLst/>
-          </a:prstGeom>
-        </p:spPr>
-      </p:pic>
-      <p:pic>
-        <p:nvPicPr>
-          <p:cNvPr id="5" name="Picture 4" descr="A picture containing circle, screenshot, design&#10;&#10;Description automatically generated">
-            <a:extLst>
-              <a:ext uri="{FF2B5EF4-FFF2-40B4-BE49-F238E27FC236}">
-                <a16:creationId xmlns:a16="http://schemas.microsoft.com/office/drawing/2014/main" id="{83B52733-6821-5E7E-19E9-17A84310FE89}"/>
-              </a:ext>
-            </a:extLst>
-          </p:cNvPr>
-          <p:cNvPicPr>
-            <a:picLocks noChangeAspect="1"/>
-          </p:cNvPicPr>
+        </p:nvGrpSpPr>
+        <p:grpSpPr>
+          <a:xfrm>
+            <a:off x="1491123" y="3026664"/>
+            <a:ext cx="2417844" cy="2043432"/>
+            <a:chOff x="1491123" y="3026664"/>
+            <a:chExt cx="2417844" cy="2043432"/>
+          </a:xfrm>
+        </p:grpSpPr>
+        <p:sp>
+          <p:nvSpPr>
+            <p:cNvPr id="29" name="Rectangle 28">
+              <a:extLst>
+                <a:ext uri="{FF2B5EF4-FFF2-40B4-BE49-F238E27FC236}">
+                  <a16:creationId xmlns:a16="http://schemas.microsoft.com/office/drawing/2014/main" id="{8AAB8193-6251-C127-7A62-B8B600585143}"/>
+                </a:ext>
+              </a:extLst>
+            </p:cNvPr>
+            <p:cNvSpPr/>
+            <p:nvPr/>
+          </p:nvSpPr>
+          <p:spPr>
+            <a:xfrm>
+              <a:off x="1850794" y="3026664"/>
+              <a:ext cx="2048256" cy="1618488"/>
+            </a:xfrm>
+            <a:prstGeom prst="rect">
+              <a:avLst/>
+            </a:prstGeom>
+            <a:noFill/>
+          </p:spPr>
+          <p:style>
+            <a:lnRef idx="2">
+              <a:schemeClr val="accent1">
+                <a:shade val="50000"/>
+              </a:schemeClr>
+            </a:lnRef>
+            <a:fillRef idx="1">
+              <a:schemeClr val="accent1"/>
+            </a:fillRef>
+            <a:effectRef idx="0">
+              <a:schemeClr val="accent1"/>
+            </a:effectRef>
+            <a:fontRef idx="minor">
+              <a:schemeClr val="lt1"/>
+            </a:fontRef>
+          </p:style>
+          <p:txBody>
+            <a:bodyPr rtlCol="0" anchor="ctr"/>
+            <a:lstStyle/>
+            <a:p>
+              <a:pPr algn="ctr"/>
+              <a:endParaRPr lang="ro-RO"/>
+            </a:p>
+          </p:txBody>
+        </p:sp>
+        <p:sp>
+          <p:nvSpPr>
+            <p:cNvPr id="32" name="TextBox 31">
+              <a:extLst>
+                <a:ext uri="{FF2B5EF4-FFF2-40B4-BE49-F238E27FC236}">
+                  <a16:creationId xmlns:a16="http://schemas.microsoft.com/office/drawing/2014/main" id="{FD525672-4168-F0C6-FBDF-6BFF80897042}"/>
+                </a:ext>
+              </a:extLst>
+            </p:cNvPr>
+            <p:cNvSpPr txBox="1"/>
+            <p:nvPr/>
+          </p:nvSpPr>
+          <p:spPr>
+            <a:xfrm>
+              <a:off x="1871358" y="3512742"/>
+              <a:ext cx="2037609" cy="646331"/>
+            </a:xfrm>
+            <a:prstGeom prst="rect">
+              <a:avLst/>
+            </a:prstGeom>
+            <a:noFill/>
+          </p:spPr>
+          <p:txBody>
+            <a:bodyPr wrap="none" rtlCol="0">
+              <a:spAutoFit/>
+            </a:bodyPr>
+            <a:lstStyle/>
+            <a:p>
+              <a:pPr algn="ctr"/>
+              <a:r>
+                <a:rPr lang="ro-RO" dirty="0"/>
+                <a:t>TESTARE FOLOSIND </a:t>
+              </a:r>
+            </a:p>
+            <a:p>
+              <a:pPr algn="ctr"/>
+              <a:r>
+                <a:rPr lang="ro-RO" dirty="0"/>
+                <a:t>EMULATORUL</a:t>
+              </a:r>
+            </a:p>
+          </p:txBody>
+        </p:sp>
+        <p:sp>
+          <p:nvSpPr>
+            <p:cNvPr id="36" name="Rectangle 35">
+              <a:extLst>
+                <a:ext uri="{FF2B5EF4-FFF2-40B4-BE49-F238E27FC236}">
+                  <a16:creationId xmlns:a16="http://schemas.microsoft.com/office/drawing/2014/main" id="{20B337F2-3FD6-AB6E-9A05-FB197D11D65A}"/>
+                </a:ext>
+              </a:extLst>
+            </p:cNvPr>
+            <p:cNvSpPr/>
+            <p:nvPr/>
+          </p:nvSpPr>
+          <p:spPr>
+            <a:xfrm>
+              <a:off x="1491123" y="4042191"/>
+              <a:ext cx="1034555" cy="1027905"/>
+            </a:xfrm>
+            <a:prstGeom prst="rect">
+              <a:avLst/>
+            </a:prstGeom>
+            <a:blipFill>
+              <a:blip r:embed="rId4" cstate="print">
+                <a:extLst>
+                  <a:ext uri="{28A0092B-C50C-407E-A947-70E740481C1C}">
+                    <a14:useLocalDpi xmlns:a14="http://schemas.microsoft.com/office/drawing/2010/main" val="0"/>
+                  </a:ext>
+                </a:extLst>
+              </a:blip>
+              <a:srcRect/>
+              <a:stretch>
+                <a:fillRect/>
+              </a:stretch>
+            </a:blipFill>
+            <a:ln>
+              <a:noFill/>
+            </a:ln>
+          </p:spPr>
+          <p:style>
+            <a:lnRef idx="2">
+              <a:scrgbClr r="0" g="0" b="0"/>
+            </a:lnRef>
+            <a:fillRef idx="1">
+              <a:scrgbClr r="0" g="0" b="0"/>
+            </a:fillRef>
+            <a:effectRef idx="0">
+              <a:schemeClr val="bg1">
+                <a:hueOff val="0"/>
+                <a:satOff val="0"/>
+                <a:lumOff val="0"/>
+                <a:alphaOff val="0"/>
+              </a:schemeClr>
+            </a:effectRef>
+            <a:fontRef idx="minor">
+              <a:schemeClr val="dk1">
+                <a:hueOff val="0"/>
+                <a:satOff val="0"/>
+                <a:lumOff val="0"/>
+                <a:alphaOff val="0"/>
+              </a:schemeClr>
+            </a:fontRef>
+          </p:style>
+        </p:sp>
+      </p:grpSp>
+      <p:grpSp>
+        <p:nvGrpSpPr>
+          <p:cNvPr id="3" name="Group 2">
+            <a:extLst>
+              <a:ext uri="{FF2B5EF4-FFF2-40B4-BE49-F238E27FC236}">
+                <a16:creationId xmlns:a16="http://schemas.microsoft.com/office/drawing/2014/main" id="{53734E33-CE29-739E-1060-2DC25FCDB7C0}"/>
+              </a:ext>
+            </a:extLst>
+          </p:cNvPr>
+          <p:cNvGrpSpPr/>
           <p:nvPr/>
-        </p:nvPicPr>
-        <p:blipFill>
-          <a:blip r:embed="rId4">
-            <a:extLst>
-              <a:ext uri="{28A0092B-C50C-407E-A947-70E740481C1C}">
-                <a14:useLocalDpi xmlns:a14="http://schemas.microsoft.com/office/drawing/2010/main" val="0"/>
-              </a:ext>
-            </a:extLst>
-          </a:blip>
-          <a:stretch>
-            <a:fillRect/>
-          </a:stretch>
-        </p:blipFill>
-        <p:spPr>
-          <a:xfrm>
-            <a:off x="10501630" y="1099488"/>
-            <a:ext cx="1460189" cy="1460189"/>
-          </a:xfrm>
-          <a:prstGeom prst="rect">
-            <a:avLst/>
-          </a:prstGeom>
-        </p:spPr>
-      </p:pic>
-      <p:sp>
-        <p:nvSpPr>
-          <p:cNvPr id="6" name="TextBox 5">
-            <a:extLst>
-              <a:ext uri="{FF2B5EF4-FFF2-40B4-BE49-F238E27FC236}">
-                <a16:creationId xmlns:a16="http://schemas.microsoft.com/office/drawing/2014/main" id="{5145BB29-BF5F-DC47-ABF2-53E7166F5E93}"/>
+        </p:nvGrpSpPr>
+        <p:grpSpPr>
+          <a:xfrm>
+            <a:off x="4358153" y="3026663"/>
+            <a:ext cx="2420119" cy="2043433"/>
+            <a:chOff x="4359291" y="3026663"/>
+            <a:chExt cx="2420119" cy="2043433"/>
+          </a:xfrm>
+        </p:grpSpPr>
+        <p:sp>
+          <p:nvSpPr>
+            <p:cNvPr id="28" name="Rectangle 27">
+              <a:extLst>
+                <a:ext uri="{FF2B5EF4-FFF2-40B4-BE49-F238E27FC236}">
+                  <a16:creationId xmlns:a16="http://schemas.microsoft.com/office/drawing/2014/main" id="{0FF3AD6A-119F-929B-FE2F-E92F628066C5}"/>
+                </a:ext>
+              </a:extLst>
+            </p:cNvPr>
+            <p:cNvSpPr/>
+            <p:nvPr/>
+          </p:nvSpPr>
+          <p:spPr>
+            <a:xfrm>
+              <a:off x="4731154" y="3026663"/>
+              <a:ext cx="2048256" cy="1618488"/>
+            </a:xfrm>
+            <a:prstGeom prst="rect">
+              <a:avLst/>
+            </a:prstGeom>
+            <a:noFill/>
+          </p:spPr>
+          <p:style>
+            <a:lnRef idx="2">
+              <a:schemeClr val="accent1">
+                <a:shade val="50000"/>
+              </a:schemeClr>
+            </a:lnRef>
+            <a:fillRef idx="1">
+              <a:schemeClr val="accent1"/>
+            </a:fillRef>
+            <a:effectRef idx="0">
+              <a:schemeClr val="accent1"/>
+            </a:effectRef>
+            <a:fontRef idx="minor">
+              <a:schemeClr val="lt1"/>
+            </a:fontRef>
+          </p:style>
+          <p:txBody>
+            <a:bodyPr rtlCol="0" anchor="ctr"/>
+            <a:lstStyle/>
+            <a:p>
+              <a:pPr algn="ctr"/>
+              <a:endParaRPr lang="ro-RO"/>
+            </a:p>
+          </p:txBody>
+        </p:sp>
+        <p:sp>
+          <p:nvSpPr>
+            <p:cNvPr id="33" name="TextBox 32">
+              <a:extLst>
+                <a:ext uri="{FF2B5EF4-FFF2-40B4-BE49-F238E27FC236}">
+                  <a16:creationId xmlns:a16="http://schemas.microsoft.com/office/drawing/2014/main" id="{D3D9E498-B6A3-438F-DA1C-DDB0FB2E629D}"/>
+                </a:ext>
+              </a:extLst>
+            </p:cNvPr>
+            <p:cNvSpPr txBox="1"/>
+            <p:nvPr/>
+          </p:nvSpPr>
+          <p:spPr>
+            <a:xfrm>
+              <a:off x="4731154" y="3512742"/>
+              <a:ext cx="2037609" cy="646331"/>
+            </a:xfrm>
+            <a:prstGeom prst="rect">
+              <a:avLst/>
+            </a:prstGeom>
+            <a:noFill/>
+          </p:spPr>
+          <p:txBody>
+            <a:bodyPr wrap="none" rtlCol="0">
+              <a:spAutoFit/>
+            </a:bodyPr>
+            <a:lstStyle/>
+            <a:p>
+              <a:pPr algn="ctr"/>
+              <a:r>
+                <a:rPr lang="ro-RO" dirty="0"/>
+                <a:t>TESTARE FOLOSIND </a:t>
+              </a:r>
+            </a:p>
+            <a:p>
+              <a:pPr algn="ctr"/>
+              <a:r>
+                <a:rPr lang="ro-RO" dirty="0"/>
+                <a:t>TELEFONUL</a:t>
+              </a:r>
+            </a:p>
+          </p:txBody>
+        </p:sp>
+        <p:sp>
+          <p:nvSpPr>
+            <p:cNvPr id="37" name="Rectangle 36">
+              <a:extLst>
+                <a:ext uri="{FF2B5EF4-FFF2-40B4-BE49-F238E27FC236}">
+                  <a16:creationId xmlns:a16="http://schemas.microsoft.com/office/drawing/2014/main" id="{A4D2AFAD-314F-E908-617E-7590F0BF61FF}"/>
+                </a:ext>
+              </a:extLst>
+            </p:cNvPr>
+            <p:cNvSpPr/>
+            <p:nvPr/>
+          </p:nvSpPr>
+          <p:spPr>
+            <a:xfrm>
+              <a:off x="4359291" y="4042191"/>
+              <a:ext cx="1034555" cy="1027905"/>
+            </a:xfrm>
+            <a:prstGeom prst="rect">
+              <a:avLst/>
+            </a:prstGeom>
+            <a:blipFill>
+              <a:blip r:embed="rId4" cstate="print">
+                <a:extLst>
+                  <a:ext uri="{28A0092B-C50C-407E-A947-70E740481C1C}">
+                    <a14:useLocalDpi xmlns:a14="http://schemas.microsoft.com/office/drawing/2010/main" val="0"/>
+                  </a:ext>
+                </a:extLst>
+              </a:blip>
+              <a:srcRect/>
+              <a:stretch>
+                <a:fillRect/>
+              </a:stretch>
+            </a:blipFill>
+            <a:ln>
+              <a:noFill/>
+            </a:ln>
+          </p:spPr>
+          <p:style>
+            <a:lnRef idx="2">
+              <a:scrgbClr r="0" g="0" b="0"/>
+            </a:lnRef>
+            <a:fillRef idx="1">
+              <a:scrgbClr r="0" g="0" b="0"/>
+            </a:fillRef>
+            <a:effectRef idx="0">
+              <a:schemeClr val="bg1">
+                <a:hueOff val="0"/>
+                <a:satOff val="0"/>
+                <a:lumOff val="0"/>
+                <a:alphaOff val="0"/>
+              </a:schemeClr>
+            </a:effectRef>
+            <a:fontRef idx="minor">
+              <a:schemeClr val="dk1">
+                <a:hueOff val="0"/>
+                <a:satOff val="0"/>
+                <a:lumOff val="0"/>
+                <a:alphaOff val="0"/>
+              </a:schemeClr>
+            </a:fontRef>
+          </p:style>
+        </p:sp>
+      </p:grpSp>
+      <p:sp>
+        <p:nvSpPr>
+          <p:cNvPr id="34" name="TextBox 33">
+            <a:extLst>
+              <a:ext uri="{FF2B5EF4-FFF2-40B4-BE49-F238E27FC236}">
+                <a16:creationId xmlns:a16="http://schemas.microsoft.com/office/drawing/2014/main" id="{9784848E-AAA7-62BC-4B6A-A5843795C413}"/>
               </a:ext>
             </a:extLst>
           </p:cNvPr>
@@ -4913,8 +7478,8 @@
         </p:nvSpPr>
         <p:spPr>
           <a:xfrm>
-            <a:off x="1426629" y="1629528"/>
-            <a:ext cx="2779445" cy="400110"/>
+            <a:off x="7783197" y="3728687"/>
+            <a:ext cx="1704889" cy="369332"/>
           </a:xfrm>
           <a:prstGeom prst="rect">
             <a:avLst/>
@@ -4922,549 +7487,132 @@
           <a:noFill/>
         </p:spPr>
         <p:txBody>
-          <a:bodyPr wrap="square" rtlCol="0">
+          <a:bodyPr wrap="none" rtlCol="0">
             <a:spAutoFit/>
           </a:bodyPr>
           <a:lstStyle/>
           <a:p>
             <a:pPr algn="ctr"/>
             <a:r>
-              <a:rPr lang="ro-RO" sz="2000" dirty="0"/>
-              <a:t>APLICAȚIILE MOBILE</a:t>
-            </a:r>
-          </a:p>
-        </p:txBody>
-      </p:sp>
-      <p:sp>
-        <p:nvSpPr>
-          <p:cNvPr id="7" name="TextBox 6">
-            <a:extLst>
-              <a:ext uri="{FF2B5EF4-FFF2-40B4-BE49-F238E27FC236}">
-                <a16:creationId xmlns:a16="http://schemas.microsoft.com/office/drawing/2014/main" id="{28268FA4-745C-4406-6BBE-91627D6FD235}"/>
-              </a:ext>
-            </a:extLst>
-          </p:cNvPr>
-          <p:cNvSpPr txBox="1"/>
+              <a:rPr lang="ro-RO" dirty="0"/>
+              <a:t>TESTARE FINALĂ</a:t>
+            </a:r>
+          </a:p>
+        </p:txBody>
+      </p:sp>
+      <p:sp>
+        <p:nvSpPr>
+          <p:cNvPr id="38" name="Rectangle 37">
+            <a:extLst>
+              <a:ext uri="{FF2B5EF4-FFF2-40B4-BE49-F238E27FC236}">
+                <a16:creationId xmlns:a16="http://schemas.microsoft.com/office/drawing/2014/main" id="{FD01E092-BC43-D634-33B9-DF801EE00B9F}"/>
+              </a:ext>
+            </a:extLst>
+          </p:cNvPr>
+          <p:cNvSpPr/>
           <p:nvPr/>
         </p:nvSpPr>
         <p:spPr>
           <a:xfrm>
-            <a:off x="7985926" y="1629528"/>
-            <a:ext cx="2779445" cy="400110"/>
+            <a:off x="7227459" y="4305646"/>
+            <a:ext cx="829804" cy="695000"/>
+          </a:xfrm>
+          <a:prstGeom prst="rect">
+            <a:avLst/>
+          </a:prstGeom>
+          <a:blipFill rotWithShape="1">
+            <a:blip r:embed="rId5" cstate="print">
+              <a:extLst>
+                <a:ext uri="{28A0092B-C50C-407E-A947-70E740481C1C}">
+                  <a14:useLocalDpi xmlns:a14="http://schemas.microsoft.com/office/drawing/2010/main" val="0"/>
+                </a:ext>
+              </a:extLst>
+            </a:blip>
+            <a:srcRect/>
+            <a:stretch>
+              <a:fillRect/>
+            </a:stretch>
+          </a:blipFill>
+          <a:ln>
+            <a:noFill/>
+          </a:ln>
+        </p:spPr>
+        <p:style>
+          <a:lnRef idx="2">
+            <a:scrgbClr r="0" g="0" b="0"/>
+          </a:lnRef>
+          <a:fillRef idx="1">
+            <a:scrgbClr r="0" g="0" b="0"/>
+          </a:fillRef>
+          <a:effectRef idx="0">
+            <a:schemeClr val="bg1">
+              <a:hueOff val="0"/>
+              <a:satOff val="0"/>
+              <a:lumOff val="0"/>
+              <a:alphaOff val="0"/>
+            </a:schemeClr>
+          </a:effectRef>
+          <a:fontRef idx="minor">
+            <a:schemeClr val="dk1">
+              <a:hueOff val="0"/>
+              <a:satOff val="0"/>
+              <a:lumOff val="0"/>
+              <a:alphaOff val="0"/>
+            </a:schemeClr>
+          </a:fontRef>
+        </p:style>
+      </p:sp>
+      <p:sp>
+        <p:nvSpPr>
+          <p:cNvPr id="6" name="Rectangle 5">
+            <a:extLst>
+              <a:ext uri="{FF2B5EF4-FFF2-40B4-BE49-F238E27FC236}">
+                <a16:creationId xmlns:a16="http://schemas.microsoft.com/office/drawing/2014/main" id="{3597F198-0A29-01BF-31C4-A5A06C356417}"/>
+              </a:ext>
+            </a:extLst>
+          </p:cNvPr>
+          <p:cNvSpPr/>
+          <p:nvPr/>
+        </p:nvSpPr>
+        <p:spPr>
+          <a:xfrm>
+            <a:off x="7647698" y="3016650"/>
+            <a:ext cx="2048256" cy="1618488"/>
           </a:xfrm>
           <a:prstGeom prst="rect">
             <a:avLst/>
           </a:prstGeom>
           <a:noFill/>
         </p:spPr>
-        <p:txBody>
-          <a:bodyPr wrap="square" rtlCol="0">
-            <a:spAutoFit/>
-          </a:bodyPr>
+        <p:style>
+          <a:lnRef idx="2">
+            <a:schemeClr val="accent1">
+              <a:shade val="50000"/>
+            </a:schemeClr>
+          </a:lnRef>
+          <a:fillRef idx="1">
+            <a:schemeClr val="accent1"/>
+          </a:fillRef>
+          <a:effectRef idx="0">
+            <a:schemeClr val="accent1"/>
+          </a:effectRef>
+          <a:fontRef idx="minor">
+            <a:schemeClr val="lt1"/>
+          </a:fontRef>
+        </p:style>
+        <p:txBody>
+          <a:bodyPr rtlCol="0" anchor="ctr"/>
           <a:lstStyle/>
           <a:p>
             <a:pPr algn="ctr"/>
-            <a:r>
-              <a:rPr lang="ro-RO" sz="2000" dirty="0"/>
-              <a:t>APLICAȚIA ARDUINO</a:t>
-            </a:r>
-          </a:p>
-        </p:txBody>
-      </p:sp>
-      <p:pic>
-        <p:nvPicPr>
-          <p:cNvPr id="8" name="Graphic 7" descr="Processor with solid fill">
-            <a:extLst>
-              <a:ext uri="{FF2B5EF4-FFF2-40B4-BE49-F238E27FC236}">
-                <a16:creationId xmlns:a16="http://schemas.microsoft.com/office/drawing/2014/main" id="{9B489B42-C400-951F-A198-B3F606F8AC3B}"/>
-              </a:ext>
-            </a:extLst>
-          </p:cNvPr>
-          <p:cNvPicPr>
-            <a:picLocks noChangeAspect="1"/>
-          </p:cNvPicPr>
-          <p:nvPr/>
-        </p:nvPicPr>
-        <p:blipFill>
-          <a:blip r:embed="rId5">
-            <a:extLst>
-              <a:ext uri="{28A0092B-C50C-407E-A947-70E740481C1C}">
-                <a14:useLocalDpi xmlns:a14="http://schemas.microsoft.com/office/drawing/2010/main" val="0"/>
-              </a:ext>
-              <a:ext uri="{96DAC541-7B7A-43D3-8B79-37D633B846F1}">
-                <asvg:svgBlip xmlns:asvg="http://schemas.microsoft.com/office/drawing/2016/SVG/main" r:embed="rId6"/>
-              </a:ext>
-            </a:extLst>
-          </a:blip>
-          <a:stretch>
-            <a:fillRect/>
-          </a:stretch>
-        </p:blipFill>
-        <p:spPr>
-          <a:xfrm>
-            <a:off x="6761920" y="2867127"/>
-            <a:ext cx="985892" cy="958404"/>
-          </a:xfrm>
-          <a:prstGeom prst="rect">
-            <a:avLst/>
-          </a:prstGeom>
-        </p:spPr>
-      </p:pic>
-      <p:pic>
-        <p:nvPicPr>
-          <p:cNvPr id="9" name="Graphic 8" descr="Internet Of Things outline">
-            <a:extLst>
-              <a:ext uri="{FF2B5EF4-FFF2-40B4-BE49-F238E27FC236}">
-                <a16:creationId xmlns:a16="http://schemas.microsoft.com/office/drawing/2014/main" id="{45B65D8B-78B7-4DCD-7578-05A99074AD7B}"/>
-              </a:ext>
-            </a:extLst>
-          </p:cNvPr>
-          <p:cNvPicPr>
-            <a:picLocks noChangeAspect="1"/>
-          </p:cNvPicPr>
-          <p:nvPr/>
-        </p:nvPicPr>
-        <p:blipFill>
-          <a:blip r:embed="rId7">
-            <a:extLst>
-              <a:ext uri="{28A0092B-C50C-407E-A947-70E740481C1C}">
-                <a14:useLocalDpi xmlns:a14="http://schemas.microsoft.com/office/drawing/2010/main" val="0"/>
-              </a:ext>
-              <a:ext uri="{96DAC541-7B7A-43D3-8B79-37D633B846F1}">
-                <asvg:svgBlip xmlns:asvg="http://schemas.microsoft.com/office/drawing/2016/SVG/main" r:embed="rId8"/>
-              </a:ext>
-            </a:extLst>
-          </a:blip>
-          <a:stretch>
-            <a:fillRect/>
-          </a:stretch>
-        </p:blipFill>
-        <p:spPr>
-          <a:xfrm>
-            <a:off x="6761920" y="4447939"/>
-            <a:ext cx="985892" cy="958404"/>
-          </a:xfrm>
-          <a:prstGeom prst="rect">
-            <a:avLst/>
-          </a:prstGeom>
-        </p:spPr>
-      </p:pic>
-      <p:sp>
-        <p:nvSpPr>
-          <p:cNvPr id="10" name="TextBox 9">
-            <a:extLst>
-              <a:ext uri="{FF2B5EF4-FFF2-40B4-BE49-F238E27FC236}">
-                <a16:creationId xmlns:a16="http://schemas.microsoft.com/office/drawing/2014/main" id="{FB187EB0-E1EE-454D-F6EE-E45C8BFEF6B9}"/>
-              </a:ext>
-            </a:extLst>
-          </p:cNvPr>
-          <p:cNvSpPr txBox="1"/>
-          <p:nvPr/>
-        </p:nvSpPr>
-        <p:spPr>
-          <a:xfrm>
-            <a:off x="7527819" y="2689017"/>
-            <a:ext cx="3320460" cy="1200329"/>
-          </a:xfrm>
-          <a:prstGeom prst="rect">
-            <a:avLst/>
-          </a:prstGeom>
-          <a:noFill/>
-        </p:spPr>
-        <p:txBody>
-          <a:bodyPr wrap="square" rtlCol="0">
-            <a:spAutoFit/>
-          </a:bodyPr>
-          <a:lstStyle/>
-          <a:p>
-            <a:pPr marL="533400" indent="0">
-              <a:spcBef>
-                <a:spcPts val="0"/>
-              </a:spcBef>
-              <a:spcAft>
-                <a:spcPts val="0"/>
-              </a:spcAft>
-              <a:buNone/>
-            </a:pPr>
-            <a:r>
-              <a:rPr lang="ro-RO" b="1" dirty="0"/>
-              <a:t>Implemetarea hardware</a:t>
-            </a:r>
-            <a:endParaRPr lang="en-US" b="1" dirty="0"/>
-          </a:p>
-          <a:p>
-            <a:pPr marL="533400" lvl="0" indent="0">
-              <a:spcBef>
-                <a:spcPts val="0"/>
-              </a:spcBef>
-              <a:spcAft>
-                <a:spcPts val="0"/>
-              </a:spcAft>
-              <a:buNone/>
-            </a:pPr>
-            <a:r>
-              <a:rPr lang="ro-RO" sz="1800" dirty="0">
-                <a:latin typeface="+mj-lt"/>
-              </a:rPr>
-              <a:t>Adăugarea plăcii Arduino Mega și a componentelor necesare</a:t>
-            </a:r>
-            <a:endParaRPr lang="en-US" sz="1800" dirty="0">
-              <a:latin typeface="+mj-lt"/>
-            </a:endParaRPr>
-          </a:p>
-        </p:txBody>
-      </p:sp>
-      <p:sp>
-        <p:nvSpPr>
-          <p:cNvPr id="11" name="TextBox 10">
-            <a:extLst>
-              <a:ext uri="{FF2B5EF4-FFF2-40B4-BE49-F238E27FC236}">
-                <a16:creationId xmlns:a16="http://schemas.microsoft.com/office/drawing/2014/main" id="{AAE400F3-0134-B517-3A43-07CAED773245}"/>
-              </a:ext>
-            </a:extLst>
-          </p:cNvPr>
-          <p:cNvSpPr txBox="1"/>
-          <p:nvPr/>
-        </p:nvSpPr>
-        <p:spPr>
-          <a:xfrm>
-            <a:off x="7527819" y="4187410"/>
-            <a:ext cx="3602279" cy="1477328"/>
-          </a:xfrm>
-          <a:prstGeom prst="rect">
-            <a:avLst/>
-          </a:prstGeom>
-          <a:noFill/>
-        </p:spPr>
-        <p:txBody>
-          <a:bodyPr wrap="square" rtlCol="0">
-            <a:spAutoFit/>
-          </a:bodyPr>
-          <a:lstStyle/>
-          <a:p>
-            <a:pPr marL="533400" indent="0">
-              <a:spcBef>
-                <a:spcPts val="0"/>
-              </a:spcBef>
-              <a:spcAft>
-                <a:spcPts val="0"/>
-              </a:spcAft>
-              <a:buNone/>
-            </a:pPr>
-            <a:r>
-              <a:rPr lang="ro-RO" b="1" dirty="0"/>
-              <a:t>Implementarea software</a:t>
-            </a:r>
-            <a:endParaRPr lang="en-US" b="1" dirty="0"/>
-          </a:p>
-          <a:p>
-            <a:pPr marL="533400" indent="0">
-              <a:spcBef>
-                <a:spcPts val="0"/>
-              </a:spcBef>
-              <a:spcAft>
-                <a:spcPts val="0"/>
-              </a:spcAft>
-              <a:buNone/>
-            </a:pPr>
-            <a:r>
-              <a:rPr lang="ro-RO" sz="1800" dirty="0">
-                <a:latin typeface="+mj-lt"/>
-              </a:rPr>
-              <a:t>Conectarea bluetooth</a:t>
-            </a:r>
-            <a:endParaRPr lang="en-US" sz="1800" dirty="0">
-              <a:latin typeface="+mj-lt"/>
-            </a:endParaRPr>
-          </a:p>
-          <a:p>
-            <a:pPr marL="533400" indent="0">
-              <a:spcBef>
-                <a:spcPts val="0"/>
-              </a:spcBef>
-              <a:spcAft>
-                <a:spcPts val="0"/>
-              </a:spcAft>
-              <a:buNone/>
-            </a:pPr>
-            <a:r>
-              <a:rPr lang="ro-RO" sz="1800" dirty="0">
-                <a:latin typeface="+mj-lt"/>
-              </a:rPr>
-              <a:t>Primirea datelor de la aplicația mobile și</a:t>
-            </a:r>
-          </a:p>
-          <a:p>
-            <a:pPr marL="533400" indent="0">
-              <a:spcBef>
-                <a:spcPts val="0"/>
-              </a:spcBef>
-              <a:spcAft>
-                <a:spcPts val="0"/>
-              </a:spcAft>
-              <a:buNone/>
-            </a:pPr>
-            <a:r>
-              <a:rPr lang="ro-RO" dirty="0">
-                <a:latin typeface="+mj-lt"/>
-              </a:rPr>
-              <a:t>deschiderea/închiderea mașinii</a:t>
-            </a:r>
-            <a:endParaRPr lang="ro-RO" sz="1800" dirty="0">
-              <a:latin typeface="+mj-lt"/>
-            </a:endParaRPr>
-          </a:p>
-        </p:txBody>
-      </p:sp>
-      <p:pic>
-        <p:nvPicPr>
-          <p:cNvPr id="13" name="Graphic 12" descr="Inventory outline">
-            <a:extLst>
-              <a:ext uri="{FF2B5EF4-FFF2-40B4-BE49-F238E27FC236}">
-                <a16:creationId xmlns:a16="http://schemas.microsoft.com/office/drawing/2014/main" id="{63E14587-EDFF-1684-E9B9-549F26D8FD30}"/>
-              </a:ext>
-            </a:extLst>
-          </p:cNvPr>
-          <p:cNvPicPr>
-            <a:picLocks noChangeAspect="1"/>
-          </p:cNvPicPr>
-          <p:nvPr/>
-        </p:nvPicPr>
-        <p:blipFill>
-          <a:blip r:embed="rId9">
-            <a:extLst>
-              <a:ext uri="{28A0092B-C50C-407E-A947-70E740481C1C}">
-                <a14:useLocalDpi xmlns:a14="http://schemas.microsoft.com/office/drawing/2010/main" val="0"/>
-              </a:ext>
-              <a:ext uri="{96DAC541-7B7A-43D3-8B79-37D633B846F1}">
-                <asvg:svgBlip xmlns:asvg="http://schemas.microsoft.com/office/drawing/2016/SVG/main" r:embed="rId10"/>
-              </a:ext>
-            </a:extLst>
-          </a:blip>
-          <a:stretch>
-            <a:fillRect/>
-          </a:stretch>
-        </p:blipFill>
-        <p:spPr>
-          <a:xfrm>
-            <a:off x="4206075" y="2867127"/>
-            <a:ext cx="985891" cy="958404"/>
-          </a:xfrm>
-          <a:prstGeom prst="rect">
-            <a:avLst/>
-          </a:prstGeom>
-        </p:spPr>
-      </p:pic>
-      <p:sp>
-        <p:nvSpPr>
-          <p:cNvPr id="14" name="TextBox 13">
-            <a:extLst>
-              <a:ext uri="{FF2B5EF4-FFF2-40B4-BE49-F238E27FC236}">
-                <a16:creationId xmlns:a16="http://schemas.microsoft.com/office/drawing/2014/main" id="{21E99C9C-F453-C01F-4044-CD95364461FD}"/>
-              </a:ext>
-            </a:extLst>
-          </p:cNvPr>
-          <p:cNvSpPr txBox="1"/>
-          <p:nvPr/>
-        </p:nvSpPr>
-        <p:spPr>
-          <a:xfrm>
-            <a:off x="641813" y="2743062"/>
-            <a:ext cx="3282696" cy="1477328"/>
-          </a:xfrm>
-          <a:prstGeom prst="rect">
-            <a:avLst/>
-          </a:prstGeom>
-          <a:noFill/>
-        </p:spPr>
-        <p:txBody>
-          <a:bodyPr wrap="square" rtlCol="0">
-            <a:spAutoFit/>
-          </a:bodyPr>
-          <a:lstStyle/>
-          <a:p>
-            <a:pPr marL="0" indent="0" algn="r">
-              <a:spcBef>
-                <a:spcPts val="0"/>
-              </a:spcBef>
-              <a:spcAft>
-                <a:spcPts val="0"/>
-              </a:spcAft>
-              <a:buNone/>
-            </a:pPr>
-            <a:r>
-              <a:rPr lang="ro-RO" b="1" dirty="0"/>
-              <a:t>Implementarea componentelor</a:t>
-            </a:r>
-            <a:endParaRPr lang="en-US" b="1" dirty="0"/>
-          </a:p>
-          <a:p>
-            <a:pPr marL="0" lvl="0" indent="0" algn="r">
-              <a:spcBef>
-                <a:spcPts val="0"/>
-              </a:spcBef>
-              <a:spcAft>
-                <a:spcPts val="0"/>
-              </a:spcAft>
-              <a:buNone/>
-            </a:pPr>
-            <a:r>
-              <a:rPr lang="ro-RO" sz="1800" dirty="0">
-                <a:latin typeface="+mj-lt"/>
-              </a:rPr>
-              <a:t>Cre</a:t>
-            </a:r>
-            <a:r>
-              <a:rPr lang="en-US" sz="1800" dirty="0">
-                <a:latin typeface="+mj-lt"/>
-              </a:rPr>
-              <a:t>a</a:t>
-            </a:r>
-            <a:r>
-              <a:rPr lang="ro-RO" sz="1800" dirty="0">
-                <a:latin typeface="+mj-lt"/>
-              </a:rPr>
-              <a:t>rea fiecărei componente (activity) specifice</a:t>
-            </a:r>
-          </a:p>
-          <a:p>
-            <a:pPr marL="0" lvl="0" indent="0" algn="r">
-              <a:spcBef>
-                <a:spcPts val="0"/>
-              </a:spcBef>
-              <a:spcAft>
-                <a:spcPts val="0"/>
-              </a:spcAft>
-              <a:buNone/>
-            </a:pPr>
-            <a:r>
-              <a:rPr lang="ro-RO" sz="1800" dirty="0">
-                <a:latin typeface="+mj-lt"/>
-              </a:rPr>
-              <a:t>Implementarea funcționalitățiilor </a:t>
-            </a:r>
-            <a:endParaRPr lang="en-US" sz="1800" dirty="0">
-              <a:latin typeface="+mj-lt"/>
-            </a:endParaRPr>
-          </a:p>
-          <a:p>
-            <a:pPr algn="r"/>
-            <a:endParaRPr lang="ro-RO" dirty="0"/>
-          </a:p>
-        </p:txBody>
-      </p:sp>
-      <p:pic>
-        <p:nvPicPr>
-          <p:cNvPr id="15" name="Graphic 14" descr="Ui Ux outline">
-            <a:extLst>
-              <a:ext uri="{FF2B5EF4-FFF2-40B4-BE49-F238E27FC236}">
-                <a16:creationId xmlns:a16="http://schemas.microsoft.com/office/drawing/2014/main" id="{24689041-4D77-BAFE-5479-A0C555ACF45C}"/>
-              </a:ext>
-            </a:extLst>
-          </p:cNvPr>
-          <p:cNvPicPr>
-            <a:picLocks noChangeAspect="1"/>
-          </p:cNvPicPr>
-          <p:nvPr/>
-        </p:nvPicPr>
-        <p:blipFill>
-          <a:blip r:embed="rId11">
-            <a:extLst>
-              <a:ext uri="{28A0092B-C50C-407E-A947-70E740481C1C}">
-                <a14:useLocalDpi xmlns:a14="http://schemas.microsoft.com/office/drawing/2010/main" val="0"/>
-              </a:ext>
-              <a:ext uri="{96DAC541-7B7A-43D3-8B79-37D633B846F1}">
-                <asvg:svgBlip xmlns:asvg="http://schemas.microsoft.com/office/drawing/2016/SVG/main" r:embed="rId12"/>
-              </a:ext>
-            </a:extLst>
-          </a:blip>
-          <a:stretch>
-            <a:fillRect/>
-          </a:stretch>
-        </p:blipFill>
-        <p:spPr>
-          <a:xfrm>
-            <a:off x="4206074" y="4447939"/>
-            <a:ext cx="985892" cy="958404"/>
-          </a:xfrm>
-          <a:prstGeom prst="rect">
-            <a:avLst/>
-          </a:prstGeom>
-        </p:spPr>
-      </p:pic>
-      <p:sp>
-        <p:nvSpPr>
-          <p:cNvPr id="16" name="TextBox 15">
-            <a:extLst>
-              <a:ext uri="{FF2B5EF4-FFF2-40B4-BE49-F238E27FC236}">
-                <a16:creationId xmlns:a16="http://schemas.microsoft.com/office/drawing/2014/main" id="{27C3F430-40C7-EFF3-78AD-EC119A563AD9}"/>
-              </a:ext>
-            </a:extLst>
-          </p:cNvPr>
-          <p:cNvSpPr txBox="1"/>
-          <p:nvPr/>
-        </p:nvSpPr>
-        <p:spPr>
-          <a:xfrm>
-            <a:off x="823788" y="4447939"/>
-            <a:ext cx="3073292" cy="1477328"/>
-          </a:xfrm>
-          <a:prstGeom prst="rect">
-            <a:avLst/>
-          </a:prstGeom>
-          <a:noFill/>
-        </p:spPr>
-        <p:txBody>
-          <a:bodyPr wrap="square" rtlCol="0">
-            <a:spAutoFit/>
-          </a:bodyPr>
-          <a:lstStyle/>
-          <a:p>
-            <a:pPr marL="0" indent="0" algn="r">
-              <a:spcBef>
-                <a:spcPts val="0"/>
-              </a:spcBef>
-              <a:spcAft>
-                <a:spcPts val="0"/>
-              </a:spcAft>
-              <a:buNone/>
-            </a:pPr>
-            <a:r>
-              <a:rPr lang="ro-RO" b="1" dirty="0"/>
-              <a:t>Implementarea designului</a:t>
-            </a:r>
-            <a:endParaRPr lang="en-US" b="1" dirty="0"/>
-          </a:p>
-          <a:p>
-            <a:pPr marL="0" indent="0" algn="r">
-              <a:spcBef>
-                <a:spcPts val="0"/>
-              </a:spcBef>
-              <a:spcAft>
-                <a:spcPts val="0"/>
-              </a:spcAft>
-              <a:buNone/>
-            </a:pPr>
-            <a:r>
-              <a:rPr lang="ro-RO" sz="1800" dirty="0">
-                <a:latin typeface="+mj-lt"/>
-              </a:rPr>
-              <a:t>Adăugarea stilului pentru fiecare componentă utilizând fișierele XML</a:t>
-            </a:r>
-            <a:endParaRPr lang="en-US" sz="1800" dirty="0">
-              <a:latin typeface="+mj-lt"/>
-            </a:endParaRPr>
-          </a:p>
-          <a:p>
-            <a:pPr algn="r"/>
-            <a:endParaRPr lang="ro-RO" dirty="0"/>
+            <a:endParaRPr lang="ro-RO"/>
           </a:p>
         </p:txBody>
       </p:sp>
     </p:spTree>
     <p:extLst>
       <p:ext uri="{BB962C8B-B14F-4D97-AF65-F5344CB8AC3E}">
-        <p14:creationId xmlns:p14="http://schemas.microsoft.com/office/powerpoint/2010/main" val="2105983728"/>
+        <p14:creationId xmlns:p14="http://schemas.microsoft.com/office/powerpoint/2010/main" val="3560993071"/>
       </p:ext>
     </p:extLst>
   </p:cSld>
@@ -5493,6 +7641,96 @@
       </p:grpSpPr>
       <p:pic>
         <p:nvPicPr>
+          <p:cNvPr id="15" name="Picture 14">
+            <a:extLst>
+              <a:ext uri="{FF2B5EF4-FFF2-40B4-BE49-F238E27FC236}">
+                <a16:creationId xmlns:a16="http://schemas.microsoft.com/office/drawing/2014/main" id="{75DF45BB-0454-BBF7-8F10-9D5E98B33691}"/>
+              </a:ext>
+            </a:extLst>
+          </p:cNvPr>
+          <p:cNvPicPr>
+            <a:picLocks noChangeAspect="1"/>
+          </p:cNvPicPr>
+          <p:nvPr/>
+        </p:nvPicPr>
+        <p:blipFill>
+          <a:blip r:embed="rId3"/>
+          <a:stretch>
+            <a:fillRect/>
+          </a:stretch>
+        </p:blipFill>
+        <p:spPr>
+          <a:xfrm rot="2818911">
+            <a:off x="8263344" y="3909287"/>
+            <a:ext cx="3581900" cy="1076475"/>
+          </a:xfrm>
+          <a:prstGeom prst="rect">
+            <a:avLst/>
+          </a:prstGeom>
+        </p:spPr>
+      </p:pic>
+      <p:pic>
+        <p:nvPicPr>
+          <p:cNvPr id="10" name="Picture 9">
+            <a:extLst>
+              <a:ext uri="{FF2B5EF4-FFF2-40B4-BE49-F238E27FC236}">
+                <a16:creationId xmlns:a16="http://schemas.microsoft.com/office/drawing/2014/main" id="{CB5A90C6-DB06-7704-7CE5-B017822A08D3}"/>
+              </a:ext>
+            </a:extLst>
+          </p:cNvPr>
+          <p:cNvPicPr>
+            <a:picLocks noChangeAspect="1"/>
+          </p:cNvPicPr>
+          <p:nvPr/>
+        </p:nvPicPr>
+        <p:blipFill>
+          <a:blip r:embed="rId4"/>
+          <a:stretch>
+            <a:fillRect/>
+          </a:stretch>
+        </p:blipFill>
+        <p:spPr>
+          <a:xfrm rot="20436064">
+            <a:off x="939062" y="5080405"/>
+            <a:ext cx="3329449" cy="1106978"/>
+          </a:xfrm>
+          <a:prstGeom prst="rect">
+            <a:avLst/>
+          </a:prstGeom>
+        </p:spPr>
+      </p:pic>
+      <p:pic>
+        <p:nvPicPr>
+          <p:cNvPr id="5" name="Picture 4">
+            <a:extLst>
+              <a:ext uri="{FF2B5EF4-FFF2-40B4-BE49-F238E27FC236}">
+                <a16:creationId xmlns:a16="http://schemas.microsoft.com/office/drawing/2014/main" id="{07AE87E2-8651-5A40-A0B7-B5E1E8AE6458}"/>
+              </a:ext>
+            </a:extLst>
+          </p:cNvPr>
+          <p:cNvPicPr>
+            <a:picLocks noChangeAspect="1"/>
+          </p:cNvPicPr>
+          <p:nvPr/>
+        </p:nvPicPr>
+        <p:blipFill>
+          <a:blip r:embed="rId5"/>
+          <a:stretch>
+            <a:fillRect/>
+          </a:stretch>
+        </p:blipFill>
+        <p:spPr>
+          <a:xfrm rot="1344424">
+            <a:off x="845252" y="1725148"/>
+            <a:ext cx="3000603" cy="1000201"/>
+          </a:xfrm>
+          <a:prstGeom prst="rect">
+            <a:avLst/>
+          </a:prstGeom>
+        </p:spPr>
+      </p:pic>
+      <p:pic>
+        <p:nvPicPr>
           <p:cNvPr id="4" name="Picture 3">
             <a:extLst>
               <a:ext uri="{FF2B5EF4-FFF2-40B4-BE49-F238E27FC236}">
@@ -5506,7 +7744,7 @@
           <p:nvPr/>
         </p:nvPicPr>
         <p:blipFill rotWithShape="1">
-          <a:blip r:embed="rId2">
+          <a:blip r:embed="rId6">
             <a:extLst>
               <a:ext uri="{28A0092B-C50C-407E-A947-70E740481C1C}">
                 <a14:useLocalDpi xmlns:a14="http://schemas.microsoft.com/office/drawing/2010/main" val="0"/>
@@ -5546,7 +7784,7 @@
         </p:nvSpPr>
         <p:spPr>
           <a:xfrm>
-            <a:off x="2121408" y="132576"/>
+            <a:off x="2412984" y="163110"/>
             <a:ext cx="3427656" cy="638568"/>
           </a:xfrm>
           <a:prstGeom prst="rect">
@@ -5601,7 +7839,7 @@
                 </a:solidFill>
                 <a:latin typeface="Calibri" panose="020F0502020204030204"/>
               </a:rPr>
-              <a:t>TESTARE</a:t>
+              <a:t>CONCLUZII</a:t>
             </a:r>
             <a:endParaRPr kumimoji="0" lang="en-US" sz="3600" b="1" i="0" u="none" strike="noStrike" kern="1200" cap="none" spc="-50" normalizeH="0" baseline="0" noProof="0" dirty="0">
               <a:ln>
@@ -5786,10 +8024,290 @@
       </p:sp>
       <p:sp>
         <p:nvSpPr>
-          <p:cNvPr id="27" name="Rectangle 26">
-            <a:extLst>
-              <a:ext uri="{FF2B5EF4-FFF2-40B4-BE49-F238E27FC236}">
-                <a16:creationId xmlns:a16="http://schemas.microsoft.com/office/drawing/2014/main" id="{FE8A1A6A-29BA-8DF7-C591-8E57790EB5D5}"/>
+          <p:cNvPr id="2" name="Content Placeholder 7">
+            <a:extLst>
+              <a:ext uri="{FF2B5EF4-FFF2-40B4-BE49-F238E27FC236}">
+                <a16:creationId xmlns:a16="http://schemas.microsoft.com/office/drawing/2014/main" id="{41D1C6F6-2B4E-A491-3BC6-D2845D754881}"/>
+              </a:ext>
+            </a:extLst>
+          </p:cNvPr>
+          <p:cNvSpPr>
+            <a:spLocks noGrp="1"/>
+          </p:cNvSpPr>
+          <p:nvPr>
+            <p:ph idx="1"/>
+          </p:nvPr>
+        </p:nvSpPr>
+        <p:spPr>
+          <a:xfrm>
+            <a:off x="4147199" y="1500923"/>
+            <a:ext cx="4012207" cy="454920"/>
+          </a:xfrm>
+        </p:spPr>
+        <p:txBody>
+          <a:bodyPr>
+            <a:normAutofit fontScale="92500"/>
+          </a:bodyPr>
+          <a:lstStyle/>
+          <a:p>
+            <a:pPr marL="0" indent="0">
+              <a:buNone/>
+            </a:pPr>
+            <a:r>
+              <a:rPr lang="ro-RO" sz="2000" b="1" dirty="0"/>
+              <a:t>OBIECTIVELE INIȚIALE AU FOST ATINSE</a:t>
+            </a:r>
+          </a:p>
+        </p:txBody>
+      </p:sp>
+      <p:sp>
+        <p:nvSpPr>
+          <p:cNvPr id="7" name="TextBox 6">
+            <a:extLst>
+              <a:ext uri="{FF2B5EF4-FFF2-40B4-BE49-F238E27FC236}">
+                <a16:creationId xmlns:a16="http://schemas.microsoft.com/office/drawing/2014/main" id="{CCE8BAFC-ED4E-5DEF-E029-B9DE6BA66C96}"/>
+              </a:ext>
+            </a:extLst>
+          </p:cNvPr>
+          <p:cNvSpPr txBox="1"/>
+          <p:nvPr/>
+        </p:nvSpPr>
+        <p:spPr>
+          <a:xfrm>
+            <a:off x="3842234" y="2805337"/>
+            <a:ext cx="4888454" cy="369332"/>
+          </a:xfrm>
+          <a:prstGeom prst="rect">
+            <a:avLst/>
+          </a:prstGeom>
+          <a:noFill/>
+        </p:spPr>
+        <p:txBody>
+          <a:bodyPr wrap="none" rtlCol="0">
+            <a:spAutoFit/>
+          </a:bodyPr>
+          <a:lstStyle/>
+          <a:p>
+            <a:r>
+              <a:rPr lang="ro-RO" dirty="0"/>
+              <a:t>Aplicația pentru administratori gestionează clienții</a:t>
+            </a:r>
+          </a:p>
+        </p:txBody>
+      </p:sp>
+      <p:sp>
+        <p:nvSpPr>
+          <p:cNvPr id="8" name="TextBox 7">
+            <a:extLst>
+              <a:ext uri="{FF2B5EF4-FFF2-40B4-BE49-F238E27FC236}">
+                <a16:creationId xmlns:a16="http://schemas.microsoft.com/office/drawing/2014/main" id="{1E7D8DF4-D251-6133-6EC2-3413E803D634}"/>
+              </a:ext>
+            </a:extLst>
+          </p:cNvPr>
+          <p:cNvSpPr txBox="1"/>
+          <p:nvPr/>
+        </p:nvSpPr>
+        <p:spPr>
+          <a:xfrm>
+            <a:off x="2916936" y="3653705"/>
+            <a:ext cx="5570949" cy="923330"/>
+          </a:xfrm>
+          <a:prstGeom prst="rect">
+            <a:avLst/>
+          </a:prstGeom>
+          <a:noFill/>
+        </p:spPr>
+        <p:txBody>
+          <a:bodyPr wrap="none" rtlCol="0">
+            <a:spAutoFit/>
+          </a:bodyPr>
+          <a:lstStyle/>
+          <a:p>
+            <a:pPr algn="r"/>
+            <a:r>
+              <a:rPr lang="ro-RO" dirty="0"/>
+              <a:t>Aplicația pentru clienți se poate conecta prin intermediul </a:t>
+            </a:r>
+          </a:p>
+          <a:p>
+            <a:pPr algn="r"/>
+            <a:r>
+              <a:rPr lang="ro-RO" dirty="0"/>
+              <a:t>bluetooth cu mașina și poate comanda închiderea sau </a:t>
+            </a:r>
+          </a:p>
+          <a:p>
+            <a:pPr algn="r"/>
+            <a:r>
+              <a:rPr lang="ro-RO" dirty="0"/>
+              <a:t>deschiderea mașinii </a:t>
+            </a:r>
+            <a:endParaRPr lang="en-US" dirty="0"/>
+          </a:p>
+        </p:txBody>
+      </p:sp>
+      <p:sp>
+        <p:nvSpPr>
+          <p:cNvPr id="9" name="TextBox 8">
+            <a:extLst>
+              <a:ext uri="{FF2B5EF4-FFF2-40B4-BE49-F238E27FC236}">
+                <a16:creationId xmlns:a16="http://schemas.microsoft.com/office/drawing/2014/main" id="{17281622-5E6B-436C-2065-4B9692C9BB39}"/>
+              </a:ext>
+            </a:extLst>
+          </p:cNvPr>
+          <p:cNvSpPr txBox="1"/>
+          <p:nvPr/>
+        </p:nvSpPr>
+        <p:spPr>
+          <a:xfrm>
+            <a:off x="3986784" y="5740748"/>
+            <a:ext cx="5449120" cy="923330"/>
+          </a:xfrm>
+          <a:prstGeom prst="rect">
+            <a:avLst/>
+          </a:prstGeom>
+          <a:noFill/>
+        </p:spPr>
+        <p:txBody>
+          <a:bodyPr wrap="none" rtlCol="0">
+            <a:spAutoFit/>
+          </a:bodyPr>
+          <a:lstStyle/>
+          <a:p>
+            <a:r>
+              <a:rPr lang="ro-RO" dirty="0"/>
+              <a:t>Montaj hardware care simulează mânerul mașinii poate </a:t>
+            </a:r>
+          </a:p>
+          <a:p>
+            <a:r>
+              <a:rPr lang="ro-RO" dirty="0"/>
+              <a:t>primi comenzi prin intermediul bluetooth de la client</a:t>
+            </a:r>
+            <a:endParaRPr lang="en-US" dirty="0"/>
+          </a:p>
+          <a:p>
+            <a:endParaRPr lang="ro-RO" dirty="0"/>
+          </a:p>
+        </p:txBody>
+      </p:sp>
+      <p:pic>
+        <p:nvPicPr>
+          <p:cNvPr id="18" name="Picture 17" descr="Icon&#10;&#10;Description automatically generated with medium confidence">
+            <a:extLst>
+              <a:ext uri="{FF2B5EF4-FFF2-40B4-BE49-F238E27FC236}">
+                <a16:creationId xmlns:a16="http://schemas.microsoft.com/office/drawing/2014/main" id="{1EADB797-E0D5-9852-00C7-18E4E6FB2783}"/>
+              </a:ext>
+            </a:extLst>
+          </p:cNvPr>
+          <p:cNvPicPr>
+            <a:picLocks noChangeAspect="1"/>
+          </p:cNvPicPr>
+          <p:nvPr/>
+        </p:nvPicPr>
+        <p:blipFill>
+          <a:blip r:embed="rId7" cstate="print">
+            <a:alphaModFix amt="50000"/>
+            <a:extLst>
+              <a:ext uri="{28A0092B-C50C-407E-A947-70E740481C1C}">
+                <a14:useLocalDpi xmlns:a14="http://schemas.microsoft.com/office/drawing/2010/main" val="0"/>
+              </a:ext>
+            </a:extLst>
+          </a:blip>
+          <a:stretch>
+            <a:fillRect/>
+          </a:stretch>
+        </p:blipFill>
+        <p:spPr>
+          <a:xfrm>
+            <a:off x="9442407" y="3796272"/>
+            <a:ext cx="1091935" cy="1106978"/>
+          </a:xfrm>
+          <a:prstGeom prst="rect">
+            <a:avLst/>
+          </a:prstGeom>
+        </p:spPr>
+      </p:pic>
+      <p:pic>
+        <p:nvPicPr>
+          <p:cNvPr id="19" name="Picture 18" descr="Icon&#10;&#10;Description automatically generated with medium confidence">
+            <a:extLst>
+              <a:ext uri="{FF2B5EF4-FFF2-40B4-BE49-F238E27FC236}">
+                <a16:creationId xmlns:a16="http://schemas.microsoft.com/office/drawing/2014/main" id="{307A6EC2-EA9B-DE49-80D6-986196CD92E4}"/>
+              </a:ext>
+            </a:extLst>
+          </p:cNvPr>
+          <p:cNvPicPr>
+            <a:picLocks noChangeAspect="1"/>
+          </p:cNvPicPr>
+          <p:nvPr/>
+        </p:nvPicPr>
+        <p:blipFill>
+          <a:blip r:embed="rId7" cstate="print">
+            <a:alphaModFix amt="50000"/>
+            <a:extLst>
+              <a:ext uri="{28A0092B-C50C-407E-A947-70E740481C1C}">
+                <a14:useLocalDpi xmlns:a14="http://schemas.microsoft.com/office/drawing/2010/main" val="0"/>
+              </a:ext>
+            </a:extLst>
+          </a:blip>
+          <a:stretch>
+            <a:fillRect/>
+          </a:stretch>
+        </p:blipFill>
+        <p:spPr>
+          <a:xfrm>
+            <a:off x="1867016" y="1727006"/>
+            <a:ext cx="1091935" cy="1106978"/>
+          </a:xfrm>
+          <a:prstGeom prst="rect">
+            <a:avLst/>
+          </a:prstGeom>
+        </p:spPr>
+      </p:pic>
+      <p:pic>
+        <p:nvPicPr>
+          <p:cNvPr id="20" name="Picture 19" descr="Icon&#10;&#10;Description automatically generated with medium confidence">
+            <a:extLst>
+              <a:ext uri="{FF2B5EF4-FFF2-40B4-BE49-F238E27FC236}">
+                <a16:creationId xmlns:a16="http://schemas.microsoft.com/office/drawing/2014/main" id="{62F68FFC-03E3-C49A-9B5A-FF195C0BEED2}"/>
+              </a:ext>
+            </a:extLst>
+          </p:cNvPr>
+          <p:cNvPicPr>
+            <a:picLocks noChangeAspect="1"/>
+          </p:cNvPicPr>
+          <p:nvPr/>
+        </p:nvPicPr>
+        <p:blipFill>
+          <a:blip r:embed="rId7" cstate="print">
+            <a:alphaModFix amt="50000"/>
+            <a:extLst>
+              <a:ext uri="{28A0092B-C50C-407E-A947-70E740481C1C}">
+                <a14:useLocalDpi xmlns:a14="http://schemas.microsoft.com/office/drawing/2010/main" val="0"/>
+              </a:ext>
+            </a:extLst>
+          </a:blip>
+          <a:stretch>
+            <a:fillRect/>
+          </a:stretch>
+        </p:blipFill>
+        <p:spPr>
+          <a:xfrm>
+            <a:off x="2057818" y="5095435"/>
+            <a:ext cx="1091935" cy="1106978"/>
+          </a:xfrm>
+          <a:prstGeom prst="rect">
+            <a:avLst/>
+          </a:prstGeom>
+        </p:spPr>
+      </p:pic>
+      <p:sp>
+        <p:nvSpPr>
+          <p:cNvPr id="21" name="Rectangle 20">
+            <a:extLst>
+              <a:ext uri="{FF2B5EF4-FFF2-40B4-BE49-F238E27FC236}">
+                <a16:creationId xmlns:a16="http://schemas.microsoft.com/office/drawing/2014/main" id="{632B5547-23B3-2847-45ED-987AF9A6F904}"/>
               </a:ext>
             </a:extLst>
           </p:cNvPr>
@@ -5798,8 +8316,8 @@
         </p:nvSpPr>
         <p:spPr>
           <a:xfrm>
-            <a:off x="9509760" y="3026663"/>
-            <a:ext cx="2048256" cy="1618488"/>
+            <a:off x="3959114" y="1483191"/>
+            <a:ext cx="4446911" cy="369332"/>
           </a:xfrm>
           <a:prstGeom prst="rect">
             <a:avLst/>
@@ -5833,10 +8351,10 @@
       </p:sp>
       <p:sp>
         <p:nvSpPr>
-          <p:cNvPr id="28" name="Rectangle 27">
-            <a:extLst>
-              <a:ext uri="{FF2B5EF4-FFF2-40B4-BE49-F238E27FC236}">
-                <a16:creationId xmlns:a16="http://schemas.microsoft.com/office/drawing/2014/main" id="{0FF3AD6A-119F-929B-FE2F-E92F628066C5}"/>
+          <p:cNvPr id="22" name="Rectangle 21">
+            <a:extLst>
+              <a:ext uri="{FF2B5EF4-FFF2-40B4-BE49-F238E27FC236}">
+                <a16:creationId xmlns:a16="http://schemas.microsoft.com/office/drawing/2014/main" id="{31102CA5-61B7-0014-9621-07BF9E8B9587}"/>
               </a:ext>
             </a:extLst>
           </p:cNvPr>
@@ -5845,8 +8363,8 @@
         </p:nvSpPr>
         <p:spPr>
           <a:xfrm>
-            <a:off x="6629400" y="3026663"/>
-            <a:ext cx="2048256" cy="1618488"/>
+            <a:off x="3842234" y="2816716"/>
+            <a:ext cx="4798846" cy="369332"/>
           </a:xfrm>
           <a:prstGeom prst="rect">
             <a:avLst/>
@@ -5880,10 +8398,10 @@
       </p:sp>
       <p:sp>
         <p:nvSpPr>
-          <p:cNvPr id="29" name="Rectangle 28">
-            <a:extLst>
-              <a:ext uri="{FF2B5EF4-FFF2-40B4-BE49-F238E27FC236}">
-                <a16:creationId xmlns:a16="http://schemas.microsoft.com/office/drawing/2014/main" id="{8AAB8193-6251-C127-7A62-B8B600585143}"/>
+          <p:cNvPr id="23" name="Rectangle 22">
+            <a:extLst>
+              <a:ext uri="{FF2B5EF4-FFF2-40B4-BE49-F238E27FC236}">
+                <a16:creationId xmlns:a16="http://schemas.microsoft.com/office/drawing/2014/main" id="{1D17268E-E217-36D7-CB87-353B349EC139}"/>
               </a:ext>
             </a:extLst>
           </p:cNvPr>
@@ -5892,8 +8410,8 @@
         </p:nvSpPr>
         <p:spPr>
           <a:xfrm>
-            <a:off x="3749040" y="3026664"/>
-            <a:ext cx="2048256" cy="1618488"/>
+            <a:off x="2901695" y="3680716"/>
+            <a:ext cx="5601429" cy="869307"/>
           </a:xfrm>
           <a:prstGeom prst="rect">
             <a:avLst/>
@@ -5927,10 +8445,10 @@
       </p:sp>
       <p:sp>
         <p:nvSpPr>
-          <p:cNvPr id="30" name="Rectangle 29">
-            <a:extLst>
-              <a:ext uri="{FF2B5EF4-FFF2-40B4-BE49-F238E27FC236}">
-                <a16:creationId xmlns:a16="http://schemas.microsoft.com/office/drawing/2014/main" id="{1347BB63-AE45-F1F6-7D72-3ACE8385F50C}"/>
+          <p:cNvPr id="25" name="Rectangle 24">
+            <a:extLst>
+              <a:ext uri="{FF2B5EF4-FFF2-40B4-BE49-F238E27FC236}">
+                <a16:creationId xmlns:a16="http://schemas.microsoft.com/office/drawing/2014/main" id="{7C339D7D-9197-3AE1-F9EF-4F5FC920A04C}"/>
               </a:ext>
             </a:extLst>
           </p:cNvPr>
@@ -5939,35 +8457,28 @@
         </p:nvSpPr>
         <p:spPr>
           <a:xfrm>
-            <a:off x="868680" y="3026664"/>
-            <a:ext cx="2048256" cy="1618488"/>
+            <a:off x="3986784" y="5742206"/>
+            <a:ext cx="5601429" cy="702949"/>
           </a:xfrm>
           <a:prstGeom prst="rect">
             <a:avLst/>
           </a:prstGeom>
           <a:noFill/>
-          <a:ln w="9525" cap="flat" cmpd="sng" algn="ctr">
-            <a:solidFill>
-              <a:schemeClr val="accent1"/>
-            </a:solidFill>
-            <a:prstDash val="solid"/>
-            <a:round/>
-            <a:headEnd type="none" w="med" len="med"/>
-            <a:tailEnd type="none" w="med" len="med"/>
-          </a:ln>
         </p:spPr>
         <p:style>
-          <a:lnRef idx="0">
-            <a:scrgbClr r="0" g="0" b="0"/>
+          <a:lnRef idx="2">
+            <a:schemeClr val="accent1">
+              <a:shade val="50000"/>
+            </a:schemeClr>
           </a:lnRef>
-          <a:fillRef idx="0">
-            <a:scrgbClr r="0" g="0" b="0"/>
+          <a:fillRef idx="1">
+            <a:schemeClr val="accent1"/>
           </a:fillRef>
           <a:effectRef idx="0">
-            <a:scrgbClr r="0" g="0" b="0"/>
+            <a:schemeClr val="accent1"/>
           </a:effectRef>
           <a:fontRef idx="minor">
-            <a:schemeClr val="accent1"/>
+            <a:schemeClr val="lt1"/>
           </a:fontRef>
         </p:style>
         <p:txBody>
@@ -5978,416 +8489,11 @@
             <a:endParaRPr lang="ro-RO"/>
           </a:p>
         </p:txBody>
-      </p:sp>
-      <p:sp>
-        <p:nvSpPr>
-          <p:cNvPr id="31" name="TextBox 30">
-            <a:extLst>
-              <a:ext uri="{FF2B5EF4-FFF2-40B4-BE49-F238E27FC236}">
-                <a16:creationId xmlns:a16="http://schemas.microsoft.com/office/drawing/2014/main" id="{DA92CE30-FDD6-637F-1355-2C16AD03231F}"/>
-              </a:ext>
-            </a:extLst>
-          </p:cNvPr>
-          <p:cNvSpPr txBox="1"/>
-          <p:nvPr/>
-        </p:nvSpPr>
-        <p:spPr>
-          <a:xfrm>
-            <a:off x="868680" y="3651242"/>
-            <a:ext cx="2014013" cy="369332"/>
-          </a:xfrm>
-          <a:prstGeom prst="rect">
-            <a:avLst/>
-          </a:prstGeom>
-          <a:noFill/>
-        </p:spPr>
-        <p:txBody>
-          <a:bodyPr wrap="none" rtlCol="0">
-            <a:spAutoFit/>
-          </a:bodyPr>
-          <a:lstStyle/>
-          <a:p>
-            <a:r>
-              <a:rPr lang="ro-RO" dirty="0"/>
-              <a:t>TESTARE MANUALĂ</a:t>
-            </a:r>
-          </a:p>
-        </p:txBody>
-      </p:sp>
-      <p:sp>
-        <p:nvSpPr>
-          <p:cNvPr id="32" name="TextBox 31">
-            <a:extLst>
-              <a:ext uri="{FF2B5EF4-FFF2-40B4-BE49-F238E27FC236}">
-                <a16:creationId xmlns:a16="http://schemas.microsoft.com/office/drawing/2014/main" id="{FD525672-4168-F0C6-FBDF-6BFF80897042}"/>
-              </a:ext>
-            </a:extLst>
-          </p:cNvPr>
-          <p:cNvSpPr txBox="1"/>
-          <p:nvPr/>
-        </p:nvSpPr>
-        <p:spPr>
-          <a:xfrm>
-            <a:off x="3769604" y="3512742"/>
-            <a:ext cx="2037609" cy="646331"/>
-          </a:xfrm>
-          <a:prstGeom prst="rect">
-            <a:avLst/>
-          </a:prstGeom>
-          <a:noFill/>
-        </p:spPr>
-        <p:txBody>
-          <a:bodyPr wrap="none" rtlCol="0">
-            <a:spAutoFit/>
-          </a:bodyPr>
-          <a:lstStyle/>
-          <a:p>
-            <a:pPr algn="ctr"/>
-            <a:r>
-              <a:rPr lang="ro-RO" dirty="0"/>
-              <a:t>TESTARE FOLOSIND </a:t>
-            </a:r>
-          </a:p>
-          <a:p>
-            <a:pPr algn="ctr"/>
-            <a:r>
-              <a:rPr lang="ro-RO" dirty="0"/>
-              <a:t>EMULATORUL</a:t>
-            </a:r>
-          </a:p>
-        </p:txBody>
-      </p:sp>
-      <p:sp>
-        <p:nvSpPr>
-          <p:cNvPr id="33" name="TextBox 32">
-            <a:extLst>
-              <a:ext uri="{FF2B5EF4-FFF2-40B4-BE49-F238E27FC236}">
-                <a16:creationId xmlns:a16="http://schemas.microsoft.com/office/drawing/2014/main" id="{D3D9E498-B6A3-438F-DA1C-DDB0FB2E629D}"/>
-              </a:ext>
-            </a:extLst>
-          </p:cNvPr>
-          <p:cNvSpPr txBox="1"/>
-          <p:nvPr/>
-        </p:nvSpPr>
-        <p:spPr>
-          <a:xfrm>
-            <a:off x="6629400" y="3512742"/>
-            <a:ext cx="2037609" cy="646331"/>
-          </a:xfrm>
-          <a:prstGeom prst="rect">
-            <a:avLst/>
-          </a:prstGeom>
-          <a:noFill/>
-        </p:spPr>
-        <p:txBody>
-          <a:bodyPr wrap="none" rtlCol="0">
-            <a:spAutoFit/>
-          </a:bodyPr>
-          <a:lstStyle/>
-          <a:p>
-            <a:pPr algn="ctr"/>
-            <a:r>
-              <a:rPr lang="ro-RO" dirty="0"/>
-              <a:t>TESTARE FOLOSIND </a:t>
-            </a:r>
-          </a:p>
-          <a:p>
-            <a:pPr algn="ctr"/>
-            <a:r>
-              <a:rPr lang="ro-RO" dirty="0"/>
-              <a:t>TELEFONUL</a:t>
-            </a:r>
-          </a:p>
-        </p:txBody>
-      </p:sp>
-      <p:sp>
-        <p:nvSpPr>
-          <p:cNvPr id="34" name="TextBox 33">
-            <a:extLst>
-              <a:ext uri="{FF2B5EF4-FFF2-40B4-BE49-F238E27FC236}">
-                <a16:creationId xmlns:a16="http://schemas.microsoft.com/office/drawing/2014/main" id="{9784848E-AAA7-62BC-4B6A-A5843795C413}"/>
-              </a:ext>
-            </a:extLst>
-          </p:cNvPr>
-          <p:cNvSpPr txBox="1"/>
-          <p:nvPr/>
-        </p:nvSpPr>
-        <p:spPr>
-          <a:xfrm>
-            <a:off x="9616168" y="3651242"/>
-            <a:ext cx="1835439" cy="369332"/>
-          </a:xfrm>
-          <a:prstGeom prst="rect">
-            <a:avLst/>
-          </a:prstGeom>
-          <a:noFill/>
-        </p:spPr>
-        <p:txBody>
-          <a:bodyPr wrap="none" rtlCol="0">
-            <a:spAutoFit/>
-          </a:bodyPr>
-          <a:lstStyle/>
-          <a:p>
-            <a:pPr algn="ctr"/>
-            <a:r>
-              <a:rPr lang="ro-RO" dirty="0"/>
-              <a:t>TESTAREA FINALĂ</a:t>
-            </a:r>
-          </a:p>
-        </p:txBody>
-      </p:sp>
-      <p:sp>
-        <p:nvSpPr>
-          <p:cNvPr id="35" name="Rectangle 34">
-            <a:extLst>
-              <a:ext uri="{FF2B5EF4-FFF2-40B4-BE49-F238E27FC236}">
-                <a16:creationId xmlns:a16="http://schemas.microsoft.com/office/drawing/2014/main" id="{37A9B289-C58A-770C-92D2-6D98CB9B28CD}"/>
-              </a:ext>
-            </a:extLst>
-          </p:cNvPr>
-          <p:cNvSpPr/>
-          <p:nvPr/>
-        </p:nvSpPr>
-        <p:spPr>
-          <a:xfrm>
-            <a:off x="521201" y="4042191"/>
-            <a:ext cx="1034555" cy="1027905"/>
-          </a:xfrm>
-          <a:prstGeom prst="rect">
-            <a:avLst/>
-          </a:prstGeom>
-          <a:blipFill>
-            <a:blip r:embed="rId3" cstate="print">
-              <a:extLst>
-                <a:ext uri="{28A0092B-C50C-407E-A947-70E740481C1C}">
-                  <a14:useLocalDpi xmlns:a14="http://schemas.microsoft.com/office/drawing/2010/main" val="0"/>
-                </a:ext>
-              </a:extLst>
-            </a:blip>
-            <a:srcRect/>
-            <a:stretch>
-              <a:fillRect/>
-            </a:stretch>
-          </a:blipFill>
-          <a:ln>
-            <a:noFill/>
-          </a:ln>
-        </p:spPr>
-        <p:style>
-          <a:lnRef idx="2">
-            <a:scrgbClr r="0" g="0" b="0"/>
-          </a:lnRef>
-          <a:fillRef idx="1">
-            <a:scrgbClr r="0" g="0" b="0"/>
-          </a:fillRef>
-          <a:effectRef idx="0">
-            <a:schemeClr val="bg1">
-              <a:hueOff val="0"/>
-              <a:satOff val="0"/>
-              <a:lumOff val="0"/>
-              <a:alphaOff val="0"/>
-            </a:schemeClr>
-          </a:effectRef>
-          <a:fontRef idx="minor">
-            <a:schemeClr val="dk1">
-              <a:hueOff val="0"/>
-              <a:satOff val="0"/>
-              <a:lumOff val="0"/>
-              <a:alphaOff val="0"/>
-            </a:schemeClr>
-          </a:fontRef>
-        </p:style>
-      </p:sp>
-      <p:sp>
-        <p:nvSpPr>
-          <p:cNvPr id="36" name="Rectangle 35">
-            <a:extLst>
-              <a:ext uri="{FF2B5EF4-FFF2-40B4-BE49-F238E27FC236}">
-                <a16:creationId xmlns:a16="http://schemas.microsoft.com/office/drawing/2014/main" id="{20B337F2-3FD6-AB6E-9A05-FB197D11D65A}"/>
-              </a:ext>
-            </a:extLst>
-          </p:cNvPr>
-          <p:cNvSpPr/>
-          <p:nvPr/>
-        </p:nvSpPr>
-        <p:spPr>
-          <a:xfrm>
-            <a:off x="3389369" y="4042191"/>
-            <a:ext cx="1034555" cy="1027905"/>
-          </a:xfrm>
-          <a:prstGeom prst="rect">
-            <a:avLst/>
-          </a:prstGeom>
-          <a:blipFill>
-            <a:blip r:embed="rId3" cstate="print">
-              <a:extLst>
-                <a:ext uri="{28A0092B-C50C-407E-A947-70E740481C1C}">
-                  <a14:useLocalDpi xmlns:a14="http://schemas.microsoft.com/office/drawing/2010/main" val="0"/>
-                </a:ext>
-              </a:extLst>
-            </a:blip>
-            <a:srcRect/>
-            <a:stretch>
-              <a:fillRect/>
-            </a:stretch>
-          </a:blipFill>
-          <a:ln>
-            <a:noFill/>
-          </a:ln>
-        </p:spPr>
-        <p:style>
-          <a:lnRef idx="2">
-            <a:scrgbClr r="0" g="0" b="0"/>
-          </a:lnRef>
-          <a:fillRef idx="1">
-            <a:scrgbClr r="0" g="0" b="0"/>
-          </a:fillRef>
-          <a:effectRef idx="0">
-            <a:schemeClr val="bg1">
-              <a:hueOff val="0"/>
-              <a:satOff val="0"/>
-              <a:lumOff val="0"/>
-              <a:alphaOff val="0"/>
-            </a:schemeClr>
-          </a:effectRef>
-          <a:fontRef idx="minor">
-            <a:schemeClr val="dk1">
-              <a:hueOff val="0"/>
-              <a:satOff val="0"/>
-              <a:lumOff val="0"/>
-              <a:alphaOff val="0"/>
-            </a:schemeClr>
-          </a:fontRef>
-        </p:style>
-      </p:sp>
-      <p:sp>
-        <p:nvSpPr>
-          <p:cNvPr id="37" name="Rectangle 36">
-            <a:extLst>
-              <a:ext uri="{FF2B5EF4-FFF2-40B4-BE49-F238E27FC236}">
-                <a16:creationId xmlns:a16="http://schemas.microsoft.com/office/drawing/2014/main" id="{A4D2AFAD-314F-E908-617E-7590F0BF61FF}"/>
-              </a:ext>
-            </a:extLst>
-          </p:cNvPr>
-          <p:cNvSpPr/>
-          <p:nvPr/>
-        </p:nvSpPr>
-        <p:spPr>
-          <a:xfrm>
-            <a:off x="6257537" y="4042191"/>
-            <a:ext cx="1034555" cy="1027905"/>
-          </a:xfrm>
-          <a:prstGeom prst="rect">
-            <a:avLst/>
-          </a:prstGeom>
-          <a:blipFill>
-            <a:blip r:embed="rId3" cstate="print">
-              <a:extLst>
-                <a:ext uri="{28A0092B-C50C-407E-A947-70E740481C1C}">
-                  <a14:useLocalDpi xmlns:a14="http://schemas.microsoft.com/office/drawing/2010/main" val="0"/>
-                </a:ext>
-              </a:extLst>
-            </a:blip>
-            <a:srcRect/>
-            <a:stretch>
-              <a:fillRect/>
-            </a:stretch>
-          </a:blipFill>
-          <a:ln>
-            <a:noFill/>
-          </a:ln>
-        </p:spPr>
-        <p:style>
-          <a:lnRef idx="2">
-            <a:scrgbClr r="0" g="0" b="0"/>
-          </a:lnRef>
-          <a:fillRef idx="1">
-            <a:scrgbClr r="0" g="0" b="0"/>
-          </a:fillRef>
-          <a:effectRef idx="0">
-            <a:schemeClr val="bg1">
-              <a:hueOff val="0"/>
-              <a:satOff val="0"/>
-              <a:lumOff val="0"/>
-              <a:alphaOff val="0"/>
-            </a:schemeClr>
-          </a:effectRef>
-          <a:fontRef idx="minor">
-            <a:schemeClr val="dk1">
-              <a:hueOff val="0"/>
-              <a:satOff val="0"/>
-              <a:lumOff val="0"/>
-              <a:alphaOff val="0"/>
-            </a:schemeClr>
-          </a:fontRef>
-        </p:style>
-      </p:sp>
-      <p:sp>
-        <p:nvSpPr>
-          <p:cNvPr id="38" name="Rectangle 37">
-            <a:extLst>
-              <a:ext uri="{FF2B5EF4-FFF2-40B4-BE49-F238E27FC236}">
-                <a16:creationId xmlns:a16="http://schemas.microsoft.com/office/drawing/2014/main" id="{FD01E092-BC43-D634-33B9-DF801EE00B9F}"/>
-              </a:ext>
-            </a:extLst>
-          </p:cNvPr>
-          <p:cNvSpPr/>
-          <p:nvPr/>
-        </p:nvSpPr>
-        <p:spPr>
-          <a:xfrm>
-            <a:off x="9125705" y="4297651"/>
-            <a:ext cx="829804" cy="695000"/>
-          </a:xfrm>
-          <a:prstGeom prst="rect">
-            <a:avLst/>
-          </a:prstGeom>
-          <a:blipFill rotWithShape="1">
-            <a:blip r:embed="rId4" cstate="print">
-              <a:extLst>
-                <a:ext uri="{28A0092B-C50C-407E-A947-70E740481C1C}">
-                  <a14:useLocalDpi xmlns:a14="http://schemas.microsoft.com/office/drawing/2010/main" val="0"/>
-                </a:ext>
-              </a:extLst>
-            </a:blip>
-            <a:srcRect/>
-            <a:stretch>
-              <a:fillRect/>
-            </a:stretch>
-          </a:blipFill>
-          <a:ln>
-            <a:noFill/>
-          </a:ln>
-        </p:spPr>
-        <p:style>
-          <a:lnRef idx="2">
-            <a:scrgbClr r="0" g="0" b="0"/>
-          </a:lnRef>
-          <a:fillRef idx="1">
-            <a:scrgbClr r="0" g="0" b="0"/>
-          </a:fillRef>
-          <a:effectRef idx="0">
-            <a:schemeClr val="bg1">
-              <a:hueOff val="0"/>
-              <a:satOff val="0"/>
-              <a:lumOff val="0"/>
-              <a:alphaOff val="0"/>
-            </a:schemeClr>
-          </a:effectRef>
-          <a:fontRef idx="minor">
-            <a:schemeClr val="dk1">
-              <a:hueOff val="0"/>
-              <a:satOff val="0"/>
-              <a:lumOff val="0"/>
-              <a:alphaOff val="0"/>
-            </a:schemeClr>
-          </a:fontRef>
-        </p:style>
       </p:sp>
     </p:spTree>
     <p:extLst>
       <p:ext uri="{BB962C8B-B14F-4D97-AF65-F5344CB8AC3E}">
-        <p14:creationId xmlns:p14="http://schemas.microsoft.com/office/powerpoint/2010/main" val="3560993071"/>
+        <p14:creationId xmlns:p14="http://schemas.microsoft.com/office/powerpoint/2010/main" val="2910119998"/>
       </p:ext>
     </p:extLst>
   </p:cSld>
@@ -6429,7 +8535,7 @@
           <p:nvPr/>
         </p:nvPicPr>
         <p:blipFill rotWithShape="1">
-          <a:blip r:embed="rId2">
+          <a:blip r:embed="rId3">
             <a:extLst>
               <a:ext uri="{28A0092B-C50C-407E-A947-70E740481C1C}">
                 <a14:useLocalDpi xmlns:a14="http://schemas.microsoft.com/office/drawing/2010/main" val="0"/>
@@ -6469,8 +8575,8 @@
         </p:nvSpPr>
         <p:spPr>
           <a:xfrm>
-            <a:off x="2412984" y="163110"/>
-            <a:ext cx="3427656" cy="638568"/>
+            <a:off x="2395728" y="163110"/>
+            <a:ext cx="8951976" cy="638568"/>
           </a:xfrm>
           <a:prstGeom prst="rect">
             <a:avLst/>
@@ -6524,22 +8630,8 @@
                 </a:solidFill>
                 <a:latin typeface="Calibri" panose="020F0502020204030204"/>
               </a:rPr>
-              <a:t>CONCLUZII</a:t>
-            </a:r>
-            <a:endParaRPr kumimoji="0" lang="en-US" sz="3600" b="1" i="0" u="none" strike="noStrike" kern="1200" cap="none" spc="-50" normalizeH="0" baseline="0" noProof="0" dirty="0">
-              <a:ln>
-                <a:noFill/>
-              </a:ln>
-              <a:solidFill>
-                <a:srgbClr val="303192"/>
-              </a:solidFill>
-              <a:effectLst/>
-              <a:uLnTx/>
-              <a:uFillTx/>
-              <a:latin typeface="Calibri" panose="020F0502020204030204"/>
-              <a:ea typeface="+mj-ea"/>
-              <a:cs typeface="+mj-cs"/>
-            </a:endParaRPr>
+              <a:t>DIRECȚII DE CONTINUARE A DEZVOLTĂRII</a:t>
+            </a:r>
           </a:p>
         </p:txBody>
       </p:sp>
@@ -6707,181 +8799,12 @@
           </a:p>
         </p:txBody>
       </p:sp>
-      <p:sp>
-        <p:nvSpPr>
-          <p:cNvPr id="2" name="Content Placeholder 7">
-            <a:extLst>
-              <a:ext uri="{FF2B5EF4-FFF2-40B4-BE49-F238E27FC236}">
-                <a16:creationId xmlns:a16="http://schemas.microsoft.com/office/drawing/2014/main" id="{41D1C6F6-2B4E-A491-3BC6-D2845D754881}"/>
-              </a:ext>
-            </a:extLst>
-          </p:cNvPr>
-          <p:cNvSpPr>
-            <a:spLocks noGrp="1"/>
-          </p:cNvSpPr>
-          <p:nvPr>
-            <p:ph idx="1"/>
-          </p:nvPr>
-        </p:nvSpPr>
-        <p:spPr>
-          <a:xfrm>
-            <a:off x="4147199" y="1500923"/>
-            <a:ext cx="4012207" cy="454920"/>
-          </a:xfrm>
-        </p:spPr>
-        <p:txBody>
-          <a:bodyPr>
-            <a:normAutofit fontScale="92500"/>
-          </a:bodyPr>
-          <a:lstStyle/>
-          <a:p>
-            <a:pPr marL="0" indent="0">
-              <a:buNone/>
-            </a:pPr>
-            <a:r>
-              <a:rPr lang="ro-RO" sz="2000" b="1" dirty="0"/>
-              <a:t>OBIECTIVELE INIȚIALE AU FOST ATINSE</a:t>
-            </a:r>
-          </a:p>
-        </p:txBody>
-      </p:sp>
-      <p:sp>
-        <p:nvSpPr>
-          <p:cNvPr id="7" name="TextBox 6">
-            <a:extLst>
-              <a:ext uri="{FF2B5EF4-FFF2-40B4-BE49-F238E27FC236}">
-                <a16:creationId xmlns:a16="http://schemas.microsoft.com/office/drawing/2014/main" id="{CCE8BAFC-ED4E-5DEF-E029-B9DE6BA66C96}"/>
-              </a:ext>
-            </a:extLst>
-          </p:cNvPr>
-          <p:cNvSpPr txBox="1"/>
-          <p:nvPr/>
-        </p:nvSpPr>
-        <p:spPr>
-          <a:xfrm>
-            <a:off x="3842234" y="2805337"/>
-            <a:ext cx="4888454" cy="369332"/>
-          </a:xfrm>
-          <a:prstGeom prst="rect">
-            <a:avLst/>
-          </a:prstGeom>
-          <a:noFill/>
-        </p:spPr>
-        <p:txBody>
-          <a:bodyPr wrap="none" rtlCol="0">
-            <a:spAutoFit/>
-          </a:bodyPr>
-          <a:lstStyle/>
-          <a:p>
-            <a:r>
-              <a:rPr lang="ro-RO" dirty="0"/>
-              <a:t>Aplicația pentru administratori gestionează clienții</a:t>
-            </a:r>
-          </a:p>
-        </p:txBody>
-      </p:sp>
-      <p:sp>
-        <p:nvSpPr>
-          <p:cNvPr id="8" name="TextBox 7">
-            <a:extLst>
-              <a:ext uri="{FF2B5EF4-FFF2-40B4-BE49-F238E27FC236}">
-                <a16:creationId xmlns:a16="http://schemas.microsoft.com/office/drawing/2014/main" id="{1E7D8DF4-D251-6133-6EC2-3413E803D634}"/>
-              </a:ext>
-            </a:extLst>
-          </p:cNvPr>
-          <p:cNvSpPr txBox="1"/>
-          <p:nvPr/>
-        </p:nvSpPr>
-        <p:spPr>
-          <a:xfrm>
-            <a:off x="2916936" y="3653705"/>
-            <a:ext cx="5570949" cy="923330"/>
-          </a:xfrm>
-          <a:prstGeom prst="rect">
-            <a:avLst/>
-          </a:prstGeom>
-          <a:noFill/>
-        </p:spPr>
-        <p:txBody>
-          <a:bodyPr wrap="none" rtlCol="0">
-            <a:spAutoFit/>
-          </a:bodyPr>
-          <a:lstStyle/>
-          <a:p>
-            <a:pPr algn="r"/>
-            <a:r>
-              <a:rPr lang="ro-RO" dirty="0"/>
-              <a:t>Aplicația pentru clienți se poate conecta prin intermediul </a:t>
-            </a:r>
-          </a:p>
-          <a:p>
-            <a:pPr algn="r"/>
-            <a:r>
-              <a:rPr lang="ro-RO" dirty="0"/>
-              <a:t>bluetooth cu mașina și poate comanda închiderea sau </a:t>
-            </a:r>
-          </a:p>
-          <a:p>
-            <a:pPr algn="r"/>
-            <a:r>
-              <a:rPr lang="ro-RO" dirty="0"/>
-              <a:t>deschiderea mașinii </a:t>
-            </a:r>
-            <a:endParaRPr lang="en-US" dirty="0"/>
-          </a:p>
-        </p:txBody>
-      </p:sp>
-      <p:sp>
-        <p:nvSpPr>
-          <p:cNvPr id="9" name="TextBox 8">
-            <a:extLst>
-              <a:ext uri="{FF2B5EF4-FFF2-40B4-BE49-F238E27FC236}">
-                <a16:creationId xmlns:a16="http://schemas.microsoft.com/office/drawing/2014/main" id="{17281622-5E6B-436C-2065-4B9692C9BB39}"/>
-              </a:ext>
-            </a:extLst>
-          </p:cNvPr>
-          <p:cNvSpPr txBox="1"/>
-          <p:nvPr/>
-        </p:nvSpPr>
-        <p:spPr>
-          <a:xfrm>
-            <a:off x="3986784" y="5740748"/>
-            <a:ext cx="5449120" cy="923330"/>
-          </a:xfrm>
-          <a:prstGeom prst="rect">
-            <a:avLst/>
-          </a:prstGeom>
-          <a:noFill/>
-        </p:spPr>
-        <p:txBody>
-          <a:bodyPr wrap="none" rtlCol="0">
-            <a:spAutoFit/>
-          </a:bodyPr>
-          <a:lstStyle/>
-          <a:p>
-            <a:r>
-              <a:rPr lang="ro-RO" dirty="0"/>
-              <a:t>Montaj hardware care simulează mânerul mașinii poate </a:t>
-            </a:r>
-          </a:p>
-          <a:p>
-            <a:r>
-              <a:rPr lang="ro-RO" dirty="0"/>
-              <a:t>primi comenzi prin intermediul bluetooth de la client</a:t>
-            </a:r>
-            <a:endParaRPr lang="en-US" dirty="0"/>
-          </a:p>
-          <a:p>
-            <a:endParaRPr lang="ro-RO" dirty="0"/>
-          </a:p>
-        </p:txBody>
-      </p:sp>
       <p:pic>
         <p:nvPicPr>
-          <p:cNvPr id="11" name="Picture 10">
-            <a:extLst>
-              <a:ext uri="{FF2B5EF4-FFF2-40B4-BE49-F238E27FC236}">
-                <a16:creationId xmlns:a16="http://schemas.microsoft.com/office/drawing/2014/main" id="{1F7F422C-55D7-2C77-BAFF-7925438FACE5}"/>
+          <p:cNvPr id="5" name="Picture 4" descr="A picture containing circle, colorfulness, screenshot, rectangle&#10;&#10;Description automatically generated">
+            <a:extLst>
+              <a:ext uri="{FF2B5EF4-FFF2-40B4-BE49-F238E27FC236}">
+                <a16:creationId xmlns:a16="http://schemas.microsoft.com/office/drawing/2014/main" id="{F5A6C8E8-48E4-A224-3259-A0B27ED7501E}"/>
               </a:ext>
             </a:extLst>
           </p:cNvPr>
@@ -6891,98 +8814,7 @@
           <p:nvPr/>
         </p:nvPicPr>
         <p:blipFill>
-          <a:blip r:embed="rId3"/>
-          <a:stretch>
-            <a:fillRect/>
-          </a:stretch>
-        </p:blipFill>
-        <p:spPr>
-          <a:xfrm rot="1661510">
-            <a:off x="920272" y="1678315"/>
-            <a:ext cx="3100225" cy="1221673"/>
-          </a:xfrm>
-          <a:prstGeom prst="rect">
-            <a:avLst/>
-          </a:prstGeom>
-        </p:spPr>
-      </p:pic>
-      <p:pic>
-        <p:nvPicPr>
-          <p:cNvPr id="14" name="Picture 13">
-            <a:extLst>
-              <a:ext uri="{FF2B5EF4-FFF2-40B4-BE49-F238E27FC236}">
-                <a16:creationId xmlns:a16="http://schemas.microsoft.com/office/drawing/2014/main" id="{CD38C056-98D0-26B2-37F5-D385D608A56F}"/>
-              </a:ext>
-            </a:extLst>
-          </p:cNvPr>
-          <p:cNvPicPr>
-            <a:picLocks noChangeAspect="1"/>
-          </p:cNvPicPr>
-          <p:nvPr/>
-        </p:nvPicPr>
-        <p:blipFill>
-          <a:blip r:embed="rId4"/>
-          <a:stretch>
-            <a:fillRect/>
-          </a:stretch>
-        </p:blipFill>
-        <p:spPr>
-          <a:xfrm rot="1524057">
-            <a:off x="8342217" y="3734258"/>
-            <a:ext cx="3312858" cy="1231007"/>
-          </a:xfrm>
-          <a:prstGeom prst="rect">
-            <a:avLst/>
-          </a:prstGeom>
-        </p:spPr>
-      </p:pic>
-      <p:pic>
-        <p:nvPicPr>
-          <p:cNvPr id="16" name="Picture 15">
-            <a:extLst>
-              <a:ext uri="{FF2B5EF4-FFF2-40B4-BE49-F238E27FC236}">
-                <a16:creationId xmlns:a16="http://schemas.microsoft.com/office/drawing/2014/main" id="{663BD801-CF2F-DB15-0646-2B2A5AEC8B2E}"/>
-              </a:ext>
-            </a:extLst>
-          </p:cNvPr>
-          <p:cNvPicPr>
-            <a:picLocks noChangeAspect="1"/>
-          </p:cNvPicPr>
-          <p:nvPr/>
-        </p:nvPicPr>
-        <p:blipFill>
-          <a:blip r:embed="rId5"/>
-          <a:stretch>
-            <a:fillRect/>
-          </a:stretch>
-        </p:blipFill>
-        <p:spPr>
-          <a:xfrm rot="20395434">
-            <a:off x="1074185" y="5065599"/>
-            <a:ext cx="3059203" cy="1201387"/>
-          </a:xfrm>
-          <a:prstGeom prst="rect">
-            <a:avLst/>
-          </a:prstGeom>
-        </p:spPr>
-      </p:pic>
-      <p:pic>
-        <p:nvPicPr>
-          <p:cNvPr id="18" name="Picture 17" descr="Icon&#10;&#10;Description automatically generated with medium confidence">
-            <a:extLst>
-              <a:ext uri="{FF2B5EF4-FFF2-40B4-BE49-F238E27FC236}">
-                <a16:creationId xmlns:a16="http://schemas.microsoft.com/office/drawing/2014/main" id="{1EADB797-E0D5-9852-00C7-18E4E6FB2783}"/>
-              </a:ext>
-            </a:extLst>
-          </p:cNvPr>
-          <p:cNvPicPr>
-            <a:picLocks noChangeAspect="1"/>
-          </p:cNvPicPr>
-          <p:nvPr/>
-        </p:nvPicPr>
-        <p:blipFill>
-          <a:blip r:embed="rId6" cstate="print">
-            <a:alphaModFix amt="50000"/>
+          <a:blip r:embed="rId4">
             <a:extLst>
               <a:ext uri="{28A0092B-C50C-407E-A947-70E740481C1C}">
                 <a14:useLocalDpi xmlns:a14="http://schemas.microsoft.com/office/drawing/2010/main" val="0"/>
@@ -6995,109 +8827,44 @@
         </p:blipFill>
         <p:spPr>
           <a:xfrm>
-            <a:off x="9442407" y="3796272"/>
-            <a:ext cx="1091935" cy="1106978"/>
+            <a:off x="2238518" y="2392219"/>
+            <a:ext cx="1325575" cy="1325575"/>
           </a:xfrm>
           <a:prstGeom prst="rect">
             <a:avLst/>
           </a:prstGeom>
         </p:spPr>
       </p:pic>
-      <p:pic>
-        <p:nvPicPr>
-          <p:cNvPr id="19" name="Picture 18" descr="Icon&#10;&#10;Description automatically generated with medium confidence">
-            <a:extLst>
-              <a:ext uri="{FF2B5EF4-FFF2-40B4-BE49-F238E27FC236}">
-                <a16:creationId xmlns:a16="http://schemas.microsoft.com/office/drawing/2014/main" id="{307A6EC2-EA9B-DE49-80D6-986196CD92E4}"/>
-              </a:ext>
-            </a:extLst>
-          </p:cNvPr>
-          <p:cNvPicPr>
-            <a:picLocks noChangeAspect="1"/>
-          </p:cNvPicPr>
+      <p:sp>
+        <p:nvSpPr>
+          <p:cNvPr id="6" name="Rectangle 5">
+            <a:extLst>
+              <a:ext uri="{FF2B5EF4-FFF2-40B4-BE49-F238E27FC236}">
+                <a16:creationId xmlns:a16="http://schemas.microsoft.com/office/drawing/2014/main" id="{71756234-0EE7-13FF-3B19-BB5AF242FFC6}"/>
+              </a:ext>
+            </a:extLst>
+          </p:cNvPr>
+          <p:cNvSpPr/>
           <p:nvPr/>
-        </p:nvPicPr>
-        <p:blipFill>
-          <a:blip r:embed="rId6" cstate="print">
-            <a:alphaModFix amt="50000"/>
-            <a:extLst>
-              <a:ext uri="{28A0092B-C50C-407E-A947-70E740481C1C}">
-                <a14:useLocalDpi xmlns:a14="http://schemas.microsoft.com/office/drawing/2010/main" val="0"/>
-              </a:ext>
-            </a:extLst>
-          </a:blip>
-          <a:stretch>
-            <a:fillRect/>
-          </a:stretch>
-        </p:blipFill>
-        <p:spPr>
-          <a:xfrm>
-            <a:off x="1867016" y="1727006"/>
-            <a:ext cx="1091935" cy="1106978"/>
+        </p:nvSpPr>
+        <p:spPr>
+          <a:xfrm>
+            <a:off x="109081" y="3985441"/>
+            <a:ext cx="5879628" cy="1581912"/>
           </a:xfrm>
           <a:prstGeom prst="rect">
             <a:avLst/>
           </a:prstGeom>
-        </p:spPr>
-      </p:pic>
-      <p:pic>
-        <p:nvPicPr>
-          <p:cNvPr id="20" name="Picture 19" descr="Icon&#10;&#10;Description automatically generated with medium confidence">
-            <a:extLst>
-              <a:ext uri="{FF2B5EF4-FFF2-40B4-BE49-F238E27FC236}">
-                <a16:creationId xmlns:a16="http://schemas.microsoft.com/office/drawing/2014/main" id="{62F68FFC-03E3-C49A-9B5A-FF195C0BEED2}"/>
-              </a:ext>
-            </a:extLst>
-          </p:cNvPr>
-          <p:cNvPicPr>
-            <a:picLocks noChangeAspect="1"/>
-          </p:cNvPicPr>
-          <p:nvPr/>
-        </p:nvPicPr>
-        <p:blipFill>
-          <a:blip r:embed="rId6" cstate="print">
-            <a:alphaModFix amt="50000"/>
-            <a:extLst>
-              <a:ext uri="{28A0092B-C50C-407E-A947-70E740481C1C}">
-                <a14:useLocalDpi xmlns:a14="http://schemas.microsoft.com/office/drawing/2010/main" val="0"/>
-              </a:ext>
-            </a:extLst>
-          </a:blip>
-          <a:stretch>
-            <a:fillRect/>
-          </a:stretch>
-        </p:blipFill>
-        <p:spPr>
-          <a:xfrm>
-            <a:off x="2057818" y="5095435"/>
-            <a:ext cx="1091935" cy="1106978"/>
-          </a:xfrm>
-          <a:prstGeom prst="rect">
-            <a:avLst/>
-          </a:prstGeom>
-        </p:spPr>
-      </p:pic>
-      <p:sp>
-        <p:nvSpPr>
-          <p:cNvPr id="21" name="Rectangle 20">
-            <a:extLst>
-              <a:ext uri="{FF2B5EF4-FFF2-40B4-BE49-F238E27FC236}">
-                <a16:creationId xmlns:a16="http://schemas.microsoft.com/office/drawing/2014/main" id="{632B5547-23B3-2847-45ED-987AF9A6F904}"/>
-              </a:ext>
-            </a:extLst>
-          </p:cNvPr>
-          <p:cNvSpPr/>
-          <p:nvPr/>
-        </p:nvSpPr>
-        <p:spPr>
-          <a:xfrm>
-            <a:off x="3959114" y="1483191"/>
-            <a:ext cx="4446911" cy="369332"/>
-          </a:xfrm>
-          <a:prstGeom prst="rect">
-            <a:avLst/>
-          </a:prstGeom>
-          <a:noFill/>
+          <a:solidFill>
+            <a:srgbClr val="00CC99">
+              <a:alpha val="6000"/>
+            </a:srgbClr>
+          </a:solidFill>
+          <a:ln>
+            <a:solidFill>
+              <a:srgbClr val="00CC99"/>
+            </a:solidFill>
+          </a:ln>
         </p:spPr>
         <p:style>
           <a:lnRef idx="2">
@@ -7120,31 +8887,117 @@
           <a:lstStyle/>
           <a:p>
             <a:pPr algn="ctr"/>
-            <a:endParaRPr lang="ro-RO"/>
-          </a:p>
-        </p:txBody>
-      </p:sp>
-      <p:sp>
-        <p:nvSpPr>
-          <p:cNvPr id="22" name="Rectangle 21">
-            <a:extLst>
-              <a:ext uri="{FF2B5EF4-FFF2-40B4-BE49-F238E27FC236}">
-                <a16:creationId xmlns:a16="http://schemas.microsoft.com/office/drawing/2014/main" id="{31102CA5-61B7-0014-9621-07BF9E8B9587}"/>
-              </a:ext>
-            </a:extLst>
-          </p:cNvPr>
-          <p:cNvSpPr/>
+            <a:endParaRPr lang="ro-RO" dirty="0"/>
+          </a:p>
+        </p:txBody>
+      </p:sp>
+      <p:sp>
+        <p:nvSpPr>
+          <p:cNvPr id="7" name="TextBox 6">
+            <a:extLst>
+              <a:ext uri="{FF2B5EF4-FFF2-40B4-BE49-F238E27FC236}">
+                <a16:creationId xmlns:a16="http://schemas.microsoft.com/office/drawing/2014/main" id="{3E2F1EB3-7016-0A59-2F5B-A3160DD856F1}"/>
+              </a:ext>
+            </a:extLst>
+          </p:cNvPr>
+          <p:cNvSpPr txBox="1"/>
           <p:nvPr/>
         </p:nvSpPr>
         <p:spPr>
           <a:xfrm>
-            <a:off x="3842234" y="2816716"/>
-            <a:ext cx="4798846" cy="369332"/>
+            <a:off x="109081" y="4358400"/>
+            <a:ext cx="5922264" cy="923330"/>
           </a:xfrm>
           <a:prstGeom prst="rect">
             <a:avLst/>
           </a:prstGeom>
           <a:noFill/>
+        </p:spPr>
+        <p:txBody>
+          <a:bodyPr wrap="square" rtlCol="0">
+            <a:spAutoFit/>
+          </a:bodyPr>
+          <a:lstStyle/>
+          <a:p>
+            <a:r>
+              <a:rPr lang="ro-RO" dirty="0"/>
+              <a:t>INTERACȚIUNE SMART CU APLICAȚIA PENTRU CLIENȚI</a:t>
+            </a:r>
+          </a:p>
+          <a:p>
+            <a:r>
+              <a:rPr lang="ro-RO" dirty="0"/>
+              <a:t>NOI FUNCȚIONALITĂȚI DE GESTIUNE PENTRU ADMINISTRATORI</a:t>
+            </a:r>
+          </a:p>
+        </p:txBody>
+      </p:sp>
+      <p:pic>
+        <p:nvPicPr>
+          <p:cNvPr id="3" name="Picture 2" descr="A picture containing circle, clipart, graphics, screenshot&#10;&#10;Description automatically generated">
+            <a:extLst>
+              <a:ext uri="{FF2B5EF4-FFF2-40B4-BE49-F238E27FC236}">
+                <a16:creationId xmlns:a16="http://schemas.microsoft.com/office/drawing/2014/main" id="{151319B0-7531-7401-C36B-1FE5A2386E19}"/>
+              </a:ext>
+            </a:extLst>
+          </p:cNvPr>
+          <p:cNvPicPr>
+            <a:picLocks noChangeAspect="1"/>
+          </p:cNvPicPr>
+          <p:nvPr/>
+        </p:nvPicPr>
+        <p:blipFill>
+          <a:blip r:embed="rId5">
+            <a:extLst>
+              <a:ext uri="{28A0092B-C50C-407E-A947-70E740481C1C}">
+                <a14:useLocalDpi xmlns:a14="http://schemas.microsoft.com/office/drawing/2010/main" val="0"/>
+              </a:ext>
+            </a:extLst>
+          </a:blip>
+          <a:stretch>
+            <a:fillRect/>
+          </a:stretch>
+        </p:blipFill>
+        <p:spPr>
+          <a:xfrm>
+            <a:off x="194577" y="3390717"/>
+            <a:ext cx="967683" cy="967683"/>
+          </a:xfrm>
+          <a:prstGeom prst="rect">
+            <a:avLst/>
+          </a:prstGeom>
+        </p:spPr>
+      </p:pic>
+      <p:sp>
+        <p:nvSpPr>
+          <p:cNvPr id="8" name="Rectangle 7">
+            <a:extLst>
+              <a:ext uri="{FF2B5EF4-FFF2-40B4-BE49-F238E27FC236}">
+                <a16:creationId xmlns:a16="http://schemas.microsoft.com/office/drawing/2014/main" id="{44426356-1BBA-3C7A-CFE4-9C322446922D}"/>
+              </a:ext>
+            </a:extLst>
+          </p:cNvPr>
+          <p:cNvSpPr/>
+          <p:nvPr/>
+        </p:nvSpPr>
+        <p:spPr>
+          <a:xfrm>
+            <a:off x="6216073" y="3985441"/>
+            <a:ext cx="5879628" cy="1581912"/>
+          </a:xfrm>
+          <a:prstGeom prst="rect">
+            <a:avLst/>
+          </a:prstGeom>
+          <a:solidFill>
+            <a:srgbClr val="303192">
+              <a:alpha val="6000"/>
+            </a:srgbClr>
+          </a:solidFill>
+          <a:ln>
+            <a:solidFill>
+              <a:srgbClr val="303192"/>
+            </a:solidFill>
+          </a:ln>
         </p:spPr>
         <p:style>
           <a:lnRef idx="2">
@@ -7167,419 +9020,16 @@
           <a:lstStyle/>
           <a:p>
             <a:pPr algn="ctr"/>
-            <a:endParaRPr lang="ro-RO"/>
-          </a:p>
-        </p:txBody>
-      </p:sp>
-      <p:sp>
-        <p:nvSpPr>
-          <p:cNvPr id="23" name="Rectangle 22">
-            <a:extLst>
-              <a:ext uri="{FF2B5EF4-FFF2-40B4-BE49-F238E27FC236}">
-                <a16:creationId xmlns:a16="http://schemas.microsoft.com/office/drawing/2014/main" id="{1D17268E-E217-36D7-CB87-353B349EC139}"/>
-              </a:ext>
-            </a:extLst>
-          </p:cNvPr>
-          <p:cNvSpPr/>
-          <p:nvPr/>
-        </p:nvSpPr>
-        <p:spPr>
-          <a:xfrm>
-            <a:off x="2901695" y="3680716"/>
-            <a:ext cx="5601429" cy="869307"/>
-          </a:xfrm>
-          <a:prstGeom prst="rect">
-            <a:avLst/>
-          </a:prstGeom>
-          <a:noFill/>
-        </p:spPr>
-        <p:style>
-          <a:lnRef idx="2">
-            <a:schemeClr val="accent1">
-              <a:shade val="50000"/>
-            </a:schemeClr>
-          </a:lnRef>
-          <a:fillRef idx="1">
-            <a:schemeClr val="accent1"/>
-          </a:fillRef>
-          <a:effectRef idx="0">
-            <a:schemeClr val="accent1"/>
-          </a:effectRef>
-          <a:fontRef idx="minor">
-            <a:schemeClr val="lt1"/>
-          </a:fontRef>
-        </p:style>
-        <p:txBody>
-          <a:bodyPr rtlCol="0" anchor="ctr"/>
-          <a:lstStyle/>
-          <a:p>
-            <a:pPr algn="ctr"/>
-            <a:endParaRPr lang="ro-RO"/>
-          </a:p>
-        </p:txBody>
-      </p:sp>
-      <p:sp>
-        <p:nvSpPr>
-          <p:cNvPr id="25" name="Rectangle 24">
-            <a:extLst>
-              <a:ext uri="{FF2B5EF4-FFF2-40B4-BE49-F238E27FC236}">
-                <a16:creationId xmlns:a16="http://schemas.microsoft.com/office/drawing/2014/main" id="{7C339D7D-9197-3AE1-F9EF-4F5FC920A04C}"/>
-              </a:ext>
-            </a:extLst>
-          </p:cNvPr>
-          <p:cNvSpPr/>
-          <p:nvPr/>
-        </p:nvSpPr>
-        <p:spPr>
-          <a:xfrm>
-            <a:off x="3986784" y="5742206"/>
-            <a:ext cx="5601429" cy="702949"/>
-          </a:xfrm>
-          <a:prstGeom prst="rect">
-            <a:avLst/>
-          </a:prstGeom>
-          <a:noFill/>
-        </p:spPr>
-        <p:style>
-          <a:lnRef idx="2">
-            <a:schemeClr val="accent1">
-              <a:shade val="50000"/>
-            </a:schemeClr>
-          </a:lnRef>
-          <a:fillRef idx="1">
-            <a:schemeClr val="accent1"/>
-          </a:fillRef>
-          <a:effectRef idx="0">
-            <a:schemeClr val="accent1"/>
-          </a:effectRef>
-          <a:fontRef idx="minor">
-            <a:schemeClr val="lt1"/>
-          </a:fontRef>
-        </p:style>
-        <p:txBody>
-          <a:bodyPr rtlCol="0" anchor="ctr"/>
-          <a:lstStyle/>
-          <a:p>
-            <a:pPr algn="ctr"/>
-            <a:endParaRPr lang="ro-RO"/>
-          </a:p>
-        </p:txBody>
-      </p:sp>
-    </p:spTree>
-    <p:extLst>
-      <p:ext uri="{BB962C8B-B14F-4D97-AF65-F5344CB8AC3E}">
-        <p14:creationId xmlns:p14="http://schemas.microsoft.com/office/powerpoint/2010/main" val="2910119998"/>
-      </p:ext>
-    </p:extLst>
-  </p:cSld>
-  <p:clrMapOvr>
-    <a:masterClrMapping/>
-  </p:clrMapOvr>
-</p:sld>
-</file>
-
-<file path=ppt/slides/slide13.xml><?xml version="1.0" encoding="utf-8"?>
-<p:sld xmlns:a="http://schemas.openxmlformats.org/drawingml/2006/main" xmlns:r="http://schemas.openxmlformats.org/officeDocument/2006/relationships" xmlns:p="http://schemas.openxmlformats.org/presentationml/2006/main">
-  <p:cSld>
-    <p:spTree>
-      <p:nvGrpSpPr>
-        <p:cNvPr id="1" name=""/>
-        <p:cNvGrpSpPr/>
-        <p:nvPr/>
-      </p:nvGrpSpPr>
-      <p:grpSpPr>
-        <a:xfrm>
-          <a:off x="0" y="0"/>
-          <a:ext cx="0" cy="0"/>
-          <a:chOff x="0" y="0"/>
-          <a:chExt cx="0" cy="0"/>
-        </a:xfrm>
-      </p:grpSpPr>
+            <a:endParaRPr lang="ro-RO" dirty="0"/>
+          </a:p>
+        </p:txBody>
+      </p:sp>
       <p:pic>
         <p:nvPicPr>
-          <p:cNvPr id="4" name="Picture 3">
-            <a:extLst>
-              <a:ext uri="{FF2B5EF4-FFF2-40B4-BE49-F238E27FC236}">
-                <a16:creationId xmlns:a16="http://schemas.microsoft.com/office/drawing/2014/main" id="{F5067A44-10AA-4A5D-B879-C1AB478D55E0}"/>
-              </a:ext>
-            </a:extLst>
-          </p:cNvPr>
-          <p:cNvPicPr>
-            <a:picLocks noChangeAspect="1"/>
-          </p:cNvPicPr>
-          <p:nvPr/>
-        </p:nvPicPr>
-        <p:blipFill rotWithShape="1">
-          <a:blip r:embed="rId2">
-            <a:extLst>
-              <a:ext uri="{28A0092B-C50C-407E-A947-70E740481C1C}">
-                <a14:useLocalDpi xmlns:a14="http://schemas.microsoft.com/office/drawing/2010/main" val="0"/>
-              </a:ext>
-            </a:extLst>
-          </a:blip>
-          <a:srcRect r="4469"/>
-          <a:stretch/>
-        </p:blipFill>
-        <p:spPr>
-          <a:xfrm>
-            <a:off x="194577" y="15"/>
-            <a:ext cx="2722359" cy="1027905"/>
-          </a:xfrm>
-          <a:prstGeom prst="rect">
-            <a:avLst/>
-          </a:prstGeom>
-          <a:noFill/>
-        </p:spPr>
-      </p:pic>
-      <p:sp>
-        <p:nvSpPr>
-          <p:cNvPr id="12" name="Title 2">
-            <a:extLst>
-              <a:ext uri="{FF2B5EF4-FFF2-40B4-BE49-F238E27FC236}">
-                <a16:creationId xmlns:a16="http://schemas.microsoft.com/office/drawing/2014/main" id="{D63B059A-B609-6ECD-31EE-C43A05689B24}"/>
-              </a:ext>
-              <a:ext uri="{C183D7F6-B498-43B3-948B-1728B52AA6E4}">
-                <adec:decorative xmlns:adec="http://schemas.microsoft.com/office/drawing/2017/decorative" val="0"/>
-              </a:ext>
-            </a:extLst>
-          </p:cNvPr>
-          <p:cNvSpPr txBox="1">
-            <a:spLocks/>
-          </p:cNvSpPr>
-          <p:nvPr/>
-        </p:nvSpPr>
-        <p:spPr>
-          <a:xfrm>
-            <a:off x="2395728" y="163110"/>
-            <a:ext cx="8951976" cy="638568"/>
-          </a:xfrm>
-          <a:prstGeom prst="rect">
-            <a:avLst/>
-          </a:prstGeom>
-        </p:spPr>
-        <p:txBody>
-          <a:bodyPr vert="horz" lIns="91440" tIns="45720" rIns="91440" bIns="45720" rtlCol="0" anchor="b">
-            <a:noAutofit/>
-          </a:bodyPr>
-          <a:lstStyle>
-            <a:lvl1pPr algn="l" defTabSz="914400" rtl="0" eaLnBrk="1" latinLnBrk="0" hangingPunct="1">
-              <a:lnSpc>
-                <a:spcPct val="90000"/>
-              </a:lnSpc>
-              <a:spcBef>
-                <a:spcPct val="0"/>
-              </a:spcBef>
-              <a:buNone/>
-              <a:defRPr sz="6000" b="1" kern="1200" spc="-50" baseline="0">
-                <a:solidFill>
-                  <a:schemeClr val="accent1"/>
-                </a:solidFill>
-                <a:latin typeface="+mn-lt"/>
-                <a:ea typeface="+mj-ea"/>
-                <a:cs typeface="+mj-cs"/>
-              </a:defRPr>
-            </a:lvl1pPr>
-          </a:lstStyle>
-          <a:p>
-            <a:pPr marL="0" marR="0" lvl="0" indent="0" algn="ctr" defTabSz="914400" rtl="0" eaLnBrk="1" fontAlgn="auto" latinLnBrk="0" hangingPunct="1">
-              <a:lnSpc>
-                <a:spcPct val="90000"/>
-              </a:lnSpc>
-              <a:spcBef>
-                <a:spcPct val="0"/>
-              </a:spcBef>
-              <a:spcAft>
-                <a:spcPts val="0"/>
-              </a:spcAft>
-              <a:buClrTx/>
-              <a:buSzTx/>
-              <a:buFontTx/>
-              <a:buNone/>
-              <a:tabLst/>
-              <a:defRPr/>
-            </a:pPr>
-            <a:r>
-              <a:rPr lang="ro-RO" sz="3600" dirty="0">
-                <a:solidFill>
-                  <a:srgbClr val="303192"/>
-                </a:solidFill>
-                <a:latin typeface="Calibri" panose="020F0502020204030204"/>
-              </a:rPr>
-              <a:t>DIRECȚII DE CONTINUARE A DEZVOLTĂRII</a:t>
-            </a:r>
-          </a:p>
-        </p:txBody>
-      </p:sp>
-      <p:sp>
-        <p:nvSpPr>
-          <p:cNvPr id="17" name="Rectangle 16">
-            <a:extLst>
-              <a:ext uri="{FF2B5EF4-FFF2-40B4-BE49-F238E27FC236}">
-                <a16:creationId xmlns:a16="http://schemas.microsoft.com/office/drawing/2014/main" id="{47E5BFE0-F228-0FE7-C3D4-7D5F94B7019C}"/>
-              </a:ext>
-            </a:extLst>
-          </p:cNvPr>
-          <p:cNvSpPr/>
-          <p:nvPr/>
-        </p:nvSpPr>
-        <p:spPr>
-          <a:xfrm>
-            <a:off x="2722360" y="801678"/>
-            <a:ext cx="9469640" cy="226242"/>
-          </a:xfrm>
-          <a:prstGeom prst="rect">
-            <a:avLst/>
-          </a:prstGeom>
-          <a:gradFill flip="none" rotWithShape="1">
-            <a:gsLst>
-              <a:gs pos="0">
-                <a:srgbClr val="303192"/>
-              </a:gs>
-              <a:gs pos="50000">
-                <a:schemeClr val="accent1">
-                  <a:tint val="44500"/>
-                  <a:satMod val="160000"/>
-                </a:schemeClr>
-              </a:gs>
-              <a:gs pos="100000">
-                <a:schemeClr val="accent1">
-                  <a:tint val="23500"/>
-                  <a:satMod val="160000"/>
-                </a:schemeClr>
-              </a:gs>
-            </a:gsLst>
-            <a:lin ang="0" scaled="1"/>
-            <a:tileRect/>
-          </a:gradFill>
-          <a:ln>
-            <a:noFill/>
-          </a:ln>
-        </p:spPr>
-        <p:style>
-          <a:lnRef idx="2">
-            <a:schemeClr val="accent1">
-              <a:shade val="50000"/>
-            </a:schemeClr>
-          </a:lnRef>
-          <a:fillRef idx="1">
-            <a:schemeClr val="accent1"/>
-          </a:fillRef>
-          <a:effectRef idx="0">
-            <a:schemeClr val="accent1"/>
-          </a:effectRef>
-          <a:fontRef idx="minor">
-            <a:schemeClr val="lt1"/>
-          </a:fontRef>
-        </p:style>
-        <p:txBody>
-          <a:bodyPr rtlCol="0" anchor="ctr"/>
-          <a:lstStyle>
-            <a:defPPr>
-              <a:defRPr lang="en-US"/>
-            </a:defPPr>
-            <a:lvl1pPr marL="0" algn="l" defTabSz="914400" rtl="0" eaLnBrk="1" latinLnBrk="0" hangingPunct="1">
-              <a:defRPr sz="1800" kern="1200">
-                <a:solidFill>
-                  <a:schemeClr val="lt1"/>
-                </a:solidFill>
-                <a:latin typeface="+mn-lt"/>
-                <a:ea typeface="+mn-ea"/>
-                <a:cs typeface="+mn-cs"/>
-              </a:defRPr>
-            </a:lvl1pPr>
-            <a:lvl2pPr marL="457200" algn="l" defTabSz="914400" rtl="0" eaLnBrk="1" latinLnBrk="0" hangingPunct="1">
-              <a:defRPr sz="1800" kern="1200">
-                <a:solidFill>
-                  <a:schemeClr val="lt1"/>
-                </a:solidFill>
-                <a:latin typeface="+mn-lt"/>
-                <a:ea typeface="+mn-ea"/>
-                <a:cs typeface="+mn-cs"/>
-              </a:defRPr>
-            </a:lvl2pPr>
-            <a:lvl3pPr marL="914400" algn="l" defTabSz="914400" rtl="0" eaLnBrk="1" latinLnBrk="0" hangingPunct="1">
-              <a:defRPr sz="1800" kern="1200">
-                <a:solidFill>
-                  <a:schemeClr val="lt1"/>
-                </a:solidFill>
-                <a:latin typeface="+mn-lt"/>
-                <a:ea typeface="+mn-ea"/>
-                <a:cs typeface="+mn-cs"/>
-              </a:defRPr>
-            </a:lvl3pPr>
-            <a:lvl4pPr marL="1371600" algn="l" defTabSz="914400" rtl="0" eaLnBrk="1" latinLnBrk="0" hangingPunct="1">
-              <a:defRPr sz="1800" kern="1200">
-                <a:solidFill>
-                  <a:schemeClr val="lt1"/>
-                </a:solidFill>
-                <a:latin typeface="+mn-lt"/>
-                <a:ea typeface="+mn-ea"/>
-                <a:cs typeface="+mn-cs"/>
-              </a:defRPr>
-            </a:lvl4pPr>
-            <a:lvl5pPr marL="1828800" algn="l" defTabSz="914400" rtl="0" eaLnBrk="1" latinLnBrk="0" hangingPunct="1">
-              <a:defRPr sz="1800" kern="1200">
-                <a:solidFill>
-                  <a:schemeClr val="lt1"/>
-                </a:solidFill>
-                <a:latin typeface="+mn-lt"/>
-                <a:ea typeface="+mn-ea"/>
-                <a:cs typeface="+mn-cs"/>
-              </a:defRPr>
-            </a:lvl5pPr>
-            <a:lvl6pPr marL="2286000" algn="l" defTabSz="914400" rtl="0" eaLnBrk="1" latinLnBrk="0" hangingPunct="1">
-              <a:defRPr sz="1800" kern="1200">
-                <a:solidFill>
-                  <a:schemeClr val="lt1"/>
-                </a:solidFill>
-                <a:latin typeface="+mn-lt"/>
-                <a:ea typeface="+mn-ea"/>
-                <a:cs typeface="+mn-cs"/>
-              </a:defRPr>
-            </a:lvl6pPr>
-            <a:lvl7pPr marL="2743200" algn="l" defTabSz="914400" rtl="0" eaLnBrk="1" latinLnBrk="0" hangingPunct="1">
-              <a:defRPr sz="1800" kern="1200">
-                <a:solidFill>
-                  <a:schemeClr val="lt1"/>
-                </a:solidFill>
-                <a:latin typeface="+mn-lt"/>
-                <a:ea typeface="+mn-ea"/>
-                <a:cs typeface="+mn-cs"/>
-              </a:defRPr>
-            </a:lvl7pPr>
-            <a:lvl8pPr marL="3200400" algn="l" defTabSz="914400" rtl="0" eaLnBrk="1" latinLnBrk="0" hangingPunct="1">
-              <a:defRPr sz="1800" kern="1200">
-                <a:solidFill>
-                  <a:schemeClr val="lt1"/>
-                </a:solidFill>
-                <a:latin typeface="+mn-lt"/>
-                <a:ea typeface="+mn-ea"/>
-                <a:cs typeface="+mn-cs"/>
-              </a:defRPr>
-            </a:lvl8pPr>
-            <a:lvl9pPr marL="3657600" algn="l" defTabSz="914400" rtl="0" eaLnBrk="1" latinLnBrk="0" hangingPunct="1">
-              <a:defRPr sz="1800" kern="1200">
-                <a:solidFill>
-                  <a:schemeClr val="lt1"/>
-                </a:solidFill>
-                <a:latin typeface="+mn-lt"/>
-                <a:ea typeface="+mn-ea"/>
-                <a:cs typeface="+mn-cs"/>
-              </a:defRPr>
-            </a:lvl9pPr>
-          </a:lstStyle>
-          <a:p>
-            <a:pPr algn="ctr"/>
-            <a:endParaRPr lang="ro-RO"/>
-          </a:p>
-        </p:txBody>
-      </p:sp>
-      <p:pic>
-        <p:nvPicPr>
-          <p:cNvPr id="5" name="Picture 4" descr="A picture containing circle, colorfulness, screenshot, rectangle&#10;&#10;Description automatically generated">
-            <a:extLst>
-              <a:ext uri="{FF2B5EF4-FFF2-40B4-BE49-F238E27FC236}">
-                <a16:creationId xmlns:a16="http://schemas.microsoft.com/office/drawing/2014/main" id="{F5A6C8E8-48E4-A224-3259-A0B27ED7501E}"/>
+          <p:cNvPr id="9" name="Picture 8" descr="A picture containing circle, screenshot, design&#10;&#10;Description automatically generated">
+            <a:extLst>
+              <a:ext uri="{FF2B5EF4-FFF2-40B4-BE49-F238E27FC236}">
+                <a16:creationId xmlns:a16="http://schemas.microsoft.com/office/drawing/2014/main" id="{3DB7A48A-0029-8ED7-351D-01F9979F4E5D}"/>
               </a:ext>
             </a:extLst>
           </p:cNvPr>
@@ -7589,7 +9039,7 @@
           <p:nvPr/>
         </p:nvPicPr>
         <p:blipFill>
-          <a:blip r:embed="rId3">
+          <a:blip r:embed="rId6">
             <a:extLst>
               <a:ext uri="{28A0092B-C50C-407E-A947-70E740481C1C}">
                 <a14:useLocalDpi xmlns:a14="http://schemas.microsoft.com/office/drawing/2010/main" val="0"/>
@@ -7602,8 +9052,8 @@
         </p:blipFill>
         <p:spPr>
           <a:xfrm>
-            <a:off x="2238518" y="2392219"/>
-            <a:ext cx="1325575" cy="1325575"/>
+            <a:off x="8309634" y="2392219"/>
+            <a:ext cx="1460189" cy="1460189"/>
           </a:xfrm>
           <a:prstGeom prst="rect">
             <a:avLst/>
@@ -7612,66 +9062,10 @@
       </p:pic>
       <p:sp>
         <p:nvSpPr>
-          <p:cNvPr id="6" name="Rectangle 5">
-            <a:extLst>
-              <a:ext uri="{FF2B5EF4-FFF2-40B4-BE49-F238E27FC236}">
-                <a16:creationId xmlns:a16="http://schemas.microsoft.com/office/drawing/2014/main" id="{71756234-0EE7-13FF-3B19-BB5AF242FFC6}"/>
-              </a:ext>
-            </a:extLst>
-          </p:cNvPr>
-          <p:cNvSpPr/>
-          <p:nvPr/>
-        </p:nvSpPr>
-        <p:spPr>
-          <a:xfrm>
-            <a:off x="109081" y="3985441"/>
-            <a:ext cx="5879628" cy="1581912"/>
-          </a:xfrm>
-          <a:prstGeom prst="rect">
-            <a:avLst/>
-          </a:prstGeom>
-          <a:solidFill>
-            <a:srgbClr val="00CC99">
-              <a:alpha val="6000"/>
-            </a:srgbClr>
-          </a:solidFill>
-          <a:ln>
-            <a:solidFill>
-              <a:srgbClr val="00CC99"/>
-            </a:solidFill>
-          </a:ln>
-        </p:spPr>
-        <p:style>
-          <a:lnRef idx="2">
-            <a:schemeClr val="accent1">
-              <a:shade val="50000"/>
-            </a:schemeClr>
-          </a:lnRef>
-          <a:fillRef idx="1">
-            <a:schemeClr val="accent1"/>
-          </a:fillRef>
-          <a:effectRef idx="0">
-            <a:schemeClr val="accent1"/>
-          </a:effectRef>
-          <a:fontRef idx="minor">
-            <a:schemeClr val="lt1"/>
-          </a:fontRef>
-        </p:style>
-        <p:txBody>
-          <a:bodyPr rtlCol="0" anchor="ctr"/>
-          <a:lstStyle/>
-          <a:p>
-            <a:pPr algn="ctr"/>
-            <a:endParaRPr lang="ro-RO" dirty="0"/>
-          </a:p>
-        </p:txBody>
-      </p:sp>
-      <p:sp>
-        <p:nvSpPr>
-          <p:cNvPr id="7" name="TextBox 6">
-            <a:extLst>
-              <a:ext uri="{FF2B5EF4-FFF2-40B4-BE49-F238E27FC236}">
-                <a16:creationId xmlns:a16="http://schemas.microsoft.com/office/drawing/2014/main" id="{3E2F1EB3-7016-0A59-2F5B-A3160DD856F1}"/>
+          <p:cNvPr id="10" name="TextBox 9">
+            <a:extLst>
+              <a:ext uri="{FF2B5EF4-FFF2-40B4-BE49-F238E27FC236}">
+                <a16:creationId xmlns:a16="http://schemas.microsoft.com/office/drawing/2014/main" id="{461F7D1E-37C9-1EBC-7B73-6451B2119A55}"/>
               </a:ext>
             </a:extLst>
           </p:cNvPr>
@@ -7680,8 +9074,8 @@
         </p:nvSpPr>
         <p:spPr>
           <a:xfrm>
-            <a:off x="109081" y="4453231"/>
-            <a:ext cx="5922264" cy="923330"/>
+            <a:off x="1527213" y="1906515"/>
+            <a:ext cx="2779445" cy="400110"/>
           </a:xfrm>
           <a:prstGeom prst="rect">
             <a:avLst/>
@@ -7694,117 +9088,99 @@
           </a:bodyPr>
           <a:lstStyle/>
           <a:p>
-            <a:r>
-              <a:rPr lang="ro-RO" dirty="0"/>
-              <a:t>INTERACȚIUNE SMART CU APLICAȚIA PENTRU CLIENȚI</a:t>
-            </a:r>
-          </a:p>
-          <a:p>
-            <a:r>
-              <a:rPr lang="ro-RO" dirty="0"/>
-              <a:t>NOI FUNCȚIONALITĂȚI DE GESTIUNE PENTRU ADMINISTRATORI</a:t>
-            </a:r>
-          </a:p>
-        </p:txBody>
-      </p:sp>
-      <p:pic>
-        <p:nvPicPr>
-          <p:cNvPr id="3" name="Picture 2" descr="A picture containing circle, clipart, graphics, screenshot&#10;&#10;Description automatically generated">
-            <a:extLst>
-              <a:ext uri="{FF2B5EF4-FFF2-40B4-BE49-F238E27FC236}">
-                <a16:creationId xmlns:a16="http://schemas.microsoft.com/office/drawing/2014/main" id="{151319B0-7531-7401-C36B-1FE5A2386E19}"/>
-              </a:ext>
-            </a:extLst>
-          </p:cNvPr>
-          <p:cNvPicPr>
-            <a:picLocks noChangeAspect="1"/>
-          </p:cNvPicPr>
+            <a:pPr algn="ctr"/>
+            <a:r>
+              <a:rPr lang="ro-RO" sz="2000" dirty="0"/>
+              <a:t>APLICAȚIILE MOBILE</a:t>
+            </a:r>
+          </a:p>
+        </p:txBody>
+      </p:sp>
+      <p:sp>
+        <p:nvSpPr>
+          <p:cNvPr id="11" name="TextBox 10">
+            <a:extLst>
+              <a:ext uri="{FF2B5EF4-FFF2-40B4-BE49-F238E27FC236}">
+                <a16:creationId xmlns:a16="http://schemas.microsoft.com/office/drawing/2014/main" id="{E55930BB-E236-6A9F-B806-D07167DACA0B}"/>
+              </a:ext>
+            </a:extLst>
+          </p:cNvPr>
+          <p:cNvSpPr txBox="1"/>
           <p:nvPr/>
-        </p:nvPicPr>
-        <p:blipFill>
-          <a:blip r:embed="rId4">
-            <a:extLst>
-              <a:ext uri="{28A0092B-C50C-407E-A947-70E740481C1C}">
-                <a14:useLocalDpi xmlns:a14="http://schemas.microsoft.com/office/drawing/2010/main" val="0"/>
-              </a:ext>
-            </a:extLst>
-          </a:blip>
-          <a:stretch>
-            <a:fillRect/>
-          </a:stretch>
-        </p:blipFill>
-        <p:spPr>
-          <a:xfrm>
-            <a:off x="194577" y="3390717"/>
-            <a:ext cx="967683" cy="967683"/>
+        </p:nvSpPr>
+        <p:spPr>
+          <a:xfrm>
+            <a:off x="7650007" y="1925593"/>
+            <a:ext cx="2779445" cy="400110"/>
           </a:xfrm>
           <a:prstGeom prst="rect">
             <a:avLst/>
           </a:prstGeom>
-        </p:spPr>
-      </p:pic>
-      <p:sp>
-        <p:nvSpPr>
-          <p:cNvPr id="8" name="Rectangle 7">
-            <a:extLst>
-              <a:ext uri="{FF2B5EF4-FFF2-40B4-BE49-F238E27FC236}">
-                <a16:creationId xmlns:a16="http://schemas.microsoft.com/office/drawing/2014/main" id="{44426356-1BBA-3C7A-CFE4-9C322446922D}"/>
-              </a:ext>
-            </a:extLst>
-          </p:cNvPr>
-          <p:cNvSpPr/>
+          <a:noFill/>
+        </p:spPr>
+        <p:txBody>
+          <a:bodyPr wrap="square" rtlCol="0">
+            <a:spAutoFit/>
+          </a:bodyPr>
+          <a:lstStyle/>
+          <a:p>
+            <a:pPr algn="ctr"/>
+            <a:r>
+              <a:rPr lang="ro-RO" sz="2000" dirty="0"/>
+              <a:t>APLICAȚIA ARDUINO</a:t>
+            </a:r>
+          </a:p>
+        </p:txBody>
+      </p:sp>
+      <p:sp>
+        <p:nvSpPr>
+          <p:cNvPr id="15" name="TextBox 14">
+            <a:extLst>
+              <a:ext uri="{FF2B5EF4-FFF2-40B4-BE49-F238E27FC236}">
+                <a16:creationId xmlns:a16="http://schemas.microsoft.com/office/drawing/2014/main" id="{40D58940-11A6-D475-F487-5734D40DC2B5}"/>
+              </a:ext>
+            </a:extLst>
+          </p:cNvPr>
+          <p:cNvSpPr txBox="1"/>
           <p:nvPr/>
         </p:nvSpPr>
         <p:spPr>
           <a:xfrm>
-            <a:off x="6216073" y="3985441"/>
-            <a:ext cx="5879628" cy="1581912"/>
+            <a:off x="6216073" y="4338764"/>
+            <a:ext cx="5922264" cy="923330"/>
           </a:xfrm>
           <a:prstGeom prst="rect">
             <a:avLst/>
           </a:prstGeom>
-          <a:solidFill>
-            <a:srgbClr val="303192">
-              <a:alpha val="6000"/>
-            </a:srgbClr>
-          </a:solidFill>
-          <a:ln>
-            <a:solidFill>
-              <a:srgbClr val="303192"/>
-            </a:solidFill>
-          </a:ln>
-        </p:spPr>
-        <p:style>
-          <a:lnRef idx="2">
-            <a:schemeClr val="accent1">
-              <a:shade val="50000"/>
-            </a:schemeClr>
-          </a:lnRef>
-          <a:fillRef idx="1">
-            <a:schemeClr val="accent1"/>
-          </a:fillRef>
-          <a:effectRef idx="0">
-            <a:schemeClr val="accent1"/>
-          </a:effectRef>
-          <a:fontRef idx="minor">
-            <a:schemeClr val="lt1"/>
-          </a:fontRef>
-        </p:style>
-        <p:txBody>
-          <a:bodyPr rtlCol="0" anchor="ctr"/>
+          <a:noFill/>
+        </p:spPr>
+        <p:txBody>
+          <a:bodyPr wrap="square" rtlCol="0">
+            <a:spAutoFit/>
+          </a:bodyPr>
           <a:lstStyle/>
           <a:p>
-            <a:pPr algn="ctr"/>
-            <a:endParaRPr lang="ro-RO" dirty="0"/>
+            <a:pPr algn="r"/>
+            <a:r>
+              <a:rPr lang="ro-RO" dirty="0"/>
+              <a:t>FOLOSIREA CONEXIUNII 5G PENTRU A ÎMBUNĂTĂȚII VITEZA DE TRANSFER A DATELOR</a:t>
+            </a:r>
+          </a:p>
+          <a:p>
+            <a:pPr algn="r"/>
+            <a:r>
+              <a:rPr lang="ro-RO" dirty="0"/>
+              <a:t>ADĂUGAREA  MAI MULTOR NIVELE DE SECURITATE</a:t>
+            </a:r>
           </a:p>
         </p:txBody>
       </p:sp>
       <p:pic>
         <p:nvPicPr>
-          <p:cNvPr id="9" name="Picture 8" descr="A picture containing circle, screenshot, design&#10;&#10;Description automatically generated">
-            <a:extLst>
-              <a:ext uri="{FF2B5EF4-FFF2-40B4-BE49-F238E27FC236}">
-                <a16:creationId xmlns:a16="http://schemas.microsoft.com/office/drawing/2014/main" id="{3DB7A48A-0029-8ED7-351D-01F9979F4E5D}"/>
+          <p:cNvPr id="16" name="Picture 15" descr="A picture containing circle, clipart, graphics, screenshot&#10;&#10;Description automatically generated">
+            <a:extLst>
+              <a:ext uri="{FF2B5EF4-FFF2-40B4-BE49-F238E27FC236}">
+                <a16:creationId xmlns:a16="http://schemas.microsoft.com/office/drawing/2014/main" id="{6B60EA43-CDE0-6C79-6C3A-F990229A4613}"/>
               </a:ext>
             </a:extLst>
           </p:cNvPr>
@@ -7815,157 +9191,6 @@
         </p:nvPicPr>
         <p:blipFill>
           <a:blip r:embed="rId5">
-            <a:extLst>
-              <a:ext uri="{28A0092B-C50C-407E-A947-70E740481C1C}">
-                <a14:useLocalDpi xmlns:a14="http://schemas.microsoft.com/office/drawing/2010/main" val="0"/>
-              </a:ext>
-            </a:extLst>
-          </a:blip>
-          <a:stretch>
-            <a:fillRect/>
-          </a:stretch>
-        </p:blipFill>
-        <p:spPr>
-          <a:xfrm>
-            <a:off x="8309634" y="2392219"/>
-            <a:ext cx="1460189" cy="1460189"/>
-          </a:xfrm>
-          <a:prstGeom prst="rect">
-            <a:avLst/>
-          </a:prstGeom>
-        </p:spPr>
-      </p:pic>
-      <p:sp>
-        <p:nvSpPr>
-          <p:cNvPr id="10" name="TextBox 9">
-            <a:extLst>
-              <a:ext uri="{FF2B5EF4-FFF2-40B4-BE49-F238E27FC236}">
-                <a16:creationId xmlns:a16="http://schemas.microsoft.com/office/drawing/2014/main" id="{461F7D1E-37C9-1EBC-7B73-6451B2119A55}"/>
-              </a:ext>
-            </a:extLst>
-          </p:cNvPr>
-          <p:cNvSpPr txBox="1"/>
-          <p:nvPr/>
-        </p:nvSpPr>
-        <p:spPr>
-          <a:xfrm>
-            <a:off x="1527213" y="1906515"/>
-            <a:ext cx="2779445" cy="400110"/>
-          </a:xfrm>
-          <a:prstGeom prst="rect">
-            <a:avLst/>
-          </a:prstGeom>
-          <a:noFill/>
-        </p:spPr>
-        <p:txBody>
-          <a:bodyPr wrap="square" rtlCol="0">
-            <a:spAutoFit/>
-          </a:bodyPr>
-          <a:lstStyle/>
-          <a:p>
-            <a:pPr algn="ctr"/>
-            <a:r>
-              <a:rPr lang="ro-RO" sz="2000" dirty="0"/>
-              <a:t>APLICAȚIILE MOBILE</a:t>
-            </a:r>
-          </a:p>
-        </p:txBody>
-      </p:sp>
-      <p:sp>
-        <p:nvSpPr>
-          <p:cNvPr id="11" name="TextBox 10">
-            <a:extLst>
-              <a:ext uri="{FF2B5EF4-FFF2-40B4-BE49-F238E27FC236}">
-                <a16:creationId xmlns:a16="http://schemas.microsoft.com/office/drawing/2014/main" id="{E55930BB-E236-6A9F-B806-D07167DACA0B}"/>
-              </a:ext>
-            </a:extLst>
-          </p:cNvPr>
-          <p:cNvSpPr txBox="1"/>
-          <p:nvPr/>
-        </p:nvSpPr>
-        <p:spPr>
-          <a:xfrm>
-            <a:off x="7650007" y="1925593"/>
-            <a:ext cx="2779445" cy="400110"/>
-          </a:xfrm>
-          <a:prstGeom prst="rect">
-            <a:avLst/>
-          </a:prstGeom>
-          <a:noFill/>
-        </p:spPr>
-        <p:txBody>
-          <a:bodyPr wrap="square" rtlCol="0">
-            <a:spAutoFit/>
-          </a:bodyPr>
-          <a:lstStyle/>
-          <a:p>
-            <a:pPr algn="ctr"/>
-            <a:r>
-              <a:rPr lang="ro-RO" sz="2000" dirty="0"/>
-              <a:t>APLICAȚIA ARDUINO</a:t>
-            </a:r>
-          </a:p>
-        </p:txBody>
-      </p:sp>
-      <p:sp>
-        <p:nvSpPr>
-          <p:cNvPr id="15" name="TextBox 14">
-            <a:extLst>
-              <a:ext uri="{FF2B5EF4-FFF2-40B4-BE49-F238E27FC236}">
-                <a16:creationId xmlns:a16="http://schemas.microsoft.com/office/drawing/2014/main" id="{40D58940-11A6-D475-F487-5734D40DC2B5}"/>
-              </a:ext>
-            </a:extLst>
-          </p:cNvPr>
-          <p:cNvSpPr txBox="1"/>
-          <p:nvPr/>
-        </p:nvSpPr>
-        <p:spPr>
-          <a:xfrm>
-            <a:off x="6216073" y="4338764"/>
-            <a:ext cx="5922264" cy="923330"/>
-          </a:xfrm>
-          <a:prstGeom prst="rect">
-            <a:avLst/>
-          </a:prstGeom>
-          <a:noFill/>
-        </p:spPr>
-        <p:txBody>
-          <a:bodyPr wrap="square" rtlCol="0">
-            <a:spAutoFit/>
-          </a:bodyPr>
-          <a:lstStyle/>
-          <a:p>
-            <a:pPr algn="r"/>
-            <a:r>
-              <a:rPr lang="ro-RO" dirty="0"/>
-              <a:t>FOLOSIREA UNEI TIP DE CONEXIUNI PENTRU A PUTEA ACCESA MAȘINA DE LA O DISTANȚĂ MAI MARE (GSM)</a:t>
-            </a:r>
-          </a:p>
-          <a:p>
-            <a:pPr algn="r"/>
-            <a:r>
-              <a:rPr lang="ro-RO" dirty="0"/>
-              <a:t>ADĂUGAREA A MAI MULTOR STRATURI DE SECURITATE</a:t>
-            </a:r>
-          </a:p>
-        </p:txBody>
-      </p:sp>
-      <p:pic>
-        <p:nvPicPr>
-          <p:cNvPr id="16" name="Picture 15" descr="A picture containing circle, clipart, graphics, screenshot&#10;&#10;Description automatically generated">
-            <a:extLst>
-              <a:ext uri="{FF2B5EF4-FFF2-40B4-BE49-F238E27FC236}">
-                <a16:creationId xmlns:a16="http://schemas.microsoft.com/office/drawing/2014/main" id="{6B60EA43-CDE0-6C79-6C3A-F990229A4613}"/>
-              </a:ext>
-            </a:extLst>
-          </p:cNvPr>
-          <p:cNvPicPr>
-            <a:picLocks noChangeAspect="1"/>
-          </p:cNvPicPr>
-          <p:nvPr/>
-        </p:nvPicPr>
-        <p:blipFill>
-          <a:blip r:embed="rId4">
             <a:extLst>
               <a:ext uri="{28A0092B-C50C-407E-A947-70E740481C1C}">
                 <a14:useLocalDpi xmlns:a14="http://schemas.microsoft.com/office/drawing/2010/main" val="0"/>
@@ -7999,7 +9224,7 @@
 </p:sld>
 </file>
 
-<file path=ppt/slides/slide14.xml><?xml version="1.0" encoding="utf-8"?>
+<file path=ppt/slides/slide13.xml><?xml version="1.0" encoding="utf-8"?>
 <p:sld xmlns:a="http://schemas.openxmlformats.org/drawingml/2006/main" xmlns:r="http://schemas.openxmlformats.org/officeDocument/2006/relationships" xmlns:p="http://schemas.openxmlformats.org/presentationml/2006/main">
   <p:cSld>
     <p:spTree>
@@ -8782,7 +10007,7 @@
           <p:nvPr/>
         </p:nvPicPr>
         <p:blipFill rotWithShape="1">
-          <a:blip r:embed="rId2">
+          <a:blip r:embed="rId3">
             <a:extLst>
               <a:ext uri="{28A0092B-C50C-407E-A947-70E740481C1C}">
                 <a14:useLocalDpi xmlns:a14="http://schemas.microsoft.com/office/drawing/2010/main" val="0"/>
@@ -9096,7 +10321,9 @@
               </a:ext>
             </a:extLst>
           </p:cNvPr>
-          <p:cNvCxnSpPr/>
+          <p:cNvCxnSpPr>
+            <a:cxnSpLocks noGrp="1" noRot="1" noMove="1" noResize="1" noEditPoints="1" noAdjustHandles="1" noChangeArrowheads="1" noChangeShapeType="1"/>
+          </p:cNvCxnSpPr>
           <p:nvPr/>
         </p:nvCxnSpPr>
         <p:spPr>
@@ -9137,12 +10364,14 @@
               </a:ext>
             </a:extLst>
           </p:cNvPr>
-          <p:cNvSpPr/>
+          <p:cNvSpPr>
+            <a:spLocks noGrp="1" noRot="1" noMove="1" noResize="1" noEditPoints="1" noAdjustHandles="1" noChangeArrowheads="1" noChangeShapeType="1"/>
+          </p:cNvSpPr>
           <p:nvPr/>
         </p:nvSpPr>
         <p:spPr>
           <a:xfrm>
-            <a:off x="1998482" y="2182304"/>
+            <a:off x="1313968" y="2167895"/>
             <a:ext cx="612743" cy="593889"/>
           </a:xfrm>
           <a:prstGeom prst="rect">
@@ -9181,12 +10410,14 @@
               </a:ext>
             </a:extLst>
           </p:cNvPr>
-          <p:cNvSpPr/>
+          <p:cNvSpPr>
+            <a:spLocks noGrp="1" noRot="1" noMove="1" noResize="1" noEditPoints="1" noAdjustHandles="1" noChangeArrowheads="1" noChangeShapeType="1"/>
+          </p:cNvSpPr>
           <p:nvPr/>
         </p:nvSpPr>
         <p:spPr>
           <a:xfrm>
-            <a:off x="5813588" y="2168161"/>
+            <a:off x="4243947" y="2198641"/>
             <a:ext cx="612743" cy="593889"/>
           </a:xfrm>
           <a:prstGeom prst="rect">
@@ -9225,12 +10456,14 @@
               </a:ext>
             </a:extLst>
           </p:cNvPr>
-          <p:cNvSpPr/>
+          <p:cNvSpPr>
+            <a:spLocks noGrp="1" noRot="1" noMove="1" noResize="1" noEditPoints="1" noAdjustHandles="1" noChangeArrowheads="1" noChangeShapeType="1"/>
+          </p:cNvSpPr>
           <p:nvPr/>
         </p:nvSpPr>
         <p:spPr>
           <a:xfrm>
-            <a:off x="9594912" y="2189373"/>
+            <a:off x="7173926" y="2219853"/>
             <a:ext cx="612743" cy="593889"/>
           </a:xfrm>
           <a:prstGeom prst="rect">
@@ -9275,13 +10508,14 @@
             </a:extLst>
           </p:cNvPr>
           <p:cNvCxnSpPr>
+            <a:cxnSpLocks noGrp="1" noRot="1" noMove="1" noResize="1" noEditPoints="1" noAdjustHandles="1" noChangeArrowheads="1" noChangeShapeType="1"/>
             <a:stCxn id="21" idx="2"/>
           </p:cNvCxnSpPr>
           <p:nvPr/>
         </p:nvCxnSpPr>
         <p:spPr>
           <a:xfrm flipH="1">
-            <a:off x="2304853" y="2776193"/>
+            <a:off x="1620339" y="2761784"/>
             <a:ext cx="1" cy="325226"/>
           </a:xfrm>
           <a:prstGeom prst="line">
@@ -9317,12 +10551,14 @@
               </a:ext>
             </a:extLst>
           </p:cNvPr>
-          <p:cNvCxnSpPr/>
+          <p:cNvCxnSpPr>
+            <a:cxnSpLocks noGrp="1" noRot="1" noMove="1" noResize="1" noEditPoints="1" noAdjustHandles="1" noChangeArrowheads="1" noChangeShapeType="1"/>
+          </p:cNvCxnSpPr>
           <p:nvPr/>
         </p:nvCxnSpPr>
         <p:spPr>
           <a:xfrm flipH="1">
-            <a:off x="6106995" y="2754983"/>
+            <a:off x="4537354" y="2785463"/>
             <a:ext cx="1" cy="325226"/>
           </a:xfrm>
           <a:prstGeom prst="line">
@@ -9358,12 +10594,14 @@
               </a:ext>
             </a:extLst>
           </p:cNvPr>
-          <p:cNvCxnSpPr/>
+          <p:cNvCxnSpPr>
+            <a:cxnSpLocks noGrp="1" noRot="1" noMove="1" noResize="1" noEditPoints="1" noAdjustHandles="1" noChangeArrowheads="1" noChangeShapeType="1"/>
+          </p:cNvCxnSpPr>
           <p:nvPr/>
         </p:nvCxnSpPr>
         <p:spPr>
           <a:xfrm flipH="1">
-            <a:off x="9904426" y="2790336"/>
+            <a:off x="7483440" y="2820816"/>
             <a:ext cx="1" cy="325226"/>
           </a:xfrm>
           <a:prstGeom prst="line">
@@ -9399,12 +10637,14 @@
               </a:ext>
             </a:extLst>
           </p:cNvPr>
-          <p:cNvSpPr txBox="1"/>
+          <p:cNvSpPr txBox="1">
+            <a:spLocks noGrp="1" noRot="1" noMove="1" noResize="1" noEditPoints="1" noAdjustHandles="1" noChangeArrowheads="1" noChangeShapeType="1"/>
+          </p:cNvSpPr>
           <p:nvPr/>
         </p:nvSpPr>
         <p:spPr>
           <a:xfrm>
-            <a:off x="2134774" y="2255484"/>
+            <a:off x="1447934" y="2202874"/>
             <a:ext cx="340158" cy="461665"/>
           </a:xfrm>
           <a:prstGeom prst="rect">
@@ -9434,12 +10674,14 @@
               </a:ext>
             </a:extLst>
           </p:cNvPr>
-          <p:cNvSpPr txBox="1"/>
+          <p:cNvSpPr txBox="1">
+            <a:spLocks noGrp="1" noRot="1" noMove="1" noResize="1" noEditPoints="1" noAdjustHandles="1" noChangeArrowheads="1" noChangeShapeType="1"/>
+          </p:cNvSpPr>
           <p:nvPr/>
         </p:nvSpPr>
         <p:spPr>
           <a:xfrm>
-            <a:off x="5949880" y="2205991"/>
+            <a:off x="4380239" y="2236471"/>
             <a:ext cx="340158" cy="461665"/>
           </a:xfrm>
           <a:prstGeom prst="rect">
@@ -9469,12 +10711,14 @@
               </a:ext>
             </a:extLst>
           </p:cNvPr>
-          <p:cNvSpPr txBox="1"/>
+          <p:cNvSpPr txBox="1">
+            <a:spLocks noGrp="1" noRot="1" noMove="1" noResize="1" noEditPoints="1" noAdjustHandles="1" noChangeArrowheads="1" noChangeShapeType="1"/>
+          </p:cNvSpPr>
           <p:nvPr/>
         </p:nvSpPr>
         <p:spPr>
           <a:xfrm>
-            <a:off x="9731204" y="2234274"/>
+            <a:off x="7310218" y="2264754"/>
             <a:ext cx="340158" cy="461665"/>
           </a:xfrm>
           <a:prstGeom prst="rect">
@@ -9504,13 +10748,15 @@
               </a:ext>
             </a:extLst>
           </p:cNvPr>
-          <p:cNvSpPr/>
+          <p:cNvSpPr>
+            <a:spLocks noGrp="1" noRot="1" noMove="1" noResize="1" noEditPoints="1" noAdjustHandles="1" noChangeArrowheads="1" noChangeShapeType="1"/>
+          </p:cNvSpPr>
           <p:nvPr/>
         </p:nvSpPr>
         <p:spPr>
           <a:xfrm>
-            <a:off x="928800" y="3308808"/>
-            <a:ext cx="2686637" cy="3120266"/>
+            <a:off x="206398" y="3322552"/>
+            <a:ext cx="2686636" cy="3137002"/>
           </a:xfrm>
           <a:prstGeom prst="rect">
             <a:avLst/>
@@ -9548,12 +10794,14 @@
               </a:ext>
             </a:extLst>
           </p:cNvPr>
-          <p:cNvSpPr/>
+          <p:cNvSpPr>
+            <a:spLocks noGrp="1" noRot="1" noMove="1" noResize="1" noEditPoints="1" noAdjustHandles="1" noChangeArrowheads="1" noChangeShapeType="1"/>
+          </p:cNvSpPr>
           <p:nvPr/>
         </p:nvSpPr>
         <p:spPr>
           <a:xfrm>
-            <a:off x="4776642" y="3308808"/>
+            <a:off x="3207001" y="3339288"/>
             <a:ext cx="2686637" cy="3120266"/>
           </a:xfrm>
           <a:prstGeom prst="rect">
@@ -9592,12 +10840,14 @@
               </a:ext>
             </a:extLst>
           </p:cNvPr>
-          <p:cNvSpPr/>
+          <p:cNvSpPr>
+            <a:spLocks noGrp="1" noRot="1" noMove="1" noResize="1" noEditPoints="1" noAdjustHandles="1" noChangeArrowheads="1" noChangeShapeType="1"/>
+          </p:cNvSpPr>
           <p:nvPr/>
         </p:nvSpPr>
         <p:spPr>
           <a:xfrm>
-            <a:off x="8576563" y="3308808"/>
+            <a:off x="6155577" y="3339288"/>
             <a:ext cx="2686637" cy="3120266"/>
           </a:xfrm>
           <a:prstGeom prst="rect">
@@ -9636,13 +10886,15 @@
               </a:ext>
             </a:extLst>
           </p:cNvPr>
-          <p:cNvSpPr txBox="1"/>
+          <p:cNvSpPr txBox="1">
+            <a:spLocks noGrp="1" noRot="1" noMove="1" noResize="1" noEditPoints="1" noAdjustHandles="1" noChangeArrowheads="1" noChangeShapeType="1"/>
+          </p:cNvSpPr>
           <p:nvPr/>
         </p:nvSpPr>
         <p:spPr>
           <a:xfrm>
-            <a:off x="928801" y="3455421"/>
-            <a:ext cx="2686636" cy="923330"/>
+            <a:off x="238828" y="3517041"/>
+            <a:ext cx="2686635" cy="928282"/>
           </a:xfrm>
           <a:prstGeom prst="rect">
             <a:avLst/>
@@ -9658,7 +10910,7 @@
             <a:pPr algn="ctr"/>
             <a:r>
               <a:rPr lang="ro-RO" b="1" dirty="0"/>
-              <a:t>DEZVOLTAREA CONTINĂ ȘI RAPIDĂ A TEHNOLOGIEI</a:t>
+              <a:t>DEZVOLTAREA CONTINUĂ ȘI RAPIDĂ A TEHNOLOGIEI</a:t>
             </a:r>
           </a:p>
           <a:p>
@@ -9676,12 +10928,14 @@
               </a:ext>
             </a:extLst>
           </p:cNvPr>
-          <p:cNvSpPr txBox="1"/>
+          <p:cNvSpPr txBox="1">
+            <a:spLocks noGrp="1" noRot="1" noMove="1" noResize="1" noEditPoints="1" noAdjustHandles="1" noChangeArrowheads="1" noChangeShapeType="1"/>
+          </p:cNvSpPr>
           <p:nvPr/>
         </p:nvSpPr>
         <p:spPr>
           <a:xfrm>
-            <a:off x="4768416" y="3455421"/>
+            <a:off x="3198775" y="3485901"/>
             <a:ext cx="2686636" cy="646331"/>
           </a:xfrm>
           <a:prstGeom prst="rect">
@@ -9713,12 +10967,14 @@
               </a:ext>
             </a:extLst>
           </p:cNvPr>
-          <p:cNvSpPr txBox="1"/>
+          <p:cNvSpPr txBox="1">
+            <a:spLocks noGrp="1" noRot="1" noMove="1" noResize="1" noEditPoints="1" noAdjustHandles="1" noChangeArrowheads="1" noChangeShapeType="1"/>
+          </p:cNvSpPr>
           <p:nvPr/>
         </p:nvSpPr>
         <p:spPr>
           <a:xfrm>
-            <a:off x="8608031" y="3457108"/>
+            <a:off x="6187045" y="3487588"/>
             <a:ext cx="2686636" cy="369332"/>
           </a:xfrm>
           <a:prstGeom prst="rect">
@@ -9743,45 +10999,15 @@
       </p:sp>
       <p:pic>
         <p:nvPicPr>
-          <p:cNvPr id="38" name="Picture 37">
-            <a:extLst>
-              <a:ext uri="{FF2B5EF4-FFF2-40B4-BE49-F238E27FC236}">
-                <a16:creationId xmlns:a16="http://schemas.microsoft.com/office/drawing/2014/main" id="{3EDC7144-6176-A9EB-F006-C7AF125F9610}"/>
+          <p:cNvPr id="40" name="Picture 39">
+            <a:extLst>
+              <a:ext uri="{FF2B5EF4-FFF2-40B4-BE49-F238E27FC236}">
+                <a16:creationId xmlns:a16="http://schemas.microsoft.com/office/drawing/2014/main" id="{D8972D34-8917-C000-5C5A-20140213D1CF}"/>
               </a:ext>
             </a:extLst>
           </p:cNvPr>
           <p:cNvPicPr>
-            <a:picLocks noChangeAspect="1"/>
-          </p:cNvPicPr>
-          <p:nvPr/>
-        </p:nvPicPr>
-        <p:blipFill>
-          <a:blip r:embed="rId3"/>
-          <a:stretch>
-            <a:fillRect/>
-          </a:stretch>
-        </p:blipFill>
-        <p:spPr>
-          <a:xfrm>
-            <a:off x="1181393" y="4352237"/>
-            <a:ext cx="2246920" cy="1704100"/>
-          </a:xfrm>
-          <a:prstGeom prst="rect">
-            <a:avLst/>
-          </a:prstGeom>
-        </p:spPr>
-      </p:pic>
-      <p:pic>
-        <p:nvPicPr>
-          <p:cNvPr id="40" name="Picture 39">
-            <a:extLst>
-              <a:ext uri="{FF2B5EF4-FFF2-40B4-BE49-F238E27FC236}">
-                <a16:creationId xmlns:a16="http://schemas.microsoft.com/office/drawing/2014/main" id="{D8972D34-8917-C000-5C5A-20140213D1CF}"/>
-              </a:ext>
-            </a:extLst>
-          </p:cNvPr>
-          <p:cNvPicPr>
-            <a:picLocks noChangeAspect="1"/>
+            <a:picLocks noGrp="1" noRot="1" noChangeAspect="1" noMove="1" noResize="1" noEditPoints="1" noAdjustHandles="1" noChangeArrowheads="1" noChangeShapeType="1" noCrop="1"/>
           </p:cNvPicPr>
           <p:nvPr/>
         </p:nvPicPr>
@@ -9793,7 +11019,7 @@
         </p:blipFill>
         <p:spPr>
           <a:xfrm>
-            <a:off x="5139211" y="4153672"/>
+            <a:off x="3569570" y="4184152"/>
             <a:ext cx="2324068" cy="2101230"/>
           </a:xfrm>
           <a:prstGeom prst="rect">
@@ -9811,7 +11037,7 @@
             </a:extLst>
           </p:cNvPr>
           <p:cNvPicPr>
-            <a:picLocks noChangeAspect="1"/>
+            <a:picLocks noGrp="1" noRot="1" noChangeAspect="1" noMove="1" noResize="1" noEditPoints="1" noAdjustHandles="1" noChangeArrowheads="1" noChangeShapeType="1" noCrop="1"/>
           </p:cNvPicPr>
           <p:nvPr/>
         </p:nvPicPr>
@@ -9823,8 +11049,296 @@
         </p:blipFill>
         <p:spPr>
           <a:xfrm>
-            <a:off x="8985194" y="3974740"/>
+            <a:off x="6564208" y="4005220"/>
             <a:ext cx="1932310" cy="2049983"/>
+          </a:xfrm>
+          <a:prstGeom prst="rect">
+            <a:avLst/>
+          </a:prstGeom>
+        </p:spPr>
+      </p:pic>
+      <p:sp>
+        <p:nvSpPr>
+          <p:cNvPr id="3" name="Rectangle 2">
+            <a:extLst>
+              <a:ext uri="{FF2B5EF4-FFF2-40B4-BE49-F238E27FC236}">
+                <a16:creationId xmlns:a16="http://schemas.microsoft.com/office/drawing/2014/main" id="{7861A69C-C771-20FA-05E2-5312C8FC5836}"/>
+              </a:ext>
+            </a:extLst>
+          </p:cNvPr>
+          <p:cNvSpPr>
+            <a:spLocks noGrp="1" noRot="1" noMove="1" noResize="1" noEditPoints="1" noAdjustHandles="1" noChangeArrowheads="1" noChangeShapeType="1"/>
+          </p:cNvSpPr>
+          <p:nvPr/>
+        </p:nvSpPr>
+        <p:spPr>
+          <a:xfrm>
+            <a:off x="10122502" y="2219853"/>
+            <a:ext cx="612743" cy="593889"/>
+          </a:xfrm>
+          <a:prstGeom prst="rect">
+            <a:avLst/>
+          </a:prstGeom>
+          <a:ln>
+            <a:solidFill>
+              <a:srgbClr val="303192"/>
+            </a:solidFill>
+          </a:ln>
+        </p:spPr>
+        <p:style>
+          <a:lnRef idx="1">
+            <a:schemeClr val="accent5"/>
+          </a:lnRef>
+          <a:fillRef idx="2">
+            <a:schemeClr val="accent5"/>
+          </a:fillRef>
+          <a:effectRef idx="1">
+            <a:schemeClr val="accent5"/>
+          </a:effectRef>
+          <a:fontRef idx="minor">
+            <a:schemeClr val="dk1"/>
+          </a:fontRef>
+        </p:style>
+        <p:txBody>
+          <a:bodyPr rtlCol="0" anchor="ctr"/>
+          <a:lstStyle/>
+          <a:p>
+            <a:pPr algn="ctr"/>
+            <a:endParaRPr lang="ro-RO"/>
+          </a:p>
+        </p:txBody>
+      </p:sp>
+      <p:cxnSp>
+        <p:nvCxnSpPr>
+          <p:cNvPr id="5" name="Straight Connector 4">
+            <a:extLst>
+              <a:ext uri="{FF2B5EF4-FFF2-40B4-BE49-F238E27FC236}">
+                <a16:creationId xmlns:a16="http://schemas.microsoft.com/office/drawing/2014/main" id="{19E0A5BB-82B1-E484-2F24-7E8DC5058140}"/>
+              </a:ext>
+            </a:extLst>
+          </p:cNvPr>
+          <p:cNvCxnSpPr>
+            <a:cxnSpLocks noGrp="1" noRot="1" noMove="1" noResize="1" noEditPoints="1" noAdjustHandles="1" noChangeArrowheads="1" noChangeShapeType="1"/>
+          </p:cNvCxnSpPr>
+          <p:nvPr/>
+        </p:nvCxnSpPr>
+        <p:spPr>
+          <a:xfrm flipH="1">
+            <a:off x="10432016" y="2820816"/>
+            <a:ext cx="1" cy="325226"/>
+          </a:xfrm>
+          <a:prstGeom prst="line">
+            <a:avLst/>
+          </a:prstGeom>
+          <a:ln w="28575">
+            <a:solidFill>
+              <a:srgbClr val="303192"/>
+            </a:solidFill>
+          </a:ln>
+        </p:spPr>
+        <p:style>
+          <a:lnRef idx="1">
+            <a:schemeClr val="accent1"/>
+          </a:lnRef>
+          <a:fillRef idx="0">
+            <a:schemeClr val="accent1"/>
+          </a:fillRef>
+          <a:effectRef idx="0">
+            <a:schemeClr val="accent1"/>
+          </a:effectRef>
+          <a:fontRef idx="minor">
+            <a:schemeClr val="tx1"/>
+          </a:fontRef>
+        </p:style>
+      </p:cxnSp>
+      <p:sp>
+        <p:nvSpPr>
+          <p:cNvPr id="6" name="TextBox 5">
+            <a:extLst>
+              <a:ext uri="{FF2B5EF4-FFF2-40B4-BE49-F238E27FC236}">
+                <a16:creationId xmlns:a16="http://schemas.microsoft.com/office/drawing/2014/main" id="{A21EA6EF-69D1-9414-17D5-6F73C748B7E5}"/>
+              </a:ext>
+            </a:extLst>
+          </p:cNvPr>
+          <p:cNvSpPr txBox="1">
+            <a:spLocks noGrp="1" noRot="1" noMove="1" noResize="1" noEditPoints="1" noAdjustHandles="1" noChangeArrowheads="1" noChangeShapeType="1"/>
+          </p:cNvSpPr>
+          <p:nvPr/>
+        </p:nvSpPr>
+        <p:spPr>
+          <a:xfrm>
+            <a:off x="10258794" y="2264754"/>
+            <a:ext cx="340158" cy="461665"/>
+          </a:xfrm>
+          <a:prstGeom prst="rect">
+            <a:avLst/>
+          </a:prstGeom>
+          <a:noFill/>
+        </p:spPr>
+        <p:txBody>
+          <a:bodyPr wrap="none" rtlCol="0">
+            <a:spAutoFit/>
+          </a:bodyPr>
+          <a:lstStyle/>
+          <a:p>
+            <a:r>
+              <a:rPr lang="ro-RO" sz="2400" dirty="0"/>
+              <a:t>4</a:t>
+            </a:r>
+          </a:p>
+        </p:txBody>
+      </p:sp>
+      <p:sp>
+        <p:nvSpPr>
+          <p:cNvPr id="7" name="Rectangle 6">
+            <a:extLst>
+              <a:ext uri="{FF2B5EF4-FFF2-40B4-BE49-F238E27FC236}">
+                <a16:creationId xmlns:a16="http://schemas.microsoft.com/office/drawing/2014/main" id="{14917A26-22F6-A533-ED5A-997DAF57E21E}"/>
+              </a:ext>
+            </a:extLst>
+          </p:cNvPr>
+          <p:cNvSpPr>
+            <a:spLocks noGrp="1" noRot="1" noMove="1" noResize="1" noEditPoints="1" noAdjustHandles="1" noChangeArrowheads="1" noChangeShapeType="1"/>
+          </p:cNvSpPr>
+          <p:nvPr/>
+        </p:nvSpPr>
+        <p:spPr>
+          <a:xfrm>
+            <a:off x="9104153" y="3339288"/>
+            <a:ext cx="2686637" cy="3120266"/>
+          </a:xfrm>
+          <a:prstGeom prst="rect">
+            <a:avLst/>
+          </a:prstGeom>
+        </p:spPr>
+        <p:style>
+          <a:lnRef idx="2">
+            <a:schemeClr val="accent1"/>
+          </a:lnRef>
+          <a:fillRef idx="1">
+            <a:schemeClr val="lt1"/>
+          </a:fillRef>
+          <a:effectRef idx="0">
+            <a:schemeClr val="accent1"/>
+          </a:effectRef>
+          <a:fontRef idx="minor">
+            <a:schemeClr val="dk1"/>
+          </a:fontRef>
+        </p:style>
+        <p:txBody>
+          <a:bodyPr rtlCol="0" anchor="ctr"/>
+          <a:lstStyle/>
+          <a:p>
+            <a:pPr algn="ctr"/>
+            <a:endParaRPr lang="ro-RO"/>
+          </a:p>
+        </p:txBody>
+      </p:sp>
+      <p:sp>
+        <p:nvSpPr>
+          <p:cNvPr id="8" name="TextBox 7">
+            <a:extLst>
+              <a:ext uri="{FF2B5EF4-FFF2-40B4-BE49-F238E27FC236}">
+                <a16:creationId xmlns:a16="http://schemas.microsoft.com/office/drawing/2014/main" id="{485E901E-0962-3263-CB38-9AB50150BB1D}"/>
+              </a:ext>
+            </a:extLst>
+          </p:cNvPr>
+          <p:cNvSpPr txBox="1">
+            <a:spLocks noGrp="1" noRot="1" noMove="1" noResize="1" noEditPoints="1" noAdjustHandles="1" noChangeArrowheads="1" noChangeShapeType="1"/>
+          </p:cNvSpPr>
+          <p:nvPr/>
+        </p:nvSpPr>
+        <p:spPr>
+          <a:xfrm>
+            <a:off x="9088698" y="3487588"/>
+            <a:ext cx="2686636" cy="369332"/>
+          </a:xfrm>
+          <a:prstGeom prst="rect">
+            <a:avLst/>
+          </a:prstGeom>
+          <a:noFill/>
+        </p:spPr>
+        <p:txBody>
+          <a:bodyPr wrap="square" rtlCol="0">
+            <a:spAutoFit/>
+          </a:bodyPr>
+          <a:lstStyle/>
+          <a:p>
+            <a:pPr algn="ctr"/>
+            <a:r>
+              <a:rPr lang="ro-RO" b="1" dirty="0"/>
+              <a:t>SITUAȚIA ACTUALĂ </a:t>
+            </a:r>
+            <a:endParaRPr lang="ro-RO" dirty="0"/>
+          </a:p>
+        </p:txBody>
+      </p:sp>
+      <p:pic>
+        <p:nvPicPr>
+          <p:cNvPr id="11" name="Picture 10" descr="A screenshot of a car model&#10;&#10;Description automatically generated with medium confidence">
+            <a:extLst>
+              <a:ext uri="{FF2B5EF4-FFF2-40B4-BE49-F238E27FC236}">
+                <a16:creationId xmlns:a16="http://schemas.microsoft.com/office/drawing/2014/main" id="{9369D2B9-2CC4-49BD-0C89-80447CC435A7}"/>
+              </a:ext>
+            </a:extLst>
+          </p:cNvPr>
+          <p:cNvPicPr>
+            <a:picLocks noGrp="1" noRot="1" noChangeAspect="1" noMove="1" noResize="1" noEditPoints="1" noAdjustHandles="1" noChangeArrowheads="1" noChangeShapeType="1" noCrop="1"/>
+          </p:cNvPicPr>
+          <p:nvPr/>
+        </p:nvPicPr>
+        <p:blipFill>
+          <a:blip r:embed="rId6">
+            <a:extLst>
+              <a:ext uri="{28A0092B-C50C-407E-A947-70E740481C1C}">
+                <a14:useLocalDpi xmlns:a14="http://schemas.microsoft.com/office/drawing/2010/main" val="0"/>
+              </a:ext>
+            </a:extLst>
+          </a:blip>
+          <a:stretch>
+            <a:fillRect/>
+          </a:stretch>
+        </p:blipFill>
+        <p:spPr>
+          <a:xfrm>
+            <a:off x="9494520" y="3871524"/>
+            <a:ext cx="1940127" cy="2508909"/>
+          </a:xfrm>
+          <a:prstGeom prst="rect">
+            <a:avLst/>
+          </a:prstGeom>
+        </p:spPr>
+      </p:pic>
+      <p:pic>
+        <p:nvPicPr>
+          <p:cNvPr id="14" name="Picture 13" descr="A picture containing text, screenshot, circle, font&#10;&#10;Description automatically generated">
+            <a:extLst>
+              <a:ext uri="{FF2B5EF4-FFF2-40B4-BE49-F238E27FC236}">
+                <a16:creationId xmlns:a16="http://schemas.microsoft.com/office/drawing/2014/main" id="{FCF0604D-B220-8D44-2177-18BFB88951C7}"/>
+              </a:ext>
+            </a:extLst>
+          </p:cNvPr>
+          <p:cNvPicPr>
+            <a:picLocks noGrp="1" noRot="1" noChangeAspect="1" noMove="1" noResize="1" noEditPoints="1" noAdjustHandles="1" noChangeArrowheads="1" noChangeShapeType="1" noCrop="1"/>
+          </p:cNvPicPr>
+          <p:nvPr/>
+        </p:nvPicPr>
+        <p:blipFill>
+          <a:blip r:embed="rId7">
+            <a:extLst>
+              <a:ext uri="{28A0092B-C50C-407E-A947-70E740481C1C}">
+                <a14:useLocalDpi xmlns:a14="http://schemas.microsoft.com/office/drawing/2010/main" val="0"/>
+              </a:ext>
+            </a:extLst>
+          </a:blip>
+          <a:stretch>
+            <a:fillRect/>
+          </a:stretch>
+        </p:blipFill>
+        <p:spPr>
+          <a:xfrm>
+            <a:off x="231238" y="4267723"/>
+            <a:ext cx="2641331" cy="1760887"/>
           </a:xfrm>
           <a:prstGeom prst="rect">
             <a:avLst/>
@@ -9861,6 +11375,172 @@
           <a:chExt cx="0" cy="0"/>
         </a:xfrm>
       </p:grpSpPr>
+      <p:sp>
+        <p:nvSpPr>
+          <p:cNvPr id="52" name="Rectangle 51">
+            <a:extLst>
+              <a:ext uri="{FF2B5EF4-FFF2-40B4-BE49-F238E27FC236}">
+                <a16:creationId xmlns:a16="http://schemas.microsoft.com/office/drawing/2014/main" id="{BF8D479C-64F7-DA04-E3ED-FC270D08E27B}"/>
+              </a:ext>
+            </a:extLst>
+          </p:cNvPr>
+          <p:cNvSpPr>
+            <a:spLocks noGrp="1" noRot="1" noMove="1" noResize="1" noEditPoints="1" noAdjustHandles="1" noChangeArrowheads="1" noChangeShapeType="1"/>
+          </p:cNvSpPr>
+          <p:nvPr/>
+        </p:nvSpPr>
+        <p:spPr>
+          <a:xfrm>
+            <a:off x="6879320" y="3321892"/>
+            <a:ext cx="4523653" cy="1522521"/>
+          </a:xfrm>
+          <a:prstGeom prst="rect">
+            <a:avLst/>
+          </a:prstGeom>
+          <a:solidFill>
+            <a:srgbClr val="303192">
+              <a:alpha val="14000"/>
+            </a:srgbClr>
+          </a:solidFill>
+          <a:ln>
+            <a:noFill/>
+          </a:ln>
+        </p:spPr>
+        <p:style>
+          <a:lnRef idx="0">
+            <a:scrgbClr r="0" g="0" b="0"/>
+          </a:lnRef>
+          <a:fillRef idx="0">
+            <a:scrgbClr r="0" g="0" b="0"/>
+          </a:fillRef>
+          <a:effectRef idx="0">
+            <a:scrgbClr r="0" g="0" b="0"/>
+          </a:effectRef>
+          <a:fontRef idx="minor">
+            <a:schemeClr val="lt1"/>
+          </a:fontRef>
+        </p:style>
+        <p:txBody>
+          <a:bodyPr rtlCol="0" anchor="ctr"/>
+          <a:lstStyle/>
+          <a:p>
+            <a:pPr algn="ctr"/>
+            <a:endParaRPr lang="ro-RO" dirty="0">
+              <a:solidFill>
+                <a:schemeClr val="tx1"/>
+              </a:solidFill>
+            </a:endParaRPr>
+          </a:p>
+        </p:txBody>
+      </p:sp>
+      <p:sp>
+        <p:nvSpPr>
+          <p:cNvPr id="51" name="Rectangle 50">
+            <a:extLst>
+              <a:ext uri="{FF2B5EF4-FFF2-40B4-BE49-F238E27FC236}">
+                <a16:creationId xmlns:a16="http://schemas.microsoft.com/office/drawing/2014/main" id="{EA64CC71-5435-EADD-8EF8-30C84D2208BF}"/>
+              </a:ext>
+            </a:extLst>
+          </p:cNvPr>
+          <p:cNvSpPr>
+            <a:spLocks noGrp="1" noRot="1" noMove="1" noResize="1" noEditPoints="1" noAdjustHandles="1" noChangeArrowheads="1" noChangeShapeType="1"/>
+          </p:cNvSpPr>
+          <p:nvPr/>
+        </p:nvSpPr>
+        <p:spPr>
+          <a:xfrm>
+            <a:off x="766618" y="4428205"/>
+            <a:ext cx="4351476" cy="1522521"/>
+          </a:xfrm>
+          <a:prstGeom prst="rect">
+            <a:avLst/>
+          </a:prstGeom>
+          <a:solidFill>
+            <a:srgbClr val="303192">
+              <a:alpha val="14000"/>
+            </a:srgbClr>
+          </a:solidFill>
+          <a:ln>
+            <a:noFill/>
+          </a:ln>
+        </p:spPr>
+        <p:style>
+          <a:lnRef idx="0">
+            <a:scrgbClr r="0" g="0" b="0"/>
+          </a:lnRef>
+          <a:fillRef idx="0">
+            <a:scrgbClr r="0" g="0" b="0"/>
+          </a:fillRef>
+          <a:effectRef idx="0">
+            <a:scrgbClr r="0" g="0" b="0"/>
+          </a:effectRef>
+          <a:fontRef idx="minor">
+            <a:schemeClr val="lt1"/>
+          </a:fontRef>
+        </p:style>
+        <p:txBody>
+          <a:bodyPr rtlCol="0" anchor="ctr"/>
+          <a:lstStyle/>
+          <a:p>
+            <a:pPr algn="ctr"/>
+            <a:endParaRPr lang="ro-RO" dirty="0"/>
+          </a:p>
+        </p:txBody>
+      </p:sp>
+      <p:sp>
+        <p:nvSpPr>
+          <p:cNvPr id="50" name="Rectangle 49">
+            <a:extLst>
+              <a:ext uri="{FF2B5EF4-FFF2-40B4-BE49-F238E27FC236}">
+                <a16:creationId xmlns:a16="http://schemas.microsoft.com/office/drawing/2014/main" id="{C7E8058D-7559-FA6E-F3DC-59D2E9E47608}"/>
+              </a:ext>
+            </a:extLst>
+          </p:cNvPr>
+          <p:cNvSpPr>
+            <a:spLocks noGrp="1" noRot="1" noMove="1" noResize="1" noEditPoints="1" noAdjustHandles="1" noChangeArrowheads="1" noChangeShapeType="1"/>
+          </p:cNvSpPr>
+          <p:nvPr/>
+        </p:nvSpPr>
+        <p:spPr>
+          <a:xfrm>
+            <a:off x="766618" y="2633843"/>
+            <a:ext cx="4351476" cy="1522521"/>
+          </a:xfrm>
+          <a:prstGeom prst="rect">
+            <a:avLst/>
+          </a:prstGeom>
+          <a:solidFill>
+            <a:srgbClr val="303192">
+              <a:alpha val="14000"/>
+            </a:srgbClr>
+          </a:solidFill>
+          <a:ln>
+            <a:noFill/>
+          </a:ln>
+        </p:spPr>
+        <p:style>
+          <a:lnRef idx="0">
+            <a:scrgbClr r="0" g="0" b="0"/>
+          </a:lnRef>
+          <a:fillRef idx="0">
+            <a:scrgbClr r="0" g="0" b="0"/>
+          </a:fillRef>
+          <a:effectRef idx="0">
+            <a:scrgbClr r="0" g="0" b="0"/>
+          </a:effectRef>
+          <a:fontRef idx="minor">
+            <a:schemeClr val="lt1"/>
+          </a:fontRef>
+        </p:style>
+        <p:txBody>
+          <a:bodyPr rtlCol="0" anchor="ctr"/>
+          <a:lstStyle/>
+          <a:p>
+            <a:pPr algn="ctr"/>
+            <a:endParaRPr lang="ro-RO"/>
+          </a:p>
+        </p:txBody>
+      </p:sp>
       <p:pic>
         <p:nvPicPr>
           <p:cNvPr id="4" name="Picture 3">
@@ -9876,7 +11556,7 @@
           <p:nvPr/>
         </p:nvPicPr>
         <p:blipFill rotWithShape="1">
-          <a:blip r:embed="rId2">
+          <a:blip r:embed="rId3">
             <a:extLst>
               <a:ext uri="{28A0092B-C50C-407E-A947-70E740481C1C}">
                 <a14:useLocalDpi xmlns:a14="http://schemas.microsoft.com/office/drawing/2010/main" val="0"/>
@@ -10157,7 +11837,9 @@
               </a:ext>
             </a:extLst>
           </p:cNvPr>
-          <p:cNvSpPr txBox="1"/>
+          <p:cNvSpPr txBox="1">
+            <a:spLocks noGrp="1" noRot="1" noMove="1" noResize="1" noEditPoints="1" noAdjustHandles="1" noChangeArrowheads="1" noChangeShapeType="1"/>
+          </p:cNvSpPr>
           <p:nvPr/>
         </p:nvSpPr>
         <p:spPr>
@@ -10194,7 +11876,9 @@
               </a:ext>
             </a:extLst>
           </p:cNvPr>
-          <p:cNvSpPr txBox="1"/>
+          <p:cNvSpPr txBox="1">
+            <a:spLocks noGrp="1" noRot="1" noMove="1" noResize="1" noEditPoints="1" noAdjustHandles="1" noChangeArrowheads="1" noChangeShapeType="1"/>
+          </p:cNvSpPr>
           <p:nvPr/>
         </p:nvSpPr>
         <p:spPr>
@@ -10231,7 +11915,9 @@
               </a:ext>
             </a:extLst>
           </p:cNvPr>
-          <p:cNvSpPr txBox="1"/>
+          <p:cNvSpPr txBox="1">
+            <a:spLocks noGrp="1" noRot="1" noMove="1" noResize="1" noEditPoints="1" noAdjustHandles="1" noChangeArrowheads="1" noChangeShapeType="1"/>
+          </p:cNvSpPr>
           <p:nvPr/>
         </p:nvSpPr>
         <p:spPr>
@@ -10266,7 +11952,9 @@
               </a:ext>
             </a:extLst>
           </p:cNvPr>
-          <p:cNvSpPr txBox="1"/>
+          <p:cNvSpPr txBox="1">
+            <a:spLocks noGrp="1" noRot="1" noMove="1" noResize="1" noEditPoints="1" noAdjustHandles="1" noChangeArrowheads="1" noChangeShapeType="1"/>
+          </p:cNvSpPr>
           <p:nvPr/>
         </p:nvSpPr>
         <p:spPr>
@@ -10301,7 +11989,9 @@
               </a:ext>
             </a:extLst>
           </p:cNvPr>
-          <p:cNvSpPr txBox="1"/>
+          <p:cNvSpPr txBox="1">
+            <a:spLocks noGrp="1" noRot="1" noMove="1" noResize="1" noEditPoints="1" noAdjustHandles="1" noChangeArrowheads="1" noChangeShapeType="1"/>
+          </p:cNvSpPr>
           <p:nvPr/>
         </p:nvSpPr>
         <p:spPr>
@@ -10322,7 +12012,7 @@
           <a:p>
             <a:r>
               <a:rPr lang="ro-RO" dirty="0"/>
-              <a:t>Gestionare a cliențiilor</a:t>
+              <a:t>Gestionarea cliențiilor</a:t>
             </a:r>
           </a:p>
         </p:txBody>
@@ -10336,13 +12026,15 @@
               </a:ext>
             </a:extLst>
           </p:cNvPr>
-          <p:cNvSpPr txBox="1"/>
+          <p:cNvSpPr txBox="1">
+            <a:spLocks noGrp="1" noRot="1" noMove="1" noResize="1" noEditPoints="1" noAdjustHandles="1" noChangeArrowheads="1" noChangeShapeType="1"/>
+          </p:cNvSpPr>
           <p:nvPr/>
         </p:nvSpPr>
         <p:spPr>
           <a:xfrm>
             <a:off x="1877581" y="4802075"/>
-            <a:ext cx="2137701" cy="369332"/>
+            <a:ext cx="2248308" cy="369332"/>
           </a:xfrm>
           <a:prstGeom prst="rect">
             <a:avLst/>
@@ -10357,7 +12049,7 @@
           <a:p>
             <a:r>
               <a:rPr lang="ro-RO" dirty="0"/>
-              <a:t>Conectare cu mașina</a:t>
+              <a:t>Conectarea cu mașina</a:t>
             </a:r>
           </a:p>
         </p:txBody>
@@ -10371,13 +12063,15 @@
               </a:ext>
             </a:extLst>
           </p:cNvPr>
-          <p:cNvSpPr txBox="1"/>
+          <p:cNvSpPr txBox="1">
+            <a:spLocks noGrp="1" noRot="1" noMove="1" noResize="1" noEditPoints="1" noAdjustHandles="1" noChangeArrowheads="1" noChangeShapeType="1"/>
+          </p:cNvSpPr>
           <p:nvPr/>
         </p:nvSpPr>
         <p:spPr>
           <a:xfrm>
-            <a:off x="6867258" y="4010735"/>
-            <a:ext cx="4471417" cy="369332"/>
+            <a:off x="6819351" y="4009318"/>
+            <a:ext cx="4583627" cy="369332"/>
           </a:xfrm>
           <a:prstGeom prst="rect">
             <a:avLst/>
@@ -10392,7 +12086,7 @@
           <a:p>
             <a:r>
               <a:rPr lang="ro-RO" b="1" dirty="0"/>
-              <a:t>Conexiune prin bluetooth cu aplicația mobile</a:t>
+              <a:t>Conexiunea prin bluetooth cu aplicația mobilă</a:t>
             </a:r>
           </a:p>
         </p:txBody>
@@ -10406,7 +12100,9 @@
               </a:ext>
             </a:extLst>
           </p:cNvPr>
-          <p:cNvSpPr txBox="1"/>
+          <p:cNvSpPr txBox="1">
+            <a:spLocks noGrp="1" noRot="1" noMove="1" noResize="1" noEditPoints="1" noAdjustHandles="1" noChangeArrowheads="1" noChangeShapeType="1"/>
+          </p:cNvSpPr>
           <p:nvPr/>
         </p:nvSpPr>
         <p:spPr>
@@ -10441,7 +12137,9 @@
               </a:ext>
             </a:extLst>
           </p:cNvPr>
-          <p:cNvSpPr txBox="1"/>
+          <p:cNvSpPr txBox="1">
+            <a:spLocks noGrp="1" noRot="1" noMove="1" noResize="1" noEditPoints="1" noAdjustHandles="1" noChangeArrowheads="1" noChangeShapeType="1"/>
+          </p:cNvSpPr>
           <p:nvPr/>
         </p:nvSpPr>
         <p:spPr>
@@ -10477,7 +12175,7 @@
             </a:extLst>
           </p:cNvPr>
           <p:cNvCxnSpPr>
-            <a:cxnSpLocks/>
+            <a:cxnSpLocks noGrp="1" noRot="1" noMove="1" noResize="1" noEditPoints="1" noAdjustHandles="1" noChangeArrowheads="1" noChangeShapeType="1"/>
           </p:cNvCxnSpPr>
           <p:nvPr/>
         </p:nvCxnSpPr>
@@ -10520,7 +12218,7 @@
             </a:extLst>
           </p:cNvPr>
           <p:cNvCxnSpPr>
-            <a:cxnSpLocks/>
+            <a:cxnSpLocks noGrp="1" noRot="1" noMove="1" noResize="1" noEditPoints="1" noAdjustHandles="1" noChangeArrowheads="1" noChangeShapeType="1"/>
           </p:cNvCxnSpPr>
           <p:nvPr/>
         </p:nvCxnSpPr>
@@ -10553,162 +12251,6 @@
           </a:fontRef>
         </p:style>
       </p:cxnSp>
-      <p:sp>
-        <p:nvSpPr>
-          <p:cNvPr id="50" name="Rectangle 49">
-            <a:extLst>
-              <a:ext uri="{FF2B5EF4-FFF2-40B4-BE49-F238E27FC236}">
-                <a16:creationId xmlns:a16="http://schemas.microsoft.com/office/drawing/2014/main" id="{C7E8058D-7559-FA6E-F3DC-59D2E9E47608}"/>
-              </a:ext>
-            </a:extLst>
-          </p:cNvPr>
-          <p:cNvSpPr/>
-          <p:nvPr/>
-        </p:nvSpPr>
-        <p:spPr>
-          <a:xfrm>
-            <a:off x="766618" y="2633843"/>
-            <a:ext cx="4351476" cy="1522521"/>
-          </a:xfrm>
-          <a:prstGeom prst="rect">
-            <a:avLst/>
-          </a:prstGeom>
-          <a:solidFill>
-            <a:srgbClr val="303192">
-              <a:alpha val="14000"/>
-            </a:srgbClr>
-          </a:solidFill>
-          <a:ln>
-            <a:noFill/>
-          </a:ln>
-        </p:spPr>
-        <p:style>
-          <a:lnRef idx="0">
-            <a:scrgbClr r="0" g="0" b="0"/>
-          </a:lnRef>
-          <a:fillRef idx="0">
-            <a:scrgbClr r="0" g="0" b="0"/>
-          </a:fillRef>
-          <a:effectRef idx="0">
-            <a:scrgbClr r="0" g="0" b="0"/>
-          </a:effectRef>
-          <a:fontRef idx="minor">
-            <a:schemeClr val="lt1"/>
-          </a:fontRef>
-        </p:style>
-        <p:txBody>
-          <a:bodyPr rtlCol="0" anchor="ctr"/>
-          <a:lstStyle/>
-          <a:p>
-            <a:pPr algn="ctr"/>
-            <a:endParaRPr lang="ro-RO"/>
-          </a:p>
-        </p:txBody>
-      </p:sp>
-      <p:sp>
-        <p:nvSpPr>
-          <p:cNvPr id="51" name="Rectangle 50">
-            <a:extLst>
-              <a:ext uri="{FF2B5EF4-FFF2-40B4-BE49-F238E27FC236}">
-                <a16:creationId xmlns:a16="http://schemas.microsoft.com/office/drawing/2014/main" id="{EA64CC71-5435-EADD-8EF8-30C84D2208BF}"/>
-              </a:ext>
-            </a:extLst>
-          </p:cNvPr>
-          <p:cNvSpPr/>
-          <p:nvPr/>
-        </p:nvSpPr>
-        <p:spPr>
-          <a:xfrm>
-            <a:off x="766618" y="4428205"/>
-            <a:ext cx="4351476" cy="1522521"/>
-          </a:xfrm>
-          <a:prstGeom prst="rect">
-            <a:avLst/>
-          </a:prstGeom>
-          <a:solidFill>
-            <a:srgbClr val="303192">
-              <a:alpha val="14000"/>
-            </a:srgbClr>
-          </a:solidFill>
-          <a:ln>
-            <a:noFill/>
-          </a:ln>
-        </p:spPr>
-        <p:style>
-          <a:lnRef idx="0">
-            <a:scrgbClr r="0" g="0" b="0"/>
-          </a:lnRef>
-          <a:fillRef idx="0">
-            <a:scrgbClr r="0" g="0" b="0"/>
-          </a:fillRef>
-          <a:effectRef idx="0">
-            <a:scrgbClr r="0" g="0" b="0"/>
-          </a:effectRef>
-          <a:fontRef idx="minor">
-            <a:schemeClr val="lt1"/>
-          </a:fontRef>
-        </p:style>
-        <p:txBody>
-          <a:bodyPr rtlCol="0" anchor="ctr"/>
-          <a:lstStyle/>
-          <a:p>
-            <a:pPr algn="ctr"/>
-            <a:endParaRPr lang="ro-RO" dirty="0"/>
-          </a:p>
-        </p:txBody>
-      </p:sp>
-      <p:sp>
-        <p:nvSpPr>
-          <p:cNvPr id="52" name="Rectangle 51">
-            <a:extLst>
-              <a:ext uri="{FF2B5EF4-FFF2-40B4-BE49-F238E27FC236}">
-                <a16:creationId xmlns:a16="http://schemas.microsoft.com/office/drawing/2014/main" id="{BF8D479C-64F7-DA04-E3ED-FC270D08E27B}"/>
-              </a:ext>
-            </a:extLst>
-          </p:cNvPr>
-          <p:cNvSpPr/>
-          <p:nvPr/>
-        </p:nvSpPr>
-        <p:spPr>
-          <a:xfrm>
-            <a:off x="6927228" y="3249474"/>
-            <a:ext cx="4351476" cy="1522521"/>
-          </a:xfrm>
-          <a:prstGeom prst="rect">
-            <a:avLst/>
-          </a:prstGeom>
-          <a:solidFill>
-            <a:srgbClr val="303192">
-              <a:alpha val="14000"/>
-            </a:srgbClr>
-          </a:solidFill>
-          <a:ln>
-            <a:noFill/>
-          </a:ln>
-        </p:spPr>
-        <p:style>
-          <a:lnRef idx="0">
-            <a:scrgbClr r="0" g="0" b="0"/>
-          </a:lnRef>
-          <a:fillRef idx="0">
-            <a:scrgbClr r="0" g="0" b="0"/>
-          </a:fillRef>
-          <a:effectRef idx="0">
-            <a:scrgbClr r="0" g="0" b="0"/>
-          </a:effectRef>
-          <a:fontRef idx="minor">
-            <a:schemeClr val="lt1"/>
-          </a:fontRef>
-        </p:style>
-        <p:txBody>
-          <a:bodyPr rtlCol="0" anchor="ctr"/>
-          <a:lstStyle/>
-          <a:p>
-            <a:pPr algn="ctr"/>
-            <a:endParaRPr lang="ro-RO"/>
-          </a:p>
-        </p:txBody>
-      </p:sp>
       <p:pic>
         <p:nvPicPr>
           <p:cNvPr id="57" name="Picture 56" descr="A picture containing circle, colorfulness, screenshot, rectangle&#10;&#10;Description automatically generated">
@@ -10719,12 +12261,12 @@
             </a:extLst>
           </p:cNvPr>
           <p:cNvPicPr>
-            <a:picLocks noChangeAspect="1"/>
+            <a:picLocks noGrp="1" noRot="1" noChangeAspect="1" noMove="1" noResize="1" noEditPoints="1" noAdjustHandles="1" noChangeArrowheads="1" noChangeShapeType="1" noCrop="1"/>
           </p:cNvPicPr>
           <p:nvPr/>
         </p:nvPicPr>
         <p:blipFill>
-          <a:blip r:embed="rId3">
+          <a:blip r:embed="rId4">
             <a:extLst>
               <a:ext uri="{28A0092B-C50C-407E-A947-70E740481C1C}">
                 <a14:useLocalDpi xmlns:a14="http://schemas.microsoft.com/office/drawing/2010/main" val="0"/>
@@ -10755,12 +12297,12 @@
             </a:extLst>
           </p:cNvPr>
           <p:cNvPicPr>
-            <a:picLocks noChangeAspect="1"/>
+            <a:picLocks noGrp="1" noRot="1" noChangeAspect="1" noMove="1" noResize="1" noEditPoints="1" noAdjustHandles="1" noChangeArrowheads="1" noChangeShapeType="1" noCrop="1"/>
           </p:cNvPicPr>
           <p:nvPr/>
         </p:nvPicPr>
         <p:blipFill>
-          <a:blip r:embed="rId4">
+          <a:blip r:embed="rId5">
             <a:extLst>
               <a:ext uri="{28A0092B-C50C-407E-A947-70E740481C1C}">
                 <a14:useLocalDpi xmlns:a14="http://schemas.microsoft.com/office/drawing/2010/main" val="0"/>
@@ -10826,7 +12368,7 @@
           <p:nvPr/>
         </p:nvPicPr>
         <p:blipFill rotWithShape="1">
-          <a:blip r:embed="rId2">
+          <a:blip r:embed="rId3">
             <a:extLst>
               <a:ext uri="{28A0092B-C50C-407E-A947-70E740481C1C}">
                 <a14:useLocalDpi xmlns:a14="http://schemas.microsoft.com/office/drawing/2010/main" val="0"/>
@@ -11113,7 +12655,7 @@
           <p:nvPr/>
         </p:nvPicPr>
         <p:blipFill>
-          <a:blip r:embed="rId3">
+          <a:blip r:embed="rId4">
             <a:extLst>
               <a:ext uri="{28A0092B-C50C-407E-A947-70E740481C1C}">
                 <a14:useLocalDpi xmlns:a14="http://schemas.microsoft.com/office/drawing/2010/main" val="0"/>
@@ -11140,42 +12682,6 @@
             <a:extLst>
               <a:ext uri="{FF2B5EF4-FFF2-40B4-BE49-F238E27FC236}">
                 <a16:creationId xmlns:a16="http://schemas.microsoft.com/office/drawing/2014/main" id="{A5B9B8E5-ECC9-E267-EF8A-F0BA81E660D2}"/>
-              </a:ext>
-            </a:extLst>
-          </p:cNvPr>
-          <p:cNvPicPr>
-            <a:picLocks noChangeAspect="1"/>
-          </p:cNvPicPr>
-          <p:nvPr/>
-        </p:nvPicPr>
-        <p:blipFill>
-          <a:blip r:embed="rId4">
-            <a:extLst>
-              <a:ext uri="{28A0092B-C50C-407E-A947-70E740481C1C}">
-                <a14:useLocalDpi xmlns:a14="http://schemas.microsoft.com/office/drawing/2010/main" val="0"/>
-              </a:ext>
-            </a:extLst>
-          </a:blip>
-          <a:stretch>
-            <a:fillRect/>
-          </a:stretch>
-        </p:blipFill>
-        <p:spPr>
-          <a:xfrm>
-            <a:off x="4442815" y="2938512"/>
-            <a:ext cx="2326625" cy="2326625"/>
-          </a:xfrm>
-          <a:prstGeom prst="rect">
-            <a:avLst/>
-          </a:prstGeom>
-        </p:spPr>
-      </p:pic>
-      <p:pic>
-        <p:nvPicPr>
-          <p:cNvPr id="21" name="Picture 20" descr="A picture containing logo, font, graphics, design&#10;&#10;Description automatically generated">
-            <a:extLst>
-              <a:ext uri="{FF2B5EF4-FFF2-40B4-BE49-F238E27FC236}">
-                <a16:creationId xmlns:a16="http://schemas.microsoft.com/office/drawing/2014/main" id="{A6DCD86B-685A-EDBB-E40A-8F307550117D}"/>
               </a:ext>
             </a:extLst>
           </p:cNvPr>
@@ -11198,8 +12704,8 @@
         </p:blipFill>
         <p:spPr>
           <a:xfrm>
-            <a:off x="1895126" y="3500295"/>
-            <a:ext cx="3222968" cy="1611484"/>
+            <a:off x="4442815" y="2938512"/>
+            <a:ext cx="2326625" cy="2326625"/>
           </a:xfrm>
           <a:prstGeom prst="rect">
             <a:avLst/>
@@ -11208,10 +12714,10 @@
       </p:pic>
       <p:pic>
         <p:nvPicPr>
-          <p:cNvPr id="25" name="Picture 24" descr="A picture containing font, text, graphics, symbol&#10;&#10;Description automatically generated">
-            <a:extLst>
-              <a:ext uri="{FF2B5EF4-FFF2-40B4-BE49-F238E27FC236}">
-                <a16:creationId xmlns:a16="http://schemas.microsoft.com/office/drawing/2014/main" id="{D6CE1DFA-00B4-C822-DC91-FB3E9B3B2793}"/>
+          <p:cNvPr id="21" name="Picture 20" descr="A picture containing logo, font, graphics, design&#10;&#10;Description automatically generated">
+            <a:extLst>
+              <a:ext uri="{FF2B5EF4-FFF2-40B4-BE49-F238E27FC236}">
+                <a16:creationId xmlns:a16="http://schemas.microsoft.com/office/drawing/2014/main" id="{A6DCD86B-685A-EDBB-E40A-8F307550117D}"/>
               </a:ext>
             </a:extLst>
           </p:cNvPr>
@@ -11234,8 +12740,8 @@
         </p:blipFill>
         <p:spPr>
           <a:xfrm>
-            <a:off x="7661416" y="3528583"/>
-            <a:ext cx="2326625" cy="1583196"/>
+            <a:off x="1895126" y="3500295"/>
+            <a:ext cx="3222968" cy="1611484"/>
           </a:xfrm>
           <a:prstGeom prst="rect">
             <a:avLst/>
@@ -11244,10 +12750,10 @@
       </p:pic>
       <p:pic>
         <p:nvPicPr>
-          <p:cNvPr id="26" name="Picture 25" descr="A picture containing circle, colorfulness, screenshot, rectangle&#10;&#10;Description automatically generated">
-            <a:extLst>
-              <a:ext uri="{FF2B5EF4-FFF2-40B4-BE49-F238E27FC236}">
-                <a16:creationId xmlns:a16="http://schemas.microsoft.com/office/drawing/2014/main" id="{F6CE1CED-B832-B0B5-5C37-82E812B7A0BF}"/>
+          <p:cNvPr id="25" name="Picture 24" descr="A picture containing font, text, graphics, symbol&#10;&#10;Description automatically generated">
+            <a:extLst>
+              <a:ext uri="{FF2B5EF4-FFF2-40B4-BE49-F238E27FC236}">
+                <a16:creationId xmlns:a16="http://schemas.microsoft.com/office/drawing/2014/main" id="{D6CE1DFA-00B4-C822-DC91-FB3E9B3B2793}"/>
               </a:ext>
             </a:extLst>
           </p:cNvPr>
@@ -11270,8 +12776,8 @@
         </p:blipFill>
         <p:spPr>
           <a:xfrm>
-            <a:off x="2799608" y="1801667"/>
-            <a:ext cx="1325575" cy="1325575"/>
+            <a:off x="8506368" y="3528583"/>
+            <a:ext cx="2326625" cy="1583196"/>
           </a:xfrm>
           <a:prstGeom prst="rect">
             <a:avLst/>
@@ -11280,10 +12786,10 @@
       </p:pic>
       <p:pic>
         <p:nvPicPr>
-          <p:cNvPr id="28" name="Picture 27" descr="A picture containing circle, screenshot, design&#10;&#10;Description automatically generated">
-            <a:extLst>
-              <a:ext uri="{FF2B5EF4-FFF2-40B4-BE49-F238E27FC236}">
-                <a16:creationId xmlns:a16="http://schemas.microsoft.com/office/drawing/2014/main" id="{BD310CD2-5559-C715-2B1C-06E2ED2DFC42}"/>
+          <p:cNvPr id="26" name="Picture 25" descr="A picture containing circle, colorfulness, screenshot, rectangle&#10;&#10;Description automatically generated">
+            <a:extLst>
+              <a:ext uri="{FF2B5EF4-FFF2-40B4-BE49-F238E27FC236}">
+                <a16:creationId xmlns:a16="http://schemas.microsoft.com/office/drawing/2014/main" id="{F6CE1CED-B832-B0B5-5C37-82E812B7A0BF}"/>
               </a:ext>
             </a:extLst>
           </p:cNvPr>
@@ -11306,7 +12812,43 @@
         </p:blipFill>
         <p:spPr>
           <a:xfrm>
-            <a:off x="8043726" y="1614301"/>
+            <a:off x="2799608" y="1801667"/>
+            <a:ext cx="1325575" cy="1325575"/>
+          </a:xfrm>
+          <a:prstGeom prst="rect">
+            <a:avLst/>
+          </a:prstGeom>
+        </p:spPr>
+      </p:pic>
+      <p:pic>
+        <p:nvPicPr>
+          <p:cNvPr id="28" name="Picture 27" descr="A picture containing circle, screenshot, design&#10;&#10;Description automatically generated">
+            <a:extLst>
+              <a:ext uri="{FF2B5EF4-FFF2-40B4-BE49-F238E27FC236}">
+                <a16:creationId xmlns:a16="http://schemas.microsoft.com/office/drawing/2014/main" id="{BD310CD2-5559-C715-2B1C-06E2ED2DFC42}"/>
+              </a:ext>
+            </a:extLst>
+          </p:cNvPr>
+          <p:cNvPicPr>
+            <a:picLocks noChangeAspect="1"/>
+          </p:cNvPicPr>
+          <p:nvPr/>
+        </p:nvPicPr>
+        <p:blipFill>
+          <a:blip r:embed="rId9">
+            <a:extLst>
+              <a:ext uri="{28A0092B-C50C-407E-A947-70E740481C1C}">
+                <a14:useLocalDpi xmlns:a14="http://schemas.microsoft.com/office/drawing/2010/main" val="0"/>
+              </a:ext>
+            </a:extLst>
+          </a:blip>
+          <a:stretch>
+            <a:fillRect/>
+          </a:stretch>
+        </p:blipFill>
+        <p:spPr>
+          <a:xfrm>
+            <a:off x="8888678" y="1614301"/>
             <a:ext cx="1460189" cy="1460189"/>
           </a:xfrm>
           <a:prstGeom prst="rect">
@@ -11364,7 +12906,7 @@
         </p:nvSpPr>
         <p:spPr>
           <a:xfrm>
-            <a:off x="7384099" y="1316162"/>
+            <a:off x="8229051" y="1316162"/>
             <a:ext cx="2779445" cy="400110"/>
           </a:xfrm>
           <a:prstGeom prst="rect">
@@ -11454,7 +12996,7 @@
         </p:nvSpPr>
         <p:spPr>
           <a:xfrm>
-            <a:off x="7384099" y="1223028"/>
+            <a:off x="8229051" y="1223028"/>
             <a:ext cx="2779445" cy="1904214"/>
           </a:xfrm>
           <a:prstGeom prst="rect">
@@ -11524,6 +13066,135 @@
           <a:chExt cx="0" cy="0"/>
         </a:xfrm>
       </p:grpSpPr>
+      <p:sp>
+        <p:nvSpPr>
+          <p:cNvPr id="43" name="TextBox 42">
+            <a:extLst>
+              <a:ext uri="{FF2B5EF4-FFF2-40B4-BE49-F238E27FC236}">
+                <a16:creationId xmlns:a16="http://schemas.microsoft.com/office/drawing/2014/main" id="{F8B6786C-A3B1-5C95-7267-AECB614B9543}"/>
+              </a:ext>
+            </a:extLst>
+          </p:cNvPr>
+          <p:cNvSpPr txBox="1"/>
+          <p:nvPr/>
+        </p:nvSpPr>
+        <p:spPr>
+          <a:xfrm>
+            <a:off x="2501698" y="5564080"/>
+            <a:ext cx="2683759" cy="281231"/>
+          </a:xfrm>
+          <a:prstGeom prst="rect">
+            <a:avLst/>
+          </a:prstGeom>
+          <a:noFill/>
+        </p:spPr>
+        <p:txBody>
+          <a:bodyPr wrap="square">
+            <a:spAutoFit/>
+          </a:bodyPr>
+          <a:lstStyle/>
+          <a:p>
+            <a:pPr>
+              <a:lnSpc>
+                <a:spcPct val="107000"/>
+              </a:lnSpc>
+              <a:spcAft>
+                <a:spcPts val="800"/>
+              </a:spcAft>
+            </a:pPr>
+            <a:r>
+              <a:rPr lang="en-US" sz="1200" b="1" dirty="0">
+                <a:effectLst/>
+                <a:latin typeface="Calibri" panose="020F0502020204030204" pitchFamily="34" charset="0"/>
+                <a:ea typeface="Calibri" panose="020F0502020204030204" pitchFamily="34" charset="0"/>
+                <a:cs typeface="Times New Roman" panose="02020603050405020304" pitchFamily="18" charset="0"/>
+              </a:rPr>
+              <a:t>[DATE MA</a:t>
+            </a:r>
+            <a:r>
+              <a:rPr lang="ro-RO" sz="1200" b="1" dirty="0">
+                <a:effectLst/>
+                <a:latin typeface="Calibri" panose="020F0502020204030204" pitchFamily="34" charset="0"/>
+                <a:ea typeface="Calibri" panose="020F0502020204030204" pitchFamily="34" charset="0"/>
+                <a:cs typeface="Times New Roman" panose="02020603050405020304" pitchFamily="18" charset="0"/>
+              </a:rPr>
+              <a:t>ȘINĂ</a:t>
+            </a:r>
+            <a:r>
+              <a:rPr lang="en-US" sz="1200" b="1" dirty="0">
+                <a:effectLst/>
+                <a:latin typeface="Calibri" panose="020F0502020204030204" pitchFamily="34" charset="0"/>
+                <a:ea typeface="Calibri" panose="020F0502020204030204" pitchFamily="34" charset="0"/>
+                <a:cs typeface="Times New Roman" panose="02020603050405020304" pitchFamily="18" charset="0"/>
+              </a:rPr>
+              <a:t>]/ C</a:t>
+            </a:r>
+            <a:r>
+              <a:rPr lang="ro-RO" sz="1200" b="1" dirty="0">
+                <a:effectLst/>
+                <a:latin typeface="Calibri" panose="020F0502020204030204" pitchFamily="34" charset="0"/>
+                <a:ea typeface="Calibri" panose="020F0502020204030204" pitchFamily="34" charset="0"/>
+                <a:cs typeface="Times New Roman" panose="02020603050405020304" pitchFamily="18" charset="0"/>
+              </a:rPr>
+              <a:t>ONECTARE MAȘINĂ</a:t>
+            </a:r>
+            <a:endParaRPr lang="en-US" sz="1200" b="1" dirty="0">
+              <a:effectLst/>
+              <a:latin typeface="Calibri" panose="020F0502020204030204" pitchFamily="34" charset="0"/>
+              <a:ea typeface="Calibri" panose="020F0502020204030204" pitchFamily="34" charset="0"/>
+              <a:cs typeface="Times New Roman" panose="02020603050405020304" pitchFamily="18" charset="0"/>
+            </a:endParaRPr>
+          </a:p>
+        </p:txBody>
+      </p:sp>
+      <p:sp>
+        <p:nvSpPr>
+          <p:cNvPr id="31" name="TextBox 30">
+            <a:extLst>
+              <a:ext uri="{FF2B5EF4-FFF2-40B4-BE49-F238E27FC236}">
+                <a16:creationId xmlns:a16="http://schemas.microsoft.com/office/drawing/2014/main" id="{47A704EC-5FB4-F76B-B4CA-8C79F1227244}"/>
+              </a:ext>
+            </a:extLst>
+          </p:cNvPr>
+          <p:cNvSpPr txBox="1"/>
+          <p:nvPr/>
+        </p:nvSpPr>
+        <p:spPr>
+          <a:xfrm>
+            <a:off x="7373658" y="5057559"/>
+            <a:ext cx="2566686" cy="281231"/>
+          </a:xfrm>
+          <a:prstGeom prst="rect">
+            <a:avLst/>
+          </a:prstGeom>
+          <a:noFill/>
+        </p:spPr>
+        <p:txBody>
+          <a:bodyPr wrap="square">
+            <a:spAutoFit/>
+          </a:bodyPr>
+          <a:lstStyle/>
+          <a:p>
+            <a:pPr>
+              <a:lnSpc>
+                <a:spcPct val="107000"/>
+              </a:lnSpc>
+              <a:spcAft>
+                <a:spcPts val="800"/>
+              </a:spcAft>
+            </a:pPr>
+            <a:r>
+              <a:rPr lang="en-US" sz="1200" b="1" dirty="0">
+                <a:effectLst/>
+                <a:latin typeface="Calibri" panose="020F0502020204030204" pitchFamily="34" charset="0"/>
+                <a:ea typeface="Calibri" panose="020F0502020204030204" pitchFamily="34" charset="0"/>
+                <a:cs typeface="Times New Roman" panose="02020603050405020304" pitchFamily="18" charset="0"/>
+              </a:rPr>
+              <a:t>[CLINET NOU]/CREARE CONT CLIENT</a:t>
+            </a:r>
+          </a:p>
+        </p:txBody>
+      </p:sp>
       <p:pic>
         <p:nvPicPr>
           <p:cNvPr id="4" name="Picture 3">
@@ -11539,7 +13210,7 @@
           <p:nvPr/>
         </p:nvPicPr>
         <p:blipFill rotWithShape="1">
-          <a:blip r:embed="rId2">
+          <a:blip r:embed="rId3">
             <a:extLst>
               <a:ext uri="{28A0092B-C50C-407E-A947-70E740481C1C}">
                 <a14:useLocalDpi xmlns:a14="http://schemas.microsoft.com/office/drawing/2010/main" val="0"/>
@@ -11813,10 +13484,10 @@
       </p:sp>
       <p:pic>
         <p:nvPicPr>
-          <p:cNvPr id="2" name="Picture 1" descr="A picture containing text, electronics, screenshot, mobile phone&#10;&#10;Description automatically generated">
-            <a:extLst>
-              <a:ext uri="{FF2B5EF4-FFF2-40B4-BE49-F238E27FC236}">
-                <a16:creationId xmlns:a16="http://schemas.microsoft.com/office/drawing/2014/main" id="{A568023A-7B33-DD8D-D215-11A05B8ED1FB}"/>
+          <p:cNvPr id="11" name="Picture 10" descr="A screenshot of a phone&#10;&#10;Description automatically generated with medium confidence">
+            <a:extLst>
+              <a:ext uri="{FF2B5EF4-FFF2-40B4-BE49-F238E27FC236}">
+                <a16:creationId xmlns:a16="http://schemas.microsoft.com/office/drawing/2014/main" id="{9E188619-BB6B-50BB-F69E-E5B29F5163A3}"/>
               </a:ext>
             </a:extLst>
           </p:cNvPr>
@@ -11826,7 +13497,7 @@
           <p:nvPr/>
         </p:nvPicPr>
         <p:blipFill>
-          <a:blip r:embed="rId3" cstate="print">
+          <a:blip r:embed="rId4">
             <a:extLst>
               <a:ext uri="{28A0092B-C50C-407E-A947-70E740481C1C}">
                 <a14:useLocalDpi xmlns:a14="http://schemas.microsoft.com/office/drawing/2010/main" val="0"/>
@@ -11839,14 +13510,546 @@
         </p:blipFill>
         <p:spPr>
           <a:xfrm>
-            <a:off x="1679811" y="1360114"/>
-            <a:ext cx="8832378" cy="4869308"/>
+            <a:off x="9874754" y="1367780"/>
+            <a:ext cx="2317246" cy="4813040"/>
           </a:xfrm>
           <a:prstGeom prst="rect">
             <a:avLst/>
           </a:prstGeom>
         </p:spPr>
       </p:pic>
+      <p:pic>
+        <p:nvPicPr>
+          <p:cNvPr id="14" name="Picture 13" descr="A screen shot of a phone&#10;&#10;Description automatically generated with medium confidence">
+            <a:extLst>
+              <a:ext uri="{FF2B5EF4-FFF2-40B4-BE49-F238E27FC236}">
+                <a16:creationId xmlns:a16="http://schemas.microsoft.com/office/drawing/2014/main" id="{E3D6E5C4-5702-5AA8-266C-5839DE8A808F}"/>
+              </a:ext>
+            </a:extLst>
+          </p:cNvPr>
+          <p:cNvPicPr>
+            <a:picLocks noChangeAspect="1"/>
+          </p:cNvPicPr>
+          <p:nvPr/>
+        </p:nvPicPr>
+        <p:blipFill>
+          <a:blip r:embed="rId5">
+            <a:extLst>
+              <a:ext uri="{28A0092B-C50C-407E-A947-70E740481C1C}">
+                <a14:useLocalDpi xmlns:a14="http://schemas.microsoft.com/office/drawing/2010/main" val="0"/>
+              </a:ext>
+            </a:extLst>
+          </a:blip>
+          <a:stretch>
+            <a:fillRect/>
+          </a:stretch>
+        </p:blipFill>
+        <p:spPr>
+          <a:xfrm>
+            <a:off x="44820" y="1367780"/>
+            <a:ext cx="2317246" cy="4813040"/>
+          </a:xfrm>
+          <a:prstGeom prst="rect">
+            <a:avLst/>
+          </a:prstGeom>
+        </p:spPr>
+      </p:pic>
+      <p:pic>
+        <p:nvPicPr>
+          <p:cNvPr id="16" name="Picture 15" descr="A picture containing yellow&#10;&#10;Description automatically generated">
+            <a:extLst>
+              <a:ext uri="{FF2B5EF4-FFF2-40B4-BE49-F238E27FC236}">
+                <a16:creationId xmlns:a16="http://schemas.microsoft.com/office/drawing/2014/main" id="{DCC0CC57-7029-B85F-28A0-F52C5A82E399}"/>
+              </a:ext>
+            </a:extLst>
+          </p:cNvPr>
+          <p:cNvPicPr>
+            <a:picLocks noChangeAspect="1"/>
+          </p:cNvPicPr>
+          <p:nvPr/>
+        </p:nvPicPr>
+        <p:blipFill>
+          <a:blip r:embed="rId6">
+            <a:extLst>
+              <a:ext uri="{28A0092B-C50C-407E-A947-70E740481C1C}">
+                <a14:useLocalDpi xmlns:a14="http://schemas.microsoft.com/office/drawing/2010/main" val="0"/>
+              </a:ext>
+            </a:extLst>
+          </a:blip>
+          <a:stretch>
+            <a:fillRect/>
+          </a:stretch>
+        </p:blipFill>
+        <p:spPr>
+          <a:xfrm>
+            <a:off x="5068385" y="5211655"/>
+            <a:ext cx="2305273" cy="648358"/>
+          </a:xfrm>
+          <a:prstGeom prst="rect">
+            <a:avLst/>
+          </a:prstGeom>
+        </p:spPr>
+      </p:pic>
+      <p:pic>
+        <p:nvPicPr>
+          <p:cNvPr id="19" name="Picture 18" descr="A picture containing wheel, auto part, tire, engineering&#10;&#10;Description automatically generated">
+            <a:extLst>
+              <a:ext uri="{FF2B5EF4-FFF2-40B4-BE49-F238E27FC236}">
+                <a16:creationId xmlns:a16="http://schemas.microsoft.com/office/drawing/2014/main" id="{2BFB2A67-48F8-B823-F823-9AB7E00BDE84}"/>
+              </a:ext>
+            </a:extLst>
+          </p:cNvPr>
+          <p:cNvPicPr>
+            <a:picLocks noChangeAspect="1"/>
+          </p:cNvPicPr>
+          <p:nvPr/>
+        </p:nvPicPr>
+        <p:blipFill>
+          <a:blip r:embed="rId7">
+            <a:extLst>
+              <a:ext uri="{28A0092B-C50C-407E-A947-70E740481C1C}">
+                <a14:useLocalDpi xmlns:a14="http://schemas.microsoft.com/office/drawing/2010/main" val="0"/>
+              </a:ext>
+            </a:extLst>
+          </a:blip>
+          <a:stretch>
+            <a:fillRect/>
+          </a:stretch>
+        </p:blipFill>
+        <p:spPr>
+          <a:xfrm>
+            <a:off x="4884386" y="914784"/>
+            <a:ext cx="4511173" cy="3385334"/>
+          </a:xfrm>
+          <a:prstGeom prst="rect">
+            <a:avLst/>
+          </a:prstGeom>
+        </p:spPr>
+      </p:pic>
+      <p:cxnSp>
+        <p:nvCxnSpPr>
+          <p:cNvPr id="21" name="Straight Arrow Connector 20">
+            <a:extLst>
+              <a:ext uri="{FF2B5EF4-FFF2-40B4-BE49-F238E27FC236}">
+                <a16:creationId xmlns:a16="http://schemas.microsoft.com/office/drawing/2014/main" id="{BA421055-2119-7FF9-1EC7-7987C994EA74}"/>
+              </a:ext>
+            </a:extLst>
+          </p:cNvPr>
+          <p:cNvCxnSpPr>
+            <a:cxnSpLocks/>
+          </p:cNvCxnSpPr>
+          <p:nvPr/>
+        </p:nvCxnSpPr>
+        <p:spPr>
+          <a:xfrm>
+            <a:off x="2466330" y="5414026"/>
+            <a:ext cx="2566686" cy="0"/>
+          </a:xfrm>
+          <a:prstGeom prst="straightConnector1">
+            <a:avLst/>
+          </a:prstGeom>
+          <a:ln w="57150">
+            <a:tailEnd type="triangle"/>
+          </a:ln>
+        </p:spPr>
+        <p:style>
+          <a:lnRef idx="1">
+            <a:schemeClr val="accent1"/>
+          </a:lnRef>
+          <a:fillRef idx="0">
+            <a:schemeClr val="accent1"/>
+          </a:fillRef>
+          <a:effectRef idx="0">
+            <a:schemeClr val="accent1"/>
+          </a:effectRef>
+          <a:fontRef idx="minor">
+            <a:schemeClr val="tx1"/>
+          </a:fontRef>
+        </p:style>
+      </p:cxnSp>
+      <p:cxnSp>
+        <p:nvCxnSpPr>
+          <p:cNvPr id="23" name="Straight Arrow Connector 22">
+            <a:extLst>
+              <a:ext uri="{FF2B5EF4-FFF2-40B4-BE49-F238E27FC236}">
+                <a16:creationId xmlns:a16="http://schemas.microsoft.com/office/drawing/2014/main" id="{DE0D44B1-EDE5-81B2-BEFB-A7225AAD35E7}"/>
+              </a:ext>
+            </a:extLst>
+          </p:cNvPr>
+          <p:cNvCxnSpPr>
+            <a:cxnSpLocks/>
+          </p:cNvCxnSpPr>
+          <p:nvPr/>
+        </p:nvCxnSpPr>
+        <p:spPr>
+          <a:xfrm flipH="1">
+            <a:off x="2439689" y="5860013"/>
+            <a:ext cx="2489063" cy="0"/>
+          </a:xfrm>
+          <a:prstGeom prst="straightConnector1">
+            <a:avLst/>
+          </a:prstGeom>
+          <a:ln w="57150">
+            <a:tailEnd type="triangle"/>
+          </a:ln>
+        </p:spPr>
+        <p:style>
+          <a:lnRef idx="1">
+            <a:schemeClr val="accent1"/>
+          </a:lnRef>
+          <a:fillRef idx="0">
+            <a:schemeClr val="accent1"/>
+          </a:fillRef>
+          <a:effectRef idx="0">
+            <a:schemeClr val="accent1"/>
+          </a:effectRef>
+          <a:fontRef idx="minor">
+            <a:schemeClr val="tx1"/>
+          </a:fontRef>
+        </p:style>
+      </p:cxnSp>
+      <p:cxnSp>
+        <p:nvCxnSpPr>
+          <p:cNvPr id="27" name="Straight Arrow Connector 26">
+            <a:extLst>
+              <a:ext uri="{FF2B5EF4-FFF2-40B4-BE49-F238E27FC236}">
+                <a16:creationId xmlns:a16="http://schemas.microsoft.com/office/drawing/2014/main" id="{EFCA0838-38D0-F482-8AC3-3CCE86FC4829}"/>
+              </a:ext>
+            </a:extLst>
+          </p:cNvPr>
+          <p:cNvCxnSpPr/>
+          <p:nvPr/>
+        </p:nvCxnSpPr>
+        <p:spPr>
+          <a:xfrm>
+            <a:off x="2532888" y="1713053"/>
+            <a:ext cx="2652570" cy="0"/>
+          </a:xfrm>
+          <a:prstGeom prst="straightConnector1">
+            <a:avLst/>
+          </a:prstGeom>
+          <a:ln w="57150">
+            <a:headEnd type="triangle"/>
+            <a:tailEnd type="triangle"/>
+          </a:ln>
+        </p:spPr>
+        <p:style>
+          <a:lnRef idx="1">
+            <a:schemeClr val="accent1"/>
+          </a:lnRef>
+          <a:fillRef idx="0">
+            <a:schemeClr val="accent1"/>
+          </a:fillRef>
+          <a:effectRef idx="0">
+            <a:schemeClr val="accent1"/>
+          </a:effectRef>
+          <a:fontRef idx="minor">
+            <a:schemeClr val="tx1"/>
+          </a:fontRef>
+        </p:style>
+      </p:cxnSp>
+      <p:cxnSp>
+        <p:nvCxnSpPr>
+          <p:cNvPr id="28" name="Straight Arrow Connector 27">
+            <a:extLst>
+              <a:ext uri="{FF2B5EF4-FFF2-40B4-BE49-F238E27FC236}">
+                <a16:creationId xmlns:a16="http://schemas.microsoft.com/office/drawing/2014/main" id="{DB71BE47-86CB-8340-6972-A3C9A8D2B0FB}"/>
+              </a:ext>
+            </a:extLst>
+          </p:cNvPr>
+          <p:cNvCxnSpPr>
+            <a:cxnSpLocks/>
+          </p:cNvCxnSpPr>
+          <p:nvPr/>
+        </p:nvCxnSpPr>
+        <p:spPr>
+          <a:xfrm>
+            <a:off x="7373658" y="5376408"/>
+            <a:ext cx="2378653" cy="0"/>
+          </a:xfrm>
+          <a:prstGeom prst="straightConnector1">
+            <a:avLst/>
+          </a:prstGeom>
+          <a:ln w="57150">
+            <a:tailEnd type="triangle"/>
+          </a:ln>
+        </p:spPr>
+        <p:style>
+          <a:lnRef idx="1">
+            <a:schemeClr val="accent1"/>
+          </a:lnRef>
+          <a:fillRef idx="0">
+            <a:schemeClr val="accent1"/>
+          </a:fillRef>
+          <a:effectRef idx="0">
+            <a:schemeClr val="accent1"/>
+          </a:effectRef>
+          <a:fontRef idx="minor">
+            <a:schemeClr val="tx1"/>
+          </a:fontRef>
+        </p:style>
+      </p:cxnSp>
+      <p:cxnSp>
+        <p:nvCxnSpPr>
+          <p:cNvPr id="29" name="Straight Arrow Connector 28">
+            <a:extLst>
+              <a:ext uri="{FF2B5EF4-FFF2-40B4-BE49-F238E27FC236}">
+                <a16:creationId xmlns:a16="http://schemas.microsoft.com/office/drawing/2014/main" id="{1DBCC69D-836C-66F4-B8DA-42B26566038E}"/>
+              </a:ext>
+            </a:extLst>
+          </p:cNvPr>
+          <p:cNvCxnSpPr>
+            <a:cxnSpLocks/>
+          </p:cNvCxnSpPr>
+          <p:nvPr/>
+        </p:nvCxnSpPr>
+        <p:spPr>
+          <a:xfrm flipH="1">
+            <a:off x="7208965" y="5860013"/>
+            <a:ext cx="2543346" cy="0"/>
+          </a:xfrm>
+          <a:prstGeom prst="straightConnector1">
+            <a:avLst/>
+          </a:prstGeom>
+          <a:ln w="57150">
+            <a:tailEnd type="triangle"/>
+          </a:ln>
+        </p:spPr>
+        <p:style>
+          <a:lnRef idx="1">
+            <a:schemeClr val="accent1"/>
+          </a:lnRef>
+          <a:fillRef idx="0">
+            <a:schemeClr val="accent1"/>
+          </a:fillRef>
+          <a:effectRef idx="0">
+            <a:schemeClr val="accent1"/>
+          </a:effectRef>
+          <a:fontRef idx="minor">
+            <a:schemeClr val="tx1"/>
+          </a:fontRef>
+        </p:style>
+      </p:cxnSp>
+      <p:pic>
+        <p:nvPicPr>
+          <p:cNvPr id="35" name="Picture 34" descr="A bluetooth symbol in a circle&#10;&#10;Description automatically generated with low confidence">
+            <a:extLst>
+              <a:ext uri="{FF2B5EF4-FFF2-40B4-BE49-F238E27FC236}">
+                <a16:creationId xmlns:a16="http://schemas.microsoft.com/office/drawing/2014/main" id="{13544F49-57BD-4ADB-02BE-9129DC995AED}"/>
+              </a:ext>
+            </a:extLst>
+          </p:cNvPr>
+          <p:cNvPicPr>
+            <a:picLocks noChangeAspect="1"/>
+          </p:cNvPicPr>
+          <p:nvPr/>
+        </p:nvPicPr>
+        <p:blipFill>
+          <a:blip r:embed="rId8">
+            <a:extLst>
+              <a:ext uri="{28A0092B-C50C-407E-A947-70E740481C1C}">
+                <a14:useLocalDpi xmlns:a14="http://schemas.microsoft.com/office/drawing/2010/main" val="0"/>
+              </a:ext>
+            </a:extLst>
+          </a:blip>
+          <a:stretch>
+            <a:fillRect/>
+          </a:stretch>
+        </p:blipFill>
+        <p:spPr>
+          <a:xfrm>
+            <a:off x="2630631" y="2004552"/>
+            <a:ext cx="2107178" cy="1316986"/>
+          </a:xfrm>
+          <a:prstGeom prst="rect">
+            <a:avLst/>
+          </a:prstGeom>
+        </p:spPr>
+      </p:pic>
+      <p:sp>
+        <p:nvSpPr>
+          <p:cNvPr id="37" name="TextBox 36">
+            <a:extLst>
+              <a:ext uri="{FF2B5EF4-FFF2-40B4-BE49-F238E27FC236}">
+                <a16:creationId xmlns:a16="http://schemas.microsoft.com/office/drawing/2014/main" id="{30FCE87E-9131-6FD5-0AAE-616DDA3C0EF3}"/>
+              </a:ext>
+            </a:extLst>
+          </p:cNvPr>
+          <p:cNvSpPr txBox="1"/>
+          <p:nvPr/>
+        </p:nvSpPr>
+        <p:spPr>
+          <a:xfrm>
+            <a:off x="7360551" y="5547192"/>
+            <a:ext cx="2566686" cy="281231"/>
+          </a:xfrm>
+          <a:prstGeom prst="rect">
+            <a:avLst/>
+          </a:prstGeom>
+          <a:noFill/>
+        </p:spPr>
+        <p:txBody>
+          <a:bodyPr wrap="square">
+            <a:spAutoFit/>
+          </a:bodyPr>
+          <a:lstStyle/>
+          <a:p>
+            <a:pPr>
+              <a:lnSpc>
+                <a:spcPct val="107000"/>
+              </a:lnSpc>
+              <a:spcAft>
+                <a:spcPts val="800"/>
+              </a:spcAft>
+            </a:pPr>
+            <a:r>
+              <a:rPr lang="en-US" sz="1200" b="1" dirty="0">
+                <a:effectLst/>
+                <a:latin typeface="Calibri" panose="020F0502020204030204" pitchFamily="34" charset="0"/>
+                <a:ea typeface="Calibri" panose="020F0502020204030204" pitchFamily="34" charset="0"/>
+                <a:cs typeface="Times New Roman" panose="02020603050405020304" pitchFamily="18" charset="0"/>
+              </a:rPr>
+              <a:t>[</a:t>
+            </a:r>
+            <a:r>
+              <a:rPr lang="en-US" sz="1200" b="1" dirty="0">
+                <a:latin typeface="Calibri" panose="020F0502020204030204" pitchFamily="34" charset="0"/>
+                <a:ea typeface="Calibri" panose="020F0502020204030204" pitchFamily="34" charset="0"/>
+                <a:cs typeface="Times New Roman" panose="02020603050405020304" pitchFamily="18" charset="0"/>
+              </a:rPr>
+              <a:t>AUTENTIFICARE</a:t>
+            </a:r>
+            <a:r>
+              <a:rPr lang="en-US" sz="1200" b="1" dirty="0">
+                <a:effectLst/>
+                <a:latin typeface="Calibri" panose="020F0502020204030204" pitchFamily="34" charset="0"/>
+                <a:ea typeface="Calibri" panose="020F0502020204030204" pitchFamily="34" charset="0"/>
+                <a:cs typeface="Times New Roman" panose="02020603050405020304" pitchFamily="18" charset="0"/>
+              </a:rPr>
+              <a:t>]/ CERERE DATE</a:t>
+            </a:r>
+          </a:p>
+        </p:txBody>
+      </p:sp>
+      <p:sp>
+        <p:nvSpPr>
+          <p:cNvPr id="38" name="TextBox 37">
+            <a:extLst>
+              <a:ext uri="{FF2B5EF4-FFF2-40B4-BE49-F238E27FC236}">
+                <a16:creationId xmlns:a16="http://schemas.microsoft.com/office/drawing/2014/main" id="{B249C2B9-4DE4-BDDE-A101-F051049AE8C6}"/>
+              </a:ext>
+            </a:extLst>
+          </p:cNvPr>
+          <p:cNvSpPr txBox="1"/>
+          <p:nvPr/>
+        </p:nvSpPr>
+        <p:spPr>
+          <a:xfrm>
+            <a:off x="2466330" y="5069639"/>
+            <a:ext cx="2566686" cy="281231"/>
+          </a:xfrm>
+          <a:prstGeom prst="rect">
+            <a:avLst/>
+          </a:prstGeom>
+          <a:noFill/>
+        </p:spPr>
+        <p:txBody>
+          <a:bodyPr wrap="square">
+            <a:spAutoFit/>
+          </a:bodyPr>
+          <a:lstStyle/>
+          <a:p>
+            <a:pPr>
+              <a:lnSpc>
+                <a:spcPct val="107000"/>
+              </a:lnSpc>
+              <a:spcAft>
+                <a:spcPts val="800"/>
+              </a:spcAft>
+            </a:pPr>
+            <a:r>
+              <a:rPr lang="en-US" sz="1200" b="1" dirty="0">
+                <a:effectLst/>
+                <a:latin typeface="Calibri" panose="020F0502020204030204" pitchFamily="34" charset="0"/>
+                <a:ea typeface="Calibri" panose="020F0502020204030204" pitchFamily="34" charset="0"/>
+                <a:cs typeface="Times New Roman" panose="02020603050405020304" pitchFamily="18" charset="0"/>
+              </a:rPr>
+              <a:t>[</a:t>
+            </a:r>
+            <a:r>
+              <a:rPr lang="en-US" sz="1200" b="1" dirty="0">
+                <a:latin typeface="Calibri" panose="020F0502020204030204" pitchFamily="34" charset="0"/>
+                <a:ea typeface="Calibri" panose="020F0502020204030204" pitchFamily="34" charset="0"/>
+                <a:cs typeface="Times New Roman" panose="02020603050405020304" pitchFamily="18" charset="0"/>
+              </a:rPr>
+              <a:t>AUTENTIFICARE</a:t>
+            </a:r>
+            <a:r>
+              <a:rPr lang="en-US" sz="1200" b="1" dirty="0">
+                <a:effectLst/>
+                <a:latin typeface="Calibri" panose="020F0502020204030204" pitchFamily="34" charset="0"/>
+                <a:ea typeface="Calibri" panose="020F0502020204030204" pitchFamily="34" charset="0"/>
+                <a:cs typeface="Times New Roman" panose="02020603050405020304" pitchFamily="18" charset="0"/>
+              </a:rPr>
+              <a:t>]/ CERERE DATE</a:t>
+            </a:r>
+          </a:p>
+        </p:txBody>
+      </p:sp>
+      <p:sp>
+        <p:nvSpPr>
+          <p:cNvPr id="48" name="TextBox 47">
+            <a:extLst>
+              <a:ext uri="{FF2B5EF4-FFF2-40B4-BE49-F238E27FC236}">
+                <a16:creationId xmlns:a16="http://schemas.microsoft.com/office/drawing/2014/main" id="{C9BAA83D-8141-7CDD-A75C-6C05B93C40BB}"/>
+              </a:ext>
+            </a:extLst>
+          </p:cNvPr>
+          <p:cNvSpPr txBox="1"/>
+          <p:nvPr/>
+        </p:nvSpPr>
+        <p:spPr>
+          <a:xfrm>
+            <a:off x="2362065" y="1391154"/>
+            <a:ext cx="3135909" cy="281231"/>
+          </a:xfrm>
+          <a:prstGeom prst="rect">
+            <a:avLst/>
+          </a:prstGeom>
+          <a:noFill/>
+        </p:spPr>
+        <p:txBody>
+          <a:bodyPr wrap="square">
+            <a:spAutoFit/>
+          </a:bodyPr>
+          <a:lstStyle/>
+          <a:p>
+            <a:pPr>
+              <a:lnSpc>
+                <a:spcPct val="107000"/>
+              </a:lnSpc>
+              <a:spcAft>
+                <a:spcPts val="800"/>
+              </a:spcAft>
+            </a:pPr>
+            <a:r>
+              <a:rPr lang="ro-RO" sz="1200" b="1" dirty="0">
+                <a:effectLst/>
+                <a:latin typeface="Calibri" panose="020F0502020204030204" pitchFamily="34" charset="0"/>
+                <a:ea typeface="Calibri" panose="020F0502020204030204" pitchFamily="34" charset="0"/>
+                <a:cs typeface="Times New Roman" panose="02020603050405020304" pitchFamily="18" charset="0"/>
+              </a:rPr>
+              <a:t>CONTROL ÎNCHIDERE/DESCHIDERE MAȘINĂ</a:t>
+            </a:r>
+            <a:endParaRPr lang="en-US" sz="1200" b="1" dirty="0">
+              <a:effectLst/>
+              <a:latin typeface="Calibri" panose="020F0502020204030204" pitchFamily="34" charset="0"/>
+              <a:ea typeface="Calibri" panose="020F0502020204030204" pitchFamily="34" charset="0"/>
+              <a:cs typeface="Times New Roman" panose="02020603050405020304" pitchFamily="18" charset="0"/>
+            </a:endParaRPr>
+          </a:p>
+        </p:txBody>
+      </p:sp>
     </p:spTree>
     <p:extLst>
       <p:ext uri="{BB962C8B-B14F-4D97-AF65-F5344CB8AC3E}">
@@ -11892,7 +14095,7 @@
           <p:nvPr/>
         </p:nvPicPr>
         <p:blipFill rotWithShape="1">
-          <a:blip r:embed="rId2">
+          <a:blip r:embed="rId3">
             <a:extLst>
               <a:ext uri="{28A0092B-C50C-407E-A947-70E740481C1C}">
                 <a14:useLocalDpi xmlns:a14="http://schemas.microsoft.com/office/drawing/2010/main" val="0"/>
@@ -12040,7 +14243,9 @@
               </a:ext>
             </a:extLst>
           </p:cNvPr>
-          <p:cNvSpPr/>
+          <p:cNvSpPr>
+            <a:spLocks noGrp="1" noRot="1" noMove="1" noResize="1" noEditPoints="1" noAdjustHandles="1" noChangeArrowheads="1" noChangeShapeType="1"/>
+          </p:cNvSpPr>
           <p:nvPr/>
         </p:nvSpPr>
         <p:spPr>
@@ -12205,19 +14410,19 @@
             </a:extLst>
           </p:cNvPr>
           <p:cNvPicPr>
-            <a:picLocks noChangeAspect="1"/>
+            <a:picLocks noGrp="1" noRot="1" noChangeAspect="1" noMove="1" noResize="1" noEditPoints="1" noAdjustHandles="1" noChangeArrowheads="1" noChangeShapeType="1" noCrop="1"/>
           </p:cNvPicPr>
           <p:nvPr/>
         </p:nvPicPr>
         <p:blipFill>
-          <a:blip r:embed="rId3"/>
+          <a:blip r:embed="rId4"/>
           <a:stretch>
             <a:fillRect/>
           </a:stretch>
         </p:blipFill>
         <p:spPr>
           <a:xfrm>
-            <a:off x="874643" y="1915331"/>
+            <a:off x="0" y="1440231"/>
             <a:ext cx="9469640" cy="4676365"/>
           </a:xfrm>
           <a:prstGeom prst="rect">
@@ -12225,6 +14430,186 @@
           </a:prstGeom>
         </p:spPr>
       </p:pic>
+      <p:sp>
+        <p:nvSpPr>
+          <p:cNvPr id="8" name="Rectangle 7">
+            <a:extLst>
+              <a:ext uri="{FF2B5EF4-FFF2-40B4-BE49-F238E27FC236}">
+                <a16:creationId xmlns:a16="http://schemas.microsoft.com/office/drawing/2014/main" id="{5CB5E3E3-2500-1D13-4B29-431F2282D7C5}"/>
+              </a:ext>
+            </a:extLst>
+          </p:cNvPr>
+          <p:cNvSpPr>
+            <a:spLocks noGrp="1" noRot="1" noMove="1" noResize="1" noEditPoints="1" noAdjustHandles="1" noChangeArrowheads="1" noChangeShapeType="1"/>
+          </p:cNvSpPr>
+          <p:nvPr/>
+        </p:nvSpPr>
+        <p:spPr>
+          <a:xfrm>
+            <a:off x="9225022" y="1296364"/>
+            <a:ext cx="2864239" cy="5185459"/>
+          </a:xfrm>
+          <a:prstGeom prst="rect">
+            <a:avLst/>
+          </a:prstGeom>
+          <a:gradFill flip="none" rotWithShape="1">
+            <a:gsLst>
+              <a:gs pos="0">
+                <a:srgbClr val="00B0F0">
+                  <a:tint val="66000"/>
+                  <a:satMod val="160000"/>
+                </a:srgbClr>
+              </a:gs>
+              <a:gs pos="0">
+                <a:srgbClr val="00B0F0">
+                  <a:tint val="44500"/>
+                  <a:satMod val="160000"/>
+                </a:srgbClr>
+              </a:gs>
+              <a:gs pos="0">
+                <a:srgbClr val="00B0F0">
+                  <a:tint val="23500"/>
+                  <a:satMod val="160000"/>
+                  <a:alpha val="65000"/>
+                </a:srgbClr>
+              </a:gs>
+            </a:gsLst>
+            <a:path path="circle">
+              <a:fillToRect l="50000" t="50000" r="50000" b="50000"/>
+            </a:path>
+            <a:tileRect/>
+          </a:gradFill>
+          <a:ln>
+            <a:solidFill>
+              <a:schemeClr val="tx1"/>
+            </a:solidFill>
+          </a:ln>
+        </p:spPr>
+        <p:style>
+          <a:lnRef idx="2">
+            <a:schemeClr val="accent1">
+              <a:shade val="50000"/>
+            </a:schemeClr>
+          </a:lnRef>
+          <a:fillRef idx="1">
+            <a:schemeClr val="accent1"/>
+          </a:fillRef>
+          <a:effectRef idx="0">
+            <a:schemeClr val="accent1"/>
+          </a:effectRef>
+          <a:fontRef idx="minor">
+            <a:schemeClr val="lt1"/>
+          </a:fontRef>
+        </p:style>
+        <p:txBody>
+          <a:bodyPr rtlCol="0" anchor="ctr"/>
+          <a:lstStyle/>
+          <a:p>
+            <a:r>
+              <a:rPr lang="ro-RO" sz="1800" dirty="0">
+                <a:solidFill>
+                  <a:schemeClr val="tx1"/>
+                </a:solidFill>
+                <a:effectLst/>
+                <a:latin typeface="Arial" panose="020B0604020202020204" pitchFamily="34" charset="0"/>
+                <a:ea typeface="Times New Roman" panose="02020603050405020304" pitchFamily="18" charset="0"/>
+                <a:cs typeface="Times New Roman" panose="02020603050405020304" pitchFamily="18" charset="0"/>
+              </a:rPr>
+              <a:t>Administratorul are responsabilitatea ca la cererea creării unui cont pentru un nou client, acesta să adauge în baza de date datele noului client: adresa de mail, parola și câmpul destinat adreselor MAC (fiecare adresă este destinată pentru o mașină) împreună cu modelul mașinii. </a:t>
+            </a:r>
+            <a:endParaRPr lang="en-US" dirty="0">
+              <a:solidFill>
+                <a:schemeClr val="tx1"/>
+              </a:solidFill>
+            </a:endParaRPr>
+          </a:p>
+        </p:txBody>
+      </p:sp>
+      <p:cxnSp>
+        <p:nvCxnSpPr>
+          <p:cNvPr id="10" name="Straight Connector 9">
+            <a:extLst>
+              <a:ext uri="{FF2B5EF4-FFF2-40B4-BE49-F238E27FC236}">
+                <a16:creationId xmlns:a16="http://schemas.microsoft.com/office/drawing/2014/main" id="{3CEB591C-0FB8-ABCB-497A-791DD509FF6C}"/>
+              </a:ext>
+            </a:extLst>
+          </p:cNvPr>
+          <p:cNvCxnSpPr>
+            <a:cxnSpLocks noGrp="1" noRot="1" noMove="1" noResize="1" noEditPoints="1" noAdjustHandles="1" noChangeArrowheads="1" noChangeShapeType="1"/>
+          </p:cNvCxnSpPr>
+          <p:nvPr/>
+        </p:nvCxnSpPr>
+        <p:spPr>
+          <a:xfrm>
+            <a:off x="9225023" y="1736010"/>
+            <a:ext cx="2864239" cy="0"/>
+          </a:xfrm>
+          <a:prstGeom prst="line">
+            <a:avLst/>
+          </a:prstGeom>
+          <a:ln w="38100">
+            <a:solidFill>
+              <a:schemeClr val="tx1"/>
+            </a:solidFill>
+          </a:ln>
+        </p:spPr>
+        <p:style>
+          <a:lnRef idx="1">
+            <a:schemeClr val="accent1"/>
+          </a:lnRef>
+          <a:fillRef idx="0">
+            <a:schemeClr val="accent1"/>
+          </a:fillRef>
+          <a:effectRef idx="0">
+            <a:schemeClr val="accent1"/>
+          </a:effectRef>
+          <a:fontRef idx="minor">
+            <a:schemeClr val="tx1"/>
+          </a:fontRef>
+        </p:style>
+      </p:cxnSp>
+      <p:sp>
+        <p:nvSpPr>
+          <p:cNvPr id="11" name="TextBox 10">
+            <a:extLst>
+              <a:ext uri="{FF2B5EF4-FFF2-40B4-BE49-F238E27FC236}">
+                <a16:creationId xmlns:a16="http://schemas.microsoft.com/office/drawing/2014/main" id="{7323F628-4FB8-0C86-D995-47DE75F71649}"/>
+              </a:ext>
+            </a:extLst>
+          </p:cNvPr>
+          <p:cNvSpPr txBox="1">
+            <a:spLocks noGrp="1" noRot="1" noMove="1" noResize="1" noEditPoints="1" noAdjustHandles="1" noChangeArrowheads="1" noChangeShapeType="1"/>
+          </p:cNvSpPr>
+          <p:nvPr/>
+        </p:nvSpPr>
+        <p:spPr>
+          <a:xfrm>
+            <a:off x="9332419" y="1345181"/>
+            <a:ext cx="2649443" cy="369332"/>
+          </a:xfrm>
+          <a:prstGeom prst="rect">
+            <a:avLst/>
+          </a:prstGeom>
+          <a:noFill/>
+        </p:spPr>
+        <p:txBody>
+          <a:bodyPr wrap="none" rtlCol="0">
+            <a:spAutoFit/>
+          </a:bodyPr>
+          <a:lstStyle/>
+          <a:p>
+            <a:r>
+              <a:rPr lang="en-US" b="1" dirty="0"/>
+              <a:t>Use Case:</a:t>
+            </a:r>
+            <a:r>
+              <a:rPr lang="ro-RO" b="1" dirty="0"/>
+              <a:t>Adăugare clienți</a:t>
+            </a:r>
+            <a:endParaRPr lang="en-US" b="1" dirty="0"/>
+          </a:p>
+        </p:txBody>
+      </p:sp>
     </p:spTree>
     <p:extLst>
       <p:ext uri="{BB962C8B-B14F-4D97-AF65-F5344CB8AC3E}">
@@ -12270,7 +14655,7 @@
           <p:nvPr/>
         </p:nvPicPr>
         <p:blipFill rotWithShape="1">
-          <a:blip r:embed="rId2">
+          <a:blip r:embed="rId3">
             <a:extLst>
               <a:ext uri="{28A0092B-C50C-407E-A947-70E740481C1C}">
                 <a14:useLocalDpi xmlns:a14="http://schemas.microsoft.com/office/drawing/2010/main" val="0"/>
@@ -12588,7 +14973,7 @@
           <p:nvPr/>
         </p:nvPicPr>
         <p:blipFill>
-          <a:blip r:embed="rId3">
+          <a:blip r:embed="rId4">
             <a:extLst>
               <a:ext uri="{28A0092B-C50C-407E-A947-70E740481C1C}">
                 <a14:useLocalDpi xmlns:a14="http://schemas.microsoft.com/office/drawing/2010/main" val="0"/>
@@ -12654,7 +15039,7 @@
           <p:nvPr/>
         </p:nvPicPr>
         <p:blipFill rotWithShape="1">
-          <a:blip r:embed="rId2">
+          <a:blip r:embed="rId3">
             <a:extLst>
               <a:ext uri="{28A0092B-C50C-407E-A947-70E740481C1C}">
                 <a14:useLocalDpi xmlns:a14="http://schemas.microsoft.com/office/drawing/2010/main" val="0"/>
@@ -12959,10 +15344,10 @@
       </p:sp>
       <p:pic>
         <p:nvPicPr>
-          <p:cNvPr id="3" name="Picture 2" descr="A picture containing text, screenshot, diagram, font&#10;&#10;Description automatically generated">
-            <a:extLst>
-              <a:ext uri="{FF2B5EF4-FFF2-40B4-BE49-F238E27FC236}">
-                <a16:creationId xmlns:a16="http://schemas.microsoft.com/office/drawing/2014/main" id="{EA11671D-1A0A-C610-0FCF-7BA91A94FE43}"/>
+          <p:cNvPr id="5" name="Picture 4" descr="A picture containing text, diagram, line, parallel&#10;&#10;Description automatically generated">
+            <a:extLst>
+              <a:ext uri="{FF2B5EF4-FFF2-40B4-BE49-F238E27FC236}">
+                <a16:creationId xmlns:a16="http://schemas.microsoft.com/office/drawing/2014/main" id="{32F53BB5-9165-9B7E-D657-AAB01BF58A79}"/>
               </a:ext>
             </a:extLst>
           </p:cNvPr>
@@ -12971,21 +15356,22 @@
           </p:cNvPicPr>
           <p:nvPr/>
         </p:nvPicPr>
-        <p:blipFill rotWithShape="1">
-          <a:blip r:embed="rId3">
+        <p:blipFill>
+          <a:blip r:embed="rId4">
             <a:extLst>
               <a:ext uri="{28A0092B-C50C-407E-A947-70E740481C1C}">
                 <a14:useLocalDpi xmlns:a14="http://schemas.microsoft.com/office/drawing/2010/main" val="0"/>
               </a:ext>
             </a:extLst>
           </a:blip>
-          <a:srcRect b="50000"/>
-          <a:stretch/>
+          <a:stretch>
+            <a:fillRect/>
+          </a:stretch>
         </p:blipFill>
         <p:spPr>
           <a:xfrm>
-            <a:off x="2496796" y="1383996"/>
-            <a:ext cx="9695204" cy="4509910"/>
+            <a:off x="2532888" y="1342458"/>
+            <a:ext cx="6746257" cy="5276600"/>
           </a:xfrm>
           <a:prstGeom prst="rect">
             <a:avLst/>
@@ -13037,7 +15423,7 @@
           <p:nvPr/>
         </p:nvPicPr>
         <p:blipFill rotWithShape="1">
-          <a:blip r:embed="rId2">
+          <a:blip r:embed="rId3">
             <a:extLst>
               <a:ext uri="{28A0092B-C50C-407E-A947-70E740481C1C}">
                 <a14:useLocalDpi xmlns:a14="http://schemas.microsoft.com/office/drawing/2010/main" val="0"/>
@@ -13049,7 +15435,7 @@
         </p:blipFill>
         <p:spPr>
           <a:xfrm>
-            <a:off x="222008" y="0"/>
+            <a:off x="194577" y="15"/>
             <a:ext cx="2722359" cy="1027905"/>
           </a:xfrm>
           <a:prstGeom prst="rect">
@@ -13077,8 +15463,8 @@
         </p:nvSpPr>
         <p:spPr>
           <a:xfrm>
-            <a:off x="2532887" y="99648"/>
-            <a:ext cx="7445999" cy="638568"/>
+            <a:off x="2816352" y="112462"/>
+            <a:ext cx="3427656" cy="638568"/>
           </a:xfrm>
           <a:prstGeom prst="rect">
             <a:avLst/>
@@ -13126,38 +15512,13 @@
               <a:defRPr/>
             </a:pPr>
             <a:r>
-              <a:rPr kumimoji="0" lang="en-US" sz="3600" b="1" i="0" u="none" strike="noStrike" kern="1200" cap="none" spc="-50" normalizeH="0" baseline="0" noProof="0" dirty="0">
-                <a:ln>
-                  <a:noFill/>
-                </a:ln>
+              <a:rPr lang="ro-RO" sz="3600" dirty="0">
                 <a:solidFill>
                   <a:srgbClr val="303192"/>
                 </a:solidFill>
-                <a:effectLst/>
-                <a:uLnTx/>
-                <a:uFillTx/>
                 <a:latin typeface="Calibri" panose="020F0502020204030204"/>
-                <a:ea typeface="+mj-ea"/>
-                <a:cs typeface="+mj-cs"/>
               </a:rPr>
-              <a:t>PROIECTARE</a:t>
-            </a:r>
-            <a:r>
-              <a:rPr kumimoji="0" lang="ro-RO" sz="3600" b="1" i="0" u="none" strike="noStrike" kern="1200" cap="none" spc="-50" normalizeH="0" baseline="0" noProof="0" dirty="0">
-                <a:ln>
-                  <a:noFill/>
-                </a:ln>
-                <a:solidFill>
-                  <a:srgbClr val="303192"/>
-                </a:solidFill>
-                <a:effectLst/>
-                <a:uLnTx/>
-                <a:uFillTx/>
-                <a:latin typeface="Calibri" panose="020F0502020204030204"/>
-                <a:ea typeface="+mj-ea"/>
-                <a:cs typeface="+mj-cs"/>
-              </a:rPr>
-              <a:t>A APLICAȚIEI ARDUINO</a:t>
+              <a:t>IMPLEMENTARE</a:t>
             </a:r>
             <a:endParaRPr kumimoji="0" lang="en-US" sz="3600" b="1" i="0" u="none" strike="noStrike" kern="1200" cap="none" spc="-50" normalizeH="0" baseline="0" noProof="0" dirty="0">
               <a:ln>
@@ -13190,7 +15551,7 @@
         </p:nvSpPr>
         <p:spPr>
           <a:xfrm>
-            <a:off x="2722360" y="801663"/>
+            <a:off x="2722360" y="801678"/>
             <a:ext cx="9469640" cy="226242"/>
           </a:xfrm>
           <a:prstGeom prst="rect">
@@ -13342,10 +15703,10 @@
       </p:sp>
       <p:pic>
         <p:nvPicPr>
-          <p:cNvPr id="5" name="Picture 4" descr="A picture containing text, screenshot, diagram, font&#10;&#10;Description automatically generated">
-            <a:extLst>
-              <a:ext uri="{FF2B5EF4-FFF2-40B4-BE49-F238E27FC236}">
-                <a16:creationId xmlns:a16="http://schemas.microsoft.com/office/drawing/2014/main" id="{D1C57E82-7781-9879-EDC2-80EA426C2E19}"/>
+          <p:cNvPr id="3" name="Picture 2" descr="A picture containing circle, colorfulness, screenshot, rectangle&#10;&#10;Description automatically generated">
+            <a:extLst>
+              <a:ext uri="{FF2B5EF4-FFF2-40B4-BE49-F238E27FC236}">
+                <a16:creationId xmlns:a16="http://schemas.microsoft.com/office/drawing/2014/main" id="{223F422F-A381-09DE-2789-5922AEBA51BF}"/>
               </a:ext>
             </a:extLst>
           </p:cNvPr>
@@ -13354,31 +15715,630 @@
           </p:cNvPicPr>
           <p:nvPr/>
         </p:nvPicPr>
-        <p:blipFill rotWithShape="1">
-          <a:blip r:embed="rId3">
+        <p:blipFill>
+          <a:blip r:embed="rId4">
             <a:extLst>
               <a:ext uri="{28A0092B-C50C-407E-A947-70E740481C1C}">
                 <a14:useLocalDpi xmlns:a14="http://schemas.microsoft.com/office/drawing/2010/main" val="0"/>
               </a:ext>
             </a:extLst>
           </a:blip>
-          <a:srcRect t="50000"/>
-          <a:stretch/>
+          <a:stretch>
+            <a:fillRect/>
+          </a:stretch>
         </p:blipFill>
         <p:spPr>
           <a:xfrm>
-            <a:off x="1897101" y="1582932"/>
-            <a:ext cx="9917212" cy="4613181"/>
+            <a:off x="230181" y="1172201"/>
+            <a:ext cx="1325575" cy="1325575"/>
           </a:xfrm>
           <a:prstGeom prst="rect">
             <a:avLst/>
           </a:prstGeom>
         </p:spPr>
       </p:pic>
+      <p:pic>
+        <p:nvPicPr>
+          <p:cNvPr id="5" name="Picture 4" descr="A picture containing circle, screenshot, design&#10;&#10;Description automatically generated">
+            <a:extLst>
+              <a:ext uri="{FF2B5EF4-FFF2-40B4-BE49-F238E27FC236}">
+                <a16:creationId xmlns:a16="http://schemas.microsoft.com/office/drawing/2014/main" id="{83B52733-6821-5E7E-19E9-17A84310FE89}"/>
+              </a:ext>
+            </a:extLst>
+          </p:cNvPr>
+          <p:cNvPicPr>
+            <a:picLocks noChangeAspect="1"/>
+          </p:cNvPicPr>
+          <p:nvPr/>
+        </p:nvPicPr>
+        <p:blipFill>
+          <a:blip r:embed="rId5">
+            <a:extLst>
+              <a:ext uri="{28A0092B-C50C-407E-A947-70E740481C1C}">
+                <a14:useLocalDpi xmlns:a14="http://schemas.microsoft.com/office/drawing/2010/main" val="0"/>
+              </a:ext>
+            </a:extLst>
+          </a:blip>
+          <a:stretch>
+            <a:fillRect/>
+          </a:stretch>
+        </p:blipFill>
+        <p:spPr>
+          <a:xfrm>
+            <a:off x="10501630" y="1099488"/>
+            <a:ext cx="1460189" cy="1460189"/>
+          </a:xfrm>
+          <a:prstGeom prst="rect">
+            <a:avLst/>
+          </a:prstGeom>
+        </p:spPr>
+      </p:pic>
+      <p:sp>
+        <p:nvSpPr>
+          <p:cNvPr id="6" name="TextBox 5">
+            <a:extLst>
+              <a:ext uri="{FF2B5EF4-FFF2-40B4-BE49-F238E27FC236}">
+                <a16:creationId xmlns:a16="http://schemas.microsoft.com/office/drawing/2014/main" id="{5145BB29-BF5F-DC47-ABF2-53E7166F5E93}"/>
+              </a:ext>
+            </a:extLst>
+          </p:cNvPr>
+          <p:cNvSpPr txBox="1"/>
+          <p:nvPr/>
+        </p:nvSpPr>
+        <p:spPr>
+          <a:xfrm>
+            <a:off x="1426629" y="1629528"/>
+            <a:ext cx="2779445" cy="400110"/>
+          </a:xfrm>
+          <a:prstGeom prst="rect">
+            <a:avLst/>
+          </a:prstGeom>
+          <a:noFill/>
+        </p:spPr>
+        <p:txBody>
+          <a:bodyPr wrap="square" rtlCol="0">
+            <a:spAutoFit/>
+          </a:bodyPr>
+          <a:lstStyle/>
+          <a:p>
+            <a:pPr algn="ctr"/>
+            <a:r>
+              <a:rPr lang="ro-RO" sz="2000" dirty="0"/>
+              <a:t>APLICAȚIILE MOBILE</a:t>
+            </a:r>
+          </a:p>
+        </p:txBody>
+      </p:sp>
+      <p:sp>
+        <p:nvSpPr>
+          <p:cNvPr id="7" name="TextBox 6">
+            <a:extLst>
+              <a:ext uri="{FF2B5EF4-FFF2-40B4-BE49-F238E27FC236}">
+                <a16:creationId xmlns:a16="http://schemas.microsoft.com/office/drawing/2014/main" id="{28268FA4-745C-4406-6BBE-91627D6FD235}"/>
+              </a:ext>
+            </a:extLst>
+          </p:cNvPr>
+          <p:cNvSpPr txBox="1"/>
+          <p:nvPr/>
+        </p:nvSpPr>
+        <p:spPr>
+          <a:xfrm>
+            <a:off x="7985926" y="1629528"/>
+            <a:ext cx="2779445" cy="400110"/>
+          </a:xfrm>
+          <a:prstGeom prst="rect">
+            <a:avLst/>
+          </a:prstGeom>
+          <a:noFill/>
+        </p:spPr>
+        <p:txBody>
+          <a:bodyPr wrap="square" rtlCol="0">
+            <a:spAutoFit/>
+          </a:bodyPr>
+          <a:lstStyle/>
+          <a:p>
+            <a:pPr algn="ctr"/>
+            <a:r>
+              <a:rPr lang="ro-RO" sz="2000" dirty="0"/>
+              <a:t>APLICAȚIA ARDUINO</a:t>
+            </a:r>
+          </a:p>
+        </p:txBody>
+      </p:sp>
+      <p:pic>
+        <p:nvPicPr>
+          <p:cNvPr id="8" name="Graphic 7" descr="Processor with solid fill">
+            <a:extLst>
+              <a:ext uri="{FF2B5EF4-FFF2-40B4-BE49-F238E27FC236}">
+                <a16:creationId xmlns:a16="http://schemas.microsoft.com/office/drawing/2014/main" id="{9B489B42-C400-951F-A198-B3F606F8AC3B}"/>
+              </a:ext>
+            </a:extLst>
+          </p:cNvPr>
+          <p:cNvPicPr>
+            <a:picLocks noChangeAspect="1"/>
+          </p:cNvPicPr>
+          <p:nvPr/>
+        </p:nvPicPr>
+        <p:blipFill>
+          <a:blip r:embed="rId6">
+            <a:extLst>
+              <a:ext uri="{28A0092B-C50C-407E-A947-70E740481C1C}">
+                <a14:useLocalDpi xmlns:a14="http://schemas.microsoft.com/office/drawing/2010/main" val="0"/>
+              </a:ext>
+              <a:ext uri="{96DAC541-7B7A-43D3-8B79-37D633B846F1}">
+                <asvg:svgBlip xmlns:asvg="http://schemas.microsoft.com/office/drawing/2016/SVG/main" r:embed="rId7"/>
+              </a:ext>
+            </a:extLst>
+          </a:blip>
+          <a:stretch>
+            <a:fillRect/>
+          </a:stretch>
+        </p:blipFill>
+        <p:spPr>
+          <a:xfrm>
+            <a:off x="6761920" y="2867127"/>
+            <a:ext cx="985892" cy="958404"/>
+          </a:xfrm>
+          <a:prstGeom prst="rect">
+            <a:avLst/>
+          </a:prstGeom>
+        </p:spPr>
+      </p:pic>
+      <p:pic>
+        <p:nvPicPr>
+          <p:cNvPr id="9" name="Graphic 8" descr="Internet Of Things outline">
+            <a:extLst>
+              <a:ext uri="{FF2B5EF4-FFF2-40B4-BE49-F238E27FC236}">
+                <a16:creationId xmlns:a16="http://schemas.microsoft.com/office/drawing/2014/main" id="{45B65D8B-78B7-4DCD-7578-05A99074AD7B}"/>
+              </a:ext>
+            </a:extLst>
+          </p:cNvPr>
+          <p:cNvPicPr>
+            <a:picLocks noChangeAspect="1"/>
+          </p:cNvPicPr>
+          <p:nvPr/>
+        </p:nvPicPr>
+        <p:blipFill>
+          <a:blip r:embed="rId8">
+            <a:extLst>
+              <a:ext uri="{28A0092B-C50C-407E-A947-70E740481C1C}">
+                <a14:useLocalDpi xmlns:a14="http://schemas.microsoft.com/office/drawing/2010/main" val="0"/>
+              </a:ext>
+              <a:ext uri="{96DAC541-7B7A-43D3-8B79-37D633B846F1}">
+                <asvg:svgBlip xmlns:asvg="http://schemas.microsoft.com/office/drawing/2016/SVG/main" r:embed="rId9"/>
+              </a:ext>
+            </a:extLst>
+          </a:blip>
+          <a:stretch>
+            <a:fillRect/>
+          </a:stretch>
+        </p:blipFill>
+        <p:spPr>
+          <a:xfrm>
+            <a:off x="6761920" y="4447939"/>
+            <a:ext cx="985892" cy="958404"/>
+          </a:xfrm>
+          <a:prstGeom prst="rect">
+            <a:avLst/>
+          </a:prstGeom>
+        </p:spPr>
+      </p:pic>
+      <p:sp>
+        <p:nvSpPr>
+          <p:cNvPr id="10" name="TextBox 9">
+            <a:extLst>
+              <a:ext uri="{FF2B5EF4-FFF2-40B4-BE49-F238E27FC236}">
+                <a16:creationId xmlns:a16="http://schemas.microsoft.com/office/drawing/2014/main" id="{FB187EB0-E1EE-454D-F6EE-E45C8BFEF6B9}"/>
+              </a:ext>
+            </a:extLst>
+          </p:cNvPr>
+          <p:cNvSpPr txBox="1"/>
+          <p:nvPr/>
+        </p:nvSpPr>
+        <p:spPr>
+          <a:xfrm>
+            <a:off x="7527819" y="2689017"/>
+            <a:ext cx="3320460" cy="1200329"/>
+          </a:xfrm>
+          <a:prstGeom prst="rect">
+            <a:avLst/>
+          </a:prstGeom>
+          <a:noFill/>
+        </p:spPr>
+        <p:txBody>
+          <a:bodyPr wrap="square" rtlCol="0">
+            <a:spAutoFit/>
+          </a:bodyPr>
+          <a:lstStyle/>
+          <a:p>
+            <a:pPr marL="533400" indent="0">
+              <a:spcBef>
+                <a:spcPts val="0"/>
+              </a:spcBef>
+              <a:spcAft>
+                <a:spcPts val="0"/>
+              </a:spcAft>
+              <a:buNone/>
+            </a:pPr>
+            <a:r>
+              <a:rPr lang="ro-RO" b="1" dirty="0"/>
+              <a:t>Implemetarea hardware</a:t>
+            </a:r>
+            <a:endParaRPr lang="en-US" b="1" dirty="0"/>
+          </a:p>
+          <a:p>
+            <a:pPr marL="533400" lvl="0" indent="0">
+              <a:spcBef>
+                <a:spcPts val="0"/>
+              </a:spcBef>
+              <a:spcAft>
+                <a:spcPts val="0"/>
+              </a:spcAft>
+              <a:buNone/>
+            </a:pPr>
+            <a:r>
+              <a:rPr lang="ro-RO" sz="1800" dirty="0">
+                <a:latin typeface="+mj-lt"/>
+              </a:rPr>
+              <a:t>Adăugarea plăcii Arduino Mega și a componentelor necesare</a:t>
+            </a:r>
+            <a:endParaRPr lang="en-US" sz="1800" dirty="0">
+              <a:latin typeface="+mj-lt"/>
+            </a:endParaRPr>
+          </a:p>
+        </p:txBody>
+      </p:sp>
+      <p:sp>
+        <p:nvSpPr>
+          <p:cNvPr id="11" name="TextBox 10">
+            <a:extLst>
+              <a:ext uri="{FF2B5EF4-FFF2-40B4-BE49-F238E27FC236}">
+                <a16:creationId xmlns:a16="http://schemas.microsoft.com/office/drawing/2014/main" id="{AAE400F3-0134-B517-3A43-07CAED773245}"/>
+              </a:ext>
+            </a:extLst>
+          </p:cNvPr>
+          <p:cNvSpPr txBox="1"/>
+          <p:nvPr/>
+        </p:nvSpPr>
+        <p:spPr>
+          <a:xfrm>
+            <a:off x="7527819" y="4187410"/>
+            <a:ext cx="3602279" cy="1477328"/>
+          </a:xfrm>
+          <a:prstGeom prst="rect">
+            <a:avLst/>
+          </a:prstGeom>
+          <a:noFill/>
+        </p:spPr>
+        <p:txBody>
+          <a:bodyPr wrap="square" rtlCol="0">
+            <a:spAutoFit/>
+          </a:bodyPr>
+          <a:lstStyle/>
+          <a:p>
+            <a:pPr marL="533400" indent="0">
+              <a:spcBef>
+                <a:spcPts val="0"/>
+              </a:spcBef>
+              <a:spcAft>
+                <a:spcPts val="0"/>
+              </a:spcAft>
+              <a:buNone/>
+            </a:pPr>
+            <a:r>
+              <a:rPr lang="ro-RO" b="1" dirty="0"/>
+              <a:t>Implementarea software</a:t>
+            </a:r>
+            <a:endParaRPr lang="en-US" b="1" dirty="0"/>
+          </a:p>
+          <a:p>
+            <a:pPr marL="533400" indent="0">
+              <a:spcBef>
+                <a:spcPts val="0"/>
+              </a:spcBef>
+              <a:spcAft>
+                <a:spcPts val="0"/>
+              </a:spcAft>
+              <a:buNone/>
+            </a:pPr>
+            <a:r>
+              <a:rPr lang="ro-RO" sz="1800" dirty="0">
+                <a:latin typeface="+mj-lt"/>
+              </a:rPr>
+              <a:t>Conectarea bluetooth</a:t>
+            </a:r>
+            <a:endParaRPr lang="en-US" sz="1800" dirty="0">
+              <a:latin typeface="+mj-lt"/>
+            </a:endParaRPr>
+          </a:p>
+          <a:p>
+            <a:pPr marL="533400" indent="0">
+              <a:spcBef>
+                <a:spcPts val="0"/>
+              </a:spcBef>
+              <a:spcAft>
+                <a:spcPts val="0"/>
+              </a:spcAft>
+              <a:buNone/>
+            </a:pPr>
+            <a:r>
+              <a:rPr lang="ro-RO" sz="1800" dirty="0">
+                <a:latin typeface="+mj-lt"/>
+              </a:rPr>
+              <a:t>Primirea datelor de la aplicația mobile și</a:t>
+            </a:r>
+          </a:p>
+          <a:p>
+            <a:pPr marL="533400" indent="0">
+              <a:spcBef>
+                <a:spcPts val="0"/>
+              </a:spcBef>
+              <a:spcAft>
+                <a:spcPts val="0"/>
+              </a:spcAft>
+              <a:buNone/>
+            </a:pPr>
+            <a:r>
+              <a:rPr lang="ro-RO" dirty="0">
+                <a:latin typeface="+mj-lt"/>
+              </a:rPr>
+              <a:t>deschiderea/închiderea mașinii</a:t>
+            </a:r>
+            <a:endParaRPr lang="ro-RO" sz="1800" dirty="0">
+              <a:latin typeface="+mj-lt"/>
+            </a:endParaRPr>
+          </a:p>
+        </p:txBody>
+      </p:sp>
+      <p:pic>
+        <p:nvPicPr>
+          <p:cNvPr id="13" name="Graphic 12" descr="Inventory outline">
+            <a:extLst>
+              <a:ext uri="{FF2B5EF4-FFF2-40B4-BE49-F238E27FC236}">
+                <a16:creationId xmlns:a16="http://schemas.microsoft.com/office/drawing/2014/main" id="{63E14587-EDFF-1684-E9B9-549F26D8FD30}"/>
+              </a:ext>
+            </a:extLst>
+          </p:cNvPr>
+          <p:cNvPicPr>
+            <a:picLocks noChangeAspect="1"/>
+          </p:cNvPicPr>
+          <p:nvPr/>
+        </p:nvPicPr>
+        <p:blipFill>
+          <a:blip r:embed="rId10">
+            <a:extLst>
+              <a:ext uri="{28A0092B-C50C-407E-A947-70E740481C1C}">
+                <a14:useLocalDpi xmlns:a14="http://schemas.microsoft.com/office/drawing/2010/main" val="0"/>
+              </a:ext>
+              <a:ext uri="{96DAC541-7B7A-43D3-8B79-37D633B846F1}">
+                <asvg:svgBlip xmlns:asvg="http://schemas.microsoft.com/office/drawing/2016/SVG/main" r:embed="rId11"/>
+              </a:ext>
+            </a:extLst>
+          </a:blip>
+          <a:stretch>
+            <a:fillRect/>
+          </a:stretch>
+        </p:blipFill>
+        <p:spPr>
+          <a:xfrm>
+            <a:off x="4206075" y="2867127"/>
+            <a:ext cx="985891" cy="958404"/>
+          </a:xfrm>
+          <a:prstGeom prst="rect">
+            <a:avLst/>
+          </a:prstGeom>
+        </p:spPr>
+      </p:pic>
+      <p:sp>
+        <p:nvSpPr>
+          <p:cNvPr id="14" name="TextBox 13">
+            <a:extLst>
+              <a:ext uri="{FF2B5EF4-FFF2-40B4-BE49-F238E27FC236}">
+                <a16:creationId xmlns:a16="http://schemas.microsoft.com/office/drawing/2014/main" id="{21E99C9C-F453-C01F-4044-CD95364461FD}"/>
+              </a:ext>
+            </a:extLst>
+          </p:cNvPr>
+          <p:cNvSpPr txBox="1"/>
+          <p:nvPr/>
+        </p:nvSpPr>
+        <p:spPr>
+          <a:xfrm>
+            <a:off x="641813" y="2743062"/>
+            <a:ext cx="3282696" cy="1477328"/>
+          </a:xfrm>
+          <a:prstGeom prst="rect">
+            <a:avLst/>
+          </a:prstGeom>
+          <a:noFill/>
+        </p:spPr>
+        <p:txBody>
+          <a:bodyPr wrap="square" rtlCol="0">
+            <a:spAutoFit/>
+          </a:bodyPr>
+          <a:lstStyle/>
+          <a:p>
+            <a:pPr marL="0" indent="0" algn="r">
+              <a:spcBef>
+                <a:spcPts val="0"/>
+              </a:spcBef>
+              <a:spcAft>
+                <a:spcPts val="0"/>
+              </a:spcAft>
+              <a:buNone/>
+            </a:pPr>
+            <a:r>
+              <a:rPr lang="ro-RO" b="1" dirty="0"/>
+              <a:t>Implementarea componentelor</a:t>
+            </a:r>
+            <a:endParaRPr lang="en-US" b="1" dirty="0"/>
+          </a:p>
+          <a:p>
+            <a:pPr marL="0" lvl="0" indent="0" algn="r">
+              <a:spcBef>
+                <a:spcPts val="0"/>
+              </a:spcBef>
+              <a:spcAft>
+                <a:spcPts val="0"/>
+              </a:spcAft>
+              <a:buNone/>
+            </a:pPr>
+            <a:r>
+              <a:rPr lang="ro-RO" sz="1800" dirty="0">
+                <a:latin typeface="+mj-lt"/>
+              </a:rPr>
+              <a:t>Cre</a:t>
+            </a:r>
+            <a:r>
+              <a:rPr lang="en-US" sz="1800" dirty="0">
+                <a:latin typeface="+mj-lt"/>
+              </a:rPr>
+              <a:t>a</a:t>
+            </a:r>
+            <a:r>
+              <a:rPr lang="ro-RO" sz="1800" dirty="0">
+                <a:latin typeface="+mj-lt"/>
+              </a:rPr>
+              <a:t>rea fiecărei componente (activity) specifice</a:t>
+            </a:r>
+          </a:p>
+          <a:p>
+            <a:pPr marL="0" lvl="0" indent="0" algn="r">
+              <a:spcBef>
+                <a:spcPts val="0"/>
+              </a:spcBef>
+              <a:spcAft>
+                <a:spcPts val="0"/>
+              </a:spcAft>
+              <a:buNone/>
+            </a:pPr>
+            <a:r>
+              <a:rPr lang="ro-RO" sz="1800" dirty="0">
+                <a:latin typeface="+mj-lt"/>
+              </a:rPr>
+              <a:t>Implementarea funcționalitățiilor </a:t>
+            </a:r>
+            <a:endParaRPr lang="en-US" sz="1800" dirty="0">
+              <a:latin typeface="+mj-lt"/>
+            </a:endParaRPr>
+          </a:p>
+          <a:p>
+            <a:pPr algn="r"/>
+            <a:endParaRPr lang="ro-RO" dirty="0"/>
+          </a:p>
+        </p:txBody>
+      </p:sp>
+      <p:pic>
+        <p:nvPicPr>
+          <p:cNvPr id="15" name="Graphic 14" descr="Ui Ux outline">
+            <a:extLst>
+              <a:ext uri="{FF2B5EF4-FFF2-40B4-BE49-F238E27FC236}">
+                <a16:creationId xmlns:a16="http://schemas.microsoft.com/office/drawing/2014/main" id="{24689041-4D77-BAFE-5479-A0C555ACF45C}"/>
+              </a:ext>
+            </a:extLst>
+          </p:cNvPr>
+          <p:cNvPicPr>
+            <a:picLocks noChangeAspect="1"/>
+          </p:cNvPicPr>
+          <p:nvPr/>
+        </p:nvPicPr>
+        <p:blipFill>
+          <a:blip r:embed="rId12">
+            <a:extLst>
+              <a:ext uri="{28A0092B-C50C-407E-A947-70E740481C1C}">
+                <a14:useLocalDpi xmlns:a14="http://schemas.microsoft.com/office/drawing/2010/main" val="0"/>
+              </a:ext>
+              <a:ext uri="{96DAC541-7B7A-43D3-8B79-37D633B846F1}">
+                <asvg:svgBlip xmlns:asvg="http://schemas.microsoft.com/office/drawing/2016/SVG/main" r:embed="rId13"/>
+              </a:ext>
+            </a:extLst>
+          </a:blip>
+          <a:stretch>
+            <a:fillRect/>
+          </a:stretch>
+        </p:blipFill>
+        <p:spPr>
+          <a:xfrm>
+            <a:off x="4206074" y="4447939"/>
+            <a:ext cx="985892" cy="958404"/>
+          </a:xfrm>
+          <a:prstGeom prst="rect">
+            <a:avLst/>
+          </a:prstGeom>
+        </p:spPr>
+      </p:pic>
+      <p:sp>
+        <p:nvSpPr>
+          <p:cNvPr id="16" name="TextBox 15">
+            <a:extLst>
+              <a:ext uri="{FF2B5EF4-FFF2-40B4-BE49-F238E27FC236}">
+                <a16:creationId xmlns:a16="http://schemas.microsoft.com/office/drawing/2014/main" id="{27C3F430-40C7-EFF3-78AD-EC119A563AD9}"/>
+              </a:ext>
+            </a:extLst>
+          </p:cNvPr>
+          <p:cNvSpPr txBox="1"/>
+          <p:nvPr/>
+        </p:nvSpPr>
+        <p:spPr>
+          <a:xfrm>
+            <a:off x="823788" y="4447939"/>
+            <a:ext cx="3073292" cy="1477328"/>
+          </a:xfrm>
+          <a:prstGeom prst="rect">
+            <a:avLst/>
+          </a:prstGeom>
+          <a:noFill/>
+        </p:spPr>
+        <p:txBody>
+          <a:bodyPr wrap="square" rtlCol="0">
+            <a:spAutoFit/>
+          </a:bodyPr>
+          <a:lstStyle/>
+          <a:p>
+            <a:pPr marL="0" indent="0" algn="r">
+              <a:spcBef>
+                <a:spcPts val="0"/>
+              </a:spcBef>
+              <a:spcAft>
+                <a:spcPts val="0"/>
+              </a:spcAft>
+              <a:buNone/>
+            </a:pPr>
+            <a:r>
+              <a:rPr lang="ro-RO" b="1" dirty="0"/>
+              <a:t>Implementarea designului</a:t>
+            </a:r>
+            <a:endParaRPr lang="en-US" b="1" dirty="0"/>
+          </a:p>
+          <a:p>
+            <a:pPr marL="0" indent="0" algn="r">
+              <a:spcBef>
+                <a:spcPts val="0"/>
+              </a:spcBef>
+              <a:spcAft>
+                <a:spcPts val="0"/>
+              </a:spcAft>
+              <a:buNone/>
+            </a:pPr>
+            <a:r>
+              <a:rPr lang="ro-RO" sz="1800" dirty="0">
+                <a:latin typeface="+mj-lt"/>
+              </a:rPr>
+              <a:t>Adăugarea stilului pentru fiecare componentă utilizând fișierele XML</a:t>
+            </a:r>
+            <a:endParaRPr lang="en-US" sz="1800" dirty="0">
+              <a:latin typeface="+mj-lt"/>
+            </a:endParaRPr>
+          </a:p>
+          <a:p>
+            <a:pPr algn="r"/>
+            <a:endParaRPr lang="ro-RO" dirty="0"/>
+          </a:p>
+        </p:txBody>
+      </p:sp>
     </p:spTree>
     <p:extLst>
       <p:ext uri="{BB962C8B-B14F-4D97-AF65-F5344CB8AC3E}">
-        <p14:creationId xmlns:p14="http://schemas.microsoft.com/office/powerpoint/2010/main" val="2217804113"/>
+        <p14:creationId xmlns:p14="http://schemas.microsoft.com/office/powerpoint/2010/main" val="2105983728"/>
       </p:ext>
     </p:extLst>
   </p:cSld>
@@ -13683,6 +16643,301 @@
 </a:theme>
 </file>
 
+<file path=ppt/theme/theme2.xml><?xml version="1.0" encoding="utf-8"?>
+<a:theme xmlns:a="http://schemas.openxmlformats.org/drawingml/2006/main" name="Office Theme">
+  <a:themeElements>
+    <a:clrScheme name="Office">
+      <a:dk1>
+        <a:sysClr val="windowText" lastClr="000000"/>
+      </a:dk1>
+      <a:lt1>
+        <a:sysClr val="window" lastClr="FFFFFF"/>
+      </a:lt1>
+      <a:dk2>
+        <a:srgbClr val="44546A"/>
+      </a:dk2>
+      <a:lt2>
+        <a:srgbClr val="E7E6E6"/>
+      </a:lt2>
+      <a:accent1>
+        <a:srgbClr val="4472C4"/>
+      </a:accent1>
+      <a:accent2>
+        <a:srgbClr val="ED7D31"/>
+      </a:accent2>
+      <a:accent3>
+        <a:srgbClr val="A5A5A5"/>
+      </a:accent3>
+      <a:accent4>
+        <a:srgbClr val="FFC000"/>
+      </a:accent4>
+      <a:accent5>
+        <a:srgbClr val="5B9BD5"/>
+      </a:accent5>
+      <a:accent6>
+        <a:srgbClr val="70AD47"/>
+      </a:accent6>
+      <a:hlink>
+        <a:srgbClr val="0563C1"/>
+      </a:hlink>
+      <a:folHlink>
+        <a:srgbClr val="954F72"/>
+      </a:folHlink>
+    </a:clrScheme>
+    <a:fontScheme name="Office">
+      <a:majorFont>
+        <a:latin typeface="Calibri Light" panose="020F0302020204030204"/>
+        <a:ea typeface=""/>
+        <a:cs typeface=""/>
+        <a:font script="Jpan" typeface="游ゴシック Light"/>
+        <a:font script="Hang" typeface="맑은 고딕"/>
+        <a:font script="Hans" typeface="等线 Light"/>
+        <a:font script="Hant" typeface="新細明體"/>
+        <a:font script="Arab" typeface="Times New Roman"/>
+        <a:font script="Hebr" typeface="Times New Roman"/>
+        <a:font script="Thai" typeface="Angsana New"/>
+        <a:font script="Ethi" typeface="Nyala"/>
+        <a:font script="Beng" typeface="Vrinda"/>
+        <a:font script="Gujr" typeface="Shruti"/>
+        <a:font script="Khmr" typeface="MoolBoran"/>
+        <a:font script="Knda" typeface="Tunga"/>
+        <a:font script="Guru" typeface="Raavi"/>
+        <a:font script="Cans" typeface="Euphemia"/>
+        <a:font script="Cher" typeface="Plantagenet Cherokee"/>
+        <a:font script="Yiii" typeface="Microsoft Yi Baiti"/>
+        <a:font script="Tibt" typeface="Microsoft Himalaya"/>
+        <a:font script="Thaa" typeface="MV Boli"/>
+        <a:font script="Deva" typeface="Mangal"/>
+        <a:font script="Telu" typeface="Gautami"/>
+        <a:font script="Taml" typeface="Latha"/>
+        <a:font script="Syrc" typeface="Estrangelo Edessa"/>
+        <a:font script="Orya" typeface="Kalinga"/>
+        <a:font script="Mlym" typeface="Kartika"/>
+        <a:font script="Laoo" typeface="DokChampa"/>
+        <a:font script="Sinh" typeface="Iskoola Pota"/>
+        <a:font script="Mong" typeface="Mongolian Baiti"/>
+        <a:font script="Viet" typeface="Times New Roman"/>
+        <a:font script="Uigh" typeface="Microsoft Uighur"/>
+        <a:font script="Geor" typeface="Sylfaen"/>
+        <a:font script="Armn" typeface="Arial"/>
+        <a:font script="Bugi" typeface="Leelawadee UI"/>
+        <a:font script="Bopo" typeface="Microsoft JhengHei"/>
+        <a:font script="Java" typeface="Javanese Text"/>
+        <a:font script="Lisu" typeface="Segoe UI"/>
+        <a:font script="Mymr" typeface="Myanmar Text"/>
+        <a:font script="Nkoo" typeface="Ebrima"/>
+        <a:font script="Olck" typeface="Nirmala UI"/>
+        <a:font script="Osma" typeface="Ebrima"/>
+        <a:font script="Phag" typeface="Phagspa"/>
+        <a:font script="Syrn" typeface="Estrangelo Edessa"/>
+        <a:font script="Syrj" typeface="Estrangelo Edessa"/>
+        <a:font script="Syre" typeface="Estrangelo Edessa"/>
+        <a:font script="Sora" typeface="Nirmala UI"/>
+        <a:font script="Tale" typeface="Microsoft Tai Le"/>
+        <a:font script="Talu" typeface="Microsoft New Tai Lue"/>
+        <a:font script="Tfng" typeface="Ebrima"/>
+      </a:majorFont>
+      <a:minorFont>
+        <a:latin typeface="Calibri" panose="020F0502020204030204"/>
+        <a:ea typeface=""/>
+        <a:cs typeface=""/>
+        <a:font script="Jpan" typeface="游ゴシック"/>
+        <a:font script="Hang" typeface="맑은 고딕"/>
+        <a:font script="Hans" typeface="等线"/>
+        <a:font script="Hant" typeface="新細明體"/>
+        <a:font script="Arab" typeface="Arial"/>
+        <a:font script="Hebr" typeface="Arial"/>
+        <a:font script="Thai" typeface="Cordia New"/>
+        <a:font script="Ethi" typeface="Nyala"/>
+        <a:font script="Beng" typeface="Vrinda"/>
+        <a:font script="Gujr" typeface="Shruti"/>
+        <a:font script="Khmr" typeface="DaunPenh"/>
+        <a:font script="Knda" typeface="Tunga"/>
+        <a:font script="Guru" typeface="Raavi"/>
+        <a:font script="Cans" typeface="Euphemia"/>
+        <a:font script="Cher" typeface="Plantagenet Cherokee"/>
+        <a:font script="Yiii" typeface="Microsoft Yi Baiti"/>
+        <a:font script="Tibt" typeface="Microsoft Himalaya"/>
+        <a:font script="Thaa" typeface="MV Boli"/>
+        <a:font script="Deva" typeface="Mangal"/>
+        <a:font script="Telu" typeface="Gautami"/>
+        <a:font script="Taml" typeface="Latha"/>
+        <a:font script="Syrc" typeface="Estrangelo Edessa"/>
+        <a:font script="Orya" typeface="Kalinga"/>
+        <a:font script="Mlym" typeface="Kartika"/>
+        <a:font script="Laoo" typeface="DokChampa"/>
+        <a:font script="Sinh" typeface="Iskoola Pota"/>
+        <a:font script="Mong" typeface="Mongolian Baiti"/>
+        <a:font script="Viet" typeface="Arial"/>
+        <a:font script="Uigh" typeface="Microsoft Uighur"/>
+        <a:font script="Geor" typeface="Sylfaen"/>
+        <a:font script="Armn" typeface="Arial"/>
+        <a:font script="Bugi" typeface="Leelawadee UI"/>
+        <a:font script="Bopo" typeface="Microsoft JhengHei"/>
+        <a:font script="Java" typeface="Javanese Text"/>
+        <a:font script="Lisu" typeface="Segoe UI"/>
+        <a:font script="Mymr" typeface="Myanmar Text"/>
+        <a:font script="Nkoo" typeface="Ebrima"/>
+        <a:font script="Olck" typeface="Nirmala UI"/>
+        <a:font script="Osma" typeface="Ebrima"/>
+        <a:font script="Phag" typeface="Phagspa"/>
+        <a:font script="Syrn" typeface="Estrangelo Edessa"/>
+        <a:font script="Syrj" typeface="Estrangelo Edessa"/>
+        <a:font script="Syre" typeface="Estrangelo Edessa"/>
+        <a:font script="Sora" typeface="Nirmala UI"/>
+        <a:font script="Tale" typeface="Microsoft Tai Le"/>
+        <a:font script="Talu" typeface="Microsoft New Tai Lue"/>
+        <a:font script="Tfng" typeface="Ebrima"/>
+      </a:minorFont>
+    </a:fontScheme>
+    <a:fmtScheme name="Office">
+      <a:fillStyleLst>
+        <a:solidFill>
+          <a:schemeClr val="phClr"/>
+        </a:solidFill>
+        <a:gradFill rotWithShape="1">
+          <a:gsLst>
+            <a:gs pos="0">
+              <a:schemeClr val="phClr">
+                <a:lumMod val="110000"/>
+                <a:satMod val="105000"/>
+                <a:tint val="67000"/>
+              </a:schemeClr>
+            </a:gs>
+            <a:gs pos="50000">
+              <a:schemeClr val="phClr">
+                <a:lumMod val="105000"/>
+                <a:satMod val="103000"/>
+                <a:tint val="73000"/>
+              </a:schemeClr>
+            </a:gs>
+            <a:gs pos="100000">
+              <a:schemeClr val="phClr">
+                <a:lumMod val="105000"/>
+                <a:satMod val="109000"/>
+                <a:tint val="81000"/>
+              </a:schemeClr>
+            </a:gs>
+          </a:gsLst>
+          <a:lin ang="5400000" scaled="0"/>
+        </a:gradFill>
+        <a:gradFill rotWithShape="1">
+          <a:gsLst>
+            <a:gs pos="0">
+              <a:schemeClr val="phClr">
+                <a:satMod val="103000"/>
+                <a:lumMod val="102000"/>
+                <a:tint val="94000"/>
+              </a:schemeClr>
+            </a:gs>
+            <a:gs pos="50000">
+              <a:schemeClr val="phClr">
+                <a:satMod val="110000"/>
+                <a:lumMod val="100000"/>
+                <a:shade val="100000"/>
+              </a:schemeClr>
+            </a:gs>
+            <a:gs pos="100000">
+              <a:schemeClr val="phClr">
+                <a:lumMod val="99000"/>
+                <a:satMod val="120000"/>
+                <a:shade val="78000"/>
+              </a:schemeClr>
+            </a:gs>
+          </a:gsLst>
+          <a:lin ang="5400000" scaled="0"/>
+        </a:gradFill>
+      </a:fillStyleLst>
+      <a:lnStyleLst>
+        <a:ln w="6350" cap="flat" cmpd="sng" algn="ctr">
+          <a:solidFill>
+            <a:schemeClr val="phClr"/>
+          </a:solidFill>
+          <a:prstDash val="solid"/>
+          <a:miter lim="800000"/>
+        </a:ln>
+        <a:ln w="12700" cap="flat" cmpd="sng" algn="ctr">
+          <a:solidFill>
+            <a:schemeClr val="phClr"/>
+          </a:solidFill>
+          <a:prstDash val="solid"/>
+          <a:miter lim="800000"/>
+        </a:ln>
+        <a:ln w="19050" cap="flat" cmpd="sng" algn="ctr">
+          <a:solidFill>
+            <a:schemeClr val="phClr"/>
+          </a:solidFill>
+          <a:prstDash val="solid"/>
+          <a:miter lim="800000"/>
+        </a:ln>
+      </a:lnStyleLst>
+      <a:effectStyleLst>
+        <a:effectStyle>
+          <a:effectLst/>
+        </a:effectStyle>
+        <a:effectStyle>
+          <a:effectLst/>
+        </a:effectStyle>
+        <a:effectStyle>
+          <a:effectLst>
+            <a:outerShdw blurRad="57150" dist="19050" dir="5400000" algn="ctr" rotWithShape="0">
+              <a:srgbClr val="000000">
+                <a:alpha val="63000"/>
+              </a:srgbClr>
+            </a:outerShdw>
+          </a:effectLst>
+        </a:effectStyle>
+      </a:effectStyleLst>
+      <a:bgFillStyleLst>
+        <a:solidFill>
+          <a:schemeClr val="phClr"/>
+        </a:solidFill>
+        <a:solidFill>
+          <a:schemeClr val="phClr">
+            <a:tint val="95000"/>
+            <a:satMod val="170000"/>
+          </a:schemeClr>
+        </a:solidFill>
+        <a:gradFill rotWithShape="1">
+          <a:gsLst>
+            <a:gs pos="0">
+              <a:schemeClr val="phClr">
+                <a:tint val="93000"/>
+                <a:satMod val="150000"/>
+                <a:shade val="98000"/>
+                <a:lumMod val="102000"/>
+              </a:schemeClr>
+            </a:gs>
+            <a:gs pos="50000">
+              <a:schemeClr val="phClr">
+                <a:tint val="98000"/>
+                <a:satMod val="130000"/>
+                <a:shade val="90000"/>
+                <a:lumMod val="103000"/>
+              </a:schemeClr>
+            </a:gs>
+            <a:gs pos="100000">
+              <a:schemeClr val="phClr">
+                <a:shade val="63000"/>
+                <a:satMod val="120000"/>
+              </a:schemeClr>
+            </a:gs>
+          </a:gsLst>
+          <a:lin ang="5400000" scaled="0"/>
+        </a:gradFill>
+      </a:bgFillStyleLst>
+    </a:fmtScheme>
+  </a:themeElements>
+  <a:objectDefaults/>
+  <a:extraClrSchemeLst/>
+  <a:extLst>
+    <a:ext uri="{05A4C25C-085E-4340-85A3-A5531E510DB2}">
+      <thm15:themeFamily xmlns:thm15="http://schemas.microsoft.com/office/thememl/2012/main" name="Office Theme" id="{62F939B6-93AF-4DB8-9C6B-D6C7DFDC589F}" vid="{4A3C46E8-61CC-4603-A589-7422A47A8E4A}"/>
+    </a:ext>
+  </a:extLst>
+</a:theme>
+</file>
+
 <file path=docMetadata/LabelInfo.xml><?xml version="1.0" encoding="utf-8"?>
 <clbl:labelList xmlns:clbl="http://schemas.microsoft.com/office/2020/mipLabelMetadata">
   <clbl:label id="{8d4b558f-7b2e-40ba-ad1f-e04d79e6265a}" enabled="0" method="" siteId="{8d4b558f-7b2e-40ba-ad1f-e04d79e6265a}" removed="1"/>
